--- a/source/lessons/lsn28/Lsn28.pptx
+++ b/source/lessons/lsn28/Lsn28.pptx
@@ -7,14 +7,14 @@
     <p:sldMasterId id="2147483667" r:id="rId3"/>
   </p:sldMasterIdLst>
   <p:notesMasterIdLst>
-    <p:notesMasterId r:id="rId26"/>
+    <p:notesMasterId r:id="rId27"/>
   </p:notesMasterIdLst>
   <p:handoutMasterIdLst>
-    <p:handoutMasterId r:id="rId27"/>
+    <p:handoutMasterId r:id="rId28"/>
   </p:handoutMasterIdLst>
   <p:sldIdLst>
     <p:sldId id="352" r:id="rId4"/>
-    <p:sldId id="354" r:id="rId5"/>
+    <p:sldId id="388" r:id="rId5"/>
     <p:sldId id="363" r:id="rId6"/>
     <p:sldId id="370" r:id="rId7"/>
     <p:sldId id="371" r:id="rId8"/>
@@ -35,6 +35,7 @@
     <p:sldId id="386" r:id="rId23"/>
     <p:sldId id="387" r:id="rId24"/>
     <p:sldId id="353" r:id="rId25"/>
+    <p:sldId id="354" r:id="rId26"/>
   </p:sldIdLst>
   <p:sldSz cx="9144000" cy="6858000" type="screen4x3"/>
   <p:notesSz cx="7010400" cy="9296400"/>
@@ -1372,7 +1373,7 @@
           <a:p>
             <a:fld id="{834513E8-165F-4932-9E2D-FD497CB9A4FD}" type="datetimeFigureOut">
               <a:rPr lang="en-US" smtClean="0"/>
-              <a:t>10/15/2018</a:t>
+              <a:t>10/16/2018</a:t>
             </a:fld>
             <a:endParaRPr lang="en-US"/>
           </a:p>
@@ -1649,7 +1650,7 @@
           <a:p>
             <a:fld id="{834513E8-165F-4932-9E2D-FD497CB9A4FD}" type="datetimeFigureOut">
               <a:rPr lang="en-US" smtClean="0"/>
-              <a:t>10/15/2018</a:t>
+              <a:t>10/16/2018</a:t>
             </a:fld>
             <a:endParaRPr lang="en-US"/>
           </a:p>
@@ -1902,7 +1903,7 @@
           <a:p>
             <a:fld id="{834513E8-165F-4932-9E2D-FD497CB9A4FD}" type="datetimeFigureOut">
               <a:rPr lang="en-US" smtClean="0"/>
-              <a:t>10/15/2018</a:t>
+              <a:t>10/16/2018</a:t>
             </a:fld>
             <a:endParaRPr lang="en-US"/>
           </a:p>
@@ -2072,7 +2073,7 @@
           <a:p>
             <a:fld id="{834513E8-165F-4932-9E2D-FD497CB9A4FD}" type="datetimeFigureOut">
               <a:rPr lang="en-US" smtClean="0"/>
-              <a:t>10/15/2018</a:t>
+              <a:t>10/16/2018</a:t>
             </a:fld>
             <a:endParaRPr lang="en-US"/>
           </a:p>
@@ -2252,7 +2253,7 @@
           <a:p>
             <a:fld id="{834513E8-165F-4932-9E2D-FD497CB9A4FD}" type="datetimeFigureOut">
               <a:rPr lang="en-US" smtClean="0"/>
-              <a:t>10/15/2018</a:t>
+              <a:t>10/16/2018</a:t>
             </a:fld>
             <a:endParaRPr lang="en-US"/>
           </a:p>
@@ -2996,7 +2997,7 @@
           <a:p>
             <a:fld id="{834513E8-165F-4932-9E2D-FD497CB9A4FD}" type="datetimeFigureOut">
               <a:rPr lang="en-US" smtClean="0"/>
-              <a:t>10/15/2018</a:t>
+              <a:t>10/16/2018</a:t>
             </a:fld>
             <a:endParaRPr lang="en-US"/>
           </a:p>
@@ -3166,7 +3167,7 @@
           <a:p>
             <a:fld id="{834513E8-165F-4932-9E2D-FD497CB9A4FD}" type="datetimeFigureOut">
               <a:rPr lang="en-US" smtClean="0"/>
-              <a:t>10/15/2018</a:t>
+              <a:t>10/16/2018</a:t>
             </a:fld>
             <a:endParaRPr lang="en-US"/>
           </a:p>
@@ -3412,7 +3413,7 @@
           <a:p>
             <a:fld id="{834513E8-165F-4932-9E2D-FD497CB9A4FD}" type="datetimeFigureOut">
               <a:rPr lang="en-US" smtClean="0"/>
-              <a:t>10/15/2018</a:t>
+              <a:t>10/16/2018</a:t>
             </a:fld>
             <a:endParaRPr lang="en-US"/>
           </a:p>
@@ -3644,7 +3645,7 @@
           <a:p>
             <a:fld id="{834513E8-165F-4932-9E2D-FD497CB9A4FD}" type="datetimeFigureOut">
               <a:rPr lang="en-US" smtClean="0"/>
-              <a:t>10/15/2018</a:t>
+              <a:t>10/16/2018</a:t>
             </a:fld>
             <a:endParaRPr lang="en-US"/>
           </a:p>
@@ -4011,7 +4012,7 @@
           <a:p>
             <a:fld id="{834513E8-165F-4932-9E2D-FD497CB9A4FD}" type="datetimeFigureOut">
               <a:rPr lang="en-US" smtClean="0"/>
-              <a:t>10/15/2018</a:t>
+              <a:t>10/16/2018</a:t>
             </a:fld>
             <a:endParaRPr lang="en-US"/>
           </a:p>
@@ -4129,7 +4130,7 @@
           <a:p>
             <a:fld id="{834513E8-165F-4932-9E2D-FD497CB9A4FD}" type="datetimeFigureOut">
               <a:rPr lang="en-US" smtClean="0"/>
-              <a:t>10/15/2018</a:t>
+              <a:t>10/16/2018</a:t>
             </a:fld>
             <a:endParaRPr lang="en-US"/>
           </a:p>
@@ -5945,7 +5946,7 @@
           <a:p>
             <a:fld id="{834513E8-165F-4932-9E2D-FD497CB9A4FD}" type="datetimeFigureOut">
               <a:rPr lang="en-US" smtClean="0"/>
-              <a:t>10/15/2018</a:t>
+              <a:t>10/16/2018</a:t>
             </a:fld>
             <a:endParaRPr lang="en-US"/>
           </a:p>
@@ -6580,14 +6581,7 @@
                 <a:effectLst/>
                 <a:latin typeface="Trebuchet MS" panose="020B0603020202020204" pitchFamily="34" charset="0"/>
               </a:rPr>
-              <a:t>Lesson </a:t>
-            </a:r>
-            <a:r>
-              <a:rPr lang="en-US" kern="0" smtClean="0">
-                <a:effectLst/>
-                <a:latin typeface="Trebuchet MS" panose="020B0603020202020204" pitchFamily="34" charset="0"/>
-              </a:rPr>
-              <a:t>28</a:t>
+              <a:t>Lesson 28</a:t>
             </a:r>
             <a:endParaRPr lang="en-US" kern="0" dirty="0">
               <a:effectLst/>
@@ -11579,6 +11573,1980 @@
           <a:p>
             <a:r>
               <a:rPr lang="en-US" dirty="0" smtClean="0"/>
+              <a:t>What is Capture/Compare?</a:t>
+            </a:r>
+            <a:endParaRPr lang="en-US" dirty="0"/>
+          </a:p>
+        </p:txBody>
+      </p:sp>
+      <p:sp>
+        <p:nvSpPr>
+          <p:cNvPr id="3" name="Content Placeholder 2"/>
+          <p:cNvSpPr>
+            <a:spLocks noGrp="1"/>
+          </p:cNvSpPr>
+          <p:nvPr>
+            <p:ph idx="1"/>
+          </p:nvPr>
+        </p:nvSpPr>
+        <p:spPr/>
+        <p:txBody>
+          <a:bodyPr/>
+          <a:lstStyle/>
+          <a:p>
+            <a:r>
+              <a:rPr lang="en-US" dirty="0" smtClean="0"/>
+              <a:t>Capture</a:t>
+            </a:r>
+          </a:p>
+          <a:p>
+            <a:pPr lvl="1"/>
+            <a:r>
+              <a:rPr lang="en-US" dirty="0" smtClean="0"/>
+              <a:t>When a pin changes value, the time is recorded and an interrupt occurs. The interrupt service routine can then operate on that data and reset the time for the next event</a:t>
+            </a:r>
+          </a:p>
+          <a:p>
+            <a:r>
+              <a:rPr lang="en-US" dirty="0" smtClean="0"/>
+              <a:t>Compare</a:t>
+            </a:r>
+          </a:p>
+          <a:p>
+            <a:pPr lvl="1"/>
+            <a:r>
+              <a:rPr lang="en-US" dirty="0" smtClean="0"/>
+              <a:t>Used to generate a signal. When a timer reaches a predefined value, an interrupt occurs and a pin’s state is changed</a:t>
+            </a:r>
+          </a:p>
+          <a:p>
+            <a:pPr lvl="1"/>
+            <a:endParaRPr lang="en-US" dirty="0"/>
+          </a:p>
+        </p:txBody>
+      </p:sp>
+    </p:spTree>
+    <p:extLst>
+      <p:ext uri="{BB962C8B-B14F-4D97-AF65-F5344CB8AC3E}">
+        <p14:creationId xmlns:p14="http://schemas.microsoft.com/office/powerpoint/2010/main" val="2630755382"/>
+      </p:ext>
+    </p:extLst>
+  </p:cSld>
+  <p:clrMapOvr>
+    <a:masterClrMapping/>
+  </p:clrMapOvr>
+</p:sld>
+</file>
+
+<file path=ppt/slides/slide20.xml><?xml version="1.0" encoding="utf-8"?>
+<p:sld xmlns:a="http://schemas.openxmlformats.org/drawingml/2006/main" xmlns:r="http://schemas.openxmlformats.org/officeDocument/2006/relationships" xmlns:p="http://schemas.openxmlformats.org/presentationml/2006/main">
+  <p:cSld>
+    <p:spTree>
+      <p:nvGrpSpPr>
+        <p:cNvPr id="1" name=""/>
+        <p:cNvGrpSpPr/>
+        <p:nvPr/>
+      </p:nvGrpSpPr>
+      <p:grpSpPr>
+        <a:xfrm>
+          <a:off x="0" y="0"/>
+          <a:ext cx="0" cy="0"/>
+          <a:chOff x="0" y="0"/>
+          <a:chExt cx="0" cy="0"/>
+        </a:xfrm>
+      </p:grpSpPr>
+      <p:sp>
+        <p:nvSpPr>
+          <p:cNvPr id="2" name="Title 1"/>
+          <p:cNvSpPr>
+            <a:spLocks noGrp="1"/>
+          </p:cNvSpPr>
+          <p:nvPr>
+            <p:ph type="title"/>
+          </p:nvPr>
+        </p:nvSpPr>
+        <p:spPr/>
+        <p:txBody>
+          <a:bodyPr/>
+          <a:lstStyle/>
+          <a:p>
+            <a:r>
+              <a:rPr lang="en-US" b="1" dirty="0" smtClean="0"/>
+              <a:t>Example with Interrupt</a:t>
+            </a:r>
+            <a:endParaRPr lang="en-US" b="1" dirty="0"/>
+          </a:p>
+        </p:txBody>
+      </p:sp>
+      <p:sp>
+        <p:nvSpPr>
+          <p:cNvPr id="3" name="Content Placeholder 2"/>
+          <p:cNvSpPr>
+            <a:spLocks noGrp="1"/>
+          </p:cNvSpPr>
+          <p:nvPr>
+            <p:ph idx="1"/>
+          </p:nvPr>
+        </p:nvSpPr>
+        <p:spPr>
+          <a:xfrm>
+            <a:off x="253089" y="1489840"/>
+            <a:ext cx="8557536" cy="4870855"/>
+          </a:xfrm>
+        </p:spPr>
+        <p:txBody>
+          <a:bodyPr>
+            <a:normAutofit fontScale="47500" lnSpcReduction="20000"/>
+          </a:bodyPr>
+          <a:lstStyle/>
+          <a:p>
+            <a:pPr marL="0" indent="0">
+              <a:buNone/>
+            </a:pPr>
+            <a:r>
+              <a:rPr lang="en-US" sz="1200" b="1" dirty="0">
+                <a:solidFill>
+                  <a:srgbClr val="7F0055"/>
+                </a:solidFill>
+                <a:latin typeface="Consolas"/>
+              </a:rPr>
+              <a:t>#include</a:t>
+            </a:r>
+            <a:r>
+              <a:rPr lang="en-US" sz="1200" b="1" dirty="0">
+                <a:solidFill>
+                  <a:srgbClr val="000000"/>
+                </a:solidFill>
+                <a:latin typeface="Consolas"/>
+              </a:rPr>
+              <a:t> </a:t>
+            </a:r>
+            <a:r>
+              <a:rPr lang="en-US" sz="1200" b="1" dirty="0">
+                <a:solidFill>
+                  <a:srgbClr val="2A00FF"/>
+                </a:solidFill>
+                <a:latin typeface="Consolas"/>
+              </a:rPr>
+              <a:t>&lt;msp430.h&gt;</a:t>
+            </a:r>
+          </a:p>
+          <a:p>
+            <a:pPr marL="0" indent="0">
+              <a:buNone/>
+            </a:pPr>
+            <a:endParaRPr lang="en-US" sz="1200" dirty="0">
+              <a:latin typeface="Consolas"/>
+            </a:endParaRPr>
+          </a:p>
+          <a:p>
+            <a:pPr marL="0" indent="0">
+              <a:buNone/>
+            </a:pPr>
+            <a:r>
+              <a:rPr lang="en-US" sz="1200" b="1" dirty="0">
+                <a:solidFill>
+                  <a:srgbClr val="7F0055"/>
+                </a:solidFill>
+                <a:latin typeface="Consolas"/>
+              </a:rPr>
+              <a:t>void</a:t>
+            </a:r>
+            <a:r>
+              <a:rPr lang="en-US" sz="1200" b="1" dirty="0">
+                <a:solidFill>
+                  <a:srgbClr val="000000"/>
+                </a:solidFill>
+                <a:latin typeface="Consolas"/>
+              </a:rPr>
+              <a:t> main(</a:t>
+            </a:r>
+            <a:r>
+              <a:rPr lang="en-US" sz="1200" b="1" dirty="0">
+                <a:solidFill>
+                  <a:srgbClr val="7F0055"/>
+                </a:solidFill>
+                <a:latin typeface="Consolas"/>
+              </a:rPr>
+              <a:t>void</a:t>
+            </a:r>
+            <a:r>
+              <a:rPr lang="en-US" sz="1200" b="1" dirty="0">
+                <a:solidFill>
+                  <a:srgbClr val="000000"/>
+                </a:solidFill>
+                <a:latin typeface="Consolas"/>
+              </a:rPr>
+              <a:t>)</a:t>
+            </a:r>
+          </a:p>
+          <a:p>
+            <a:pPr marL="0" indent="0">
+              <a:buNone/>
+            </a:pPr>
+            <a:r>
+              <a:rPr lang="en-US" sz="1200" dirty="0">
+                <a:solidFill>
+                  <a:srgbClr val="000000"/>
+                </a:solidFill>
+                <a:latin typeface="Consolas"/>
+              </a:rPr>
+              <a:t>{</a:t>
+            </a:r>
+          </a:p>
+          <a:p>
+            <a:pPr marL="0" indent="0">
+              <a:buNone/>
+            </a:pPr>
+            <a:r>
+              <a:rPr lang="en-US" sz="1200" dirty="0">
+                <a:solidFill>
+                  <a:srgbClr val="000000"/>
+                </a:solidFill>
+                <a:latin typeface="Consolas"/>
+              </a:rPr>
+              <a:t>    WDTCTL = WDTPW|WDTHOLD;</a:t>
+            </a:r>
+            <a:r>
+              <a:rPr lang="en-US" sz="1200" dirty="0">
+                <a:solidFill>
+                  <a:srgbClr val="3F7F5F"/>
+                </a:solidFill>
+                <a:latin typeface="Consolas"/>
+              </a:rPr>
+              <a:t>// stop the watchdog timer</a:t>
+            </a:r>
+          </a:p>
+          <a:p>
+            <a:pPr marL="0" indent="0">
+              <a:buNone/>
+            </a:pPr>
+            <a:endParaRPr lang="en-US" sz="1200" dirty="0">
+              <a:latin typeface="Consolas"/>
+            </a:endParaRPr>
+          </a:p>
+          <a:p>
+            <a:pPr marL="0" indent="0">
+              <a:buNone/>
+            </a:pPr>
+            <a:r>
+              <a:rPr lang="fr-FR" sz="1200" dirty="0">
+                <a:solidFill>
+                  <a:srgbClr val="000000"/>
+                </a:solidFill>
+                <a:latin typeface="Consolas"/>
+              </a:rPr>
+              <a:t>        P2DIR |= BIT1;                </a:t>
+            </a:r>
+            <a:r>
+              <a:rPr lang="fr-FR" sz="1200" dirty="0">
+                <a:solidFill>
+                  <a:srgbClr val="3F7F5F"/>
+                </a:solidFill>
+                <a:latin typeface="Consolas"/>
+              </a:rPr>
+              <a:t>// TA1CCR1 on P2.1</a:t>
+            </a:r>
+          </a:p>
+          <a:p>
+            <a:pPr marL="0" indent="0">
+              <a:buNone/>
+            </a:pPr>
+            <a:r>
+              <a:rPr lang="fr-FR" sz="1200" dirty="0">
+                <a:solidFill>
+                  <a:srgbClr val="000000"/>
+                </a:solidFill>
+                <a:latin typeface="Consolas"/>
+              </a:rPr>
+              <a:t>        P2SEL |= BIT1;                </a:t>
+            </a:r>
+            <a:r>
+              <a:rPr lang="fr-FR" sz="1200" dirty="0">
+                <a:solidFill>
+                  <a:srgbClr val="3F7F5F"/>
+                </a:solidFill>
+                <a:latin typeface="Consolas"/>
+              </a:rPr>
+              <a:t>// TA1CCR1 on P2.1</a:t>
+            </a:r>
+          </a:p>
+          <a:p>
+            <a:pPr marL="0" indent="0">
+              <a:buNone/>
+            </a:pPr>
+            <a:r>
+              <a:rPr lang="en-US" sz="1200" dirty="0">
+                <a:solidFill>
+                  <a:srgbClr val="000000"/>
+                </a:solidFill>
+                <a:latin typeface="Consolas"/>
+              </a:rPr>
+              <a:t>        P2OUT &amp;= ~BIT1;</a:t>
+            </a:r>
+          </a:p>
+          <a:p>
+            <a:pPr marL="0" indent="0">
+              <a:buNone/>
+            </a:pPr>
+            <a:endParaRPr lang="en-US" sz="1200" dirty="0">
+              <a:latin typeface="Consolas"/>
+            </a:endParaRPr>
+          </a:p>
+          <a:p>
+            <a:pPr marL="0" indent="0">
+              <a:buNone/>
+            </a:pPr>
+            <a:r>
+              <a:rPr lang="en-US" sz="1200" dirty="0">
+                <a:solidFill>
+                  <a:srgbClr val="000000"/>
+                </a:solidFill>
+                <a:latin typeface="Consolas"/>
+              </a:rPr>
+              <a:t>        TA1CTL |= TASSEL_2|MC_1|ID_0;   </a:t>
+            </a:r>
+            <a:r>
+              <a:rPr lang="en-US" sz="1200" dirty="0">
+                <a:solidFill>
+                  <a:srgbClr val="3F7F5F"/>
+                </a:solidFill>
+                <a:latin typeface="Consolas"/>
+              </a:rPr>
+              <a:t>// configure for SMCLK</a:t>
+            </a:r>
+          </a:p>
+          <a:p>
+            <a:pPr marL="0" indent="0">
+              <a:buNone/>
+            </a:pPr>
+            <a:r>
+              <a:rPr lang="en-US" sz="1200" dirty="0">
+                <a:solidFill>
+                  <a:srgbClr val="000000"/>
+                </a:solidFill>
+                <a:latin typeface="Consolas"/>
+              </a:rPr>
+              <a:t>        P1DIR |= BIT0;            </a:t>
+            </a:r>
+            <a:r>
+              <a:rPr lang="en-US" sz="1200" dirty="0">
+                <a:solidFill>
+                  <a:srgbClr val="3F7F5F"/>
+                </a:solidFill>
+                <a:latin typeface="Consolas"/>
+              </a:rPr>
+              <a:t>//use LED to indicate duty cycle has toggled</a:t>
+            </a:r>
+          </a:p>
+          <a:p>
+            <a:pPr marL="0" indent="0">
+              <a:buNone/>
+            </a:pPr>
+            <a:r>
+              <a:rPr lang="en-US" sz="1200" dirty="0">
+                <a:solidFill>
+                  <a:srgbClr val="000000"/>
+                </a:solidFill>
+                <a:latin typeface="Consolas"/>
+              </a:rPr>
+              <a:t>        P1REN |= BIT3;</a:t>
+            </a:r>
+          </a:p>
+          <a:p>
+            <a:pPr marL="0" indent="0">
+              <a:buNone/>
+            </a:pPr>
+            <a:r>
+              <a:rPr lang="en-US" sz="1200" dirty="0">
+                <a:solidFill>
+                  <a:srgbClr val="000000"/>
+                </a:solidFill>
+                <a:latin typeface="Consolas"/>
+              </a:rPr>
+              <a:t>        P1OUT |= BIT3;</a:t>
+            </a:r>
+          </a:p>
+          <a:p>
+            <a:pPr marL="0" indent="0">
+              <a:buNone/>
+            </a:pPr>
+            <a:endParaRPr lang="en-US" sz="1200" dirty="0">
+              <a:latin typeface="Consolas"/>
+            </a:endParaRPr>
+          </a:p>
+          <a:p>
+            <a:pPr marL="0" indent="0">
+              <a:buNone/>
+            </a:pPr>
+            <a:r>
+              <a:rPr lang="en-US" sz="1200" dirty="0">
+                <a:solidFill>
+                  <a:srgbClr val="000000"/>
+                </a:solidFill>
+                <a:latin typeface="Consolas"/>
+              </a:rPr>
+              <a:t>        TA1CCR0 = 1000;        </a:t>
+            </a:r>
+            <a:r>
+              <a:rPr lang="en-US" sz="1200" dirty="0" smtClean="0">
+                <a:solidFill>
+                  <a:srgbClr val="000000"/>
+                </a:solidFill>
+                <a:latin typeface="Consolas"/>
+              </a:rPr>
+              <a:t>        </a:t>
+            </a:r>
+            <a:r>
+              <a:rPr lang="en-US" sz="1200" dirty="0" smtClean="0">
+                <a:solidFill>
+                  <a:srgbClr val="3F7F5F"/>
+                </a:solidFill>
+                <a:latin typeface="Consolas"/>
+              </a:rPr>
+              <a:t>// </a:t>
+            </a:r>
+            <a:r>
+              <a:rPr lang="en-US" sz="1200" dirty="0">
+                <a:solidFill>
+                  <a:srgbClr val="3F7F5F"/>
+                </a:solidFill>
+                <a:latin typeface="Consolas"/>
+              </a:rPr>
+              <a:t>set signal period to 1000 clock cycles (~1 millisecond)</a:t>
+            </a:r>
+          </a:p>
+          <a:p>
+            <a:pPr marL="0" indent="0">
+              <a:buNone/>
+            </a:pPr>
+            <a:r>
+              <a:rPr lang="en-US" sz="1200" dirty="0">
+                <a:solidFill>
+                  <a:srgbClr val="000000"/>
+                </a:solidFill>
+                <a:latin typeface="Consolas"/>
+              </a:rPr>
+              <a:t>        TA1CCR1 = 250;               </a:t>
+            </a:r>
+            <a:r>
+              <a:rPr lang="en-US" sz="1200" dirty="0" smtClean="0">
+                <a:solidFill>
+                  <a:srgbClr val="000000"/>
+                </a:solidFill>
+                <a:latin typeface="Consolas"/>
+              </a:rPr>
+              <a:t>  </a:t>
+            </a:r>
+            <a:r>
+              <a:rPr lang="en-US" sz="1200" dirty="0" smtClean="0">
+                <a:solidFill>
+                  <a:srgbClr val="3F7F5F"/>
+                </a:solidFill>
+                <a:latin typeface="Consolas"/>
+              </a:rPr>
+              <a:t>// </a:t>
+            </a:r>
+            <a:r>
+              <a:rPr lang="en-US" sz="1200" dirty="0">
+                <a:solidFill>
+                  <a:srgbClr val="3F7F5F"/>
+                </a:solidFill>
+                <a:latin typeface="Consolas"/>
+              </a:rPr>
+              <a:t>set duty cycle to 250/1000 (25%)</a:t>
+            </a:r>
+          </a:p>
+          <a:p>
+            <a:pPr marL="0" indent="0">
+              <a:buNone/>
+            </a:pPr>
+            <a:r>
+              <a:rPr lang="fr-FR" sz="1200" dirty="0">
+                <a:solidFill>
+                  <a:srgbClr val="000000"/>
+                </a:solidFill>
+                <a:latin typeface="Consolas"/>
+              </a:rPr>
+              <a:t>        TA1CCTL0 |= CCIE;               </a:t>
+            </a:r>
+            <a:r>
+              <a:rPr lang="fr-FR" sz="1200" dirty="0">
+                <a:solidFill>
+                  <a:srgbClr val="3F7F5F"/>
+                </a:solidFill>
+                <a:latin typeface="Consolas"/>
+              </a:rPr>
+              <a:t>// </a:t>
+            </a:r>
+            <a:r>
+              <a:rPr lang="fr-FR" sz="1200" dirty="0" err="1">
+                <a:solidFill>
+                  <a:srgbClr val="3F7F5F"/>
+                </a:solidFill>
+                <a:latin typeface="Consolas"/>
+              </a:rPr>
+              <a:t>enable</a:t>
+            </a:r>
+            <a:r>
+              <a:rPr lang="fr-FR" sz="1200" dirty="0">
+                <a:solidFill>
+                  <a:srgbClr val="3F7F5F"/>
+                </a:solidFill>
+                <a:latin typeface="Consolas"/>
+              </a:rPr>
+              <a:t> CC </a:t>
+            </a:r>
+            <a:r>
+              <a:rPr lang="fr-FR" sz="1200" dirty="0" err="1">
+                <a:solidFill>
+                  <a:srgbClr val="3F7F5F"/>
+                </a:solidFill>
+                <a:latin typeface="Consolas"/>
+              </a:rPr>
+              <a:t>interrupts</a:t>
+            </a:r>
+            <a:endParaRPr lang="fr-FR" sz="1200" dirty="0">
+              <a:solidFill>
+                <a:srgbClr val="3F7F5F"/>
+              </a:solidFill>
+              <a:latin typeface="Consolas"/>
+            </a:endParaRPr>
+          </a:p>
+          <a:p>
+            <a:pPr marL="0" indent="0">
+              <a:buNone/>
+            </a:pPr>
+            <a:r>
+              <a:rPr lang="en-US" sz="1200" dirty="0">
+                <a:solidFill>
+                  <a:srgbClr val="000000"/>
+                </a:solidFill>
+                <a:latin typeface="Consolas"/>
+              </a:rPr>
+              <a:t>        TA1CCTL1 |= OUTMOD_7|CCIE</a:t>
+            </a:r>
+            <a:r>
+              <a:rPr lang="en-US" sz="1200" dirty="0" smtClean="0">
+                <a:solidFill>
+                  <a:srgbClr val="000000"/>
+                </a:solidFill>
+                <a:latin typeface="Consolas"/>
+              </a:rPr>
+              <a:t>;      </a:t>
+            </a:r>
+            <a:r>
+              <a:rPr lang="en-US" sz="1200" dirty="0" smtClean="0">
+                <a:solidFill>
+                  <a:srgbClr val="3F7F5F"/>
+                </a:solidFill>
+                <a:latin typeface="Consolas"/>
+              </a:rPr>
+              <a:t>// </a:t>
+            </a:r>
+            <a:r>
+              <a:rPr lang="en-US" sz="1200" dirty="0">
+                <a:solidFill>
+                  <a:srgbClr val="3F7F5F"/>
+                </a:solidFill>
+                <a:latin typeface="Consolas"/>
+              </a:rPr>
+              <a:t>set TACCTL1 to Set / Reset mode//enable CC interrupts</a:t>
+            </a:r>
+          </a:p>
+          <a:p>
+            <a:pPr marL="0" indent="0">
+              <a:buNone/>
+            </a:pPr>
+            <a:r>
+              <a:rPr lang="en-US" sz="1200" dirty="0">
+                <a:solidFill>
+                  <a:srgbClr val="000000"/>
+                </a:solidFill>
+                <a:latin typeface="Consolas"/>
+              </a:rPr>
+              <a:t>        TA1CCTL1 &amp;= ~CCIFG;             </a:t>
+            </a:r>
+            <a:r>
+              <a:rPr lang="en-US" sz="1200" dirty="0">
+                <a:solidFill>
+                  <a:srgbClr val="3F7F5F"/>
+                </a:solidFill>
+                <a:latin typeface="Consolas"/>
+              </a:rPr>
+              <a:t>//clear capture compare interrupt flag</a:t>
+            </a:r>
+          </a:p>
+          <a:p>
+            <a:pPr marL="0" indent="0">
+              <a:buNone/>
+            </a:pPr>
+            <a:r>
+              <a:rPr lang="en-US" sz="1200" dirty="0">
+                <a:solidFill>
+                  <a:srgbClr val="000000"/>
+                </a:solidFill>
+                <a:latin typeface="Consolas"/>
+              </a:rPr>
+              <a:t>        _</a:t>
+            </a:r>
+            <a:r>
+              <a:rPr lang="en-US" sz="1200" dirty="0" err="1">
+                <a:solidFill>
+                  <a:srgbClr val="000000"/>
+                </a:solidFill>
+                <a:latin typeface="Consolas"/>
+              </a:rPr>
+              <a:t>enable_interrupt</a:t>
+            </a:r>
+            <a:r>
+              <a:rPr lang="en-US" sz="1200" dirty="0">
+                <a:solidFill>
+                  <a:srgbClr val="000000"/>
+                </a:solidFill>
+                <a:latin typeface="Consolas"/>
+              </a:rPr>
+              <a:t>();</a:t>
+            </a:r>
+          </a:p>
+          <a:p>
+            <a:pPr marL="0" indent="0">
+              <a:buNone/>
+            </a:pPr>
+            <a:endParaRPr lang="en-US" sz="1200" dirty="0">
+              <a:latin typeface="Consolas"/>
+            </a:endParaRPr>
+          </a:p>
+          <a:p>
+            <a:pPr marL="0" indent="0">
+              <a:buNone/>
+            </a:pPr>
+            <a:r>
+              <a:rPr lang="en-US" sz="1200" dirty="0">
+                <a:solidFill>
+                  <a:srgbClr val="000000"/>
+                </a:solidFill>
+                <a:latin typeface="Consolas"/>
+              </a:rPr>
+              <a:t>        </a:t>
+            </a:r>
+            <a:r>
+              <a:rPr lang="en-US" sz="1200" b="1" dirty="0">
+                <a:solidFill>
+                  <a:srgbClr val="7F0055"/>
+                </a:solidFill>
+                <a:latin typeface="Consolas"/>
+              </a:rPr>
+              <a:t>while</a:t>
+            </a:r>
+            <a:r>
+              <a:rPr lang="en-US" sz="1200" b="1" dirty="0">
+                <a:solidFill>
+                  <a:srgbClr val="000000"/>
+                </a:solidFill>
+                <a:latin typeface="Consolas"/>
+              </a:rPr>
+              <a:t> (1) {</a:t>
+            </a:r>
+          </a:p>
+          <a:p>
+            <a:pPr marL="0" indent="0">
+              <a:buNone/>
+            </a:pPr>
+            <a:endParaRPr lang="en-US" sz="1200" dirty="0">
+              <a:latin typeface="Consolas"/>
+            </a:endParaRPr>
+          </a:p>
+          <a:p>
+            <a:pPr marL="0" indent="0">
+              <a:buNone/>
+            </a:pPr>
+            <a:r>
+              <a:rPr lang="en-US" sz="1200" dirty="0">
+                <a:solidFill>
+                  <a:srgbClr val="000000"/>
+                </a:solidFill>
+                <a:latin typeface="Consolas"/>
+              </a:rPr>
+              <a:t>            </a:t>
+            </a:r>
+            <a:r>
+              <a:rPr lang="en-US" sz="1200" b="1" dirty="0">
+                <a:solidFill>
+                  <a:srgbClr val="7F0055"/>
+                </a:solidFill>
+                <a:latin typeface="Consolas"/>
+              </a:rPr>
+              <a:t>while</a:t>
+            </a:r>
+            <a:r>
+              <a:rPr lang="en-US" sz="1200" b="1" dirty="0">
+                <a:solidFill>
+                  <a:srgbClr val="000000"/>
+                </a:solidFill>
+                <a:latin typeface="Consolas"/>
+              </a:rPr>
+              <a:t> (P1IN &amp; BIT3);     </a:t>
+            </a:r>
+            <a:r>
+              <a:rPr lang="en-US" sz="1200" b="1" dirty="0">
+                <a:solidFill>
+                  <a:srgbClr val="3F7F5F"/>
+                </a:solidFill>
+                <a:latin typeface="Consolas"/>
+              </a:rPr>
+              <a:t>//every time the button is pushed, toggle the duty cycle</a:t>
+            </a:r>
+          </a:p>
+          <a:p>
+            <a:pPr marL="0" indent="0">
+              <a:buNone/>
+            </a:pPr>
+            <a:r>
+              <a:rPr lang="en-US" sz="1200" dirty="0">
+                <a:solidFill>
+                  <a:srgbClr val="000000"/>
+                </a:solidFill>
+                <a:latin typeface="Consolas"/>
+              </a:rPr>
+              <a:t>            </a:t>
+            </a:r>
+            <a:r>
+              <a:rPr lang="en-US" sz="1200" b="1" dirty="0">
+                <a:solidFill>
+                  <a:srgbClr val="642880"/>
+                </a:solidFill>
+                <a:latin typeface="Consolas"/>
+              </a:rPr>
+              <a:t>__</a:t>
+            </a:r>
+            <a:r>
+              <a:rPr lang="en-US" sz="1200" b="1" dirty="0" err="1">
+                <a:solidFill>
+                  <a:srgbClr val="642880"/>
+                </a:solidFill>
+                <a:latin typeface="Consolas"/>
+              </a:rPr>
+              <a:t>delay_cycles</a:t>
+            </a:r>
+            <a:r>
+              <a:rPr lang="en-US" sz="1200" b="1" dirty="0">
+                <a:solidFill>
+                  <a:srgbClr val="000000"/>
+                </a:solidFill>
+                <a:latin typeface="Consolas"/>
+              </a:rPr>
+              <a:t>(1000000);</a:t>
+            </a:r>
+          </a:p>
+          <a:p>
+            <a:pPr marL="0" indent="0">
+              <a:buNone/>
+            </a:pPr>
+            <a:r>
+              <a:rPr lang="en-US" sz="1200" dirty="0">
+                <a:solidFill>
+                  <a:srgbClr val="000000"/>
+                </a:solidFill>
+                <a:latin typeface="Consolas"/>
+              </a:rPr>
+              <a:t>            TA1CCR1 = 1000;         </a:t>
+            </a:r>
+            <a:r>
+              <a:rPr lang="en-US" sz="1200" dirty="0">
+                <a:solidFill>
+                  <a:srgbClr val="3F7F5F"/>
+                </a:solidFill>
+                <a:latin typeface="Consolas"/>
+              </a:rPr>
+              <a:t>// set duty cycle to 1000/1000 (100%)</a:t>
+            </a:r>
+          </a:p>
+          <a:p>
+            <a:pPr marL="0" indent="0">
+              <a:buNone/>
+            </a:pPr>
+            <a:endParaRPr lang="en-US" sz="1200" dirty="0">
+              <a:latin typeface="Consolas"/>
+            </a:endParaRPr>
+          </a:p>
+          <a:p>
+            <a:pPr marL="0" indent="0">
+              <a:buNone/>
+            </a:pPr>
+            <a:r>
+              <a:rPr lang="en-US" sz="1200" dirty="0">
+                <a:solidFill>
+                  <a:srgbClr val="000000"/>
+                </a:solidFill>
+                <a:latin typeface="Consolas"/>
+              </a:rPr>
+              <a:t>            </a:t>
+            </a:r>
+            <a:r>
+              <a:rPr lang="en-US" sz="1200" b="1" dirty="0">
+                <a:solidFill>
+                  <a:srgbClr val="7F0055"/>
+                </a:solidFill>
+                <a:latin typeface="Consolas"/>
+              </a:rPr>
+              <a:t>while</a:t>
+            </a:r>
+            <a:r>
+              <a:rPr lang="en-US" sz="1200" b="1" dirty="0">
+                <a:solidFill>
+                  <a:srgbClr val="000000"/>
+                </a:solidFill>
+                <a:latin typeface="Consolas"/>
+              </a:rPr>
+              <a:t> (P1IN &amp; BIT3);</a:t>
+            </a:r>
+          </a:p>
+          <a:p>
+            <a:pPr marL="0" indent="0">
+              <a:buNone/>
+            </a:pPr>
+            <a:r>
+              <a:rPr lang="en-US" sz="1200" dirty="0">
+                <a:solidFill>
+                  <a:srgbClr val="000000"/>
+                </a:solidFill>
+                <a:latin typeface="Consolas"/>
+              </a:rPr>
+              <a:t>            </a:t>
+            </a:r>
+            <a:r>
+              <a:rPr lang="en-US" sz="1200" b="1" dirty="0">
+                <a:solidFill>
+                  <a:srgbClr val="642880"/>
+                </a:solidFill>
+                <a:latin typeface="Consolas"/>
+              </a:rPr>
+              <a:t>__</a:t>
+            </a:r>
+            <a:r>
+              <a:rPr lang="en-US" sz="1200" b="1" dirty="0" err="1">
+                <a:solidFill>
+                  <a:srgbClr val="642880"/>
+                </a:solidFill>
+                <a:latin typeface="Consolas"/>
+              </a:rPr>
+              <a:t>delay_cycles</a:t>
+            </a:r>
+            <a:r>
+              <a:rPr lang="en-US" sz="1200" b="1" dirty="0">
+                <a:solidFill>
+                  <a:srgbClr val="000000"/>
+                </a:solidFill>
+                <a:latin typeface="Consolas"/>
+              </a:rPr>
+              <a:t>(1000000);</a:t>
+            </a:r>
+          </a:p>
+          <a:p>
+            <a:pPr marL="0" indent="0">
+              <a:buNone/>
+            </a:pPr>
+            <a:r>
+              <a:rPr lang="en-US" sz="1200" dirty="0">
+                <a:solidFill>
+                  <a:srgbClr val="000000"/>
+                </a:solidFill>
+                <a:latin typeface="Consolas"/>
+              </a:rPr>
+              <a:t>            TA1CCR1 = 750;            </a:t>
+            </a:r>
+            <a:r>
+              <a:rPr lang="en-US" sz="1200" dirty="0">
+                <a:solidFill>
+                  <a:srgbClr val="3F7F5F"/>
+                </a:solidFill>
+                <a:latin typeface="Consolas"/>
+              </a:rPr>
+              <a:t>// set duty cycle to 750/1000 (75%)</a:t>
+            </a:r>
+          </a:p>
+          <a:p>
+            <a:pPr marL="0" indent="0">
+              <a:buNone/>
+            </a:pPr>
+            <a:endParaRPr lang="en-US" sz="1200" dirty="0">
+              <a:latin typeface="Consolas"/>
+            </a:endParaRPr>
+          </a:p>
+          <a:p>
+            <a:pPr marL="0" indent="0">
+              <a:buNone/>
+            </a:pPr>
+            <a:r>
+              <a:rPr lang="en-US" sz="1200" dirty="0">
+                <a:solidFill>
+                  <a:srgbClr val="000000"/>
+                </a:solidFill>
+                <a:latin typeface="Consolas"/>
+              </a:rPr>
+              <a:t>            </a:t>
+            </a:r>
+            <a:r>
+              <a:rPr lang="en-US" sz="1200" b="1" dirty="0">
+                <a:solidFill>
+                  <a:srgbClr val="7F0055"/>
+                </a:solidFill>
+                <a:latin typeface="Consolas"/>
+              </a:rPr>
+              <a:t>while</a:t>
+            </a:r>
+            <a:r>
+              <a:rPr lang="en-US" sz="1200" b="1" dirty="0">
+                <a:solidFill>
+                  <a:srgbClr val="000000"/>
+                </a:solidFill>
+                <a:latin typeface="Consolas"/>
+              </a:rPr>
+              <a:t> (P1IN &amp; BIT3);</a:t>
+            </a:r>
+          </a:p>
+          <a:p>
+            <a:pPr marL="0" indent="0">
+              <a:buNone/>
+            </a:pPr>
+            <a:r>
+              <a:rPr lang="en-US" sz="1200" dirty="0">
+                <a:solidFill>
+                  <a:srgbClr val="000000"/>
+                </a:solidFill>
+                <a:latin typeface="Consolas"/>
+              </a:rPr>
+              <a:t>            </a:t>
+            </a:r>
+            <a:r>
+              <a:rPr lang="en-US" sz="1200" b="1" dirty="0">
+                <a:solidFill>
+                  <a:srgbClr val="642880"/>
+                </a:solidFill>
+                <a:latin typeface="Consolas"/>
+              </a:rPr>
+              <a:t>__</a:t>
+            </a:r>
+            <a:r>
+              <a:rPr lang="en-US" sz="1200" b="1" dirty="0" err="1">
+                <a:solidFill>
+                  <a:srgbClr val="642880"/>
+                </a:solidFill>
+                <a:latin typeface="Consolas"/>
+              </a:rPr>
+              <a:t>delay_cycles</a:t>
+            </a:r>
+            <a:r>
+              <a:rPr lang="en-US" sz="1200" b="1" dirty="0">
+                <a:solidFill>
+                  <a:srgbClr val="000000"/>
+                </a:solidFill>
+                <a:latin typeface="Consolas"/>
+              </a:rPr>
+              <a:t>(1000000);</a:t>
+            </a:r>
+          </a:p>
+          <a:p>
+            <a:pPr marL="0" indent="0">
+              <a:buNone/>
+            </a:pPr>
+            <a:r>
+              <a:rPr lang="en-US" sz="1200" dirty="0">
+                <a:solidFill>
+                  <a:srgbClr val="000000"/>
+                </a:solidFill>
+                <a:latin typeface="Consolas"/>
+              </a:rPr>
+              <a:t>            TA1CCR1 = 500;           </a:t>
+            </a:r>
+            <a:r>
+              <a:rPr lang="en-US" sz="1200" dirty="0">
+                <a:solidFill>
+                  <a:srgbClr val="3F7F5F"/>
+                </a:solidFill>
+                <a:latin typeface="Consolas"/>
+              </a:rPr>
+              <a:t>// set duty cycle to 500/1000 (50%)</a:t>
+            </a:r>
+          </a:p>
+          <a:p>
+            <a:pPr marL="0" indent="0">
+              <a:buNone/>
+            </a:pPr>
+            <a:endParaRPr lang="en-US" sz="1200" dirty="0">
+              <a:latin typeface="Consolas"/>
+            </a:endParaRPr>
+          </a:p>
+          <a:p>
+            <a:pPr marL="0" indent="0">
+              <a:buNone/>
+            </a:pPr>
+            <a:r>
+              <a:rPr lang="en-US" sz="1200" dirty="0">
+                <a:solidFill>
+                  <a:srgbClr val="000000"/>
+                </a:solidFill>
+                <a:latin typeface="Consolas"/>
+              </a:rPr>
+              <a:t>            </a:t>
+            </a:r>
+            <a:r>
+              <a:rPr lang="en-US" sz="1200" b="1" dirty="0">
+                <a:solidFill>
+                  <a:srgbClr val="7F0055"/>
+                </a:solidFill>
+                <a:latin typeface="Consolas"/>
+              </a:rPr>
+              <a:t>while</a:t>
+            </a:r>
+            <a:r>
+              <a:rPr lang="en-US" sz="1200" b="1" dirty="0">
+                <a:solidFill>
+                  <a:srgbClr val="000000"/>
+                </a:solidFill>
+                <a:latin typeface="Consolas"/>
+              </a:rPr>
+              <a:t> (P1IN &amp; BIT3);</a:t>
+            </a:r>
+          </a:p>
+          <a:p>
+            <a:pPr marL="0" indent="0">
+              <a:buNone/>
+            </a:pPr>
+            <a:r>
+              <a:rPr lang="en-US" sz="1200" dirty="0">
+                <a:solidFill>
+                  <a:srgbClr val="000000"/>
+                </a:solidFill>
+                <a:latin typeface="Consolas"/>
+              </a:rPr>
+              <a:t>            </a:t>
+            </a:r>
+            <a:r>
+              <a:rPr lang="en-US" sz="1200" b="1" dirty="0">
+                <a:solidFill>
+                  <a:srgbClr val="642880"/>
+                </a:solidFill>
+                <a:latin typeface="Consolas"/>
+              </a:rPr>
+              <a:t>__</a:t>
+            </a:r>
+            <a:r>
+              <a:rPr lang="en-US" sz="1200" b="1" dirty="0" err="1">
+                <a:solidFill>
+                  <a:srgbClr val="642880"/>
+                </a:solidFill>
+                <a:latin typeface="Consolas"/>
+              </a:rPr>
+              <a:t>delay_cycles</a:t>
+            </a:r>
+            <a:r>
+              <a:rPr lang="en-US" sz="1200" b="1" dirty="0">
+                <a:solidFill>
+                  <a:srgbClr val="000000"/>
+                </a:solidFill>
+                <a:latin typeface="Consolas"/>
+              </a:rPr>
+              <a:t>(1000000);</a:t>
+            </a:r>
+          </a:p>
+          <a:p>
+            <a:pPr marL="0" indent="0">
+              <a:buNone/>
+            </a:pPr>
+            <a:r>
+              <a:rPr lang="en-US" sz="1200" dirty="0">
+                <a:solidFill>
+                  <a:srgbClr val="000000"/>
+                </a:solidFill>
+                <a:latin typeface="Consolas"/>
+              </a:rPr>
+              <a:t>            TA1CCR1 = 250;           </a:t>
+            </a:r>
+            <a:r>
+              <a:rPr lang="en-US" sz="1200" dirty="0">
+                <a:solidFill>
+                  <a:srgbClr val="3F7F5F"/>
+                </a:solidFill>
+                <a:latin typeface="Consolas"/>
+              </a:rPr>
+              <a:t>// set duty cycle to 250/1000 (25%)</a:t>
+            </a:r>
+          </a:p>
+          <a:p>
+            <a:pPr marL="0" indent="0">
+              <a:buNone/>
+            </a:pPr>
+            <a:endParaRPr lang="en-US" sz="1200" dirty="0">
+              <a:latin typeface="Consolas"/>
+            </a:endParaRPr>
+          </a:p>
+          <a:p>
+            <a:pPr marL="0" indent="0">
+              <a:buNone/>
+            </a:pPr>
+            <a:r>
+              <a:rPr lang="en-US" sz="1200" dirty="0">
+                <a:solidFill>
+                  <a:srgbClr val="000000"/>
+                </a:solidFill>
+                <a:latin typeface="Consolas"/>
+              </a:rPr>
+              <a:t>            </a:t>
+            </a:r>
+            <a:r>
+              <a:rPr lang="en-US" sz="1200" b="1" dirty="0">
+                <a:solidFill>
+                  <a:srgbClr val="7F0055"/>
+                </a:solidFill>
+                <a:latin typeface="Consolas"/>
+              </a:rPr>
+              <a:t>while</a:t>
+            </a:r>
+            <a:r>
+              <a:rPr lang="en-US" sz="1200" b="1" dirty="0">
+                <a:solidFill>
+                  <a:srgbClr val="000000"/>
+                </a:solidFill>
+                <a:latin typeface="Consolas"/>
+              </a:rPr>
+              <a:t> (P1IN &amp; BIT3);</a:t>
+            </a:r>
+          </a:p>
+          <a:p>
+            <a:pPr marL="0" indent="0">
+              <a:buNone/>
+            </a:pPr>
+            <a:r>
+              <a:rPr lang="en-US" sz="1200" dirty="0">
+                <a:solidFill>
+                  <a:srgbClr val="000000"/>
+                </a:solidFill>
+                <a:latin typeface="Consolas"/>
+              </a:rPr>
+              <a:t>            </a:t>
+            </a:r>
+            <a:r>
+              <a:rPr lang="en-US" sz="1200" b="1" dirty="0">
+                <a:solidFill>
+                  <a:srgbClr val="642880"/>
+                </a:solidFill>
+                <a:latin typeface="Consolas"/>
+              </a:rPr>
+              <a:t>__</a:t>
+            </a:r>
+            <a:r>
+              <a:rPr lang="en-US" sz="1200" b="1" dirty="0" err="1">
+                <a:solidFill>
+                  <a:srgbClr val="642880"/>
+                </a:solidFill>
+                <a:latin typeface="Consolas"/>
+              </a:rPr>
+              <a:t>delay_cycles</a:t>
+            </a:r>
+            <a:r>
+              <a:rPr lang="en-US" sz="1200" b="1" dirty="0">
+                <a:solidFill>
+                  <a:srgbClr val="000000"/>
+                </a:solidFill>
+                <a:latin typeface="Consolas"/>
+              </a:rPr>
+              <a:t>(1000000);</a:t>
+            </a:r>
+          </a:p>
+          <a:p>
+            <a:pPr marL="0" indent="0">
+              <a:buNone/>
+            </a:pPr>
+            <a:r>
+              <a:rPr lang="en-US" sz="1200" dirty="0">
+                <a:solidFill>
+                  <a:srgbClr val="000000"/>
+                </a:solidFill>
+                <a:latin typeface="Consolas"/>
+              </a:rPr>
+              <a:t>            TA1CCR1 = 100;            </a:t>
+            </a:r>
+            <a:r>
+              <a:rPr lang="en-US" sz="1200" dirty="0">
+                <a:solidFill>
+                  <a:srgbClr val="3F7F5F"/>
+                </a:solidFill>
+                <a:latin typeface="Consolas"/>
+              </a:rPr>
+              <a:t>// set duty cycle to 100/1000 (10%)</a:t>
+            </a:r>
+          </a:p>
+          <a:p>
+            <a:pPr marL="0" indent="0">
+              <a:buNone/>
+            </a:pPr>
+            <a:endParaRPr lang="en-US" sz="1200" dirty="0">
+              <a:latin typeface="Consolas"/>
+            </a:endParaRPr>
+          </a:p>
+          <a:p>
+            <a:pPr marL="0" indent="0">
+              <a:buNone/>
+            </a:pPr>
+            <a:r>
+              <a:rPr lang="en-US" sz="1200" dirty="0">
+                <a:solidFill>
+                  <a:srgbClr val="000000"/>
+                </a:solidFill>
+                <a:latin typeface="Consolas"/>
+              </a:rPr>
+              <a:t>            </a:t>
+            </a:r>
+            <a:r>
+              <a:rPr lang="en-US" sz="1200" b="1" dirty="0">
+                <a:solidFill>
+                  <a:srgbClr val="7F0055"/>
+                </a:solidFill>
+                <a:latin typeface="Consolas"/>
+              </a:rPr>
+              <a:t>while</a:t>
+            </a:r>
+            <a:r>
+              <a:rPr lang="en-US" sz="1200" b="1" dirty="0">
+                <a:solidFill>
+                  <a:srgbClr val="000000"/>
+                </a:solidFill>
+                <a:latin typeface="Consolas"/>
+              </a:rPr>
+              <a:t> (P1IN &amp; BIT3);</a:t>
+            </a:r>
+          </a:p>
+          <a:p>
+            <a:pPr marL="0" indent="0">
+              <a:buNone/>
+            </a:pPr>
+            <a:r>
+              <a:rPr lang="en-US" sz="1200" dirty="0">
+                <a:solidFill>
+                  <a:srgbClr val="000000"/>
+                </a:solidFill>
+                <a:latin typeface="Consolas"/>
+              </a:rPr>
+              <a:t>            </a:t>
+            </a:r>
+            <a:r>
+              <a:rPr lang="en-US" sz="1200" b="1" dirty="0">
+                <a:solidFill>
+                  <a:srgbClr val="642880"/>
+                </a:solidFill>
+                <a:latin typeface="Consolas"/>
+              </a:rPr>
+              <a:t>__</a:t>
+            </a:r>
+            <a:r>
+              <a:rPr lang="en-US" sz="1200" b="1" dirty="0" err="1">
+                <a:solidFill>
+                  <a:srgbClr val="642880"/>
+                </a:solidFill>
+                <a:latin typeface="Consolas"/>
+              </a:rPr>
+              <a:t>delay_cycles</a:t>
+            </a:r>
+            <a:r>
+              <a:rPr lang="en-US" sz="1200" b="1" dirty="0">
+                <a:solidFill>
+                  <a:srgbClr val="000000"/>
+                </a:solidFill>
+                <a:latin typeface="Consolas"/>
+              </a:rPr>
+              <a:t>(1000000);</a:t>
+            </a:r>
+          </a:p>
+          <a:p>
+            <a:pPr marL="0" indent="0">
+              <a:buNone/>
+            </a:pPr>
+            <a:r>
+              <a:rPr lang="en-US" sz="1200" dirty="0">
+                <a:solidFill>
+                  <a:srgbClr val="000000"/>
+                </a:solidFill>
+                <a:latin typeface="Consolas"/>
+              </a:rPr>
+              <a:t>            TA1CCR1 = 20;            </a:t>
+            </a:r>
+            <a:r>
+              <a:rPr lang="en-US" sz="1200" dirty="0">
+                <a:solidFill>
+                  <a:srgbClr val="3F7F5F"/>
+                </a:solidFill>
+                <a:latin typeface="Consolas"/>
+              </a:rPr>
+              <a:t>// set duty cycle to 20/1000 (2%)</a:t>
+            </a:r>
+          </a:p>
+          <a:p>
+            <a:pPr marL="0" indent="0">
+              <a:buNone/>
+            </a:pPr>
+            <a:endParaRPr lang="en-US" sz="1200" dirty="0">
+              <a:latin typeface="Consolas"/>
+            </a:endParaRPr>
+          </a:p>
+          <a:p>
+            <a:pPr marL="0" indent="0">
+              <a:buNone/>
+            </a:pPr>
+            <a:r>
+              <a:rPr lang="en-US" sz="1200" dirty="0">
+                <a:solidFill>
+                  <a:srgbClr val="000000"/>
+                </a:solidFill>
+                <a:latin typeface="Consolas"/>
+              </a:rPr>
+              <a:t>        }</a:t>
+            </a:r>
+          </a:p>
+          <a:p>
+            <a:pPr marL="0" indent="0">
+              <a:buNone/>
+            </a:pPr>
+            <a:r>
+              <a:rPr lang="en-US" sz="1200" dirty="0" smtClean="0">
+                <a:solidFill>
+                  <a:srgbClr val="000000"/>
+                </a:solidFill>
+                <a:latin typeface="Consolas"/>
+              </a:rPr>
+              <a:t>}</a:t>
+            </a:r>
+            <a:endParaRPr lang="en-US" sz="1200" dirty="0" smtClean="0">
+              <a:solidFill>
+                <a:schemeClr val="accent2"/>
+              </a:solidFill>
+            </a:endParaRPr>
+          </a:p>
+        </p:txBody>
+      </p:sp>
+    </p:spTree>
+    <p:extLst>
+      <p:ext uri="{BB962C8B-B14F-4D97-AF65-F5344CB8AC3E}">
+        <p14:creationId xmlns:p14="http://schemas.microsoft.com/office/powerpoint/2010/main" val="2019362551"/>
+      </p:ext>
+    </p:extLst>
+  </p:cSld>
+  <p:clrMapOvr>
+    <a:masterClrMapping/>
+  </p:clrMapOvr>
+  <p:timing>
+    <p:tnLst>
+      <p:par>
+        <p:cTn id="1" dur="indefinite" restart="never" nodeType="tmRoot"/>
+      </p:par>
+    </p:tnLst>
+  </p:timing>
+</p:sld>
+</file>
+
+<file path=ppt/slides/slide21.xml><?xml version="1.0" encoding="utf-8"?>
+<p:sld xmlns:a="http://schemas.openxmlformats.org/drawingml/2006/main" xmlns:r="http://schemas.openxmlformats.org/officeDocument/2006/relationships" xmlns:p="http://schemas.openxmlformats.org/presentationml/2006/main">
+  <p:cSld>
+    <p:spTree>
+      <p:nvGrpSpPr>
+        <p:cNvPr id="1" name=""/>
+        <p:cNvGrpSpPr/>
+        <p:nvPr/>
+      </p:nvGrpSpPr>
+      <p:grpSpPr>
+        <a:xfrm>
+          <a:off x="0" y="0"/>
+          <a:ext cx="0" cy="0"/>
+          <a:chOff x="0" y="0"/>
+          <a:chExt cx="0" cy="0"/>
+        </a:xfrm>
+      </p:grpSpPr>
+      <p:sp>
+        <p:nvSpPr>
+          <p:cNvPr id="2" name="Title 1"/>
+          <p:cNvSpPr>
+            <a:spLocks noGrp="1"/>
+          </p:cNvSpPr>
+          <p:nvPr>
+            <p:ph type="title"/>
+          </p:nvPr>
+        </p:nvSpPr>
+        <p:spPr/>
+        <p:txBody>
+          <a:bodyPr/>
+          <a:lstStyle/>
+          <a:p>
+            <a:r>
+              <a:rPr lang="en-US" b="1" dirty="0" smtClean="0"/>
+              <a:t>Example with Interrupt</a:t>
+            </a:r>
+            <a:endParaRPr lang="en-US" b="1" dirty="0"/>
+          </a:p>
+        </p:txBody>
+      </p:sp>
+      <p:sp>
+        <p:nvSpPr>
+          <p:cNvPr id="7" name="TextBox 6"/>
+          <p:cNvSpPr txBox="1"/>
+          <p:nvPr/>
+        </p:nvSpPr>
+        <p:spPr>
+          <a:xfrm>
+            <a:off x="439553" y="1681241"/>
+            <a:ext cx="7214606" cy="4070345"/>
+          </a:xfrm>
+          <a:prstGeom prst="rect">
+            <a:avLst/>
+          </a:prstGeom>
+          <a:noFill/>
+        </p:spPr>
+        <p:txBody>
+          <a:bodyPr wrap="square" rtlCol="0">
+            <a:spAutoFit/>
+          </a:bodyPr>
+          <a:lstStyle/>
+          <a:p>
+            <a:pPr marL="0" indent="0">
+              <a:buNone/>
+            </a:pPr>
+            <a:r>
+              <a:rPr lang="en-US" sz="1100" b="1" dirty="0">
+                <a:solidFill>
+                  <a:srgbClr val="7F0055"/>
+                </a:solidFill>
+                <a:latin typeface="Consolas"/>
+              </a:rPr>
+              <a:t>#pragma</a:t>
+            </a:r>
+            <a:r>
+              <a:rPr lang="en-US" sz="1100" b="1" dirty="0">
+                <a:solidFill>
+                  <a:srgbClr val="000000"/>
+                </a:solidFill>
+                <a:latin typeface="Consolas"/>
+              </a:rPr>
+              <a:t> vector = TIMER1_A0_VECTOR            </a:t>
+            </a:r>
+            <a:r>
+              <a:rPr lang="en-US" sz="1100" b="1" dirty="0">
+                <a:solidFill>
+                  <a:srgbClr val="3F7F5F"/>
+                </a:solidFill>
+                <a:latin typeface="Consolas"/>
+              </a:rPr>
+              <a:t>// This is from the MSP430G2553.h file</a:t>
+            </a:r>
+          </a:p>
+          <a:p>
+            <a:pPr marL="0" indent="0">
+              <a:buNone/>
+            </a:pPr>
+            <a:r>
+              <a:rPr lang="en-US" sz="1100" b="1" dirty="0">
+                <a:solidFill>
+                  <a:srgbClr val="7F0055"/>
+                </a:solidFill>
+                <a:latin typeface="Consolas"/>
+              </a:rPr>
+              <a:t>__interrupt</a:t>
+            </a:r>
+            <a:r>
+              <a:rPr lang="en-US" sz="1100" b="1" dirty="0">
+                <a:solidFill>
+                  <a:srgbClr val="000000"/>
+                </a:solidFill>
+                <a:latin typeface="Consolas"/>
+              </a:rPr>
+              <a:t> </a:t>
+            </a:r>
+            <a:r>
+              <a:rPr lang="en-US" sz="1100" b="1" dirty="0">
+                <a:solidFill>
+                  <a:srgbClr val="7F0055"/>
+                </a:solidFill>
+                <a:latin typeface="Consolas"/>
+              </a:rPr>
+              <a:t>void</a:t>
+            </a:r>
+            <a:r>
+              <a:rPr lang="en-US" sz="1100" b="1" dirty="0">
+                <a:solidFill>
+                  <a:srgbClr val="000000"/>
+                </a:solidFill>
+                <a:latin typeface="Consolas"/>
+              </a:rPr>
+              <a:t> </a:t>
+            </a:r>
+            <a:r>
+              <a:rPr lang="en-US" sz="1100" b="1" dirty="0" err="1">
+                <a:solidFill>
+                  <a:srgbClr val="000000"/>
+                </a:solidFill>
+                <a:latin typeface="Consolas"/>
+              </a:rPr>
+              <a:t>captureCompareInt</a:t>
+            </a:r>
+            <a:r>
+              <a:rPr lang="en-US" sz="1100" b="1" dirty="0">
+                <a:solidFill>
+                  <a:srgbClr val="000000"/>
+                </a:solidFill>
+                <a:latin typeface="Consolas"/>
+              </a:rPr>
+              <a:t> (</a:t>
+            </a:r>
+            <a:r>
+              <a:rPr lang="en-US" sz="1100" b="1" dirty="0">
+                <a:solidFill>
+                  <a:srgbClr val="7F0055"/>
+                </a:solidFill>
+                <a:latin typeface="Consolas"/>
+              </a:rPr>
+              <a:t>void</a:t>
+            </a:r>
+            <a:r>
+              <a:rPr lang="en-US" sz="1100" b="1" dirty="0">
+                <a:solidFill>
+                  <a:srgbClr val="000000"/>
+                </a:solidFill>
+                <a:latin typeface="Consolas"/>
+              </a:rPr>
+              <a:t>) {</a:t>
+            </a:r>
+          </a:p>
+          <a:p>
+            <a:pPr marL="0" indent="0">
+              <a:buNone/>
+            </a:pPr>
+            <a:r>
+              <a:rPr lang="en-US" sz="1100" dirty="0">
+                <a:solidFill>
+                  <a:srgbClr val="000000"/>
+                </a:solidFill>
+                <a:latin typeface="Consolas"/>
+              </a:rPr>
+              <a:t>    P1OUT |= BIT0;                        </a:t>
+            </a:r>
+            <a:r>
+              <a:rPr lang="en-US" sz="1100" dirty="0">
+                <a:solidFill>
+                  <a:srgbClr val="3F7F5F"/>
+                </a:solidFill>
+                <a:latin typeface="Consolas"/>
+              </a:rPr>
+              <a:t>//Turn on LED</a:t>
+            </a:r>
+          </a:p>
+          <a:p>
+            <a:pPr marL="0" indent="0">
+              <a:buNone/>
+            </a:pPr>
+            <a:r>
+              <a:rPr lang="en-US" sz="1100" dirty="0">
+                <a:solidFill>
+                  <a:srgbClr val="000000"/>
+                </a:solidFill>
+                <a:latin typeface="Consolas"/>
+              </a:rPr>
+              <a:t>    </a:t>
+            </a:r>
+            <a:r>
+              <a:rPr lang="en-US" sz="1100" dirty="0">
+                <a:solidFill>
+                  <a:srgbClr val="3F7F5F"/>
+                </a:solidFill>
+                <a:latin typeface="Consolas"/>
+              </a:rPr>
+              <a:t>// Disable Timer A Interrupt</a:t>
+            </a:r>
+          </a:p>
+          <a:p>
+            <a:pPr marL="0" indent="0">
+              <a:buNone/>
+            </a:pPr>
+            <a:r>
+              <a:rPr lang="en-US" sz="1100" dirty="0">
+                <a:solidFill>
+                  <a:srgbClr val="000000"/>
+                </a:solidFill>
+                <a:latin typeface="Consolas"/>
+              </a:rPr>
+              <a:t>    TA1CCTL1 &amp;= ~CCIFG;                </a:t>
+            </a:r>
+            <a:r>
+              <a:rPr lang="en-US" sz="1100" dirty="0">
+                <a:solidFill>
+                  <a:srgbClr val="3F7F5F"/>
+                </a:solidFill>
+                <a:latin typeface="Consolas"/>
+              </a:rPr>
+              <a:t>//clear capture compare interrupt flag</a:t>
+            </a:r>
+          </a:p>
+          <a:p>
+            <a:pPr marL="0" indent="0">
+              <a:buNone/>
+            </a:pPr>
+            <a:r>
+              <a:rPr lang="en-US" sz="1100" dirty="0">
+                <a:solidFill>
+                  <a:srgbClr val="3F7F5F"/>
+                </a:solidFill>
+                <a:latin typeface="Consolas"/>
+              </a:rPr>
+              <a:t>//    TACTL &amp;= ~TAIFG;</a:t>
+            </a:r>
+          </a:p>
+          <a:p>
+            <a:pPr marL="0" indent="0">
+              <a:buNone/>
+            </a:pPr>
+            <a:r>
+              <a:rPr lang="en-US" sz="1100" dirty="0">
+                <a:solidFill>
+                  <a:srgbClr val="000000"/>
+                </a:solidFill>
+                <a:latin typeface="Consolas"/>
+              </a:rPr>
+              <a:t>}</a:t>
+            </a:r>
+          </a:p>
+          <a:p>
+            <a:pPr marL="0" indent="0">
+              <a:buNone/>
+            </a:pPr>
+            <a:endParaRPr lang="en-US" sz="1100" dirty="0">
+              <a:latin typeface="Consolas"/>
+            </a:endParaRPr>
+          </a:p>
+          <a:p>
+            <a:pPr marL="0" indent="0">
+              <a:buNone/>
+            </a:pPr>
+            <a:r>
+              <a:rPr lang="en-US" sz="1100" b="1" dirty="0">
+                <a:solidFill>
+                  <a:srgbClr val="7F0055"/>
+                </a:solidFill>
+                <a:latin typeface="Consolas"/>
+              </a:rPr>
+              <a:t>#pragma</a:t>
+            </a:r>
+            <a:r>
+              <a:rPr lang="en-US" sz="1100" b="1" dirty="0">
+                <a:solidFill>
+                  <a:srgbClr val="000000"/>
+                </a:solidFill>
+                <a:latin typeface="Consolas"/>
+              </a:rPr>
+              <a:t> vector = TIMER1_A1_VECTOR            </a:t>
+            </a:r>
+            <a:r>
+              <a:rPr lang="en-US" sz="1100" b="1" dirty="0">
+                <a:solidFill>
+                  <a:srgbClr val="3F7F5F"/>
+                </a:solidFill>
+                <a:latin typeface="Consolas"/>
+              </a:rPr>
+              <a:t>// This is from the MSP430G2553.h file</a:t>
+            </a:r>
+          </a:p>
+          <a:p>
+            <a:pPr marL="0" indent="0">
+              <a:buNone/>
+            </a:pPr>
+            <a:r>
+              <a:rPr lang="en-US" sz="1100" b="1" dirty="0">
+                <a:solidFill>
+                  <a:srgbClr val="7F0055"/>
+                </a:solidFill>
+                <a:latin typeface="Consolas"/>
+              </a:rPr>
+              <a:t>__interrupt</a:t>
+            </a:r>
+            <a:r>
+              <a:rPr lang="en-US" sz="1100" b="1" dirty="0">
+                <a:solidFill>
+                  <a:srgbClr val="000000"/>
+                </a:solidFill>
+                <a:latin typeface="Consolas"/>
+              </a:rPr>
+              <a:t> </a:t>
+            </a:r>
+            <a:r>
+              <a:rPr lang="en-US" sz="1100" b="1" dirty="0">
+                <a:solidFill>
+                  <a:srgbClr val="7F0055"/>
+                </a:solidFill>
+                <a:latin typeface="Consolas"/>
+              </a:rPr>
+              <a:t>void</a:t>
+            </a:r>
+            <a:r>
+              <a:rPr lang="en-US" sz="1100" b="1" dirty="0">
+                <a:solidFill>
+                  <a:srgbClr val="000000"/>
+                </a:solidFill>
+                <a:latin typeface="Consolas"/>
+              </a:rPr>
+              <a:t> captureCompareInt2 (</a:t>
+            </a:r>
+            <a:r>
+              <a:rPr lang="en-US" sz="1100" b="1" dirty="0">
+                <a:solidFill>
+                  <a:srgbClr val="7F0055"/>
+                </a:solidFill>
+                <a:latin typeface="Consolas"/>
+              </a:rPr>
+              <a:t>void</a:t>
+            </a:r>
+            <a:r>
+              <a:rPr lang="en-US" sz="1100" b="1" dirty="0">
+                <a:solidFill>
+                  <a:srgbClr val="000000"/>
+                </a:solidFill>
+                <a:latin typeface="Consolas"/>
+              </a:rPr>
+              <a:t>) {</a:t>
+            </a:r>
+          </a:p>
+          <a:p>
+            <a:pPr marL="0" indent="0">
+              <a:buNone/>
+            </a:pPr>
+            <a:r>
+              <a:rPr lang="en-US" sz="1100" dirty="0">
+                <a:solidFill>
+                  <a:srgbClr val="000000"/>
+                </a:solidFill>
+                <a:latin typeface="Consolas"/>
+              </a:rPr>
+              <a:t>    P1OUT &amp;= ~BIT0;                        </a:t>
+            </a:r>
+            <a:r>
+              <a:rPr lang="en-US" sz="1100" dirty="0">
+                <a:solidFill>
+                  <a:srgbClr val="3F7F5F"/>
+                </a:solidFill>
+                <a:latin typeface="Consolas"/>
+              </a:rPr>
+              <a:t>//Turn off LED</a:t>
+            </a:r>
+          </a:p>
+          <a:p>
+            <a:pPr marL="0" indent="0">
+              <a:buNone/>
+            </a:pPr>
+            <a:r>
+              <a:rPr lang="en-US" sz="1100" dirty="0">
+                <a:solidFill>
+                  <a:srgbClr val="000000"/>
+                </a:solidFill>
+                <a:latin typeface="Consolas"/>
+              </a:rPr>
+              <a:t>    </a:t>
+            </a:r>
+            <a:r>
+              <a:rPr lang="en-US" sz="1100" dirty="0">
+                <a:solidFill>
+                  <a:srgbClr val="3F7F5F"/>
+                </a:solidFill>
+                <a:latin typeface="Consolas"/>
+              </a:rPr>
+              <a:t>// Disable Timer A Interrupt</a:t>
+            </a:r>
+          </a:p>
+          <a:p>
+            <a:pPr marL="0" indent="0">
+              <a:buNone/>
+            </a:pPr>
+            <a:r>
+              <a:rPr lang="en-US" sz="1100" dirty="0">
+                <a:solidFill>
+                  <a:srgbClr val="000000"/>
+                </a:solidFill>
+                <a:latin typeface="Consolas"/>
+              </a:rPr>
+              <a:t>    TA1CCTL1 &amp;= ~CCIFG;                </a:t>
+            </a:r>
+            <a:r>
+              <a:rPr lang="en-US" sz="1100" dirty="0">
+                <a:solidFill>
+                  <a:srgbClr val="3F7F5F"/>
+                </a:solidFill>
+                <a:latin typeface="Consolas"/>
+              </a:rPr>
+              <a:t>//clear capture compare interrupt flag</a:t>
+            </a:r>
+          </a:p>
+          <a:p>
+            <a:pPr marL="0" indent="0">
+              <a:buNone/>
+            </a:pPr>
+            <a:r>
+              <a:rPr lang="en-US" sz="1100" dirty="0">
+                <a:solidFill>
+                  <a:srgbClr val="3F7F5F"/>
+                </a:solidFill>
+                <a:latin typeface="Consolas"/>
+              </a:rPr>
+              <a:t>//    TACTL &amp;= ~TAIFG;</a:t>
+            </a:r>
+          </a:p>
+          <a:p>
+            <a:pPr marL="0" indent="0">
+              <a:buNone/>
+            </a:pPr>
+            <a:r>
+              <a:rPr lang="en-US" sz="1100" dirty="0">
+                <a:solidFill>
+                  <a:srgbClr val="000000"/>
+                </a:solidFill>
+                <a:latin typeface="Consolas"/>
+              </a:rPr>
+              <a:t>}</a:t>
+            </a:r>
+          </a:p>
+          <a:p>
+            <a:endParaRPr lang="en-US" sz="1100" dirty="0"/>
+          </a:p>
+        </p:txBody>
+      </p:sp>
+    </p:spTree>
+    <p:extLst>
+      <p:ext uri="{BB962C8B-B14F-4D97-AF65-F5344CB8AC3E}">
+        <p14:creationId xmlns:p14="http://schemas.microsoft.com/office/powerpoint/2010/main" val="1800504559"/>
+      </p:ext>
+    </p:extLst>
+  </p:cSld>
+  <p:clrMapOvr>
+    <a:masterClrMapping/>
+  </p:clrMapOvr>
+  <p:timing>
+    <p:tnLst>
+      <p:par>
+        <p:cTn id="1" dur="indefinite" restart="never" nodeType="tmRoot"/>
+      </p:par>
+    </p:tnLst>
+  </p:timing>
+</p:sld>
+</file>
+
+<file path=ppt/slides/slide22.xml><?xml version="1.0" encoding="utf-8"?>
+<p:sld xmlns:a="http://schemas.openxmlformats.org/drawingml/2006/main" xmlns:r="http://schemas.openxmlformats.org/officeDocument/2006/relationships" xmlns:p="http://schemas.openxmlformats.org/presentationml/2006/main">
+  <p:cSld>
+    <p:spTree>
+      <p:nvGrpSpPr>
+        <p:cNvPr id="1" name=""/>
+        <p:cNvGrpSpPr/>
+        <p:nvPr/>
+      </p:nvGrpSpPr>
+      <p:grpSpPr>
+        <a:xfrm>
+          <a:off x="0" y="0"/>
+          <a:ext cx="0" cy="0"/>
+          <a:chOff x="0" y="0"/>
+          <a:chExt cx="0" cy="0"/>
+        </a:xfrm>
+      </p:grpSpPr>
+      <p:sp>
+        <p:nvSpPr>
+          <p:cNvPr id="5" name="Subtitle 4"/>
+          <p:cNvSpPr>
+            <a:spLocks noGrp="1"/>
+          </p:cNvSpPr>
+          <p:nvPr>
+            <p:ph type="subTitle" idx="1"/>
+          </p:nvPr>
+        </p:nvSpPr>
+        <p:spPr/>
+        <p:txBody>
+          <a:bodyPr/>
+          <a:lstStyle/>
+          <a:p>
+            <a:endParaRPr lang="en-US" dirty="0"/>
+          </a:p>
+        </p:txBody>
+      </p:sp>
+      <p:sp>
+        <p:nvSpPr>
+          <p:cNvPr id="4" name="Title 3"/>
+          <p:cNvSpPr>
+            <a:spLocks noGrp="1"/>
+          </p:cNvSpPr>
+          <p:nvPr>
+            <p:ph type="title"/>
+          </p:nvPr>
+        </p:nvSpPr>
+        <p:spPr/>
+        <p:txBody>
+          <a:bodyPr/>
+          <a:lstStyle/>
+          <a:p>
+            <a:r>
+              <a:rPr lang="en-US" dirty="0" smtClean="0"/>
+              <a:t>BACKUPS</a:t>
+            </a:r>
+            <a:endParaRPr lang="en-US" dirty="0"/>
+          </a:p>
+        </p:txBody>
+      </p:sp>
+    </p:spTree>
+    <p:extLst>
+      <p:ext uri="{BB962C8B-B14F-4D97-AF65-F5344CB8AC3E}">
+        <p14:creationId xmlns:p14="http://schemas.microsoft.com/office/powerpoint/2010/main" val="3003632033"/>
+      </p:ext>
+    </p:extLst>
+  </p:cSld>
+  <p:clrMapOvr>
+    <a:masterClrMapping/>
+  </p:clrMapOvr>
+  <p:transition spd="med"/>
+  <p:timing>
+    <p:tnLst>
+      <p:par>
+        <p:cTn id="1" dur="indefinite" restart="never" nodeType="tmRoot"/>
+      </p:par>
+    </p:tnLst>
+  </p:timing>
+</p:sld>
+</file>
+
+<file path=ppt/slides/slide23.xml><?xml version="1.0" encoding="utf-8"?>
+<p:sld xmlns:a="http://schemas.openxmlformats.org/drawingml/2006/main" xmlns:r="http://schemas.openxmlformats.org/officeDocument/2006/relationships" xmlns:p="http://schemas.openxmlformats.org/presentationml/2006/main" show="0">
+  <p:cSld>
+    <p:spTree>
+      <p:nvGrpSpPr>
+        <p:cNvPr id="1" name=""/>
+        <p:cNvGrpSpPr/>
+        <p:nvPr/>
+      </p:nvGrpSpPr>
+      <p:grpSpPr>
+        <a:xfrm>
+          <a:off x="0" y="0"/>
+          <a:ext cx="0" cy="0"/>
+          <a:chOff x="0" y="0"/>
+          <a:chExt cx="0" cy="0"/>
+        </a:xfrm>
+      </p:grpSpPr>
+      <p:sp>
+        <p:nvSpPr>
+          <p:cNvPr id="2" name="Title 1"/>
+          <p:cNvSpPr>
+            <a:spLocks noGrp="1"/>
+          </p:cNvSpPr>
+          <p:nvPr>
+            <p:ph type="title"/>
+          </p:nvPr>
+        </p:nvSpPr>
+        <p:spPr/>
+        <p:txBody>
+          <a:bodyPr/>
+          <a:lstStyle/>
+          <a:p>
+            <a:r>
+              <a:rPr lang="en-US" dirty="0" smtClean="0"/>
               <a:t>Overview</a:t>
             </a:r>
             <a:endParaRPr lang="en-US" dirty="0"/>
@@ -11788,1881 +13756,6 @@
     <p:extLst>
       <p:ext uri="{BB962C8B-B14F-4D97-AF65-F5344CB8AC3E}">
         <p14:creationId xmlns:p14="http://schemas.microsoft.com/office/powerpoint/2010/main" val="4001633631"/>
-      </p:ext>
-    </p:extLst>
-  </p:cSld>
-  <p:clrMapOvr>
-    <a:masterClrMapping/>
-  </p:clrMapOvr>
-  <p:transition spd="med"/>
-  <p:timing>
-    <p:tnLst>
-      <p:par>
-        <p:cTn id="1" dur="indefinite" restart="never" nodeType="tmRoot"/>
-      </p:par>
-    </p:tnLst>
-  </p:timing>
-</p:sld>
-</file>
-
-<file path=ppt/slides/slide20.xml><?xml version="1.0" encoding="utf-8"?>
-<p:sld xmlns:a="http://schemas.openxmlformats.org/drawingml/2006/main" xmlns:r="http://schemas.openxmlformats.org/officeDocument/2006/relationships" xmlns:p="http://schemas.openxmlformats.org/presentationml/2006/main">
-  <p:cSld>
-    <p:spTree>
-      <p:nvGrpSpPr>
-        <p:cNvPr id="1" name=""/>
-        <p:cNvGrpSpPr/>
-        <p:nvPr/>
-      </p:nvGrpSpPr>
-      <p:grpSpPr>
-        <a:xfrm>
-          <a:off x="0" y="0"/>
-          <a:ext cx="0" cy="0"/>
-          <a:chOff x="0" y="0"/>
-          <a:chExt cx="0" cy="0"/>
-        </a:xfrm>
-      </p:grpSpPr>
-      <p:sp>
-        <p:nvSpPr>
-          <p:cNvPr id="2" name="Title 1"/>
-          <p:cNvSpPr>
-            <a:spLocks noGrp="1"/>
-          </p:cNvSpPr>
-          <p:nvPr>
-            <p:ph type="title"/>
-          </p:nvPr>
-        </p:nvSpPr>
-        <p:spPr/>
-        <p:txBody>
-          <a:bodyPr/>
-          <a:lstStyle/>
-          <a:p>
-            <a:r>
-              <a:rPr lang="en-US" b="1" dirty="0" smtClean="0"/>
-              <a:t>Example with Interrupt</a:t>
-            </a:r>
-            <a:endParaRPr lang="en-US" b="1" dirty="0"/>
-          </a:p>
-        </p:txBody>
-      </p:sp>
-      <p:sp>
-        <p:nvSpPr>
-          <p:cNvPr id="3" name="Content Placeholder 2"/>
-          <p:cNvSpPr>
-            <a:spLocks noGrp="1"/>
-          </p:cNvSpPr>
-          <p:nvPr>
-            <p:ph idx="1"/>
-          </p:nvPr>
-        </p:nvSpPr>
-        <p:spPr>
-          <a:xfrm>
-            <a:off x="253089" y="1489840"/>
-            <a:ext cx="8557536" cy="4870855"/>
-          </a:xfrm>
-        </p:spPr>
-        <p:txBody>
-          <a:bodyPr>
-            <a:normAutofit fontScale="47500" lnSpcReduction="20000"/>
-          </a:bodyPr>
-          <a:lstStyle/>
-          <a:p>
-            <a:pPr marL="0" indent="0">
-              <a:buNone/>
-            </a:pPr>
-            <a:r>
-              <a:rPr lang="en-US" sz="1200" b="1" dirty="0">
-                <a:solidFill>
-                  <a:srgbClr val="7F0055"/>
-                </a:solidFill>
-                <a:latin typeface="Consolas"/>
-              </a:rPr>
-              <a:t>#include</a:t>
-            </a:r>
-            <a:r>
-              <a:rPr lang="en-US" sz="1200" b="1" dirty="0">
-                <a:solidFill>
-                  <a:srgbClr val="000000"/>
-                </a:solidFill>
-                <a:latin typeface="Consolas"/>
-              </a:rPr>
-              <a:t> </a:t>
-            </a:r>
-            <a:r>
-              <a:rPr lang="en-US" sz="1200" b="1" dirty="0">
-                <a:solidFill>
-                  <a:srgbClr val="2A00FF"/>
-                </a:solidFill>
-                <a:latin typeface="Consolas"/>
-              </a:rPr>
-              <a:t>&lt;msp430.h&gt;</a:t>
-            </a:r>
-          </a:p>
-          <a:p>
-            <a:pPr marL="0" indent="0">
-              <a:buNone/>
-            </a:pPr>
-            <a:endParaRPr lang="en-US" sz="1200" dirty="0">
-              <a:latin typeface="Consolas"/>
-            </a:endParaRPr>
-          </a:p>
-          <a:p>
-            <a:pPr marL="0" indent="0">
-              <a:buNone/>
-            </a:pPr>
-            <a:r>
-              <a:rPr lang="en-US" sz="1200" b="1" dirty="0">
-                <a:solidFill>
-                  <a:srgbClr val="7F0055"/>
-                </a:solidFill>
-                <a:latin typeface="Consolas"/>
-              </a:rPr>
-              <a:t>void</a:t>
-            </a:r>
-            <a:r>
-              <a:rPr lang="en-US" sz="1200" b="1" dirty="0">
-                <a:solidFill>
-                  <a:srgbClr val="000000"/>
-                </a:solidFill>
-                <a:latin typeface="Consolas"/>
-              </a:rPr>
-              <a:t> main(</a:t>
-            </a:r>
-            <a:r>
-              <a:rPr lang="en-US" sz="1200" b="1" dirty="0">
-                <a:solidFill>
-                  <a:srgbClr val="7F0055"/>
-                </a:solidFill>
-                <a:latin typeface="Consolas"/>
-              </a:rPr>
-              <a:t>void</a:t>
-            </a:r>
-            <a:r>
-              <a:rPr lang="en-US" sz="1200" b="1" dirty="0">
-                <a:solidFill>
-                  <a:srgbClr val="000000"/>
-                </a:solidFill>
-                <a:latin typeface="Consolas"/>
-              </a:rPr>
-              <a:t>)</a:t>
-            </a:r>
-          </a:p>
-          <a:p>
-            <a:pPr marL="0" indent="0">
-              <a:buNone/>
-            </a:pPr>
-            <a:r>
-              <a:rPr lang="en-US" sz="1200" dirty="0">
-                <a:solidFill>
-                  <a:srgbClr val="000000"/>
-                </a:solidFill>
-                <a:latin typeface="Consolas"/>
-              </a:rPr>
-              <a:t>{</a:t>
-            </a:r>
-          </a:p>
-          <a:p>
-            <a:pPr marL="0" indent="0">
-              <a:buNone/>
-            </a:pPr>
-            <a:r>
-              <a:rPr lang="en-US" sz="1200" dirty="0">
-                <a:solidFill>
-                  <a:srgbClr val="000000"/>
-                </a:solidFill>
-                <a:latin typeface="Consolas"/>
-              </a:rPr>
-              <a:t>    WDTCTL = WDTPW|WDTHOLD;</a:t>
-            </a:r>
-            <a:r>
-              <a:rPr lang="en-US" sz="1200" dirty="0">
-                <a:solidFill>
-                  <a:srgbClr val="3F7F5F"/>
-                </a:solidFill>
-                <a:latin typeface="Consolas"/>
-              </a:rPr>
-              <a:t>// stop the watchdog timer</a:t>
-            </a:r>
-          </a:p>
-          <a:p>
-            <a:pPr marL="0" indent="0">
-              <a:buNone/>
-            </a:pPr>
-            <a:endParaRPr lang="en-US" sz="1200" dirty="0">
-              <a:latin typeface="Consolas"/>
-            </a:endParaRPr>
-          </a:p>
-          <a:p>
-            <a:pPr marL="0" indent="0">
-              <a:buNone/>
-            </a:pPr>
-            <a:r>
-              <a:rPr lang="fr-FR" sz="1200" dirty="0">
-                <a:solidFill>
-                  <a:srgbClr val="000000"/>
-                </a:solidFill>
-                <a:latin typeface="Consolas"/>
-              </a:rPr>
-              <a:t>        P2DIR |= BIT1;                </a:t>
-            </a:r>
-            <a:r>
-              <a:rPr lang="fr-FR" sz="1200" dirty="0">
-                <a:solidFill>
-                  <a:srgbClr val="3F7F5F"/>
-                </a:solidFill>
-                <a:latin typeface="Consolas"/>
-              </a:rPr>
-              <a:t>// TA1CCR1 on P2.1</a:t>
-            </a:r>
-          </a:p>
-          <a:p>
-            <a:pPr marL="0" indent="0">
-              <a:buNone/>
-            </a:pPr>
-            <a:r>
-              <a:rPr lang="fr-FR" sz="1200" dirty="0">
-                <a:solidFill>
-                  <a:srgbClr val="000000"/>
-                </a:solidFill>
-                <a:latin typeface="Consolas"/>
-              </a:rPr>
-              <a:t>        P2SEL |= BIT1;                </a:t>
-            </a:r>
-            <a:r>
-              <a:rPr lang="fr-FR" sz="1200" dirty="0">
-                <a:solidFill>
-                  <a:srgbClr val="3F7F5F"/>
-                </a:solidFill>
-                <a:latin typeface="Consolas"/>
-              </a:rPr>
-              <a:t>// TA1CCR1 on P2.1</a:t>
-            </a:r>
-          </a:p>
-          <a:p>
-            <a:pPr marL="0" indent="0">
-              <a:buNone/>
-            </a:pPr>
-            <a:r>
-              <a:rPr lang="en-US" sz="1200" dirty="0">
-                <a:solidFill>
-                  <a:srgbClr val="000000"/>
-                </a:solidFill>
-                <a:latin typeface="Consolas"/>
-              </a:rPr>
-              <a:t>        P2OUT &amp;= ~BIT1;</a:t>
-            </a:r>
-          </a:p>
-          <a:p>
-            <a:pPr marL="0" indent="0">
-              <a:buNone/>
-            </a:pPr>
-            <a:endParaRPr lang="en-US" sz="1200" dirty="0">
-              <a:latin typeface="Consolas"/>
-            </a:endParaRPr>
-          </a:p>
-          <a:p>
-            <a:pPr marL="0" indent="0">
-              <a:buNone/>
-            </a:pPr>
-            <a:r>
-              <a:rPr lang="en-US" sz="1200" dirty="0">
-                <a:solidFill>
-                  <a:srgbClr val="000000"/>
-                </a:solidFill>
-                <a:latin typeface="Consolas"/>
-              </a:rPr>
-              <a:t>        TA1CTL |= TASSEL_2|MC_1|ID_0;   </a:t>
-            </a:r>
-            <a:r>
-              <a:rPr lang="en-US" sz="1200" dirty="0">
-                <a:solidFill>
-                  <a:srgbClr val="3F7F5F"/>
-                </a:solidFill>
-                <a:latin typeface="Consolas"/>
-              </a:rPr>
-              <a:t>// configure for SMCLK</a:t>
-            </a:r>
-          </a:p>
-          <a:p>
-            <a:pPr marL="0" indent="0">
-              <a:buNone/>
-            </a:pPr>
-            <a:r>
-              <a:rPr lang="en-US" sz="1200" dirty="0">
-                <a:solidFill>
-                  <a:srgbClr val="000000"/>
-                </a:solidFill>
-                <a:latin typeface="Consolas"/>
-              </a:rPr>
-              <a:t>        P1DIR |= BIT0;            </a:t>
-            </a:r>
-            <a:r>
-              <a:rPr lang="en-US" sz="1200" dirty="0">
-                <a:solidFill>
-                  <a:srgbClr val="3F7F5F"/>
-                </a:solidFill>
-                <a:latin typeface="Consolas"/>
-              </a:rPr>
-              <a:t>//use LED to indicate duty cycle has toggled</a:t>
-            </a:r>
-          </a:p>
-          <a:p>
-            <a:pPr marL="0" indent="0">
-              <a:buNone/>
-            </a:pPr>
-            <a:r>
-              <a:rPr lang="en-US" sz="1200" dirty="0">
-                <a:solidFill>
-                  <a:srgbClr val="000000"/>
-                </a:solidFill>
-                <a:latin typeface="Consolas"/>
-              </a:rPr>
-              <a:t>        P1REN |= BIT3;</a:t>
-            </a:r>
-          </a:p>
-          <a:p>
-            <a:pPr marL="0" indent="0">
-              <a:buNone/>
-            </a:pPr>
-            <a:r>
-              <a:rPr lang="en-US" sz="1200" dirty="0">
-                <a:solidFill>
-                  <a:srgbClr val="000000"/>
-                </a:solidFill>
-                <a:latin typeface="Consolas"/>
-              </a:rPr>
-              <a:t>        P1OUT |= BIT3;</a:t>
-            </a:r>
-          </a:p>
-          <a:p>
-            <a:pPr marL="0" indent="0">
-              <a:buNone/>
-            </a:pPr>
-            <a:endParaRPr lang="en-US" sz="1200" dirty="0">
-              <a:latin typeface="Consolas"/>
-            </a:endParaRPr>
-          </a:p>
-          <a:p>
-            <a:pPr marL="0" indent="0">
-              <a:buNone/>
-            </a:pPr>
-            <a:r>
-              <a:rPr lang="en-US" sz="1200" dirty="0">
-                <a:solidFill>
-                  <a:srgbClr val="000000"/>
-                </a:solidFill>
-                <a:latin typeface="Consolas"/>
-              </a:rPr>
-              <a:t>        TA1CCR0 = 1000;        </a:t>
-            </a:r>
-            <a:r>
-              <a:rPr lang="en-US" sz="1200" dirty="0" smtClean="0">
-                <a:solidFill>
-                  <a:srgbClr val="000000"/>
-                </a:solidFill>
-                <a:latin typeface="Consolas"/>
-              </a:rPr>
-              <a:t>        </a:t>
-            </a:r>
-            <a:r>
-              <a:rPr lang="en-US" sz="1200" dirty="0" smtClean="0">
-                <a:solidFill>
-                  <a:srgbClr val="3F7F5F"/>
-                </a:solidFill>
-                <a:latin typeface="Consolas"/>
-              </a:rPr>
-              <a:t>// </a:t>
-            </a:r>
-            <a:r>
-              <a:rPr lang="en-US" sz="1200" dirty="0">
-                <a:solidFill>
-                  <a:srgbClr val="3F7F5F"/>
-                </a:solidFill>
-                <a:latin typeface="Consolas"/>
-              </a:rPr>
-              <a:t>set signal period to 1000 clock cycles (~1 millisecond)</a:t>
-            </a:r>
-          </a:p>
-          <a:p>
-            <a:pPr marL="0" indent="0">
-              <a:buNone/>
-            </a:pPr>
-            <a:r>
-              <a:rPr lang="en-US" sz="1200" dirty="0">
-                <a:solidFill>
-                  <a:srgbClr val="000000"/>
-                </a:solidFill>
-                <a:latin typeface="Consolas"/>
-              </a:rPr>
-              <a:t>        TA1CCR1 = 250;               </a:t>
-            </a:r>
-            <a:r>
-              <a:rPr lang="en-US" sz="1200" dirty="0" smtClean="0">
-                <a:solidFill>
-                  <a:srgbClr val="000000"/>
-                </a:solidFill>
-                <a:latin typeface="Consolas"/>
-              </a:rPr>
-              <a:t>  </a:t>
-            </a:r>
-            <a:r>
-              <a:rPr lang="en-US" sz="1200" dirty="0" smtClean="0">
-                <a:solidFill>
-                  <a:srgbClr val="3F7F5F"/>
-                </a:solidFill>
-                <a:latin typeface="Consolas"/>
-              </a:rPr>
-              <a:t>// </a:t>
-            </a:r>
-            <a:r>
-              <a:rPr lang="en-US" sz="1200" dirty="0">
-                <a:solidFill>
-                  <a:srgbClr val="3F7F5F"/>
-                </a:solidFill>
-                <a:latin typeface="Consolas"/>
-              </a:rPr>
-              <a:t>set duty cycle to 250/1000 (25%)</a:t>
-            </a:r>
-          </a:p>
-          <a:p>
-            <a:pPr marL="0" indent="0">
-              <a:buNone/>
-            </a:pPr>
-            <a:r>
-              <a:rPr lang="fr-FR" sz="1200" dirty="0">
-                <a:solidFill>
-                  <a:srgbClr val="000000"/>
-                </a:solidFill>
-                <a:latin typeface="Consolas"/>
-              </a:rPr>
-              <a:t>        TA1CCTL0 |= CCIE;               </a:t>
-            </a:r>
-            <a:r>
-              <a:rPr lang="fr-FR" sz="1200" dirty="0">
-                <a:solidFill>
-                  <a:srgbClr val="3F7F5F"/>
-                </a:solidFill>
-                <a:latin typeface="Consolas"/>
-              </a:rPr>
-              <a:t>// </a:t>
-            </a:r>
-            <a:r>
-              <a:rPr lang="fr-FR" sz="1200" dirty="0" err="1">
-                <a:solidFill>
-                  <a:srgbClr val="3F7F5F"/>
-                </a:solidFill>
-                <a:latin typeface="Consolas"/>
-              </a:rPr>
-              <a:t>enable</a:t>
-            </a:r>
-            <a:r>
-              <a:rPr lang="fr-FR" sz="1200" dirty="0">
-                <a:solidFill>
-                  <a:srgbClr val="3F7F5F"/>
-                </a:solidFill>
-                <a:latin typeface="Consolas"/>
-              </a:rPr>
-              <a:t> CC </a:t>
-            </a:r>
-            <a:r>
-              <a:rPr lang="fr-FR" sz="1200" dirty="0" err="1">
-                <a:solidFill>
-                  <a:srgbClr val="3F7F5F"/>
-                </a:solidFill>
-                <a:latin typeface="Consolas"/>
-              </a:rPr>
-              <a:t>interrupts</a:t>
-            </a:r>
-            <a:endParaRPr lang="fr-FR" sz="1200" dirty="0">
-              <a:solidFill>
-                <a:srgbClr val="3F7F5F"/>
-              </a:solidFill>
-              <a:latin typeface="Consolas"/>
-            </a:endParaRPr>
-          </a:p>
-          <a:p>
-            <a:pPr marL="0" indent="0">
-              <a:buNone/>
-            </a:pPr>
-            <a:r>
-              <a:rPr lang="en-US" sz="1200" dirty="0">
-                <a:solidFill>
-                  <a:srgbClr val="000000"/>
-                </a:solidFill>
-                <a:latin typeface="Consolas"/>
-              </a:rPr>
-              <a:t>        TA1CCTL1 |= OUTMOD_7|CCIE</a:t>
-            </a:r>
-            <a:r>
-              <a:rPr lang="en-US" sz="1200" dirty="0" smtClean="0">
-                <a:solidFill>
-                  <a:srgbClr val="000000"/>
-                </a:solidFill>
-                <a:latin typeface="Consolas"/>
-              </a:rPr>
-              <a:t>;      </a:t>
-            </a:r>
-            <a:r>
-              <a:rPr lang="en-US" sz="1200" dirty="0" smtClean="0">
-                <a:solidFill>
-                  <a:srgbClr val="3F7F5F"/>
-                </a:solidFill>
-                <a:latin typeface="Consolas"/>
-              </a:rPr>
-              <a:t>// </a:t>
-            </a:r>
-            <a:r>
-              <a:rPr lang="en-US" sz="1200" dirty="0">
-                <a:solidFill>
-                  <a:srgbClr val="3F7F5F"/>
-                </a:solidFill>
-                <a:latin typeface="Consolas"/>
-              </a:rPr>
-              <a:t>set TACCTL1 to Set / Reset mode//enable CC interrupts</a:t>
-            </a:r>
-          </a:p>
-          <a:p>
-            <a:pPr marL="0" indent="0">
-              <a:buNone/>
-            </a:pPr>
-            <a:r>
-              <a:rPr lang="en-US" sz="1200" dirty="0">
-                <a:solidFill>
-                  <a:srgbClr val="000000"/>
-                </a:solidFill>
-                <a:latin typeface="Consolas"/>
-              </a:rPr>
-              <a:t>        TA1CCTL1 &amp;= ~CCIFG;             </a:t>
-            </a:r>
-            <a:r>
-              <a:rPr lang="en-US" sz="1200" dirty="0">
-                <a:solidFill>
-                  <a:srgbClr val="3F7F5F"/>
-                </a:solidFill>
-                <a:latin typeface="Consolas"/>
-              </a:rPr>
-              <a:t>//clear capture compare interrupt flag</a:t>
-            </a:r>
-          </a:p>
-          <a:p>
-            <a:pPr marL="0" indent="0">
-              <a:buNone/>
-            </a:pPr>
-            <a:r>
-              <a:rPr lang="en-US" sz="1200" dirty="0">
-                <a:solidFill>
-                  <a:srgbClr val="000000"/>
-                </a:solidFill>
-                <a:latin typeface="Consolas"/>
-              </a:rPr>
-              <a:t>        _</a:t>
-            </a:r>
-            <a:r>
-              <a:rPr lang="en-US" sz="1200" dirty="0" err="1">
-                <a:solidFill>
-                  <a:srgbClr val="000000"/>
-                </a:solidFill>
-                <a:latin typeface="Consolas"/>
-              </a:rPr>
-              <a:t>enable_interrupt</a:t>
-            </a:r>
-            <a:r>
-              <a:rPr lang="en-US" sz="1200" dirty="0">
-                <a:solidFill>
-                  <a:srgbClr val="000000"/>
-                </a:solidFill>
-                <a:latin typeface="Consolas"/>
-              </a:rPr>
-              <a:t>();</a:t>
-            </a:r>
-          </a:p>
-          <a:p>
-            <a:pPr marL="0" indent="0">
-              <a:buNone/>
-            </a:pPr>
-            <a:endParaRPr lang="en-US" sz="1200" dirty="0">
-              <a:latin typeface="Consolas"/>
-            </a:endParaRPr>
-          </a:p>
-          <a:p>
-            <a:pPr marL="0" indent="0">
-              <a:buNone/>
-            </a:pPr>
-            <a:r>
-              <a:rPr lang="en-US" sz="1200" dirty="0">
-                <a:solidFill>
-                  <a:srgbClr val="000000"/>
-                </a:solidFill>
-                <a:latin typeface="Consolas"/>
-              </a:rPr>
-              <a:t>        </a:t>
-            </a:r>
-            <a:r>
-              <a:rPr lang="en-US" sz="1200" b="1" dirty="0">
-                <a:solidFill>
-                  <a:srgbClr val="7F0055"/>
-                </a:solidFill>
-                <a:latin typeface="Consolas"/>
-              </a:rPr>
-              <a:t>while</a:t>
-            </a:r>
-            <a:r>
-              <a:rPr lang="en-US" sz="1200" b="1" dirty="0">
-                <a:solidFill>
-                  <a:srgbClr val="000000"/>
-                </a:solidFill>
-                <a:latin typeface="Consolas"/>
-              </a:rPr>
-              <a:t> (1) {</a:t>
-            </a:r>
-          </a:p>
-          <a:p>
-            <a:pPr marL="0" indent="0">
-              <a:buNone/>
-            </a:pPr>
-            <a:endParaRPr lang="en-US" sz="1200" dirty="0">
-              <a:latin typeface="Consolas"/>
-            </a:endParaRPr>
-          </a:p>
-          <a:p>
-            <a:pPr marL="0" indent="0">
-              <a:buNone/>
-            </a:pPr>
-            <a:r>
-              <a:rPr lang="en-US" sz="1200" dirty="0">
-                <a:solidFill>
-                  <a:srgbClr val="000000"/>
-                </a:solidFill>
-                <a:latin typeface="Consolas"/>
-              </a:rPr>
-              <a:t>            </a:t>
-            </a:r>
-            <a:r>
-              <a:rPr lang="en-US" sz="1200" b="1" dirty="0">
-                <a:solidFill>
-                  <a:srgbClr val="7F0055"/>
-                </a:solidFill>
-                <a:latin typeface="Consolas"/>
-              </a:rPr>
-              <a:t>while</a:t>
-            </a:r>
-            <a:r>
-              <a:rPr lang="en-US" sz="1200" b="1" dirty="0">
-                <a:solidFill>
-                  <a:srgbClr val="000000"/>
-                </a:solidFill>
-                <a:latin typeface="Consolas"/>
-              </a:rPr>
-              <a:t> (P1IN &amp; BIT3);     </a:t>
-            </a:r>
-            <a:r>
-              <a:rPr lang="en-US" sz="1200" b="1" dirty="0">
-                <a:solidFill>
-                  <a:srgbClr val="3F7F5F"/>
-                </a:solidFill>
-                <a:latin typeface="Consolas"/>
-              </a:rPr>
-              <a:t>//every time the button is pushed, toggle the duty cycle</a:t>
-            </a:r>
-          </a:p>
-          <a:p>
-            <a:pPr marL="0" indent="0">
-              <a:buNone/>
-            </a:pPr>
-            <a:r>
-              <a:rPr lang="en-US" sz="1200" dirty="0">
-                <a:solidFill>
-                  <a:srgbClr val="000000"/>
-                </a:solidFill>
-                <a:latin typeface="Consolas"/>
-              </a:rPr>
-              <a:t>            </a:t>
-            </a:r>
-            <a:r>
-              <a:rPr lang="en-US" sz="1200" b="1" dirty="0">
-                <a:solidFill>
-                  <a:srgbClr val="642880"/>
-                </a:solidFill>
-                <a:latin typeface="Consolas"/>
-              </a:rPr>
-              <a:t>__</a:t>
-            </a:r>
-            <a:r>
-              <a:rPr lang="en-US" sz="1200" b="1" dirty="0" err="1">
-                <a:solidFill>
-                  <a:srgbClr val="642880"/>
-                </a:solidFill>
-                <a:latin typeface="Consolas"/>
-              </a:rPr>
-              <a:t>delay_cycles</a:t>
-            </a:r>
-            <a:r>
-              <a:rPr lang="en-US" sz="1200" b="1" dirty="0">
-                <a:solidFill>
-                  <a:srgbClr val="000000"/>
-                </a:solidFill>
-                <a:latin typeface="Consolas"/>
-              </a:rPr>
-              <a:t>(1000000);</a:t>
-            </a:r>
-          </a:p>
-          <a:p>
-            <a:pPr marL="0" indent="0">
-              <a:buNone/>
-            </a:pPr>
-            <a:r>
-              <a:rPr lang="en-US" sz="1200" dirty="0">
-                <a:solidFill>
-                  <a:srgbClr val="000000"/>
-                </a:solidFill>
-                <a:latin typeface="Consolas"/>
-              </a:rPr>
-              <a:t>            TA1CCR1 = 1000;         </a:t>
-            </a:r>
-            <a:r>
-              <a:rPr lang="en-US" sz="1200" dirty="0">
-                <a:solidFill>
-                  <a:srgbClr val="3F7F5F"/>
-                </a:solidFill>
-                <a:latin typeface="Consolas"/>
-              </a:rPr>
-              <a:t>// set duty cycle to 1000/1000 (100%)</a:t>
-            </a:r>
-          </a:p>
-          <a:p>
-            <a:pPr marL="0" indent="0">
-              <a:buNone/>
-            </a:pPr>
-            <a:endParaRPr lang="en-US" sz="1200" dirty="0">
-              <a:latin typeface="Consolas"/>
-            </a:endParaRPr>
-          </a:p>
-          <a:p>
-            <a:pPr marL="0" indent="0">
-              <a:buNone/>
-            </a:pPr>
-            <a:r>
-              <a:rPr lang="en-US" sz="1200" dirty="0">
-                <a:solidFill>
-                  <a:srgbClr val="000000"/>
-                </a:solidFill>
-                <a:latin typeface="Consolas"/>
-              </a:rPr>
-              <a:t>            </a:t>
-            </a:r>
-            <a:r>
-              <a:rPr lang="en-US" sz="1200" b="1" dirty="0">
-                <a:solidFill>
-                  <a:srgbClr val="7F0055"/>
-                </a:solidFill>
-                <a:latin typeface="Consolas"/>
-              </a:rPr>
-              <a:t>while</a:t>
-            </a:r>
-            <a:r>
-              <a:rPr lang="en-US" sz="1200" b="1" dirty="0">
-                <a:solidFill>
-                  <a:srgbClr val="000000"/>
-                </a:solidFill>
-                <a:latin typeface="Consolas"/>
-              </a:rPr>
-              <a:t> (P1IN &amp; BIT3);</a:t>
-            </a:r>
-          </a:p>
-          <a:p>
-            <a:pPr marL="0" indent="0">
-              <a:buNone/>
-            </a:pPr>
-            <a:r>
-              <a:rPr lang="en-US" sz="1200" dirty="0">
-                <a:solidFill>
-                  <a:srgbClr val="000000"/>
-                </a:solidFill>
-                <a:latin typeface="Consolas"/>
-              </a:rPr>
-              <a:t>            </a:t>
-            </a:r>
-            <a:r>
-              <a:rPr lang="en-US" sz="1200" b="1" dirty="0">
-                <a:solidFill>
-                  <a:srgbClr val="642880"/>
-                </a:solidFill>
-                <a:latin typeface="Consolas"/>
-              </a:rPr>
-              <a:t>__</a:t>
-            </a:r>
-            <a:r>
-              <a:rPr lang="en-US" sz="1200" b="1" dirty="0" err="1">
-                <a:solidFill>
-                  <a:srgbClr val="642880"/>
-                </a:solidFill>
-                <a:latin typeface="Consolas"/>
-              </a:rPr>
-              <a:t>delay_cycles</a:t>
-            </a:r>
-            <a:r>
-              <a:rPr lang="en-US" sz="1200" b="1" dirty="0">
-                <a:solidFill>
-                  <a:srgbClr val="000000"/>
-                </a:solidFill>
-                <a:latin typeface="Consolas"/>
-              </a:rPr>
-              <a:t>(1000000);</a:t>
-            </a:r>
-          </a:p>
-          <a:p>
-            <a:pPr marL="0" indent="0">
-              <a:buNone/>
-            </a:pPr>
-            <a:r>
-              <a:rPr lang="en-US" sz="1200" dirty="0">
-                <a:solidFill>
-                  <a:srgbClr val="000000"/>
-                </a:solidFill>
-                <a:latin typeface="Consolas"/>
-              </a:rPr>
-              <a:t>            TA1CCR1 = 750;            </a:t>
-            </a:r>
-            <a:r>
-              <a:rPr lang="en-US" sz="1200" dirty="0">
-                <a:solidFill>
-                  <a:srgbClr val="3F7F5F"/>
-                </a:solidFill>
-                <a:latin typeface="Consolas"/>
-              </a:rPr>
-              <a:t>// set duty cycle to 750/1000 (75%)</a:t>
-            </a:r>
-          </a:p>
-          <a:p>
-            <a:pPr marL="0" indent="0">
-              <a:buNone/>
-            </a:pPr>
-            <a:endParaRPr lang="en-US" sz="1200" dirty="0">
-              <a:latin typeface="Consolas"/>
-            </a:endParaRPr>
-          </a:p>
-          <a:p>
-            <a:pPr marL="0" indent="0">
-              <a:buNone/>
-            </a:pPr>
-            <a:r>
-              <a:rPr lang="en-US" sz="1200" dirty="0">
-                <a:solidFill>
-                  <a:srgbClr val="000000"/>
-                </a:solidFill>
-                <a:latin typeface="Consolas"/>
-              </a:rPr>
-              <a:t>            </a:t>
-            </a:r>
-            <a:r>
-              <a:rPr lang="en-US" sz="1200" b="1" dirty="0">
-                <a:solidFill>
-                  <a:srgbClr val="7F0055"/>
-                </a:solidFill>
-                <a:latin typeface="Consolas"/>
-              </a:rPr>
-              <a:t>while</a:t>
-            </a:r>
-            <a:r>
-              <a:rPr lang="en-US" sz="1200" b="1" dirty="0">
-                <a:solidFill>
-                  <a:srgbClr val="000000"/>
-                </a:solidFill>
-                <a:latin typeface="Consolas"/>
-              </a:rPr>
-              <a:t> (P1IN &amp; BIT3);</a:t>
-            </a:r>
-          </a:p>
-          <a:p>
-            <a:pPr marL="0" indent="0">
-              <a:buNone/>
-            </a:pPr>
-            <a:r>
-              <a:rPr lang="en-US" sz="1200" dirty="0">
-                <a:solidFill>
-                  <a:srgbClr val="000000"/>
-                </a:solidFill>
-                <a:latin typeface="Consolas"/>
-              </a:rPr>
-              <a:t>            </a:t>
-            </a:r>
-            <a:r>
-              <a:rPr lang="en-US" sz="1200" b="1" dirty="0">
-                <a:solidFill>
-                  <a:srgbClr val="642880"/>
-                </a:solidFill>
-                <a:latin typeface="Consolas"/>
-              </a:rPr>
-              <a:t>__</a:t>
-            </a:r>
-            <a:r>
-              <a:rPr lang="en-US" sz="1200" b="1" dirty="0" err="1">
-                <a:solidFill>
-                  <a:srgbClr val="642880"/>
-                </a:solidFill>
-                <a:latin typeface="Consolas"/>
-              </a:rPr>
-              <a:t>delay_cycles</a:t>
-            </a:r>
-            <a:r>
-              <a:rPr lang="en-US" sz="1200" b="1" dirty="0">
-                <a:solidFill>
-                  <a:srgbClr val="000000"/>
-                </a:solidFill>
-                <a:latin typeface="Consolas"/>
-              </a:rPr>
-              <a:t>(1000000);</a:t>
-            </a:r>
-          </a:p>
-          <a:p>
-            <a:pPr marL="0" indent="0">
-              <a:buNone/>
-            </a:pPr>
-            <a:r>
-              <a:rPr lang="en-US" sz="1200" dirty="0">
-                <a:solidFill>
-                  <a:srgbClr val="000000"/>
-                </a:solidFill>
-                <a:latin typeface="Consolas"/>
-              </a:rPr>
-              <a:t>            TA1CCR1 = 500;           </a:t>
-            </a:r>
-            <a:r>
-              <a:rPr lang="en-US" sz="1200" dirty="0">
-                <a:solidFill>
-                  <a:srgbClr val="3F7F5F"/>
-                </a:solidFill>
-                <a:latin typeface="Consolas"/>
-              </a:rPr>
-              <a:t>// set duty cycle to 500/1000 (50%)</a:t>
-            </a:r>
-          </a:p>
-          <a:p>
-            <a:pPr marL="0" indent="0">
-              <a:buNone/>
-            </a:pPr>
-            <a:endParaRPr lang="en-US" sz="1200" dirty="0">
-              <a:latin typeface="Consolas"/>
-            </a:endParaRPr>
-          </a:p>
-          <a:p>
-            <a:pPr marL="0" indent="0">
-              <a:buNone/>
-            </a:pPr>
-            <a:r>
-              <a:rPr lang="en-US" sz="1200" dirty="0">
-                <a:solidFill>
-                  <a:srgbClr val="000000"/>
-                </a:solidFill>
-                <a:latin typeface="Consolas"/>
-              </a:rPr>
-              <a:t>            </a:t>
-            </a:r>
-            <a:r>
-              <a:rPr lang="en-US" sz="1200" b="1" dirty="0">
-                <a:solidFill>
-                  <a:srgbClr val="7F0055"/>
-                </a:solidFill>
-                <a:latin typeface="Consolas"/>
-              </a:rPr>
-              <a:t>while</a:t>
-            </a:r>
-            <a:r>
-              <a:rPr lang="en-US" sz="1200" b="1" dirty="0">
-                <a:solidFill>
-                  <a:srgbClr val="000000"/>
-                </a:solidFill>
-                <a:latin typeface="Consolas"/>
-              </a:rPr>
-              <a:t> (P1IN &amp; BIT3);</a:t>
-            </a:r>
-          </a:p>
-          <a:p>
-            <a:pPr marL="0" indent="0">
-              <a:buNone/>
-            </a:pPr>
-            <a:r>
-              <a:rPr lang="en-US" sz="1200" dirty="0">
-                <a:solidFill>
-                  <a:srgbClr val="000000"/>
-                </a:solidFill>
-                <a:latin typeface="Consolas"/>
-              </a:rPr>
-              <a:t>            </a:t>
-            </a:r>
-            <a:r>
-              <a:rPr lang="en-US" sz="1200" b="1" dirty="0">
-                <a:solidFill>
-                  <a:srgbClr val="642880"/>
-                </a:solidFill>
-                <a:latin typeface="Consolas"/>
-              </a:rPr>
-              <a:t>__</a:t>
-            </a:r>
-            <a:r>
-              <a:rPr lang="en-US" sz="1200" b="1" dirty="0" err="1">
-                <a:solidFill>
-                  <a:srgbClr val="642880"/>
-                </a:solidFill>
-                <a:latin typeface="Consolas"/>
-              </a:rPr>
-              <a:t>delay_cycles</a:t>
-            </a:r>
-            <a:r>
-              <a:rPr lang="en-US" sz="1200" b="1" dirty="0">
-                <a:solidFill>
-                  <a:srgbClr val="000000"/>
-                </a:solidFill>
-                <a:latin typeface="Consolas"/>
-              </a:rPr>
-              <a:t>(1000000);</a:t>
-            </a:r>
-          </a:p>
-          <a:p>
-            <a:pPr marL="0" indent="0">
-              <a:buNone/>
-            </a:pPr>
-            <a:r>
-              <a:rPr lang="en-US" sz="1200" dirty="0">
-                <a:solidFill>
-                  <a:srgbClr val="000000"/>
-                </a:solidFill>
-                <a:latin typeface="Consolas"/>
-              </a:rPr>
-              <a:t>            TA1CCR1 = 250;           </a:t>
-            </a:r>
-            <a:r>
-              <a:rPr lang="en-US" sz="1200" dirty="0">
-                <a:solidFill>
-                  <a:srgbClr val="3F7F5F"/>
-                </a:solidFill>
-                <a:latin typeface="Consolas"/>
-              </a:rPr>
-              <a:t>// set duty cycle to 250/1000 (25%)</a:t>
-            </a:r>
-          </a:p>
-          <a:p>
-            <a:pPr marL="0" indent="0">
-              <a:buNone/>
-            </a:pPr>
-            <a:endParaRPr lang="en-US" sz="1200" dirty="0">
-              <a:latin typeface="Consolas"/>
-            </a:endParaRPr>
-          </a:p>
-          <a:p>
-            <a:pPr marL="0" indent="0">
-              <a:buNone/>
-            </a:pPr>
-            <a:r>
-              <a:rPr lang="en-US" sz="1200" dirty="0">
-                <a:solidFill>
-                  <a:srgbClr val="000000"/>
-                </a:solidFill>
-                <a:latin typeface="Consolas"/>
-              </a:rPr>
-              <a:t>            </a:t>
-            </a:r>
-            <a:r>
-              <a:rPr lang="en-US" sz="1200" b="1" dirty="0">
-                <a:solidFill>
-                  <a:srgbClr val="7F0055"/>
-                </a:solidFill>
-                <a:latin typeface="Consolas"/>
-              </a:rPr>
-              <a:t>while</a:t>
-            </a:r>
-            <a:r>
-              <a:rPr lang="en-US" sz="1200" b="1" dirty="0">
-                <a:solidFill>
-                  <a:srgbClr val="000000"/>
-                </a:solidFill>
-                <a:latin typeface="Consolas"/>
-              </a:rPr>
-              <a:t> (P1IN &amp; BIT3);</a:t>
-            </a:r>
-          </a:p>
-          <a:p>
-            <a:pPr marL="0" indent="0">
-              <a:buNone/>
-            </a:pPr>
-            <a:r>
-              <a:rPr lang="en-US" sz="1200" dirty="0">
-                <a:solidFill>
-                  <a:srgbClr val="000000"/>
-                </a:solidFill>
-                <a:latin typeface="Consolas"/>
-              </a:rPr>
-              <a:t>            </a:t>
-            </a:r>
-            <a:r>
-              <a:rPr lang="en-US" sz="1200" b="1" dirty="0">
-                <a:solidFill>
-                  <a:srgbClr val="642880"/>
-                </a:solidFill>
-                <a:latin typeface="Consolas"/>
-              </a:rPr>
-              <a:t>__</a:t>
-            </a:r>
-            <a:r>
-              <a:rPr lang="en-US" sz="1200" b="1" dirty="0" err="1">
-                <a:solidFill>
-                  <a:srgbClr val="642880"/>
-                </a:solidFill>
-                <a:latin typeface="Consolas"/>
-              </a:rPr>
-              <a:t>delay_cycles</a:t>
-            </a:r>
-            <a:r>
-              <a:rPr lang="en-US" sz="1200" b="1" dirty="0">
-                <a:solidFill>
-                  <a:srgbClr val="000000"/>
-                </a:solidFill>
-                <a:latin typeface="Consolas"/>
-              </a:rPr>
-              <a:t>(1000000);</a:t>
-            </a:r>
-          </a:p>
-          <a:p>
-            <a:pPr marL="0" indent="0">
-              <a:buNone/>
-            </a:pPr>
-            <a:r>
-              <a:rPr lang="en-US" sz="1200" dirty="0">
-                <a:solidFill>
-                  <a:srgbClr val="000000"/>
-                </a:solidFill>
-                <a:latin typeface="Consolas"/>
-              </a:rPr>
-              <a:t>            TA1CCR1 = 100;            </a:t>
-            </a:r>
-            <a:r>
-              <a:rPr lang="en-US" sz="1200" dirty="0">
-                <a:solidFill>
-                  <a:srgbClr val="3F7F5F"/>
-                </a:solidFill>
-                <a:latin typeface="Consolas"/>
-              </a:rPr>
-              <a:t>// set duty cycle to 100/1000 (10%)</a:t>
-            </a:r>
-          </a:p>
-          <a:p>
-            <a:pPr marL="0" indent="0">
-              <a:buNone/>
-            </a:pPr>
-            <a:endParaRPr lang="en-US" sz="1200" dirty="0">
-              <a:latin typeface="Consolas"/>
-            </a:endParaRPr>
-          </a:p>
-          <a:p>
-            <a:pPr marL="0" indent="0">
-              <a:buNone/>
-            </a:pPr>
-            <a:r>
-              <a:rPr lang="en-US" sz="1200" dirty="0">
-                <a:solidFill>
-                  <a:srgbClr val="000000"/>
-                </a:solidFill>
-                <a:latin typeface="Consolas"/>
-              </a:rPr>
-              <a:t>            </a:t>
-            </a:r>
-            <a:r>
-              <a:rPr lang="en-US" sz="1200" b="1" dirty="0">
-                <a:solidFill>
-                  <a:srgbClr val="7F0055"/>
-                </a:solidFill>
-                <a:latin typeface="Consolas"/>
-              </a:rPr>
-              <a:t>while</a:t>
-            </a:r>
-            <a:r>
-              <a:rPr lang="en-US" sz="1200" b="1" dirty="0">
-                <a:solidFill>
-                  <a:srgbClr val="000000"/>
-                </a:solidFill>
-                <a:latin typeface="Consolas"/>
-              </a:rPr>
-              <a:t> (P1IN &amp; BIT3);</a:t>
-            </a:r>
-          </a:p>
-          <a:p>
-            <a:pPr marL="0" indent="0">
-              <a:buNone/>
-            </a:pPr>
-            <a:r>
-              <a:rPr lang="en-US" sz="1200" dirty="0">
-                <a:solidFill>
-                  <a:srgbClr val="000000"/>
-                </a:solidFill>
-                <a:latin typeface="Consolas"/>
-              </a:rPr>
-              <a:t>            </a:t>
-            </a:r>
-            <a:r>
-              <a:rPr lang="en-US" sz="1200" b="1" dirty="0">
-                <a:solidFill>
-                  <a:srgbClr val="642880"/>
-                </a:solidFill>
-                <a:latin typeface="Consolas"/>
-              </a:rPr>
-              <a:t>__</a:t>
-            </a:r>
-            <a:r>
-              <a:rPr lang="en-US" sz="1200" b="1" dirty="0" err="1">
-                <a:solidFill>
-                  <a:srgbClr val="642880"/>
-                </a:solidFill>
-                <a:latin typeface="Consolas"/>
-              </a:rPr>
-              <a:t>delay_cycles</a:t>
-            </a:r>
-            <a:r>
-              <a:rPr lang="en-US" sz="1200" b="1" dirty="0">
-                <a:solidFill>
-                  <a:srgbClr val="000000"/>
-                </a:solidFill>
-                <a:latin typeface="Consolas"/>
-              </a:rPr>
-              <a:t>(1000000);</a:t>
-            </a:r>
-          </a:p>
-          <a:p>
-            <a:pPr marL="0" indent="0">
-              <a:buNone/>
-            </a:pPr>
-            <a:r>
-              <a:rPr lang="en-US" sz="1200" dirty="0">
-                <a:solidFill>
-                  <a:srgbClr val="000000"/>
-                </a:solidFill>
-                <a:latin typeface="Consolas"/>
-              </a:rPr>
-              <a:t>            TA1CCR1 = 20;            </a:t>
-            </a:r>
-            <a:r>
-              <a:rPr lang="en-US" sz="1200" dirty="0">
-                <a:solidFill>
-                  <a:srgbClr val="3F7F5F"/>
-                </a:solidFill>
-                <a:latin typeface="Consolas"/>
-              </a:rPr>
-              <a:t>// set duty cycle to 20/1000 (2%)</a:t>
-            </a:r>
-          </a:p>
-          <a:p>
-            <a:pPr marL="0" indent="0">
-              <a:buNone/>
-            </a:pPr>
-            <a:endParaRPr lang="en-US" sz="1200" dirty="0">
-              <a:latin typeface="Consolas"/>
-            </a:endParaRPr>
-          </a:p>
-          <a:p>
-            <a:pPr marL="0" indent="0">
-              <a:buNone/>
-            </a:pPr>
-            <a:r>
-              <a:rPr lang="en-US" sz="1200" dirty="0">
-                <a:solidFill>
-                  <a:srgbClr val="000000"/>
-                </a:solidFill>
-                <a:latin typeface="Consolas"/>
-              </a:rPr>
-              <a:t>        }</a:t>
-            </a:r>
-          </a:p>
-          <a:p>
-            <a:pPr marL="0" indent="0">
-              <a:buNone/>
-            </a:pPr>
-            <a:r>
-              <a:rPr lang="en-US" sz="1200" dirty="0" smtClean="0">
-                <a:solidFill>
-                  <a:srgbClr val="000000"/>
-                </a:solidFill>
-                <a:latin typeface="Consolas"/>
-              </a:rPr>
-              <a:t>}</a:t>
-            </a:r>
-            <a:endParaRPr lang="en-US" sz="1200" dirty="0" smtClean="0">
-              <a:solidFill>
-                <a:schemeClr val="accent2"/>
-              </a:solidFill>
-            </a:endParaRPr>
-          </a:p>
-        </p:txBody>
-      </p:sp>
-    </p:spTree>
-    <p:extLst>
-      <p:ext uri="{BB962C8B-B14F-4D97-AF65-F5344CB8AC3E}">
-        <p14:creationId xmlns:p14="http://schemas.microsoft.com/office/powerpoint/2010/main" val="2019362551"/>
-      </p:ext>
-    </p:extLst>
-  </p:cSld>
-  <p:clrMapOvr>
-    <a:masterClrMapping/>
-  </p:clrMapOvr>
-  <p:timing>
-    <p:tnLst>
-      <p:par>
-        <p:cTn id="1" dur="indefinite" restart="never" nodeType="tmRoot"/>
-      </p:par>
-    </p:tnLst>
-  </p:timing>
-</p:sld>
-</file>
-
-<file path=ppt/slides/slide21.xml><?xml version="1.0" encoding="utf-8"?>
-<p:sld xmlns:a="http://schemas.openxmlformats.org/drawingml/2006/main" xmlns:r="http://schemas.openxmlformats.org/officeDocument/2006/relationships" xmlns:p="http://schemas.openxmlformats.org/presentationml/2006/main">
-  <p:cSld>
-    <p:spTree>
-      <p:nvGrpSpPr>
-        <p:cNvPr id="1" name=""/>
-        <p:cNvGrpSpPr/>
-        <p:nvPr/>
-      </p:nvGrpSpPr>
-      <p:grpSpPr>
-        <a:xfrm>
-          <a:off x="0" y="0"/>
-          <a:ext cx="0" cy="0"/>
-          <a:chOff x="0" y="0"/>
-          <a:chExt cx="0" cy="0"/>
-        </a:xfrm>
-      </p:grpSpPr>
-      <p:sp>
-        <p:nvSpPr>
-          <p:cNvPr id="2" name="Title 1"/>
-          <p:cNvSpPr>
-            <a:spLocks noGrp="1"/>
-          </p:cNvSpPr>
-          <p:nvPr>
-            <p:ph type="title"/>
-          </p:nvPr>
-        </p:nvSpPr>
-        <p:spPr/>
-        <p:txBody>
-          <a:bodyPr/>
-          <a:lstStyle/>
-          <a:p>
-            <a:r>
-              <a:rPr lang="en-US" b="1" dirty="0" smtClean="0"/>
-              <a:t>Example with Interrupt</a:t>
-            </a:r>
-            <a:endParaRPr lang="en-US" b="1" dirty="0"/>
-          </a:p>
-        </p:txBody>
-      </p:sp>
-      <p:sp>
-        <p:nvSpPr>
-          <p:cNvPr id="7" name="TextBox 6"/>
-          <p:cNvSpPr txBox="1"/>
-          <p:nvPr/>
-        </p:nvSpPr>
-        <p:spPr>
-          <a:xfrm>
-            <a:off x="439553" y="1681241"/>
-            <a:ext cx="7214606" cy="4070345"/>
-          </a:xfrm>
-          <a:prstGeom prst="rect">
-            <a:avLst/>
-          </a:prstGeom>
-          <a:noFill/>
-        </p:spPr>
-        <p:txBody>
-          <a:bodyPr wrap="square" rtlCol="0">
-            <a:spAutoFit/>
-          </a:bodyPr>
-          <a:lstStyle/>
-          <a:p>
-            <a:pPr marL="0" indent="0">
-              <a:buNone/>
-            </a:pPr>
-            <a:r>
-              <a:rPr lang="en-US" sz="1100" b="1" dirty="0">
-                <a:solidFill>
-                  <a:srgbClr val="7F0055"/>
-                </a:solidFill>
-                <a:latin typeface="Consolas"/>
-              </a:rPr>
-              <a:t>#pragma</a:t>
-            </a:r>
-            <a:r>
-              <a:rPr lang="en-US" sz="1100" b="1" dirty="0">
-                <a:solidFill>
-                  <a:srgbClr val="000000"/>
-                </a:solidFill>
-                <a:latin typeface="Consolas"/>
-              </a:rPr>
-              <a:t> vector = TIMER1_A0_VECTOR            </a:t>
-            </a:r>
-            <a:r>
-              <a:rPr lang="en-US" sz="1100" b="1" dirty="0">
-                <a:solidFill>
-                  <a:srgbClr val="3F7F5F"/>
-                </a:solidFill>
-                <a:latin typeface="Consolas"/>
-              </a:rPr>
-              <a:t>// This is from the MSP430G2553.h file</a:t>
-            </a:r>
-          </a:p>
-          <a:p>
-            <a:pPr marL="0" indent="0">
-              <a:buNone/>
-            </a:pPr>
-            <a:r>
-              <a:rPr lang="en-US" sz="1100" b="1" dirty="0">
-                <a:solidFill>
-                  <a:srgbClr val="7F0055"/>
-                </a:solidFill>
-                <a:latin typeface="Consolas"/>
-              </a:rPr>
-              <a:t>__interrupt</a:t>
-            </a:r>
-            <a:r>
-              <a:rPr lang="en-US" sz="1100" b="1" dirty="0">
-                <a:solidFill>
-                  <a:srgbClr val="000000"/>
-                </a:solidFill>
-                <a:latin typeface="Consolas"/>
-              </a:rPr>
-              <a:t> </a:t>
-            </a:r>
-            <a:r>
-              <a:rPr lang="en-US" sz="1100" b="1" dirty="0">
-                <a:solidFill>
-                  <a:srgbClr val="7F0055"/>
-                </a:solidFill>
-                <a:latin typeface="Consolas"/>
-              </a:rPr>
-              <a:t>void</a:t>
-            </a:r>
-            <a:r>
-              <a:rPr lang="en-US" sz="1100" b="1" dirty="0">
-                <a:solidFill>
-                  <a:srgbClr val="000000"/>
-                </a:solidFill>
-                <a:latin typeface="Consolas"/>
-              </a:rPr>
-              <a:t> </a:t>
-            </a:r>
-            <a:r>
-              <a:rPr lang="en-US" sz="1100" b="1" dirty="0" err="1">
-                <a:solidFill>
-                  <a:srgbClr val="000000"/>
-                </a:solidFill>
-                <a:latin typeface="Consolas"/>
-              </a:rPr>
-              <a:t>captureCompareInt</a:t>
-            </a:r>
-            <a:r>
-              <a:rPr lang="en-US" sz="1100" b="1" dirty="0">
-                <a:solidFill>
-                  <a:srgbClr val="000000"/>
-                </a:solidFill>
-                <a:latin typeface="Consolas"/>
-              </a:rPr>
-              <a:t> (</a:t>
-            </a:r>
-            <a:r>
-              <a:rPr lang="en-US" sz="1100" b="1" dirty="0">
-                <a:solidFill>
-                  <a:srgbClr val="7F0055"/>
-                </a:solidFill>
-                <a:latin typeface="Consolas"/>
-              </a:rPr>
-              <a:t>void</a:t>
-            </a:r>
-            <a:r>
-              <a:rPr lang="en-US" sz="1100" b="1" dirty="0">
-                <a:solidFill>
-                  <a:srgbClr val="000000"/>
-                </a:solidFill>
-                <a:latin typeface="Consolas"/>
-              </a:rPr>
-              <a:t>) {</a:t>
-            </a:r>
-          </a:p>
-          <a:p>
-            <a:pPr marL="0" indent="0">
-              <a:buNone/>
-            </a:pPr>
-            <a:r>
-              <a:rPr lang="en-US" sz="1100" dirty="0">
-                <a:solidFill>
-                  <a:srgbClr val="000000"/>
-                </a:solidFill>
-                <a:latin typeface="Consolas"/>
-              </a:rPr>
-              <a:t>    P1OUT |= BIT0;                        </a:t>
-            </a:r>
-            <a:r>
-              <a:rPr lang="en-US" sz="1100" dirty="0">
-                <a:solidFill>
-                  <a:srgbClr val="3F7F5F"/>
-                </a:solidFill>
-                <a:latin typeface="Consolas"/>
-              </a:rPr>
-              <a:t>//Turn on LED</a:t>
-            </a:r>
-          </a:p>
-          <a:p>
-            <a:pPr marL="0" indent="0">
-              <a:buNone/>
-            </a:pPr>
-            <a:r>
-              <a:rPr lang="en-US" sz="1100" dirty="0">
-                <a:solidFill>
-                  <a:srgbClr val="000000"/>
-                </a:solidFill>
-                <a:latin typeface="Consolas"/>
-              </a:rPr>
-              <a:t>    </a:t>
-            </a:r>
-            <a:r>
-              <a:rPr lang="en-US" sz="1100" dirty="0">
-                <a:solidFill>
-                  <a:srgbClr val="3F7F5F"/>
-                </a:solidFill>
-                <a:latin typeface="Consolas"/>
-              </a:rPr>
-              <a:t>// Disable Timer A Interrupt</a:t>
-            </a:r>
-          </a:p>
-          <a:p>
-            <a:pPr marL="0" indent="0">
-              <a:buNone/>
-            </a:pPr>
-            <a:r>
-              <a:rPr lang="en-US" sz="1100" dirty="0">
-                <a:solidFill>
-                  <a:srgbClr val="000000"/>
-                </a:solidFill>
-                <a:latin typeface="Consolas"/>
-              </a:rPr>
-              <a:t>    TA1CCTL1 &amp;= ~CCIFG;                </a:t>
-            </a:r>
-            <a:r>
-              <a:rPr lang="en-US" sz="1100" dirty="0">
-                <a:solidFill>
-                  <a:srgbClr val="3F7F5F"/>
-                </a:solidFill>
-                <a:latin typeface="Consolas"/>
-              </a:rPr>
-              <a:t>//clear capture compare interrupt flag</a:t>
-            </a:r>
-          </a:p>
-          <a:p>
-            <a:pPr marL="0" indent="0">
-              <a:buNone/>
-            </a:pPr>
-            <a:r>
-              <a:rPr lang="en-US" sz="1100" dirty="0">
-                <a:solidFill>
-                  <a:srgbClr val="3F7F5F"/>
-                </a:solidFill>
-                <a:latin typeface="Consolas"/>
-              </a:rPr>
-              <a:t>//    TACTL &amp;= ~TAIFG;</a:t>
-            </a:r>
-          </a:p>
-          <a:p>
-            <a:pPr marL="0" indent="0">
-              <a:buNone/>
-            </a:pPr>
-            <a:r>
-              <a:rPr lang="en-US" sz="1100" dirty="0">
-                <a:solidFill>
-                  <a:srgbClr val="000000"/>
-                </a:solidFill>
-                <a:latin typeface="Consolas"/>
-              </a:rPr>
-              <a:t>}</a:t>
-            </a:r>
-          </a:p>
-          <a:p>
-            <a:pPr marL="0" indent="0">
-              <a:buNone/>
-            </a:pPr>
-            <a:endParaRPr lang="en-US" sz="1100" dirty="0">
-              <a:latin typeface="Consolas"/>
-            </a:endParaRPr>
-          </a:p>
-          <a:p>
-            <a:pPr marL="0" indent="0">
-              <a:buNone/>
-            </a:pPr>
-            <a:r>
-              <a:rPr lang="en-US" sz="1100" b="1" dirty="0">
-                <a:solidFill>
-                  <a:srgbClr val="7F0055"/>
-                </a:solidFill>
-                <a:latin typeface="Consolas"/>
-              </a:rPr>
-              <a:t>#pragma</a:t>
-            </a:r>
-            <a:r>
-              <a:rPr lang="en-US" sz="1100" b="1" dirty="0">
-                <a:solidFill>
-                  <a:srgbClr val="000000"/>
-                </a:solidFill>
-                <a:latin typeface="Consolas"/>
-              </a:rPr>
-              <a:t> vector = TIMER1_A1_VECTOR            </a:t>
-            </a:r>
-            <a:r>
-              <a:rPr lang="en-US" sz="1100" b="1" dirty="0">
-                <a:solidFill>
-                  <a:srgbClr val="3F7F5F"/>
-                </a:solidFill>
-                <a:latin typeface="Consolas"/>
-              </a:rPr>
-              <a:t>// This is from the MSP430G2553.h file</a:t>
-            </a:r>
-          </a:p>
-          <a:p>
-            <a:pPr marL="0" indent="0">
-              <a:buNone/>
-            </a:pPr>
-            <a:r>
-              <a:rPr lang="en-US" sz="1100" b="1" dirty="0">
-                <a:solidFill>
-                  <a:srgbClr val="7F0055"/>
-                </a:solidFill>
-                <a:latin typeface="Consolas"/>
-              </a:rPr>
-              <a:t>__interrupt</a:t>
-            </a:r>
-            <a:r>
-              <a:rPr lang="en-US" sz="1100" b="1" dirty="0">
-                <a:solidFill>
-                  <a:srgbClr val="000000"/>
-                </a:solidFill>
-                <a:latin typeface="Consolas"/>
-              </a:rPr>
-              <a:t> </a:t>
-            </a:r>
-            <a:r>
-              <a:rPr lang="en-US" sz="1100" b="1" dirty="0">
-                <a:solidFill>
-                  <a:srgbClr val="7F0055"/>
-                </a:solidFill>
-                <a:latin typeface="Consolas"/>
-              </a:rPr>
-              <a:t>void</a:t>
-            </a:r>
-            <a:r>
-              <a:rPr lang="en-US" sz="1100" b="1" dirty="0">
-                <a:solidFill>
-                  <a:srgbClr val="000000"/>
-                </a:solidFill>
-                <a:latin typeface="Consolas"/>
-              </a:rPr>
-              <a:t> captureCompareInt2 (</a:t>
-            </a:r>
-            <a:r>
-              <a:rPr lang="en-US" sz="1100" b="1" dirty="0">
-                <a:solidFill>
-                  <a:srgbClr val="7F0055"/>
-                </a:solidFill>
-                <a:latin typeface="Consolas"/>
-              </a:rPr>
-              <a:t>void</a:t>
-            </a:r>
-            <a:r>
-              <a:rPr lang="en-US" sz="1100" b="1" dirty="0">
-                <a:solidFill>
-                  <a:srgbClr val="000000"/>
-                </a:solidFill>
-                <a:latin typeface="Consolas"/>
-              </a:rPr>
-              <a:t>) {</a:t>
-            </a:r>
-          </a:p>
-          <a:p>
-            <a:pPr marL="0" indent="0">
-              <a:buNone/>
-            </a:pPr>
-            <a:r>
-              <a:rPr lang="en-US" sz="1100" dirty="0">
-                <a:solidFill>
-                  <a:srgbClr val="000000"/>
-                </a:solidFill>
-                <a:latin typeface="Consolas"/>
-              </a:rPr>
-              <a:t>    P1OUT &amp;= ~BIT0;                        </a:t>
-            </a:r>
-            <a:r>
-              <a:rPr lang="en-US" sz="1100" dirty="0">
-                <a:solidFill>
-                  <a:srgbClr val="3F7F5F"/>
-                </a:solidFill>
-                <a:latin typeface="Consolas"/>
-              </a:rPr>
-              <a:t>//Turn off LED</a:t>
-            </a:r>
-          </a:p>
-          <a:p>
-            <a:pPr marL="0" indent="0">
-              <a:buNone/>
-            </a:pPr>
-            <a:r>
-              <a:rPr lang="en-US" sz="1100" dirty="0">
-                <a:solidFill>
-                  <a:srgbClr val="000000"/>
-                </a:solidFill>
-                <a:latin typeface="Consolas"/>
-              </a:rPr>
-              <a:t>    </a:t>
-            </a:r>
-            <a:r>
-              <a:rPr lang="en-US" sz="1100" dirty="0">
-                <a:solidFill>
-                  <a:srgbClr val="3F7F5F"/>
-                </a:solidFill>
-                <a:latin typeface="Consolas"/>
-              </a:rPr>
-              <a:t>// Disable Timer A Interrupt</a:t>
-            </a:r>
-          </a:p>
-          <a:p>
-            <a:pPr marL="0" indent="0">
-              <a:buNone/>
-            </a:pPr>
-            <a:r>
-              <a:rPr lang="en-US" sz="1100" dirty="0">
-                <a:solidFill>
-                  <a:srgbClr val="000000"/>
-                </a:solidFill>
-                <a:latin typeface="Consolas"/>
-              </a:rPr>
-              <a:t>    TA1CCTL1 &amp;= ~CCIFG;                </a:t>
-            </a:r>
-            <a:r>
-              <a:rPr lang="en-US" sz="1100" dirty="0">
-                <a:solidFill>
-                  <a:srgbClr val="3F7F5F"/>
-                </a:solidFill>
-                <a:latin typeface="Consolas"/>
-              </a:rPr>
-              <a:t>//clear capture compare interrupt flag</a:t>
-            </a:r>
-          </a:p>
-          <a:p>
-            <a:pPr marL="0" indent="0">
-              <a:buNone/>
-            </a:pPr>
-            <a:r>
-              <a:rPr lang="en-US" sz="1100" dirty="0">
-                <a:solidFill>
-                  <a:srgbClr val="3F7F5F"/>
-                </a:solidFill>
-                <a:latin typeface="Consolas"/>
-              </a:rPr>
-              <a:t>//    TACTL &amp;= ~TAIFG;</a:t>
-            </a:r>
-          </a:p>
-          <a:p>
-            <a:pPr marL="0" indent="0">
-              <a:buNone/>
-            </a:pPr>
-            <a:r>
-              <a:rPr lang="en-US" sz="1100" dirty="0">
-                <a:solidFill>
-                  <a:srgbClr val="000000"/>
-                </a:solidFill>
-                <a:latin typeface="Consolas"/>
-              </a:rPr>
-              <a:t>}</a:t>
-            </a:r>
-          </a:p>
-          <a:p>
-            <a:endParaRPr lang="en-US" sz="1100" dirty="0"/>
-          </a:p>
-        </p:txBody>
-      </p:sp>
-    </p:spTree>
-    <p:extLst>
-      <p:ext uri="{BB962C8B-B14F-4D97-AF65-F5344CB8AC3E}">
-        <p14:creationId xmlns:p14="http://schemas.microsoft.com/office/powerpoint/2010/main" val="1800504559"/>
-      </p:ext>
-    </p:extLst>
-  </p:cSld>
-  <p:clrMapOvr>
-    <a:masterClrMapping/>
-  </p:clrMapOvr>
-  <p:timing>
-    <p:tnLst>
-      <p:par>
-        <p:cTn id="1" dur="indefinite" restart="never" nodeType="tmRoot"/>
-      </p:par>
-    </p:tnLst>
-  </p:timing>
-</p:sld>
-</file>
-
-<file path=ppt/slides/slide22.xml><?xml version="1.0" encoding="utf-8"?>
-<p:sld xmlns:a="http://schemas.openxmlformats.org/drawingml/2006/main" xmlns:r="http://schemas.openxmlformats.org/officeDocument/2006/relationships" xmlns:p="http://schemas.openxmlformats.org/presentationml/2006/main">
-  <p:cSld>
-    <p:spTree>
-      <p:nvGrpSpPr>
-        <p:cNvPr id="1" name=""/>
-        <p:cNvGrpSpPr/>
-        <p:nvPr/>
-      </p:nvGrpSpPr>
-      <p:grpSpPr>
-        <a:xfrm>
-          <a:off x="0" y="0"/>
-          <a:ext cx="0" cy="0"/>
-          <a:chOff x="0" y="0"/>
-          <a:chExt cx="0" cy="0"/>
-        </a:xfrm>
-      </p:grpSpPr>
-      <p:sp>
-        <p:nvSpPr>
-          <p:cNvPr id="5" name="Subtitle 4"/>
-          <p:cNvSpPr>
-            <a:spLocks noGrp="1"/>
-          </p:cNvSpPr>
-          <p:nvPr>
-            <p:ph type="subTitle" idx="1"/>
-          </p:nvPr>
-        </p:nvSpPr>
-        <p:spPr/>
-        <p:txBody>
-          <a:bodyPr/>
-          <a:lstStyle/>
-          <a:p>
-            <a:endParaRPr lang="en-US" dirty="0"/>
-          </a:p>
-        </p:txBody>
-      </p:sp>
-      <p:sp>
-        <p:nvSpPr>
-          <p:cNvPr id="4" name="Title 3"/>
-          <p:cNvSpPr>
-            <a:spLocks noGrp="1"/>
-          </p:cNvSpPr>
-          <p:nvPr>
-            <p:ph type="title"/>
-          </p:nvPr>
-        </p:nvSpPr>
-        <p:spPr/>
-        <p:txBody>
-          <a:bodyPr/>
-          <a:lstStyle/>
-          <a:p>
-            <a:r>
-              <a:rPr lang="en-US" dirty="0" smtClean="0"/>
-              <a:t>BACKUPS</a:t>
-            </a:r>
-            <a:endParaRPr lang="en-US" dirty="0"/>
-          </a:p>
-        </p:txBody>
-      </p:sp>
-    </p:spTree>
-    <p:extLst>
-      <p:ext uri="{BB962C8B-B14F-4D97-AF65-F5344CB8AC3E}">
-        <p14:creationId xmlns:p14="http://schemas.microsoft.com/office/powerpoint/2010/main" val="3003632033"/>
       </p:ext>
     </p:extLst>
   </p:cSld>
@@ -15587,21 +15680,48 @@
           <a:p>
             <a:r>
               <a:rPr lang="en-US" sz="2000" dirty="0"/>
-              <a:t>If a capture occurs: - The TAR value is copied into the </a:t>
-            </a:r>
-            <a:r>
-              <a:rPr lang="en-US" sz="2000" dirty="0" err="1"/>
+              <a:t>If a capture occurs: </a:t>
+            </a:r>
+            <a:endParaRPr lang="en-US" sz="2000" dirty="0" smtClean="0"/>
+          </a:p>
+          <a:p>
+            <a:pPr lvl="1"/>
+            <a:r>
+              <a:rPr lang="en-US" sz="1600" dirty="0" smtClean="0"/>
+              <a:t>The </a:t>
+            </a:r>
+            <a:r>
+              <a:rPr lang="en-US" sz="1600" dirty="0"/>
+              <a:t>TAR value is copied into the </a:t>
+            </a:r>
+            <a:r>
+              <a:rPr lang="en-US" sz="1600" dirty="0" err="1"/>
               <a:t>TACCRx</a:t>
             </a:r>
             <a:r>
-              <a:rPr lang="en-US" sz="2000" dirty="0"/>
-              <a:t> register - The interrupt flag CCIFG is </a:t>
-            </a:r>
-            <a:r>
-              <a:rPr lang="en-US" sz="2000" dirty="0" smtClean="0"/>
+              <a:rPr lang="en-US" sz="1600" dirty="0"/>
+              <a:t> </a:t>
+            </a:r>
+            <a:r>
+              <a:rPr lang="en-US" sz="1600" dirty="0" smtClean="0"/>
+              <a:t>register</a:t>
+            </a:r>
+          </a:p>
+          <a:p>
+            <a:pPr lvl="1"/>
+            <a:r>
+              <a:rPr lang="en-US" sz="1600" dirty="0" smtClean="0"/>
+              <a:t>The </a:t>
+            </a:r>
+            <a:r>
+              <a:rPr lang="en-US" sz="1600" dirty="0"/>
+              <a:t>interrupt flag CCIFG is </a:t>
+            </a:r>
+            <a:r>
+              <a:rPr lang="en-US" sz="1600" dirty="0" smtClean="0"/>
               <a:t>set</a:t>
             </a:r>
-            <a:endParaRPr lang="en-US" sz="2000" dirty="0"/>
+            <a:endParaRPr lang="en-US" sz="1600" dirty="0"/>
           </a:p>
         </p:txBody>
       </p:sp>

--- a/source/lessons/lsn28/Lsn28.pptx
+++ b/source/lessons/lsn28/Lsn28.pptx
@@ -1373,7 +1373,7 @@
           <a:p>
             <a:fld id="{834513E8-165F-4932-9E2D-FD497CB9A4FD}" type="datetimeFigureOut">
               <a:rPr lang="en-US" smtClean="0"/>
-              <a:t>10/16/2018</a:t>
+              <a:t>10/18/2018</a:t>
             </a:fld>
             <a:endParaRPr lang="en-US"/>
           </a:p>
@@ -1650,7 +1650,7 @@
           <a:p>
             <a:fld id="{834513E8-165F-4932-9E2D-FD497CB9A4FD}" type="datetimeFigureOut">
               <a:rPr lang="en-US" smtClean="0"/>
-              <a:t>10/16/2018</a:t>
+              <a:t>10/18/2018</a:t>
             </a:fld>
             <a:endParaRPr lang="en-US"/>
           </a:p>
@@ -1903,7 +1903,7 @@
           <a:p>
             <a:fld id="{834513E8-165F-4932-9E2D-FD497CB9A4FD}" type="datetimeFigureOut">
               <a:rPr lang="en-US" smtClean="0"/>
-              <a:t>10/16/2018</a:t>
+              <a:t>10/18/2018</a:t>
             </a:fld>
             <a:endParaRPr lang="en-US"/>
           </a:p>
@@ -2073,7 +2073,7 @@
           <a:p>
             <a:fld id="{834513E8-165F-4932-9E2D-FD497CB9A4FD}" type="datetimeFigureOut">
               <a:rPr lang="en-US" smtClean="0"/>
-              <a:t>10/16/2018</a:t>
+              <a:t>10/18/2018</a:t>
             </a:fld>
             <a:endParaRPr lang="en-US"/>
           </a:p>
@@ -2253,7 +2253,7 @@
           <a:p>
             <a:fld id="{834513E8-165F-4932-9E2D-FD497CB9A4FD}" type="datetimeFigureOut">
               <a:rPr lang="en-US" smtClean="0"/>
-              <a:t>10/16/2018</a:t>
+              <a:t>10/18/2018</a:t>
             </a:fld>
             <a:endParaRPr lang="en-US"/>
           </a:p>
@@ -2997,7 +2997,7 @@
           <a:p>
             <a:fld id="{834513E8-165F-4932-9E2D-FD497CB9A4FD}" type="datetimeFigureOut">
               <a:rPr lang="en-US" smtClean="0"/>
-              <a:t>10/16/2018</a:t>
+              <a:t>10/18/2018</a:t>
             </a:fld>
             <a:endParaRPr lang="en-US"/>
           </a:p>
@@ -3167,7 +3167,7 @@
           <a:p>
             <a:fld id="{834513E8-165F-4932-9E2D-FD497CB9A4FD}" type="datetimeFigureOut">
               <a:rPr lang="en-US" smtClean="0"/>
-              <a:t>10/16/2018</a:t>
+              <a:t>10/18/2018</a:t>
             </a:fld>
             <a:endParaRPr lang="en-US"/>
           </a:p>
@@ -3413,7 +3413,7 @@
           <a:p>
             <a:fld id="{834513E8-165F-4932-9E2D-FD497CB9A4FD}" type="datetimeFigureOut">
               <a:rPr lang="en-US" smtClean="0"/>
-              <a:t>10/16/2018</a:t>
+              <a:t>10/18/2018</a:t>
             </a:fld>
             <a:endParaRPr lang="en-US"/>
           </a:p>
@@ -3645,7 +3645,7 @@
           <a:p>
             <a:fld id="{834513E8-165F-4932-9E2D-FD497CB9A4FD}" type="datetimeFigureOut">
               <a:rPr lang="en-US" smtClean="0"/>
-              <a:t>10/16/2018</a:t>
+              <a:t>10/18/2018</a:t>
             </a:fld>
             <a:endParaRPr lang="en-US"/>
           </a:p>
@@ -4012,7 +4012,7 @@
           <a:p>
             <a:fld id="{834513E8-165F-4932-9E2D-FD497CB9A4FD}" type="datetimeFigureOut">
               <a:rPr lang="en-US" smtClean="0"/>
-              <a:t>10/16/2018</a:t>
+              <a:t>10/18/2018</a:t>
             </a:fld>
             <a:endParaRPr lang="en-US"/>
           </a:p>
@@ -4130,7 +4130,7 @@
           <a:p>
             <a:fld id="{834513E8-165F-4932-9E2D-FD497CB9A4FD}" type="datetimeFigureOut">
               <a:rPr lang="en-US" smtClean="0"/>
-              <a:t>10/16/2018</a:t>
+              <a:t>10/18/2018</a:t>
             </a:fld>
             <a:endParaRPr lang="en-US"/>
           </a:p>
@@ -5946,7 +5946,7 @@
           <a:p>
             <a:fld id="{834513E8-165F-4932-9E2D-FD497CB9A4FD}" type="datetimeFigureOut">
               <a:rPr lang="en-US" smtClean="0"/>
-              <a:t>10/16/2018</a:t>
+              <a:t>10/18/2018</a:t>
             </a:fld>
             <a:endParaRPr lang="en-US"/>
           </a:p>

--- a/source/lessons/lsn28/Lsn28.pptx
+++ b/source/lessons/lsn28/Lsn28.pptx
@@ -7,35 +7,37 @@
     <p:sldMasterId id="2147483667" r:id="rId3"/>
   </p:sldMasterIdLst>
   <p:notesMasterIdLst>
-    <p:notesMasterId r:id="rId27"/>
+    <p:notesMasterId r:id="rId29"/>
   </p:notesMasterIdLst>
   <p:handoutMasterIdLst>
-    <p:handoutMasterId r:id="rId28"/>
+    <p:handoutMasterId r:id="rId30"/>
   </p:handoutMasterIdLst>
   <p:sldIdLst>
     <p:sldId id="352" r:id="rId4"/>
     <p:sldId id="388" r:id="rId5"/>
-    <p:sldId id="363" r:id="rId6"/>
-    <p:sldId id="370" r:id="rId7"/>
-    <p:sldId id="371" r:id="rId8"/>
-    <p:sldId id="372" r:id="rId9"/>
-    <p:sldId id="373" r:id="rId10"/>
-    <p:sldId id="374" r:id="rId11"/>
-    <p:sldId id="375" r:id="rId12"/>
-    <p:sldId id="376" r:id="rId13"/>
-    <p:sldId id="377" r:id="rId14"/>
+    <p:sldId id="389" r:id="rId6"/>
+    <p:sldId id="390" r:id="rId7"/>
+    <p:sldId id="363" r:id="rId8"/>
+    <p:sldId id="370" r:id="rId9"/>
+    <p:sldId id="371" r:id="rId10"/>
+    <p:sldId id="372" r:id="rId11"/>
+    <p:sldId id="373" r:id="rId12"/>
+    <p:sldId id="375" r:id="rId13"/>
+    <p:sldId id="374" r:id="rId14"/>
     <p:sldId id="378" r:id="rId15"/>
-    <p:sldId id="379" r:id="rId16"/>
-    <p:sldId id="380" r:id="rId17"/>
-    <p:sldId id="381" r:id="rId18"/>
-    <p:sldId id="382" r:id="rId19"/>
-    <p:sldId id="383" r:id="rId20"/>
-    <p:sldId id="384" r:id="rId21"/>
-    <p:sldId id="385" r:id="rId22"/>
-    <p:sldId id="386" r:id="rId23"/>
-    <p:sldId id="387" r:id="rId24"/>
-    <p:sldId id="353" r:id="rId25"/>
-    <p:sldId id="354" r:id="rId26"/>
+    <p:sldId id="376" r:id="rId16"/>
+    <p:sldId id="377" r:id="rId17"/>
+    <p:sldId id="379" r:id="rId18"/>
+    <p:sldId id="380" r:id="rId19"/>
+    <p:sldId id="381" r:id="rId20"/>
+    <p:sldId id="382" r:id="rId21"/>
+    <p:sldId id="383" r:id="rId22"/>
+    <p:sldId id="384" r:id="rId23"/>
+    <p:sldId id="385" r:id="rId24"/>
+    <p:sldId id="386" r:id="rId25"/>
+    <p:sldId id="387" r:id="rId26"/>
+    <p:sldId id="353" r:id="rId27"/>
+    <p:sldId id="354" r:id="rId28"/>
   </p:sldIdLst>
   <p:sldSz cx="9144000" cy="6858000" type="screen4x3"/>
   <p:notesSz cx="7010400" cy="9296400"/>
@@ -1373,7 +1375,7 @@
           <a:p>
             <a:fld id="{834513E8-165F-4932-9E2D-FD497CB9A4FD}" type="datetimeFigureOut">
               <a:rPr lang="en-US" smtClean="0"/>
-              <a:t>10/18/2018</a:t>
+              <a:t>10/29/2018</a:t>
             </a:fld>
             <a:endParaRPr lang="en-US"/>
           </a:p>
@@ -1650,7 +1652,7 @@
           <a:p>
             <a:fld id="{834513E8-165F-4932-9E2D-FD497CB9A4FD}" type="datetimeFigureOut">
               <a:rPr lang="en-US" smtClean="0"/>
-              <a:t>10/18/2018</a:t>
+              <a:t>10/29/2018</a:t>
             </a:fld>
             <a:endParaRPr lang="en-US"/>
           </a:p>
@@ -1903,7 +1905,7 @@
           <a:p>
             <a:fld id="{834513E8-165F-4932-9E2D-FD497CB9A4FD}" type="datetimeFigureOut">
               <a:rPr lang="en-US" smtClean="0"/>
-              <a:t>10/18/2018</a:t>
+              <a:t>10/29/2018</a:t>
             </a:fld>
             <a:endParaRPr lang="en-US"/>
           </a:p>
@@ -2073,7 +2075,7 @@
           <a:p>
             <a:fld id="{834513E8-165F-4932-9E2D-FD497CB9A4FD}" type="datetimeFigureOut">
               <a:rPr lang="en-US" smtClean="0"/>
-              <a:t>10/18/2018</a:t>
+              <a:t>10/29/2018</a:t>
             </a:fld>
             <a:endParaRPr lang="en-US"/>
           </a:p>
@@ -2253,7 +2255,7 @@
           <a:p>
             <a:fld id="{834513E8-165F-4932-9E2D-FD497CB9A4FD}" type="datetimeFigureOut">
               <a:rPr lang="en-US" smtClean="0"/>
-              <a:t>10/18/2018</a:t>
+              <a:t>10/29/2018</a:t>
             </a:fld>
             <a:endParaRPr lang="en-US"/>
           </a:p>
@@ -2997,7 +2999,7 @@
           <a:p>
             <a:fld id="{834513E8-165F-4932-9E2D-FD497CB9A4FD}" type="datetimeFigureOut">
               <a:rPr lang="en-US" smtClean="0"/>
-              <a:t>10/18/2018</a:t>
+              <a:t>10/29/2018</a:t>
             </a:fld>
             <a:endParaRPr lang="en-US"/>
           </a:p>
@@ -3167,7 +3169,7 @@
           <a:p>
             <a:fld id="{834513E8-165F-4932-9E2D-FD497CB9A4FD}" type="datetimeFigureOut">
               <a:rPr lang="en-US" smtClean="0"/>
-              <a:t>10/18/2018</a:t>
+              <a:t>10/29/2018</a:t>
             </a:fld>
             <a:endParaRPr lang="en-US"/>
           </a:p>
@@ -3413,7 +3415,7 @@
           <a:p>
             <a:fld id="{834513E8-165F-4932-9E2D-FD497CB9A4FD}" type="datetimeFigureOut">
               <a:rPr lang="en-US" smtClean="0"/>
-              <a:t>10/18/2018</a:t>
+              <a:t>10/29/2018</a:t>
             </a:fld>
             <a:endParaRPr lang="en-US"/>
           </a:p>
@@ -3645,7 +3647,7 @@
           <a:p>
             <a:fld id="{834513E8-165F-4932-9E2D-FD497CB9A4FD}" type="datetimeFigureOut">
               <a:rPr lang="en-US" smtClean="0"/>
-              <a:t>10/18/2018</a:t>
+              <a:t>10/29/2018</a:t>
             </a:fld>
             <a:endParaRPr lang="en-US"/>
           </a:p>
@@ -4012,7 +4014,7 @@
           <a:p>
             <a:fld id="{834513E8-165F-4932-9E2D-FD497CB9A4FD}" type="datetimeFigureOut">
               <a:rPr lang="en-US" smtClean="0"/>
-              <a:t>10/18/2018</a:t>
+              <a:t>10/29/2018</a:t>
             </a:fld>
             <a:endParaRPr lang="en-US"/>
           </a:p>
@@ -4130,7 +4132,7 @@
           <a:p>
             <a:fld id="{834513E8-165F-4932-9E2D-FD497CB9A4FD}" type="datetimeFigureOut">
               <a:rPr lang="en-US" smtClean="0"/>
-              <a:t>10/18/2018</a:t>
+              <a:t>10/29/2018</a:t>
             </a:fld>
             <a:endParaRPr lang="en-US"/>
           </a:p>
@@ -5946,7 +5948,7 @@
           <a:p>
             <a:fld id="{834513E8-165F-4932-9E2D-FD497CB9A4FD}" type="datetimeFigureOut">
               <a:rPr lang="en-US" smtClean="0"/>
-              <a:t>10/18/2018</a:t>
+              <a:t>10/29/2018</a:t>
             </a:fld>
             <a:endParaRPr lang="en-US"/>
           </a:p>
@@ -6980,106 +6982,16 @@
           <a:lstStyle/>
           <a:p>
             <a:r>
-              <a:rPr lang="en-US" dirty="0" smtClean="0"/>
-              <a:t>Input Capture</a:t>
-            </a:r>
-            <a:endParaRPr lang="en-US" dirty="0"/>
-          </a:p>
-        </p:txBody>
-      </p:sp>
-      <p:sp>
-        <p:nvSpPr>
-          <p:cNvPr id="4" name="Content Placeholder 3"/>
-          <p:cNvSpPr>
-            <a:spLocks noGrp="1"/>
-          </p:cNvSpPr>
-          <p:nvPr>
-            <p:ph idx="1"/>
-          </p:nvPr>
-        </p:nvSpPr>
-        <p:spPr/>
-        <p:txBody>
-          <a:bodyPr/>
-          <a:lstStyle/>
-          <a:p>
-            <a:r>
-              <a:rPr lang="en-US" sz="2000" dirty="0"/>
-              <a:t>The input signal level can be read at any time via the CCI bit. MSP430x2xx family devices may </a:t>
-            </a:r>
-            <a:r>
-              <a:rPr lang="en-US" sz="2000" dirty="0" smtClean="0"/>
-              <a:t>have different </a:t>
-            </a:r>
-            <a:r>
-              <a:rPr lang="en-US" sz="2000" dirty="0"/>
-              <a:t>signals connected to </a:t>
-            </a:r>
-            <a:r>
-              <a:rPr lang="en-US" sz="2000" dirty="0" err="1"/>
-              <a:t>CCIxA</a:t>
-            </a:r>
-            <a:r>
-              <a:rPr lang="en-US" sz="2000" dirty="0"/>
-              <a:t> and </a:t>
-            </a:r>
-            <a:r>
-              <a:rPr lang="en-US" sz="2000" dirty="0" err="1"/>
-              <a:t>CCIxB</a:t>
-            </a:r>
-            <a:r>
-              <a:rPr lang="en-US" sz="2000" dirty="0"/>
-              <a:t>. See the device-specific data sheet for the connections </a:t>
-            </a:r>
-            <a:r>
-              <a:rPr lang="en-US" sz="2000" dirty="0" smtClean="0"/>
-              <a:t>of these </a:t>
-            </a:r>
-            <a:r>
-              <a:rPr lang="en-US" sz="2000" dirty="0"/>
-              <a:t>signals.</a:t>
-            </a:r>
-          </a:p>
-        </p:txBody>
-      </p:sp>
-      <p:sp>
-        <p:nvSpPr>
-          <p:cNvPr id="12" name="TextBox 11"/>
-          <p:cNvSpPr txBox="1"/>
-          <p:nvPr/>
-        </p:nvSpPr>
-        <p:spPr>
-          <a:xfrm>
-            <a:off x="6347266" y="6488668"/>
-            <a:ext cx="2733674" cy="369332"/>
-          </a:xfrm>
-          <a:prstGeom prst="rect">
-            <a:avLst/>
-          </a:prstGeom>
-          <a:solidFill>
-            <a:schemeClr val="bg1"/>
-          </a:solidFill>
-        </p:spPr>
-        <p:txBody>
-          <a:bodyPr wrap="square" rtlCol="0">
-            <a:spAutoFit/>
-          </a:bodyPr>
-          <a:lstStyle/>
-          <a:p>
-            <a:r>
-              <a:rPr lang="en-US" sz="1800" dirty="0"/>
-              <a:t>Family User Guide pp </a:t>
-            </a:r>
-            <a:r>
-              <a:rPr lang="en-US" sz="1800" dirty="0" smtClean="0"/>
-              <a:t>362</a:t>
-            </a:r>
-            <a:endParaRPr lang="en-US" sz="1800" dirty="0"/>
+              <a:rPr lang="en-US" b="1" dirty="0" smtClean="0"/>
+              <a:t>Timer Block Diagram</a:t>
+            </a:r>
+            <a:endParaRPr lang="en-US" b="1" dirty="0"/>
           </a:p>
         </p:txBody>
       </p:sp>
       <p:pic>
         <p:nvPicPr>
-          <p:cNvPr id="2050" name="Picture 2"/>
+          <p:cNvPr id="1026" name="Picture 2"/>
           <p:cNvPicPr>
             <a:picLocks noChangeAspect="1" noChangeArrowheads="1"/>
           </p:cNvPicPr>
@@ -7100,8 +7012,8 @@
         </p:blipFill>
         <p:spPr bwMode="auto">
           <a:xfrm>
-            <a:off x="919163" y="3196987"/>
-            <a:ext cx="7305675" cy="2381250"/>
+            <a:off x="1495426" y="639325"/>
+            <a:ext cx="6134068" cy="6218675"/>
           </a:xfrm>
           <a:prstGeom prst="rect">
             <a:avLst/>
@@ -7131,10 +7043,531 @@
           </a:extLst>
         </p:spPr>
       </p:pic>
+      <p:sp>
+        <p:nvSpPr>
+          <p:cNvPr id="3" name="Oval 2"/>
+          <p:cNvSpPr/>
+          <p:nvPr/>
+        </p:nvSpPr>
+        <p:spPr bwMode="auto">
+          <a:xfrm>
+            <a:off x="1178829" y="2456597"/>
+            <a:ext cx="1782735" cy="1651379"/>
+          </a:xfrm>
+          <a:prstGeom prst="ellipse">
+            <a:avLst/>
+          </a:prstGeom>
+          <a:noFill/>
+          <a:ln w="25400" cap="flat" cmpd="sng" algn="ctr">
+            <a:solidFill>
+              <a:srgbClr val="FF0000"/>
+            </a:solidFill>
+            <a:prstDash val="solid"/>
+            <a:round/>
+            <a:headEnd type="none" w="med" len="med"/>
+            <a:tailEnd type="none" w="med" len="med"/>
+          </a:ln>
+          <a:effectLst/>
+        </p:spPr>
+        <p:txBody>
+          <a:bodyPr vert="horz" wrap="square" lIns="91440" tIns="45720" rIns="91440" bIns="45720" numCol="1" rtlCol="0" anchor="ctr" anchorCtr="0" compatLnSpc="1">
+            <a:prstTxWarp prst="textNoShape">
+              <a:avLst/>
+            </a:prstTxWarp>
+            <a:noAutofit/>
+          </a:bodyPr>
+          <a:lstStyle/>
+          <a:p>
+            <a:pPr algn="ctr"/>
+            <a:r>
+              <a:rPr lang="en-US" sz="2800" b="1" dirty="0" err="1" smtClean="0">
+                <a:solidFill>
+                  <a:srgbClr val="FF0000"/>
+                </a:solidFill>
+              </a:rPr>
+              <a:t>CCISx</a:t>
+            </a:r>
+            <a:endParaRPr lang="en-US" sz="2800" b="1" dirty="0" smtClean="0">
+              <a:solidFill>
+                <a:srgbClr val="FF0000"/>
+              </a:solidFill>
+            </a:endParaRPr>
+          </a:p>
+          <a:p>
+            <a:pPr algn="r"/>
+            <a:endParaRPr lang="en-US" sz="2800" b="1" dirty="0" smtClean="0">
+              <a:solidFill>
+                <a:srgbClr val="FF0000"/>
+              </a:solidFill>
+            </a:endParaRPr>
+          </a:p>
+          <a:p>
+            <a:pPr algn="r"/>
+            <a:endParaRPr lang="en-US" sz="2800" b="1" dirty="0" smtClean="0">
+              <a:solidFill>
+                <a:srgbClr val="FF0000"/>
+              </a:solidFill>
+            </a:endParaRPr>
+          </a:p>
+          <a:p>
+            <a:pPr algn="r"/>
+            <a:endParaRPr lang="en-US" sz="2800" b="1" dirty="0">
+              <a:solidFill>
+                <a:srgbClr val="FF0000"/>
+              </a:solidFill>
+            </a:endParaRPr>
+          </a:p>
+        </p:txBody>
+      </p:sp>
+      <p:sp>
+        <p:nvSpPr>
+          <p:cNvPr id="25" name="TextBox 24"/>
+          <p:cNvSpPr txBox="1"/>
+          <p:nvPr/>
+        </p:nvSpPr>
+        <p:spPr>
+          <a:xfrm>
+            <a:off x="6410326" y="6488668"/>
+            <a:ext cx="2733674" cy="369332"/>
+          </a:xfrm>
+          <a:prstGeom prst="rect">
+            <a:avLst/>
+          </a:prstGeom>
+          <a:solidFill>
+            <a:schemeClr val="bg1"/>
+          </a:solidFill>
+        </p:spPr>
+        <p:txBody>
+          <a:bodyPr wrap="square" rtlCol="0">
+            <a:spAutoFit/>
+          </a:bodyPr>
+          <a:lstStyle/>
+          <a:p>
+            <a:r>
+              <a:rPr lang="en-US" sz="1800" dirty="0" smtClean="0"/>
+              <a:t>Family User Guide pp 357</a:t>
+            </a:r>
+          </a:p>
+        </p:txBody>
+      </p:sp>
+      <p:sp>
+        <p:nvSpPr>
+          <p:cNvPr id="17" name="Oval 16"/>
+          <p:cNvSpPr/>
+          <p:nvPr/>
+        </p:nvSpPr>
+        <p:spPr bwMode="auto">
+          <a:xfrm>
+            <a:off x="3692686" y="2988858"/>
+            <a:ext cx="1302396" cy="1023582"/>
+          </a:xfrm>
+          <a:prstGeom prst="ellipse">
+            <a:avLst/>
+          </a:prstGeom>
+          <a:noFill/>
+          <a:ln w="25400" cap="flat" cmpd="sng" algn="ctr">
+            <a:solidFill>
+              <a:srgbClr val="FF0000"/>
+            </a:solidFill>
+            <a:prstDash val="solid"/>
+            <a:round/>
+            <a:headEnd type="none" w="med" len="med"/>
+            <a:tailEnd type="none" w="med" len="med"/>
+          </a:ln>
+          <a:effectLst/>
+        </p:spPr>
+        <p:txBody>
+          <a:bodyPr vert="horz" wrap="square" lIns="91440" tIns="45720" rIns="91440" bIns="45720" numCol="1" rtlCol="0" anchor="ctr" anchorCtr="0" compatLnSpc="1">
+            <a:prstTxWarp prst="textNoShape">
+              <a:avLst/>
+            </a:prstTxWarp>
+            <a:noAutofit/>
+          </a:bodyPr>
+          <a:lstStyle/>
+          <a:p>
+            <a:pPr algn="ctr"/>
+            <a:endParaRPr lang="en-US" sz="2800" b="1" dirty="0" smtClean="0">
+              <a:solidFill>
+                <a:srgbClr val="FF0000"/>
+              </a:solidFill>
+            </a:endParaRPr>
+          </a:p>
+          <a:p>
+            <a:pPr algn="ctr"/>
+            <a:endParaRPr lang="en-US" sz="2800" b="1" dirty="0">
+              <a:solidFill>
+                <a:srgbClr val="FF0000"/>
+              </a:solidFill>
+            </a:endParaRPr>
+          </a:p>
+          <a:p>
+            <a:pPr algn="ctr"/>
+            <a:endParaRPr lang="en-US" sz="2800" b="1" dirty="0" smtClean="0">
+              <a:solidFill>
+                <a:srgbClr val="FF0000"/>
+              </a:solidFill>
+            </a:endParaRPr>
+          </a:p>
+          <a:p>
+            <a:pPr algn="ctr"/>
+            <a:r>
+              <a:rPr lang="en-US" sz="2800" b="1" dirty="0" smtClean="0">
+                <a:solidFill>
+                  <a:srgbClr val="FF0000"/>
+                </a:solidFill>
+              </a:rPr>
+              <a:t>SCS</a:t>
+            </a:r>
+          </a:p>
+          <a:p>
+            <a:pPr algn="r"/>
+            <a:endParaRPr lang="en-US" sz="2800" b="1" dirty="0">
+              <a:solidFill>
+                <a:srgbClr val="FF0000"/>
+              </a:solidFill>
+            </a:endParaRPr>
+          </a:p>
+        </p:txBody>
+      </p:sp>
+      <p:sp>
+        <p:nvSpPr>
+          <p:cNvPr id="7" name="Oval 6"/>
+          <p:cNvSpPr/>
+          <p:nvPr/>
+        </p:nvSpPr>
+        <p:spPr bwMode="auto">
+          <a:xfrm>
+            <a:off x="2725576" y="2841007"/>
+            <a:ext cx="1439266" cy="1023582"/>
+          </a:xfrm>
+          <a:prstGeom prst="ellipse">
+            <a:avLst/>
+          </a:prstGeom>
+          <a:noFill/>
+          <a:ln w="25400" cap="flat" cmpd="sng" algn="ctr">
+            <a:solidFill>
+              <a:srgbClr val="FF0000"/>
+            </a:solidFill>
+            <a:prstDash val="solid"/>
+            <a:round/>
+            <a:headEnd type="none" w="med" len="med"/>
+            <a:tailEnd type="none" w="med" len="med"/>
+          </a:ln>
+          <a:effectLst/>
+        </p:spPr>
+        <p:txBody>
+          <a:bodyPr vert="horz" wrap="square" lIns="91440" tIns="45720" rIns="91440" bIns="45720" numCol="1" rtlCol="0" anchor="ctr" anchorCtr="0" compatLnSpc="1">
+            <a:prstTxWarp prst="textNoShape">
+              <a:avLst/>
+            </a:prstTxWarp>
+            <a:noAutofit/>
+          </a:bodyPr>
+          <a:lstStyle/>
+          <a:p>
+            <a:pPr algn="ctr"/>
+            <a:r>
+              <a:rPr lang="en-US" sz="2800" b="1" dirty="0" err="1" smtClean="0">
+                <a:solidFill>
+                  <a:srgbClr val="FF0000"/>
+                </a:solidFill>
+              </a:rPr>
+              <a:t>CMx</a:t>
+            </a:r>
+            <a:endParaRPr lang="en-US" sz="2800" b="1" dirty="0" smtClean="0">
+              <a:solidFill>
+                <a:srgbClr val="FF0000"/>
+              </a:solidFill>
+            </a:endParaRPr>
+          </a:p>
+          <a:p>
+            <a:pPr algn="r"/>
+            <a:endParaRPr lang="en-US" sz="2800" b="1" dirty="0" smtClean="0">
+              <a:solidFill>
+                <a:srgbClr val="FF0000"/>
+              </a:solidFill>
+            </a:endParaRPr>
+          </a:p>
+          <a:p>
+            <a:pPr algn="r"/>
+            <a:endParaRPr lang="en-US" sz="2800" b="1" dirty="0">
+              <a:solidFill>
+                <a:srgbClr val="FF0000"/>
+              </a:solidFill>
+            </a:endParaRPr>
+          </a:p>
+        </p:txBody>
+      </p:sp>
+      <p:sp>
+        <p:nvSpPr>
+          <p:cNvPr id="8" name="Oval 7"/>
+          <p:cNvSpPr/>
+          <p:nvPr/>
+        </p:nvSpPr>
+        <p:spPr bwMode="auto">
+          <a:xfrm>
+            <a:off x="5577954" y="4260372"/>
+            <a:ext cx="2040163" cy="1023582"/>
+          </a:xfrm>
+          <a:prstGeom prst="ellipse">
+            <a:avLst/>
+          </a:prstGeom>
+          <a:noFill/>
+          <a:ln w="25400" cap="flat" cmpd="sng" algn="ctr">
+            <a:solidFill>
+              <a:srgbClr val="FF0000"/>
+            </a:solidFill>
+            <a:prstDash val="solid"/>
+            <a:round/>
+            <a:headEnd type="none" w="med" len="med"/>
+            <a:tailEnd type="none" w="med" len="med"/>
+          </a:ln>
+          <a:effectLst/>
+        </p:spPr>
+        <p:txBody>
+          <a:bodyPr vert="horz" wrap="square" lIns="91440" tIns="45720" rIns="91440" bIns="45720" numCol="1" rtlCol="0" anchor="ctr" anchorCtr="0" compatLnSpc="1">
+            <a:prstTxWarp prst="textNoShape">
+              <a:avLst/>
+            </a:prstTxWarp>
+            <a:noAutofit/>
+          </a:bodyPr>
+          <a:lstStyle/>
+          <a:p>
+            <a:pPr algn="ctr"/>
+            <a:endParaRPr lang="en-US" sz="2800" b="1" dirty="0" smtClean="0">
+              <a:solidFill>
+                <a:srgbClr val="FF0000"/>
+              </a:solidFill>
+            </a:endParaRPr>
+          </a:p>
+          <a:p>
+            <a:pPr algn="ctr"/>
+            <a:endParaRPr lang="en-US" sz="2800" b="1" dirty="0">
+              <a:solidFill>
+                <a:srgbClr val="FF0000"/>
+              </a:solidFill>
+            </a:endParaRPr>
+          </a:p>
+          <a:p>
+            <a:pPr algn="ctr"/>
+            <a:endParaRPr lang="en-US" sz="2800" b="1" dirty="0" smtClean="0">
+              <a:solidFill>
+                <a:srgbClr val="FF0000"/>
+              </a:solidFill>
+            </a:endParaRPr>
+          </a:p>
+          <a:p>
+            <a:pPr algn="ctr"/>
+            <a:r>
+              <a:rPr lang="en-US" sz="2800" b="1" dirty="0" smtClean="0">
+                <a:solidFill>
+                  <a:srgbClr val="FF0000"/>
+                </a:solidFill>
+              </a:rPr>
+              <a:t>CCIFG</a:t>
+            </a:r>
+          </a:p>
+          <a:p>
+            <a:pPr algn="r"/>
+            <a:endParaRPr lang="en-US" sz="2800" b="1" dirty="0">
+              <a:solidFill>
+                <a:srgbClr val="FF0000"/>
+              </a:solidFill>
+            </a:endParaRPr>
+          </a:p>
+        </p:txBody>
+      </p:sp>
+      <p:sp>
+        <p:nvSpPr>
+          <p:cNvPr id="4" name="Rectangular Callout 3"/>
+          <p:cNvSpPr/>
+          <p:nvPr/>
+        </p:nvSpPr>
+        <p:spPr bwMode="auto">
+          <a:xfrm>
+            <a:off x="139592" y="4382815"/>
+            <a:ext cx="1253358" cy="1305951"/>
+          </a:xfrm>
+          <a:prstGeom prst="wedgeRectCallout">
+            <a:avLst>
+              <a:gd name="adj1" fmla="val 50236"/>
+              <a:gd name="adj2" fmla="val -89608"/>
+            </a:avLst>
+          </a:prstGeom>
+          <a:solidFill>
+            <a:srgbClr val="FFFF00"/>
+          </a:solidFill>
+          <a:ln w="12700" cap="flat" cmpd="sng" algn="ctr">
+            <a:solidFill>
+              <a:schemeClr val="tx1"/>
+            </a:solidFill>
+            <a:prstDash val="solid"/>
+            <a:round/>
+            <a:headEnd type="none" w="med" len="med"/>
+            <a:tailEnd type="none" w="med" len="med"/>
+          </a:ln>
+          <a:effectLst/>
+        </p:spPr>
+        <p:txBody>
+          <a:bodyPr vert="horz" wrap="square" lIns="91440" tIns="45720" rIns="91440" bIns="45720" numCol="1" rtlCol="0" anchor="t" anchorCtr="0" compatLnSpc="1">
+            <a:prstTxWarp prst="textNoShape">
+              <a:avLst/>
+            </a:prstTxWarp>
+          </a:bodyPr>
+          <a:lstStyle/>
+          <a:p>
+            <a:pPr marL="0" marR="0" indent="0" algn="ctr" defTabSz="914400" rtl="0" eaLnBrk="0" fontAlgn="base" latinLnBrk="0" hangingPunct="0">
+              <a:lnSpc>
+                <a:spcPct val="100000"/>
+              </a:lnSpc>
+              <a:spcBef>
+                <a:spcPct val="0"/>
+              </a:spcBef>
+              <a:spcAft>
+                <a:spcPct val="0"/>
+              </a:spcAft>
+              <a:buClrTx/>
+              <a:buSzTx/>
+              <a:buFontTx/>
+              <a:buNone/>
+              <a:tabLst/>
+            </a:pPr>
+            <a:r>
+              <a:rPr kumimoji="0" lang="en-US" sz="1600" b="0" i="0" u="none" strike="noStrike" cap="none" normalizeH="0" baseline="0" dirty="0" smtClean="0">
+                <a:ln>
+                  <a:noFill/>
+                </a:ln>
+                <a:solidFill>
+                  <a:schemeClr val="tx1"/>
+                </a:solidFill>
+                <a:effectLst/>
+                <a:latin typeface="Arial" charset="0"/>
+              </a:rPr>
+              <a:t>These all</a:t>
+            </a:r>
+            <a:r>
+              <a:rPr kumimoji="0" lang="en-US" sz="1600" b="0" i="0" u="none" strike="noStrike" cap="none" normalizeH="0" dirty="0" smtClean="0">
+                <a:ln>
+                  <a:noFill/>
+                </a:ln>
+                <a:solidFill>
+                  <a:schemeClr val="tx1"/>
+                </a:solidFill>
+                <a:effectLst/>
+                <a:latin typeface="Arial" charset="0"/>
+              </a:rPr>
+              <a:t> have standard definitions like </a:t>
+            </a:r>
+            <a:r>
+              <a:rPr kumimoji="0" lang="en-US" sz="1600" b="0" i="0" u="none" strike="noStrike" cap="none" normalizeH="0" baseline="0" dirty="0" smtClean="0">
+                <a:ln>
+                  <a:noFill/>
+                </a:ln>
+                <a:solidFill>
+                  <a:schemeClr val="tx1"/>
+                </a:solidFill>
+                <a:effectLst/>
+                <a:latin typeface="Arial" charset="0"/>
+              </a:rPr>
+              <a:t>CCIS_1</a:t>
+            </a:r>
+            <a:endParaRPr kumimoji="0" lang="en-US" sz="1600" b="0" i="0" u="none" strike="noStrike" cap="none" normalizeH="0" baseline="0" dirty="0" smtClean="0">
+              <a:ln>
+                <a:noFill/>
+              </a:ln>
+              <a:solidFill>
+                <a:schemeClr val="tx1"/>
+              </a:solidFill>
+              <a:effectLst/>
+              <a:latin typeface="Arial" charset="0"/>
+            </a:endParaRPr>
+          </a:p>
+        </p:txBody>
+      </p:sp>
+      <p:sp>
+        <p:nvSpPr>
+          <p:cNvPr id="10" name="Rectangular Callout 9"/>
+          <p:cNvSpPr/>
+          <p:nvPr/>
+        </p:nvSpPr>
+        <p:spPr bwMode="auto">
+          <a:xfrm>
+            <a:off x="7039303" y="3216166"/>
+            <a:ext cx="1907397" cy="891810"/>
+          </a:xfrm>
+          <a:prstGeom prst="wedgeRectCallout">
+            <a:avLst>
+              <a:gd name="adj1" fmla="val -42601"/>
+              <a:gd name="adj2" fmla="val 77616"/>
+            </a:avLst>
+          </a:prstGeom>
+          <a:solidFill>
+            <a:srgbClr val="FFFF00"/>
+          </a:solidFill>
+          <a:ln w="12700" cap="flat" cmpd="sng" algn="ctr">
+            <a:solidFill>
+              <a:schemeClr val="tx1"/>
+            </a:solidFill>
+            <a:prstDash val="solid"/>
+            <a:round/>
+            <a:headEnd type="none" w="med" len="med"/>
+            <a:tailEnd type="none" w="med" len="med"/>
+          </a:ln>
+          <a:effectLst/>
+        </p:spPr>
+        <p:txBody>
+          <a:bodyPr vert="horz" wrap="square" lIns="91440" tIns="45720" rIns="91440" bIns="45720" numCol="1" rtlCol="0" anchor="t" anchorCtr="0" compatLnSpc="1">
+            <a:prstTxWarp prst="textNoShape">
+              <a:avLst/>
+            </a:prstTxWarp>
+          </a:bodyPr>
+          <a:lstStyle/>
+          <a:p>
+            <a:pPr marL="0" marR="0" indent="0" algn="ctr" defTabSz="914400" rtl="0" eaLnBrk="0" fontAlgn="base" latinLnBrk="0" hangingPunct="0">
+              <a:lnSpc>
+                <a:spcPct val="100000"/>
+              </a:lnSpc>
+              <a:spcBef>
+                <a:spcPct val="0"/>
+              </a:spcBef>
+              <a:spcAft>
+                <a:spcPct val="0"/>
+              </a:spcAft>
+              <a:buClrTx/>
+              <a:buSzTx/>
+              <a:buFontTx/>
+              <a:buNone/>
+              <a:tabLst/>
+            </a:pPr>
+            <a:r>
+              <a:rPr kumimoji="0" lang="en-US" sz="1600" b="0" i="0" u="none" strike="noStrike" cap="none" normalizeH="0" baseline="0" dirty="0" smtClean="0">
+                <a:ln>
+                  <a:noFill/>
+                </a:ln>
+                <a:solidFill>
+                  <a:schemeClr val="tx1"/>
+                </a:solidFill>
+                <a:effectLst/>
+                <a:latin typeface="Arial" charset="0"/>
+              </a:rPr>
+              <a:t>We have seen this before, but in a different context</a:t>
+            </a:r>
+            <a:endParaRPr kumimoji="0" lang="en-US" sz="1600" b="0" i="0" u="none" strike="noStrike" cap="none" normalizeH="0" baseline="0" dirty="0" smtClean="0">
+              <a:ln>
+                <a:noFill/>
+              </a:ln>
+              <a:solidFill>
+                <a:schemeClr val="tx1"/>
+              </a:solidFill>
+              <a:effectLst/>
+              <a:latin typeface="Arial" charset="0"/>
+            </a:endParaRPr>
+          </a:p>
+        </p:txBody>
+      </p:sp>
     </p:spTree>
     <p:extLst>
       <p:ext uri="{BB962C8B-B14F-4D97-AF65-F5344CB8AC3E}">
-        <p14:creationId xmlns:p14="http://schemas.microsoft.com/office/powerpoint/2010/main" val="2260213468"/>
+        <p14:creationId xmlns:p14="http://schemas.microsoft.com/office/powerpoint/2010/main" val="2628712986"/>
       </p:ext>
     </p:extLst>
   </p:cSld>
@@ -7144,9 +7577,218 @@
   <p:timing>
     <p:tnLst>
       <p:par>
-        <p:cTn id="1" dur="indefinite" restart="never" nodeType="tmRoot"/>
+        <p:cTn id="1" dur="indefinite" restart="never" nodeType="tmRoot">
+          <p:childTnLst>
+            <p:seq concurrent="1" nextAc="seek">
+              <p:cTn id="2" dur="indefinite" nodeType="mainSeq">
+                <p:childTnLst>
+                  <p:par>
+                    <p:cTn id="3" fill="hold">
+                      <p:stCondLst>
+                        <p:cond delay="indefinite"/>
+                      </p:stCondLst>
+                      <p:childTnLst>
+                        <p:par>
+                          <p:cTn id="4" fill="hold">
+                            <p:stCondLst>
+                              <p:cond delay="0"/>
+                            </p:stCondLst>
+                            <p:childTnLst>
+                              <p:par>
+                                <p:cTn id="5" presetID="1" presetClass="entr" presetSubtype="0" fill="hold" grpId="0" nodeType="clickEffect">
+                                  <p:stCondLst>
+                                    <p:cond delay="0"/>
+                                  </p:stCondLst>
+                                  <p:childTnLst>
+                                    <p:set>
+                                      <p:cBhvr>
+                                        <p:cTn id="6" dur="1" fill="hold">
+                                          <p:stCondLst>
+                                            <p:cond delay="0"/>
+                                          </p:stCondLst>
+                                        </p:cTn>
+                                        <p:tgtEl>
+                                          <p:spTgt spid="3"/>
+                                        </p:tgtEl>
+                                        <p:attrNameLst>
+                                          <p:attrName>style.visibility</p:attrName>
+                                        </p:attrNameLst>
+                                      </p:cBhvr>
+                                      <p:to>
+                                        <p:strVal val="visible"/>
+                                      </p:to>
+                                    </p:set>
+                                  </p:childTnLst>
+                                </p:cTn>
+                              </p:par>
+                            </p:childTnLst>
+                          </p:cTn>
+                        </p:par>
+                      </p:childTnLst>
+                    </p:cTn>
+                  </p:par>
+                  <p:par>
+                    <p:cTn id="7" fill="hold">
+                      <p:stCondLst>
+                        <p:cond delay="indefinite"/>
+                      </p:stCondLst>
+                      <p:childTnLst>
+                        <p:par>
+                          <p:cTn id="8" fill="hold">
+                            <p:stCondLst>
+                              <p:cond delay="0"/>
+                            </p:stCondLst>
+                            <p:childTnLst>
+                              <p:par>
+                                <p:cTn id="9" presetID="1" presetClass="entr" presetSubtype="0" fill="hold" grpId="0" nodeType="clickEffect">
+                                  <p:stCondLst>
+                                    <p:cond delay="0"/>
+                                  </p:stCondLst>
+                                  <p:childTnLst>
+                                    <p:set>
+                                      <p:cBhvr>
+                                        <p:cTn id="10" dur="1" fill="hold">
+                                          <p:stCondLst>
+                                            <p:cond delay="0"/>
+                                          </p:stCondLst>
+                                        </p:cTn>
+                                        <p:tgtEl>
+                                          <p:spTgt spid="17"/>
+                                        </p:tgtEl>
+                                        <p:attrNameLst>
+                                          <p:attrName>style.visibility</p:attrName>
+                                        </p:attrNameLst>
+                                      </p:cBhvr>
+                                      <p:to>
+                                        <p:strVal val="visible"/>
+                                      </p:to>
+                                    </p:set>
+                                  </p:childTnLst>
+                                </p:cTn>
+                              </p:par>
+                            </p:childTnLst>
+                          </p:cTn>
+                        </p:par>
+                      </p:childTnLst>
+                    </p:cTn>
+                  </p:par>
+                  <p:par>
+                    <p:cTn id="11" fill="hold">
+                      <p:stCondLst>
+                        <p:cond delay="indefinite"/>
+                      </p:stCondLst>
+                      <p:childTnLst>
+                        <p:par>
+                          <p:cTn id="12" fill="hold">
+                            <p:stCondLst>
+                              <p:cond delay="0"/>
+                            </p:stCondLst>
+                            <p:childTnLst>
+                              <p:par>
+                                <p:cTn id="13" presetID="1" presetClass="entr" presetSubtype="0" fill="hold" grpId="0" nodeType="clickEffect">
+                                  <p:stCondLst>
+                                    <p:cond delay="0"/>
+                                  </p:stCondLst>
+                                  <p:childTnLst>
+                                    <p:set>
+                                      <p:cBhvr>
+                                        <p:cTn id="14" dur="1" fill="hold">
+                                          <p:stCondLst>
+                                            <p:cond delay="0"/>
+                                          </p:stCondLst>
+                                        </p:cTn>
+                                        <p:tgtEl>
+                                          <p:spTgt spid="7"/>
+                                        </p:tgtEl>
+                                        <p:attrNameLst>
+                                          <p:attrName>style.visibility</p:attrName>
+                                        </p:attrNameLst>
+                                      </p:cBhvr>
+                                      <p:to>
+                                        <p:strVal val="visible"/>
+                                      </p:to>
+                                    </p:set>
+                                  </p:childTnLst>
+                                </p:cTn>
+                              </p:par>
+                            </p:childTnLst>
+                          </p:cTn>
+                        </p:par>
+                      </p:childTnLst>
+                    </p:cTn>
+                  </p:par>
+                  <p:par>
+                    <p:cTn id="15" fill="hold">
+                      <p:stCondLst>
+                        <p:cond delay="indefinite"/>
+                      </p:stCondLst>
+                      <p:childTnLst>
+                        <p:par>
+                          <p:cTn id="16" fill="hold">
+                            <p:stCondLst>
+                              <p:cond delay="0"/>
+                            </p:stCondLst>
+                            <p:childTnLst>
+                              <p:par>
+                                <p:cTn id="17" presetID="1" presetClass="entr" presetSubtype="0" fill="hold" grpId="0" nodeType="clickEffect">
+                                  <p:stCondLst>
+                                    <p:cond delay="0"/>
+                                  </p:stCondLst>
+                                  <p:childTnLst>
+                                    <p:set>
+                                      <p:cBhvr>
+                                        <p:cTn id="18" dur="1" fill="hold">
+                                          <p:stCondLst>
+                                            <p:cond delay="0"/>
+                                          </p:stCondLst>
+                                        </p:cTn>
+                                        <p:tgtEl>
+                                          <p:spTgt spid="8"/>
+                                        </p:tgtEl>
+                                        <p:attrNameLst>
+                                          <p:attrName>style.visibility</p:attrName>
+                                        </p:attrNameLst>
+                                      </p:cBhvr>
+                                      <p:to>
+                                        <p:strVal val="visible"/>
+                                      </p:to>
+                                    </p:set>
+                                  </p:childTnLst>
+                                </p:cTn>
+                              </p:par>
+                            </p:childTnLst>
+                          </p:cTn>
+                        </p:par>
+                      </p:childTnLst>
+                    </p:cTn>
+                  </p:par>
+                </p:childTnLst>
+              </p:cTn>
+              <p:prevCondLst>
+                <p:cond evt="onPrev" delay="0">
+                  <p:tgtEl>
+                    <p:sldTgt/>
+                  </p:tgtEl>
+                </p:cond>
+              </p:prevCondLst>
+              <p:nextCondLst>
+                <p:cond evt="onNext" delay="0">
+                  <p:tgtEl>
+                    <p:sldTgt/>
+                  </p:tgtEl>
+                </p:cond>
+              </p:nextCondLst>
+            </p:seq>
+          </p:childTnLst>
+        </p:cTn>
       </p:par>
     </p:tnLst>
+    <p:bldLst>
+      <p:bldP spid="3" grpId="0" animBg="1"/>
+      <p:bldP spid="17" grpId="0" animBg="1"/>
+      <p:bldP spid="7" grpId="0" animBg="1"/>
+      <p:bldP spid="8" grpId="0" animBg="1"/>
+    </p:bldLst>
   </p:timing>
 </p:sld>
 </file>
@@ -7185,100 +7827,15 @@
           <a:p>
             <a:r>
               <a:rPr lang="en-US" dirty="0" smtClean="0"/>
-              <a:t>Input Capture</a:t>
+              <a:t>Backup Slides</a:t>
             </a:r>
             <a:endParaRPr lang="en-US" dirty="0"/>
-          </a:p>
-        </p:txBody>
-      </p:sp>
-      <p:sp>
-        <p:nvSpPr>
-          <p:cNvPr id="4" name="Content Placeholder 3"/>
-          <p:cNvSpPr>
-            <a:spLocks noGrp="1"/>
-          </p:cNvSpPr>
-          <p:nvPr>
-            <p:ph idx="1"/>
-          </p:nvPr>
-        </p:nvSpPr>
-        <p:spPr/>
-        <p:txBody>
-          <a:bodyPr/>
-          <a:lstStyle/>
-          <a:p>
-            <a:r>
-              <a:rPr lang="en-US" sz="2000" dirty="0"/>
-              <a:t>The input signal level can be read at any time via the CCI bit. MSP430x2xx family devices may </a:t>
-            </a:r>
-            <a:r>
-              <a:rPr lang="en-US" sz="2000" dirty="0" smtClean="0"/>
-              <a:t>have different </a:t>
-            </a:r>
-            <a:r>
-              <a:rPr lang="en-US" sz="2000" dirty="0"/>
-              <a:t>signals connected to </a:t>
-            </a:r>
-            <a:r>
-              <a:rPr lang="en-US" sz="2000" dirty="0" err="1"/>
-              <a:t>CCIxA</a:t>
-            </a:r>
-            <a:r>
-              <a:rPr lang="en-US" sz="2000" dirty="0"/>
-              <a:t> and </a:t>
-            </a:r>
-            <a:r>
-              <a:rPr lang="en-US" sz="2000" dirty="0" err="1"/>
-              <a:t>CCIxB</a:t>
-            </a:r>
-            <a:r>
-              <a:rPr lang="en-US" sz="2000" dirty="0"/>
-              <a:t>. See the device-specific data sheet for the connections </a:t>
-            </a:r>
-            <a:r>
-              <a:rPr lang="en-US" sz="2000" dirty="0" smtClean="0"/>
-              <a:t>of these </a:t>
-            </a:r>
-            <a:r>
-              <a:rPr lang="en-US" sz="2000" dirty="0"/>
-              <a:t>signals.</a:t>
-            </a:r>
-          </a:p>
-        </p:txBody>
-      </p:sp>
-      <p:sp>
-        <p:nvSpPr>
-          <p:cNvPr id="7" name="TextBox 6"/>
-          <p:cNvSpPr txBox="1"/>
-          <p:nvPr/>
-        </p:nvSpPr>
-        <p:spPr>
-          <a:xfrm>
-            <a:off x="3205163" y="2689372"/>
-            <a:ext cx="2733674" cy="369332"/>
-          </a:xfrm>
-          <a:prstGeom prst="rect">
-            <a:avLst/>
-          </a:prstGeom>
-          <a:solidFill>
-            <a:schemeClr val="bg1"/>
-          </a:solidFill>
-        </p:spPr>
-        <p:txBody>
-          <a:bodyPr wrap="square" rtlCol="0">
-            <a:spAutoFit/>
-          </a:bodyPr>
-          <a:lstStyle/>
-          <a:p>
-            <a:r>
-              <a:rPr lang="en-US" sz="1800" dirty="0" smtClean="0"/>
-              <a:t>Device Specific pp 16</a:t>
-            </a:r>
           </a:p>
         </p:txBody>
       </p:sp>
       <p:pic>
         <p:nvPicPr>
-          <p:cNvPr id="3074" name="Picture 2"/>
+          <p:cNvPr id="1026" name="Picture 2" descr="TACCTL Register Description"/>
           <p:cNvPicPr>
             <a:picLocks noChangeAspect="1" noChangeArrowheads="1"/>
           </p:cNvPicPr>
@@ -7299,41 +7856,319 @@
         </p:blipFill>
         <p:spPr bwMode="auto">
           <a:xfrm>
-            <a:off x="1221827" y="3058704"/>
-            <a:ext cx="6473283" cy="3342096"/>
+            <a:off x="1682550" y="14783"/>
+            <a:ext cx="5778901" cy="6843217"/>
           </a:xfrm>
           <a:prstGeom prst="rect">
             <a:avLst/>
           </a:prstGeom>
           <a:noFill/>
-          <a:ln>
-            <a:noFill/>
-          </a:ln>
           <a:extLst>
             <a:ext uri="{909E8E84-426E-40DD-AFC4-6F175D3DCCD1}">
               <a14:hiddenFill xmlns:a14="http://schemas.microsoft.com/office/drawing/2010/main">
                 <a:solidFill>
-                  <a:schemeClr val="accent1"/>
+                  <a:srgbClr val="FFFFFF"/>
                 </a:solidFill>
               </a14:hiddenFill>
-            </a:ext>
-            <a:ext uri="{91240B29-F687-4F45-9708-019B960494DF}">
-              <a14:hiddenLine xmlns:a14="http://schemas.microsoft.com/office/drawing/2010/main" w="9525">
-                <a:solidFill>
-                  <a:schemeClr val="tx1"/>
-                </a:solidFill>
-                <a:miter lim="800000"/>
-                <a:headEnd/>
-                <a:tailEnd/>
-              </a14:hiddenLine>
             </a:ext>
           </a:extLst>
         </p:spPr>
       </p:pic>
+      <p:sp>
+        <p:nvSpPr>
+          <p:cNvPr id="5" name="TextBox 4"/>
+          <p:cNvSpPr txBox="1"/>
+          <p:nvPr/>
+        </p:nvSpPr>
+        <p:spPr>
+          <a:xfrm>
+            <a:off x="6194022" y="4345618"/>
+            <a:ext cx="2733674" cy="369332"/>
+          </a:xfrm>
+          <a:prstGeom prst="rect">
+            <a:avLst/>
+          </a:prstGeom>
+          <a:solidFill>
+            <a:schemeClr val="bg1"/>
+          </a:solidFill>
+        </p:spPr>
+        <p:txBody>
+          <a:bodyPr wrap="square" rtlCol="0">
+            <a:spAutoFit/>
+          </a:bodyPr>
+          <a:lstStyle/>
+          <a:p>
+            <a:r>
+              <a:rPr lang="en-US" sz="1800" dirty="0" smtClean="0"/>
+              <a:t>Family User Guide pp 372</a:t>
+            </a:r>
+          </a:p>
+        </p:txBody>
+      </p:sp>
+      <p:sp>
+        <p:nvSpPr>
+          <p:cNvPr id="6" name="Rectangle 5"/>
+          <p:cNvSpPr/>
+          <p:nvPr/>
+        </p:nvSpPr>
+        <p:spPr bwMode="auto">
+          <a:xfrm>
+            <a:off x="1464769" y="1201005"/>
+            <a:ext cx="6096091" cy="723329"/>
+          </a:xfrm>
+          <a:prstGeom prst="rect">
+            <a:avLst/>
+          </a:prstGeom>
+          <a:noFill/>
+          <a:ln w="25400" cap="flat" cmpd="sng" algn="ctr">
+            <a:solidFill>
+              <a:srgbClr val="FF0000"/>
+            </a:solidFill>
+            <a:prstDash val="solid"/>
+            <a:round/>
+            <a:headEnd type="none" w="med" len="med"/>
+            <a:tailEnd type="none" w="med" len="med"/>
+          </a:ln>
+          <a:effectLst/>
+        </p:spPr>
+        <p:txBody>
+          <a:bodyPr vert="horz" wrap="square" lIns="91440" tIns="45720" rIns="91440" bIns="45720" numCol="1" rtlCol="0" anchor="t" anchorCtr="0" compatLnSpc="1">
+            <a:prstTxWarp prst="textNoShape">
+              <a:avLst/>
+            </a:prstTxWarp>
+            <a:spAutoFit/>
+          </a:bodyPr>
+          <a:lstStyle/>
+          <a:p>
+            <a:pPr marL="0" marR="0" indent="0" algn="l" defTabSz="914400" rtl="0" eaLnBrk="1" fontAlgn="base" latinLnBrk="0" hangingPunct="1">
+              <a:lnSpc>
+                <a:spcPct val="100000"/>
+              </a:lnSpc>
+              <a:spcBef>
+                <a:spcPct val="50000"/>
+              </a:spcBef>
+              <a:spcAft>
+                <a:spcPct val="0"/>
+              </a:spcAft>
+              <a:buClrTx/>
+              <a:buSzTx/>
+              <a:buFontTx/>
+              <a:buNone/>
+              <a:tabLst/>
+            </a:pPr>
+            <a:endParaRPr kumimoji="0" lang="en-US" sz="2400" b="0" i="0" u="none" strike="noStrike" cap="none" normalizeH="0" baseline="0" smtClean="0">
+              <a:ln>
+                <a:noFill/>
+              </a:ln>
+              <a:solidFill>
+                <a:schemeClr val="tx1"/>
+              </a:solidFill>
+              <a:effectLst/>
+              <a:latin typeface="Times New Roman" pitchFamily="18" charset="0"/>
+              <a:sym typeface="Wingdings" pitchFamily="2" charset="2"/>
+            </a:endParaRPr>
+          </a:p>
+        </p:txBody>
+      </p:sp>
+      <p:sp>
+        <p:nvSpPr>
+          <p:cNvPr id="7" name="Rectangle 6"/>
+          <p:cNvSpPr/>
+          <p:nvPr/>
+        </p:nvSpPr>
+        <p:spPr bwMode="auto">
+          <a:xfrm>
+            <a:off x="1464770" y="1926606"/>
+            <a:ext cx="6096090" cy="768827"/>
+          </a:xfrm>
+          <a:prstGeom prst="rect">
+            <a:avLst/>
+          </a:prstGeom>
+          <a:noFill/>
+          <a:ln w="25400" cap="flat" cmpd="sng" algn="ctr">
+            <a:solidFill>
+              <a:srgbClr val="FF0000"/>
+            </a:solidFill>
+            <a:prstDash val="solid"/>
+            <a:round/>
+            <a:headEnd type="none" w="med" len="med"/>
+            <a:tailEnd type="none" w="med" len="med"/>
+          </a:ln>
+          <a:effectLst/>
+        </p:spPr>
+        <p:txBody>
+          <a:bodyPr vert="horz" wrap="square" lIns="91440" tIns="45720" rIns="91440" bIns="45720" numCol="1" rtlCol="0" anchor="t" anchorCtr="0" compatLnSpc="1">
+            <a:prstTxWarp prst="textNoShape">
+              <a:avLst/>
+            </a:prstTxWarp>
+            <a:spAutoFit/>
+          </a:bodyPr>
+          <a:lstStyle/>
+          <a:p>
+            <a:pPr marL="0" marR="0" indent="0" algn="l" defTabSz="914400" rtl="0" eaLnBrk="1" fontAlgn="base" latinLnBrk="0" hangingPunct="1">
+              <a:lnSpc>
+                <a:spcPct val="100000"/>
+              </a:lnSpc>
+              <a:spcBef>
+                <a:spcPct val="50000"/>
+              </a:spcBef>
+              <a:spcAft>
+                <a:spcPct val="0"/>
+              </a:spcAft>
+              <a:buClrTx/>
+              <a:buSzTx/>
+              <a:buFontTx/>
+              <a:buNone/>
+              <a:tabLst/>
+            </a:pPr>
+            <a:endParaRPr kumimoji="0" lang="en-US" sz="2400" b="0" i="0" u="none" strike="noStrike" cap="none" normalizeH="0" baseline="0" dirty="0" smtClean="0">
+              <a:ln>
+                <a:noFill/>
+              </a:ln>
+              <a:solidFill>
+                <a:schemeClr val="tx1"/>
+              </a:solidFill>
+              <a:effectLst/>
+              <a:latin typeface="Times New Roman" pitchFamily="18" charset="0"/>
+              <a:sym typeface="Wingdings" pitchFamily="2" charset="2"/>
+            </a:endParaRPr>
+          </a:p>
+        </p:txBody>
+      </p:sp>
+      <p:sp>
+        <p:nvSpPr>
+          <p:cNvPr id="8" name="Rectangle 7"/>
+          <p:cNvSpPr/>
+          <p:nvPr/>
+        </p:nvSpPr>
+        <p:spPr bwMode="auto">
+          <a:xfrm>
+            <a:off x="1464770" y="2695433"/>
+            <a:ext cx="6096090" cy="384413"/>
+          </a:xfrm>
+          <a:prstGeom prst="rect">
+            <a:avLst/>
+          </a:prstGeom>
+          <a:noFill/>
+          <a:ln w="25400" cap="flat" cmpd="sng" algn="ctr">
+            <a:solidFill>
+              <a:srgbClr val="FF0000"/>
+            </a:solidFill>
+            <a:prstDash val="solid"/>
+            <a:round/>
+            <a:headEnd type="none" w="med" len="med"/>
+            <a:tailEnd type="none" w="med" len="med"/>
+          </a:ln>
+          <a:effectLst/>
+        </p:spPr>
+        <p:txBody>
+          <a:bodyPr vert="horz" wrap="square" lIns="91440" tIns="45720" rIns="91440" bIns="45720" numCol="1" rtlCol="0" anchor="t" anchorCtr="0" compatLnSpc="1">
+            <a:prstTxWarp prst="textNoShape">
+              <a:avLst/>
+            </a:prstTxWarp>
+            <a:spAutoFit/>
+          </a:bodyPr>
+          <a:lstStyle/>
+          <a:p>
+            <a:pPr marL="0" marR="0" indent="0" algn="l" defTabSz="914400" rtl="0" eaLnBrk="1" fontAlgn="base" latinLnBrk="0" hangingPunct="1">
+              <a:lnSpc>
+                <a:spcPct val="100000"/>
+              </a:lnSpc>
+              <a:spcBef>
+                <a:spcPct val="50000"/>
+              </a:spcBef>
+              <a:spcAft>
+                <a:spcPct val="0"/>
+              </a:spcAft>
+              <a:buClrTx/>
+              <a:buSzTx/>
+              <a:buFontTx/>
+              <a:buNone/>
+              <a:tabLst/>
+            </a:pPr>
+            <a:endParaRPr kumimoji="0" lang="en-US" sz="2400" b="0" i="0" u="none" strike="noStrike" cap="none" normalizeH="0" baseline="0" dirty="0" smtClean="0">
+              <a:ln>
+                <a:noFill/>
+              </a:ln>
+              <a:solidFill>
+                <a:schemeClr val="tx1"/>
+              </a:solidFill>
+              <a:effectLst/>
+              <a:latin typeface="Times New Roman" pitchFamily="18" charset="0"/>
+              <a:sym typeface="Wingdings" pitchFamily="2" charset="2"/>
+            </a:endParaRPr>
+          </a:p>
+        </p:txBody>
+      </p:sp>
+      <p:sp>
+        <p:nvSpPr>
+          <p:cNvPr id="9" name="Rectangle 8"/>
+          <p:cNvSpPr/>
+          <p:nvPr/>
+        </p:nvSpPr>
+        <p:spPr bwMode="auto">
+          <a:xfrm>
+            <a:off x="1464768" y="6365134"/>
+            <a:ext cx="6096091" cy="489086"/>
+          </a:xfrm>
+          <a:prstGeom prst="rect">
+            <a:avLst/>
+          </a:prstGeom>
+          <a:noFill/>
+          <a:ln w="25400" cap="flat" cmpd="sng" algn="ctr">
+            <a:solidFill>
+              <a:srgbClr val="FF0000"/>
+            </a:solidFill>
+            <a:prstDash val="solid"/>
+            <a:round/>
+            <a:headEnd type="none" w="med" len="med"/>
+            <a:tailEnd type="none" w="med" len="med"/>
+          </a:ln>
+          <a:effectLst/>
+        </p:spPr>
+        <p:txBody>
+          <a:bodyPr vert="horz" wrap="square" lIns="91440" tIns="45720" rIns="91440" bIns="45720" numCol="1" rtlCol="0" anchor="t" anchorCtr="0" compatLnSpc="1">
+            <a:prstTxWarp prst="textNoShape">
+              <a:avLst/>
+            </a:prstTxWarp>
+            <a:spAutoFit/>
+          </a:bodyPr>
+          <a:lstStyle/>
+          <a:p>
+            <a:pPr marL="0" marR="0" indent="0" algn="l" defTabSz="914400" rtl="0" eaLnBrk="1" fontAlgn="base" latinLnBrk="0" hangingPunct="1">
+              <a:lnSpc>
+                <a:spcPct val="100000"/>
+              </a:lnSpc>
+              <a:spcBef>
+                <a:spcPct val="50000"/>
+              </a:spcBef>
+              <a:spcAft>
+                <a:spcPct val="0"/>
+              </a:spcAft>
+              <a:buClrTx/>
+              <a:buSzTx/>
+              <a:buFontTx/>
+              <a:buNone/>
+              <a:tabLst/>
+            </a:pPr>
+            <a:endParaRPr kumimoji="0" lang="en-US" sz="2400" b="0" i="0" u="none" strike="noStrike" cap="none" normalizeH="0" baseline="0" dirty="0" smtClean="0">
+              <a:ln>
+                <a:noFill/>
+              </a:ln>
+              <a:solidFill>
+                <a:schemeClr val="tx1"/>
+              </a:solidFill>
+              <a:effectLst/>
+              <a:latin typeface="Times New Roman" pitchFamily="18" charset="0"/>
+              <a:sym typeface="Wingdings" pitchFamily="2" charset="2"/>
+            </a:endParaRPr>
+          </a:p>
+        </p:txBody>
+      </p:sp>
     </p:spTree>
     <p:extLst>
       <p:ext uri="{BB962C8B-B14F-4D97-AF65-F5344CB8AC3E}">
-        <p14:creationId xmlns:p14="http://schemas.microsoft.com/office/powerpoint/2010/main" val="3011293617"/>
+        <p14:creationId xmlns:p14="http://schemas.microsoft.com/office/powerpoint/2010/main" val="689928426"/>
       </p:ext>
     </p:extLst>
   </p:cSld>
@@ -7343,9 +8178,218 @@
   <p:timing>
     <p:tnLst>
       <p:par>
-        <p:cTn id="1" dur="indefinite" restart="never" nodeType="tmRoot"/>
+        <p:cTn id="1" dur="indefinite" restart="never" nodeType="tmRoot">
+          <p:childTnLst>
+            <p:seq concurrent="1" nextAc="seek">
+              <p:cTn id="2" dur="indefinite" nodeType="mainSeq">
+                <p:childTnLst>
+                  <p:par>
+                    <p:cTn id="3" fill="hold">
+                      <p:stCondLst>
+                        <p:cond delay="indefinite"/>
+                      </p:stCondLst>
+                      <p:childTnLst>
+                        <p:par>
+                          <p:cTn id="4" fill="hold">
+                            <p:stCondLst>
+                              <p:cond delay="0"/>
+                            </p:stCondLst>
+                            <p:childTnLst>
+                              <p:par>
+                                <p:cTn id="5" presetID="1" presetClass="entr" presetSubtype="0" fill="hold" grpId="0" nodeType="clickEffect">
+                                  <p:stCondLst>
+                                    <p:cond delay="0"/>
+                                  </p:stCondLst>
+                                  <p:childTnLst>
+                                    <p:set>
+                                      <p:cBhvr>
+                                        <p:cTn id="6" dur="1" fill="hold">
+                                          <p:stCondLst>
+                                            <p:cond delay="0"/>
+                                          </p:stCondLst>
+                                        </p:cTn>
+                                        <p:tgtEl>
+                                          <p:spTgt spid="7"/>
+                                        </p:tgtEl>
+                                        <p:attrNameLst>
+                                          <p:attrName>style.visibility</p:attrName>
+                                        </p:attrNameLst>
+                                      </p:cBhvr>
+                                      <p:to>
+                                        <p:strVal val="visible"/>
+                                      </p:to>
+                                    </p:set>
+                                  </p:childTnLst>
+                                </p:cTn>
+                              </p:par>
+                            </p:childTnLst>
+                          </p:cTn>
+                        </p:par>
+                      </p:childTnLst>
+                    </p:cTn>
+                  </p:par>
+                  <p:par>
+                    <p:cTn id="7" fill="hold">
+                      <p:stCondLst>
+                        <p:cond delay="indefinite"/>
+                      </p:stCondLst>
+                      <p:childTnLst>
+                        <p:par>
+                          <p:cTn id="8" fill="hold">
+                            <p:stCondLst>
+                              <p:cond delay="0"/>
+                            </p:stCondLst>
+                            <p:childTnLst>
+                              <p:par>
+                                <p:cTn id="9" presetID="1" presetClass="entr" presetSubtype="0" fill="hold" grpId="0" nodeType="clickEffect">
+                                  <p:stCondLst>
+                                    <p:cond delay="0"/>
+                                  </p:stCondLst>
+                                  <p:childTnLst>
+                                    <p:set>
+                                      <p:cBhvr>
+                                        <p:cTn id="10" dur="1" fill="hold">
+                                          <p:stCondLst>
+                                            <p:cond delay="0"/>
+                                          </p:stCondLst>
+                                        </p:cTn>
+                                        <p:tgtEl>
+                                          <p:spTgt spid="6"/>
+                                        </p:tgtEl>
+                                        <p:attrNameLst>
+                                          <p:attrName>style.visibility</p:attrName>
+                                        </p:attrNameLst>
+                                      </p:cBhvr>
+                                      <p:to>
+                                        <p:strVal val="visible"/>
+                                      </p:to>
+                                    </p:set>
+                                  </p:childTnLst>
+                                </p:cTn>
+                              </p:par>
+                            </p:childTnLst>
+                          </p:cTn>
+                        </p:par>
+                      </p:childTnLst>
+                    </p:cTn>
+                  </p:par>
+                  <p:par>
+                    <p:cTn id="11" fill="hold">
+                      <p:stCondLst>
+                        <p:cond delay="indefinite"/>
+                      </p:stCondLst>
+                      <p:childTnLst>
+                        <p:par>
+                          <p:cTn id="12" fill="hold">
+                            <p:stCondLst>
+                              <p:cond delay="0"/>
+                            </p:stCondLst>
+                            <p:childTnLst>
+                              <p:par>
+                                <p:cTn id="13" presetID="1" presetClass="entr" presetSubtype="0" fill="hold" grpId="0" nodeType="clickEffect">
+                                  <p:stCondLst>
+                                    <p:cond delay="0"/>
+                                  </p:stCondLst>
+                                  <p:childTnLst>
+                                    <p:set>
+                                      <p:cBhvr>
+                                        <p:cTn id="14" dur="1" fill="hold">
+                                          <p:stCondLst>
+                                            <p:cond delay="0"/>
+                                          </p:stCondLst>
+                                        </p:cTn>
+                                        <p:tgtEl>
+                                          <p:spTgt spid="8"/>
+                                        </p:tgtEl>
+                                        <p:attrNameLst>
+                                          <p:attrName>style.visibility</p:attrName>
+                                        </p:attrNameLst>
+                                      </p:cBhvr>
+                                      <p:to>
+                                        <p:strVal val="visible"/>
+                                      </p:to>
+                                    </p:set>
+                                  </p:childTnLst>
+                                </p:cTn>
+                              </p:par>
+                            </p:childTnLst>
+                          </p:cTn>
+                        </p:par>
+                      </p:childTnLst>
+                    </p:cTn>
+                  </p:par>
+                  <p:par>
+                    <p:cTn id="15" fill="hold">
+                      <p:stCondLst>
+                        <p:cond delay="indefinite"/>
+                      </p:stCondLst>
+                      <p:childTnLst>
+                        <p:par>
+                          <p:cTn id="16" fill="hold">
+                            <p:stCondLst>
+                              <p:cond delay="0"/>
+                            </p:stCondLst>
+                            <p:childTnLst>
+                              <p:par>
+                                <p:cTn id="17" presetID="1" presetClass="entr" presetSubtype="0" fill="hold" grpId="0" nodeType="clickEffect">
+                                  <p:stCondLst>
+                                    <p:cond delay="0"/>
+                                  </p:stCondLst>
+                                  <p:childTnLst>
+                                    <p:set>
+                                      <p:cBhvr>
+                                        <p:cTn id="18" dur="1" fill="hold">
+                                          <p:stCondLst>
+                                            <p:cond delay="0"/>
+                                          </p:stCondLst>
+                                        </p:cTn>
+                                        <p:tgtEl>
+                                          <p:spTgt spid="9"/>
+                                        </p:tgtEl>
+                                        <p:attrNameLst>
+                                          <p:attrName>style.visibility</p:attrName>
+                                        </p:attrNameLst>
+                                      </p:cBhvr>
+                                      <p:to>
+                                        <p:strVal val="visible"/>
+                                      </p:to>
+                                    </p:set>
+                                  </p:childTnLst>
+                                </p:cTn>
+                              </p:par>
+                            </p:childTnLst>
+                          </p:cTn>
+                        </p:par>
+                      </p:childTnLst>
+                    </p:cTn>
+                  </p:par>
+                </p:childTnLst>
+              </p:cTn>
+              <p:prevCondLst>
+                <p:cond evt="onPrev" delay="0">
+                  <p:tgtEl>
+                    <p:sldTgt/>
+                  </p:tgtEl>
+                </p:cond>
+              </p:prevCondLst>
+              <p:nextCondLst>
+                <p:cond evt="onNext" delay="0">
+                  <p:tgtEl>
+                    <p:sldTgt/>
+                  </p:tgtEl>
+                </p:cond>
+              </p:nextCondLst>
+            </p:seq>
+          </p:childTnLst>
+        </p:cTn>
       </p:par>
     </p:tnLst>
+    <p:bldLst>
+      <p:bldP spid="6" grpId="0" animBg="1"/>
+      <p:bldP spid="7" grpId="0" animBg="1"/>
+      <p:bldP spid="8" grpId="0" animBg="1"/>
+      <p:bldP spid="9" grpId="0" animBg="1"/>
+    </p:bldLst>
   </p:timing>
 </p:sld>
 </file>
@@ -7658,9 +8702,99 @@
           </a:p>
         </p:txBody>
       </p:sp>
+      <p:sp>
+        <p:nvSpPr>
+          <p:cNvPr id="4" name="Content Placeholder 3"/>
+          <p:cNvSpPr>
+            <a:spLocks noGrp="1"/>
+          </p:cNvSpPr>
+          <p:nvPr>
+            <p:ph idx="1"/>
+          </p:nvPr>
+        </p:nvSpPr>
+        <p:spPr/>
+        <p:txBody>
+          <a:bodyPr/>
+          <a:lstStyle/>
+          <a:p>
+            <a:r>
+              <a:rPr lang="en-US" sz="2000" dirty="0"/>
+              <a:t>The input signal level can be read at any time via the CCI bit. MSP430x2xx family devices may </a:t>
+            </a:r>
+            <a:r>
+              <a:rPr lang="en-US" sz="2000" dirty="0" smtClean="0"/>
+              <a:t>have different </a:t>
+            </a:r>
+            <a:r>
+              <a:rPr lang="en-US" sz="2000" dirty="0"/>
+              <a:t>signals connected to </a:t>
+            </a:r>
+            <a:r>
+              <a:rPr lang="en-US" sz="2000" dirty="0" err="1"/>
+              <a:t>CCIxA</a:t>
+            </a:r>
+            <a:r>
+              <a:rPr lang="en-US" sz="2000" dirty="0"/>
+              <a:t> and </a:t>
+            </a:r>
+            <a:r>
+              <a:rPr lang="en-US" sz="2000" dirty="0" err="1"/>
+              <a:t>CCIxB</a:t>
+            </a:r>
+            <a:r>
+              <a:rPr lang="en-US" sz="2000" dirty="0"/>
+              <a:t>. See the device-specific data sheet for the connections </a:t>
+            </a:r>
+            <a:r>
+              <a:rPr lang="en-US" sz="2000" dirty="0" smtClean="0"/>
+              <a:t>of these </a:t>
+            </a:r>
+            <a:r>
+              <a:rPr lang="en-US" sz="2000" dirty="0"/>
+              <a:t>signals.</a:t>
+            </a:r>
+          </a:p>
+        </p:txBody>
+      </p:sp>
+      <p:sp>
+        <p:nvSpPr>
+          <p:cNvPr id="12" name="TextBox 11"/>
+          <p:cNvSpPr txBox="1"/>
+          <p:nvPr/>
+        </p:nvSpPr>
+        <p:spPr>
+          <a:xfrm>
+            <a:off x="6347266" y="6488668"/>
+            <a:ext cx="2733674" cy="369332"/>
+          </a:xfrm>
+          <a:prstGeom prst="rect">
+            <a:avLst/>
+          </a:prstGeom>
+          <a:solidFill>
+            <a:schemeClr val="bg1"/>
+          </a:solidFill>
+        </p:spPr>
+        <p:txBody>
+          <a:bodyPr wrap="square" rtlCol="0">
+            <a:spAutoFit/>
+          </a:bodyPr>
+          <a:lstStyle/>
+          <a:p>
+            <a:r>
+              <a:rPr lang="en-US" sz="1800" dirty="0"/>
+              <a:t>Family User Guide pp </a:t>
+            </a:r>
+            <a:r>
+              <a:rPr lang="en-US" sz="1800" dirty="0" smtClean="0"/>
+              <a:t>362</a:t>
+            </a:r>
+            <a:endParaRPr lang="en-US" sz="1800" dirty="0"/>
+          </a:p>
+        </p:txBody>
+      </p:sp>
       <p:pic>
         <p:nvPicPr>
-          <p:cNvPr id="1027" name="Picture 3"/>
+          <p:cNvPr id="2050" name="Picture 2"/>
           <p:cNvPicPr>
             <a:picLocks noChangeAspect="1" noChangeArrowheads="1"/>
           </p:cNvPicPr>
@@ -7681,8 +8815,8 @@
         </p:blipFill>
         <p:spPr bwMode="auto">
           <a:xfrm>
-            <a:off x="1071563" y="3133725"/>
-            <a:ext cx="7000875" cy="590550"/>
+            <a:off x="919163" y="3196987"/>
+            <a:ext cx="7305675" cy="2381250"/>
           </a:xfrm>
           <a:prstGeom prst="rect">
             <a:avLst/>
@@ -7712,16 +8846,255 @@
           </a:extLst>
         </p:spPr>
       </p:pic>
+      <p:sp>
+        <p:nvSpPr>
+          <p:cNvPr id="3" name="Rectangular Callout 2"/>
+          <p:cNvSpPr/>
+          <p:nvPr/>
+        </p:nvSpPr>
+        <p:spPr bwMode="auto">
+          <a:xfrm>
+            <a:off x="149772" y="3831020"/>
+            <a:ext cx="1292773" cy="654269"/>
+          </a:xfrm>
+          <a:prstGeom prst="wedgeRectCallout">
+            <a:avLst>
+              <a:gd name="adj1" fmla="val 92582"/>
+              <a:gd name="adj2" fmla="val 2259"/>
+            </a:avLst>
+          </a:prstGeom>
+          <a:solidFill>
+            <a:srgbClr val="FFFF00"/>
+          </a:solidFill>
+          <a:ln w="12700" cap="flat" cmpd="sng" algn="ctr">
+            <a:solidFill>
+              <a:schemeClr val="tx1"/>
+            </a:solidFill>
+            <a:prstDash val="solid"/>
+            <a:round/>
+            <a:headEnd type="none" w="med" len="med"/>
+            <a:tailEnd type="none" w="med" len="med"/>
+          </a:ln>
+          <a:effectLst/>
+        </p:spPr>
+        <p:txBody>
+          <a:bodyPr vert="horz" wrap="square" lIns="91440" tIns="45720" rIns="91440" bIns="45720" numCol="1" rtlCol="0" anchor="t" anchorCtr="0" compatLnSpc="1">
+            <a:prstTxWarp prst="textNoShape">
+              <a:avLst/>
+            </a:prstTxWarp>
+          </a:bodyPr>
+          <a:lstStyle/>
+          <a:p>
+            <a:pPr marL="0" marR="0" indent="0" algn="ctr" defTabSz="914400" rtl="0" eaLnBrk="0" fontAlgn="base" latinLnBrk="0" hangingPunct="0">
+              <a:lnSpc>
+                <a:spcPct val="100000"/>
+              </a:lnSpc>
+              <a:spcBef>
+                <a:spcPct val="0"/>
+              </a:spcBef>
+              <a:spcAft>
+                <a:spcPct val="0"/>
+              </a:spcAft>
+              <a:buClrTx/>
+              <a:buSzTx/>
+              <a:buFontTx/>
+              <a:buNone/>
+              <a:tabLst/>
+            </a:pPr>
+            <a:r>
+              <a:rPr kumimoji="0" lang="en-US" sz="1600" b="0" i="0" u="none" strike="noStrike" cap="none" normalizeH="0" baseline="0" dirty="0" smtClean="0">
+                <a:ln>
+                  <a:noFill/>
+                </a:ln>
+                <a:solidFill>
+                  <a:schemeClr val="tx1"/>
+                </a:solidFill>
+                <a:effectLst/>
+                <a:latin typeface="Arial" charset="0"/>
+              </a:rPr>
+              <a:t>Same</a:t>
+            </a:r>
+            <a:r>
+              <a:rPr kumimoji="0" lang="en-US" sz="1600" b="0" i="0" u="none" strike="noStrike" cap="none" normalizeH="0" dirty="0" smtClean="0">
+                <a:ln>
+                  <a:noFill/>
+                </a:ln>
+                <a:solidFill>
+                  <a:schemeClr val="tx1"/>
+                </a:solidFill>
+                <a:effectLst/>
+                <a:latin typeface="Arial" charset="0"/>
+              </a:rPr>
+              <a:t> value as input pin</a:t>
+            </a:r>
+            <a:endParaRPr kumimoji="0" lang="en-US" sz="1600" b="0" i="0" u="none" strike="noStrike" cap="none" normalizeH="0" baseline="0" dirty="0" smtClean="0">
+              <a:ln>
+                <a:noFill/>
+              </a:ln>
+              <a:solidFill>
+                <a:schemeClr val="tx1"/>
+              </a:solidFill>
+              <a:effectLst/>
+              <a:latin typeface="Arial" charset="0"/>
+            </a:endParaRPr>
+          </a:p>
+        </p:txBody>
+      </p:sp>
+    </p:spTree>
+    <p:extLst>
+      <p:ext uri="{BB962C8B-B14F-4D97-AF65-F5344CB8AC3E}">
+        <p14:creationId xmlns:p14="http://schemas.microsoft.com/office/powerpoint/2010/main" val="2260213468"/>
+      </p:ext>
+    </p:extLst>
+  </p:cSld>
+  <p:clrMapOvr>
+    <a:masterClrMapping/>
+  </p:clrMapOvr>
+  <p:timing>
+    <p:tnLst>
+      <p:par>
+        <p:cTn id="1" dur="indefinite" restart="never" nodeType="tmRoot"/>
+      </p:par>
+    </p:tnLst>
+  </p:timing>
+</p:sld>
+</file>
+
+<file path=ppt/slides/slide14.xml><?xml version="1.0" encoding="utf-8"?>
+<p:sld xmlns:a="http://schemas.openxmlformats.org/drawingml/2006/main" xmlns:r="http://schemas.openxmlformats.org/officeDocument/2006/relationships" xmlns:p="http://schemas.openxmlformats.org/presentationml/2006/main" show="0">
+  <p:cSld>
+    <p:spTree>
+      <p:nvGrpSpPr>
+        <p:cNvPr id="1" name=""/>
+        <p:cNvGrpSpPr/>
+        <p:nvPr/>
+      </p:nvGrpSpPr>
+      <p:grpSpPr>
+        <a:xfrm>
+          <a:off x="0" y="0"/>
+          <a:ext cx="0" cy="0"/>
+          <a:chOff x="0" y="0"/>
+          <a:chExt cx="0" cy="0"/>
+        </a:xfrm>
+      </p:grpSpPr>
+      <p:sp>
+        <p:nvSpPr>
+          <p:cNvPr id="2" name="Title 1"/>
+          <p:cNvSpPr>
+            <a:spLocks noGrp="1"/>
+          </p:cNvSpPr>
+          <p:nvPr>
+            <p:ph type="title"/>
+          </p:nvPr>
+        </p:nvSpPr>
+        <p:spPr/>
+        <p:txBody>
+          <a:bodyPr/>
+          <a:lstStyle/>
+          <a:p>
+            <a:r>
+              <a:rPr lang="en-US" dirty="0" smtClean="0"/>
+              <a:t>Input Capture</a:t>
+            </a:r>
+            <a:endParaRPr lang="en-US" dirty="0"/>
+          </a:p>
+        </p:txBody>
+      </p:sp>
+      <p:sp>
+        <p:nvSpPr>
+          <p:cNvPr id="4" name="Content Placeholder 3"/>
+          <p:cNvSpPr>
+            <a:spLocks noGrp="1"/>
+          </p:cNvSpPr>
+          <p:nvPr>
+            <p:ph idx="1"/>
+          </p:nvPr>
+        </p:nvSpPr>
+        <p:spPr/>
+        <p:txBody>
+          <a:bodyPr/>
+          <a:lstStyle/>
+          <a:p>
+            <a:r>
+              <a:rPr lang="en-US" sz="2000" dirty="0"/>
+              <a:t>The input signal level can be read at any time via the CCI bit. MSP430x2xx family devices may </a:t>
+            </a:r>
+            <a:r>
+              <a:rPr lang="en-US" sz="2000" dirty="0" smtClean="0"/>
+              <a:t>have different </a:t>
+            </a:r>
+            <a:r>
+              <a:rPr lang="en-US" sz="2000" dirty="0"/>
+              <a:t>signals connected to </a:t>
+            </a:r>
+            <a:r>
+              <a:rPr lang="en-US" sz="2000" dirty="0" err="1"/>
+              <a:t>CCIxA</a:t>
+            </a:r>
+            <a:r>
+              <a:rPr lang="en-US" sz="2000" dirty="0"/>
+              <a:t> and </a:t>
+            </a:r>
+            <a:r>
+              <a:rPr lang="en-US" sz="2000" dirty="0" err="1"/>
+              <a:t>CCIxB</a:t>
+            </a:r>
+            <a:r>
+              <a:rPr lang="en-US" sz="2000" dirty="0"/>
+              <a:t>. See the device-specific data sheet for the connections </a:t>
+            </a:r>
+            <a:r>
+              <a:rPr lang="en-US" sz="2000" dirty="0" smtClean="0"/>
+              <a:t>of these </a:t>
+            </a:r>
+            <a:r>
+              <a:rPr lang="en-US" sz="2000" dirty="0"/>
+              <a:t>signals.</a:t>
+            </a:r>
+          </a:p>
+        </p:txBody>
+      </p:sp>
+      <p:sp>
+        <p:nvSpPr>
+          <p:cNvPr id="7" name="TextBox 6"/>
+          <p:cNvSpPr txBox="1"/>
+          <p:nvPr/>
+        </p:nvSpPr>
+        <p:spPr>
+          <a:xfrm>
+            <a:off x="3205163" y="2689372"/>
+            <a:ext cx="2733674" cy="369332"/>
+          </a:xfrm>
+          <a:prstGeom prst="rect">
+            <a:avLst/>
+          </a:prstGeom>
+          <a:solidFill>
+            <a:schemeClr val="bg1"/>
+          </a:solidFill>
+        </p:spPr>
+        <p:txBody>
+          <a:bodyPr wrap="square" rtlCol="0">
+            <a:spAutoFit/>
+          </a:bodyPr>
+          <a:lstStyle/>
+          <a:p>
+            <a:r>
+              <a:rPr lang="en-US" sz="1800" dirty="0" smtClean="0"/>
+              <a:t>Device Specific pp 16</a:t>
+            </a:r>
+          </a:p>
+        </p:txBody>
+      </p:sp>
       <p:pic>
         <p:nvPicPr>
-          <p:cNvPr id="3" name="Picture 2"/>
+          <p:cNvPr id="3074" name="Picture 2"/>
           <p:cNvPicPr>
             <a:picLocks noChangeAspect="1" noChangeArrowheads="1"/>
           </p:cNvPicPr>
           <p:nvPr/>
         </p:nvPicPr>
         <p:blipFill>
-          <a:blip r:embed="rId3">
+          <a:blip r:embed="rId2">
             <a:extLst>
               <a:ext uri="{28A0092B-C50C-407E-A947-70E740481C1C}">
                 <a14:useLocalDpi xmlns:a14="http://schemas.microsoft.com/office/drawing/2010/main" val="0"/>
@@ -7735,7 +9108,122 @@
         </p:blipFill>
         <p:spPr bwMode="auto">
           <a:xfrm>
-            <a:off x="945931" y="1463040"/>
+            <a:off x="1221827" y="3058704"/>
+            <a:ext cx="6473283" cy="3342096"/>
+          </a:xfrm>
+          <a:prstGeom prst="rect">
+            <a:avLst/>
+          </a:prstGeom>
+          <a:noFill/>
+          <a:ln>
+            <a:noFill/>
+          </a:ln>
+          <a:extLst>
+            <a:ext uri="{909E8E84-426E-40DD-AFC4-6F175D3DCCD1}">
+              <a14:hiddenFill xmlns:a14="http://schemas.microsoft.com/office/drawing/2010/main">
+                <a:solidFill>
+                  <a:schemeClr val="accent1"/>
+                </a:solidFill>
+              </a14:hiddenFill>
+            </a:ext>
+            <a:ext uri="{91240B29-F687-4F45-9708-019B960494DF}">
+              <a14:hiddenLine xmlns:a14="http://schemas.microsoft.com/office/drawing/2010/main" w="9525">
+                <a:solidFill>
+                  <a:schemeClr val="tx1"/>
+                </a:solidFill>
+                <a:miter lim="800000"/>
+                <a:headEnd/>
+                <a:tailEnd/>
+              </a14:hiddenLine>
+            </a:ext>
+          </a:extLst>
+        </p:spPr>
+      </p:pic>
+    </p:spTree>
+    <p:extLst>
+      <p:ext uri="{BB962C8B-B14F-4D97-AF65-F5344CB8AC3E}">
+        <p14:creationId xmlns:p14="http://schemas.microsoft.com/office/powerpoint/2010/main" val="3011293617"/>
+      </p:ext>
+    </p:extLst>
+  </p:cSld>
+  <p:clrMapOvr>
+    <a:masterClrMapping/>
+  </p:clrMapOvr>
+  <p:transition spd="med"/>
+  <p:timing>
+    <p:tnLst>
+      <p:par>
+        <p:cTn id="1" dur="indefinite" restart="never" nodeType="tmRoot"/>
+      </p:par>
+    </p:tnLst>
+  </p:timing>
+</p:sld>
+</file>
+
+<file path=ppt/slides/slide15.xml><?xml version="1.0" encoding="utf-8"?>
+<p:sld xmlns:a="http://schemas.openxmlformats.org/drawingml/2006/main" xmlns:r="http://schemas.openxmlformats.org/officeDocument/2006/relationships" xmlns:p="http://schemas.openxmlformats.org/presentationml/2006/main" show="0">
+  <p:cSld>
+    <p:spTree>
+      <p:nvGrpSpPr>
+        <p:cNvPr id="1" name=""/>
+        <p:cNvGrpSpPr/>
+        <p:nvPr/>
+      </p:nvGrpSpPr>
+      <p:grpSpPr>
+        <a:xfrm>
+          <a:off x="0" y="0"/>
+          <a:ext cx="0" cy="0"/>
+          <a:chOff x="0" y="0"/>
+          <a:chExt cx="0" cy="0"/>
+        </a:xfrm>
+      </p:grpSpPr>
+      <p:sp>
+        <p:nvSpPr>
+          <p:cNvPr id="2" name="Title 1"/>
+          <p:cNvSpPr>
+            <a:spLocks noGrp="1"/>
+          </p:cNvSpPr>
+          <p:nvPr>
+            <p:ph type="title"/>
+          </p:nvPr>
+        </p:nvSpPr>
+        <p:spPr/>
+        <p:txBody>
+          <a:bodyPr/>
+          <a:lstStyle/>
+          <a:p>
+            <a:r>
+              <a:rPr lang="en-US" dirty="0" smtClean="0"/>
+              <a:t>Input Capture</a:t>
+            </a:r>
+            <a:endParaRPr lang="en-US" dirty="0"/>
+          </a:p>
+        </p:txBody>
+      </p:sp>
+      <p:pic>
+        <p:nvPicPr>
+          <p:cNvPr id="3" name="Picture 2"/>
+          <p:cNvPicPr>
+            <a:picLocks noChangeAspect="1" noChangeArrowheads="1"/>
+          </p:cNvPicPr>
+          <p:nvPr/>
+        </p:nvPicPr>
+        <p:blipFill>
+          <a:blip r:embed="rId2">
+            <a:extLst>
+              <a:ext uri="{28A0092B-C50C-407E-A947-70E740481C1C}">
+                <a14:useLocalDpi xmlns:a14="http://schemas.microsoft.com/office/drawing/2010/main" val="0"/>
+              </a:ext>
+            </a:extLst>
+          </a:blip>
+          <a:srcRect/>
+          <a:stretch>
+            <a:fillRect/>
+          </a:stretch>
+        </p:blipFill>
+        <p:spPr bwMode="auto">
+          <a:xfrm>
+            <a:off x="1519336" y="1463040"/>
             <a:ext cx="7350344" cy="5301271"/>
           </a:xfrm>
           <a:prstGeom prst="rect">
@@ -7797,6 +9285,154 @@
           </a:p>
         </p:txBody>
       </p:sp>
+      <p:sp>
+        <p:nvSpPr>
+          <p:cNvPr id="7" name="Rectangular Callout 6"/>
+          <p:cNvSpPr/>
+          <p:nvPr/>
+        </p:nvSpPr>
+        <p:spPr bwMode="auto">
+          <a:xfrm>
+            <a:off x="70945" y="3378549"/>
+            <a:ext cx="1340069" cy="349995"/>
+          </a:xfrm>
+          <a:prstGeom prst="wedgeRectCallout">
+            <a:avLst>
+              <a:gd name="adj1" fmla="val 63171"/>
+              <a:gd name="adj2" fmla="val 23576"/>
+            </a:avLst>
+          </a:prstGeom>
+          <a:solidFill>
+            <a:srgbClr val="FFFF00"/>
+          </a:solidFill>
+          <a:ln w="12700" cap="flat" cmpd="sng" algn="ctr">
+            <a:solidFill>
+              <a:schemeClr val="tx1"/>
+            </a:solidFill>
+            <a:prstDash val="solid"/>
+            <a:round/>
+            <a:headEnd type="none" w="med" len="med"/>
+            <a:tailEnd type="none" w="med" len="med"/>
+          </a:ln>
+          <a:effectLst/>
+        </p:spPr>
+        <p:txBody>
+          <a:bodyPr vert="horz" wrap="square" lIns="91440" tIns="45720" rIns="91440" bIns="45720" numCol="1" rtlCol="0" anchor="t" anchorCtr="0" compatLnSpc="1">
+            <a:prstTxWarp prst="textNoShape">
+              <a:avLst/>
+            </a:prstTxWarp>
+          </a:bodyPr>
+          <a:lstStyle/>
+          <a:p>
+            <a:pPr marL="0" marR="0" indent="0" algn="ctr" defTabSz="914400" rtl="0" eaLnBrk="0" fontAlgn="base" latinLnBrk="0" hangingPunct="0">
+              <a:lnSpc>
+                <a:spcPct val="100000"/>
+              </a:lnSpc>
+              <a:spcBef>
+                <a:spcPct val="0"/>
+              </a:spcBef>
+              <a:spcAft>
+                <a:spcPct val="0"/>
+              </a:spcAft>
+              <a:buClrTx/>
+              <a:buSzTx/>
+              <a:buFontTx/>
+              <a:buNone/>
+              <a:tabLst/>
+            </a:pPr>
+            <a:r>
+              <a:rPr lang="en-US" sz="1600" dirty="0" smtClean="0">
+                <a:latin typeface="Arial" charset="0"/>
+              </a:rPr>
+              <a:t>TA_0 CC0</a:t>
+            </a:r>
+            <a:endParaRPr kumimoji="0" lang="en-US" sz="1600" b="0" i="0" u="none" strike="noStrike" cap="none" normalizeH="0" baseline="0" dirty="0" smtClean="0">
+              <a:ln>
+                <a:noFill/>
+              </a:ln>
+              <a:solidFill>
+                <a:schemeClr val="tx1"/>
+              </a:solidFill>
+              <a:effectLst/>
+              <a:latin typeface="Arial" charset="0"/>
+            </a:endParaRPr>
+          </a:p>
+        </p:txBody>
+      </p:sp>
+      <p:sp>
+        <p:nvSpPr>
+          <p:cNvPr id="8" name="Rectangular Callout 7"/>
+          <p:cNvSpPr/>
+          <p:nvPr/>
+        </p:nvSpPr>
+        <p:spPr bwMode="auto">
+          <a:xfrm>
+            <a:off x="70944" y="4902549"/>
+            <a:ext cx="1340069" cy="349995"/>
+          </a:xfrm>
+          <a:prstGeom prst="wedgeRectCallout">
+            <a:avLst>
+              <a:gd name="adj1" fmla="val 63171"/>
+              <a:gd name="adj2" fmla="val 23576"/>
+            </a:avLst>
+          </a:prstGeom>
+          <a:solidFill>
+            <a:srgbClr val="FFFF00"/>
+          </a:solidFill>
+          <a:ln w="12700" cap="flat" cmpd="sng" algn="ctr">
+            <a:solidFill>
+              <a:schemeClr val="tx1"/>
+            </a:solidFill>
+            <a:prstDash val="solid"/>
+            <a:round/>
+            <a:headEnd type="none" w="med" len="med"/>
+            <a:tailEnd type="none" w="med" len="med"/>
+          </a:ln>
+          <a:effectLst/>
+        </p:spPr>
+        <p:txBody>
+          <a:bodyPr vert="horz" wrap="square" lIns="91440" tIns="45720" rIns="91440" bIns="45720" numCol="1" rtlCol="0" anchor="t" anchorCtr="0" compatLnSpc="1">
+            <a:prstTxWarp prst="textNoShape">
+              <a:avLst/>
+            </a:prstTxWarp>
+          </a:bodyPr>
+          <a:lstStyle/>
+          <a:p>
+            <a:pPr marL="0" marR="0" indent="0" algn="ctr" defTabSz="914400" rtl="0" eaLnBrk="0" fontAlgn="base" latinLnBrk="0" hangingPunct="0">
+              <a:lnSpc>
+                <a:spcPct val="100000"/>
+              </a:lnSpc>
+              <a:spcBef>
+                <a:spcPct val="0"/>
+              </a:spcBef>
+              <a:spcAft>
+                <a:spcPct val="0"/>
+              </a:spcAft>
+              <a:buClrTx/>
+              <a:buSzTx/>
+              <a:buFontTx/>
+              <a:buNone/>
+              <a:tabLst/>
+            </a:pPr>
+            <a:r>
+              <a:rPr lang="en-US" sz="1600" dirty="0" smtClean="0">
+                <a:latin typeface="Arial" charset="0"/>
+              </a:rPr>
+              <a:t>TA_0 CC1</a:t>
+            </a:r>
+            <a:endParaRPr kumimoji="0" lang="en-US" sz="1600" b="0" i="0" u="none" strike="noStrike" cap="none" normalizeH="0" baseline="0" dirty="0" smtClean="0">
+              <a:ln>
+                <a:noFill/>
+              </a:ln>
+              <a:solidFill>
+                <a:schemeClr val="tx1"/>
+              </a:solidFill>
+              <a:effectLst/>
+              <a:latin typeface="Arial" charset="0"/>
+            </a:endParaRPr>
+          </a:p>
+        </p:txBody>
+      </p:sp>
     </p:spTree>
     <p:extLst>
       <p:ext uri="{BB962C8B-B14F-4D97-AF65-F5344CB8AC3E}">
@@ -7807,6 +9443,7 @@
   <p:clrMapOvr>
     <a:masterClrMapping/>
   </p:clrMapOvr>
+  <p:transition spd="med"/>
   <p:timing>
     <p:tnLst>
       <p:par>
@@ -7817,7 +9454,7 @@
 </p:sld>
 </file>
 
-<file path=ppt/slides/slide14.xml><?xml version="1.0" encoding="utf-8"?>
+<file path=ppt/slides/slide16.xml><?xml version="1.0" encoding="utf-8"?>
 <p:sld xmlns:a="http://schemas.openxmlformats.org/drawingml/2006/main" xmlns:r="http://schemas.openxmlformats.org/officeDocument/2006/relationships" xmlns:p="http://schemas.openxmlformats.org/presentationml/2006/main">
   <p:cSld>
     <p:spTree>
@@ -9109,6 +10746,136 @@
           </a:graphicData>
         </a:graphic>
       </p:graphicFrame>
+      <p:sp>
+        <p:nvSpPr>
+          <p:cNvPr id="4" name="Right Arrow 3"/>
+          <p:cNvSpPr/>
+          <p:nvPr/>
+        </p:nvSpPr>
+        <p:spPr bwMode="auto">
+          <a:xfrm>
+            <a:off x="1008993" y="5415455"/>
+            <a:ext cx="819807" cy="268014"/>
+          </a:xfrm>
+          <a:prstGeom prst="rightArrow">
+            <a:avLst/>
+          </a:prstGeom>
+          <a:solidFill>
+            <a:srgbClr val="FF0000"/>
+          </a:solidFill>
+          <a:ln w="12700" cap="flat" cmpd="sng" algn="ctr">
+            <a:solidFill>
+              <a:schemeClr val="tx1"/>
+            </a:solidFill>
+            <a:prstDash val="solid"/>
+            <a:round/>
+            <a:headEnd type="none" w="med" len="med"/>
+            <a:tailEnd type="none" w="med" len="med"/>
+          </a:ln>
+          <a:effectLst/>
+        </p:spPr>
+        <p:txBody>
+          <a:bodyPr vert="horz" wrap="square" lIns="91440" tIns="45720" rIns="91440" bIns="45720" numCol="1" rtlCol="0" anchor="t" anchorCtr="0" compatLnSpc="1">
+            <a:prstTxWarp prst="textNoShape">
+              <a:avLst/>
+            </a:prstTxWarp>
+          </a:bodyPr>
+          <a:lstStyle/>
+          <a:p>
+            <a:pPr marL="0" marR="0" indent="0" algn="ctr" defTabSz="914400" rtl="0" eaLnBrk="0" fontAlgn="base" latinLnBrk="0" hangingPunct="0">
+              <a:lnSpc>
+                <a:spcPct val="100000"/>
+              </a:lnSpc>
+              <a:spcBef>
+                <a:spcPct val="0"/>
+              </a:spcBef>
+              <a:spcAft>
+                <a:spcPct val="0"/>
+              </a:spcAft>
+              <a:buClrTx/>
+              <a:buSzTx/>
+              <a:buFontTx/>
+              <a:buNone/>
+              <a:tabLst/>
+            </a:pPr>
+            <a:endParaRPr kumimoji="0" lang="en-US" sz="1600" b="0" i="0" u="none" strike="noStrike" cap="none" normalizeH="0" baseline="0" smtClean="0">
+              <a:ln>
+                <a:noFill/>
+              </a:ln>
+              <a:solidFill>
+                <a:schemeClr val="tx1"/>
+              </a:solidFill>
+              <a:effectLst/>
+              <a:latin typeface="Arial" charset="0"/>
+            </a:endParaRPr>
+          </a:p>
+        </p:txBody>
+      </p:sp>
+      <p:sp>
+        <p:nvSpPr>
+          <p:cNvPr id="7" name="Right Arrow 6"/>
+          <p:cNvSpPr/>
+          <p:nvPr/>
+        </p:nvSpPr>
+        <p:spPr bwMode="auto">
+          <a:xfrm>
+            <a:off x="1008992" y="6550572"/>
+            <a:ext cx="819807" cy="268014"/>
+          </a:xfrm>
+          <a:prstGeom prst="rightArrow">
+            <a:avLst/>
+          </a:prstGeom>
+          <a:solidFill>
+            <a:srgbClr val="FF0000"/>
+          </a:solidFill>
+          <a:ln w="12700" cap="flat" cmpd="sng" algn="ctr">
+            <a:solidFill>
+              <a:schemeClr val="tx1"/>
+            </a:solidFill>
+            <a:prstDash val="solid"/>
+            <a:round/>
+            <a:headEnd type="none" w="med" len="med"/>
+            <a:tailEnd type="none" w="med" len="med"/>
+          </a:ln>
+          <a:effectLst/>
+        </p:spPr>
+        <p:txBody>
+          <a:bodyPr vert="horz" wrap="square" lIns="91440" tIns="45720" rIns="91440" bIns="45720" numCol="1" rtlCol="0" anchor="t" anchorCtr="0" compatLnSpc="1">
+            <a:prstTxWarp prst="textNoShape">
+              <a:avLst/>
+            </a:prstTxWarp>
+          </a:bodyPr>
+          <a:lstStyle/>
+          <a:p>
+            <a:pPr marL="0" marR="0" indent="0" algn="ctr" defTabSz="914400" rtl="0" eaLnBrk="0" fontAlgn="base" latinLnBrk="0" hangingPunct="0">
+              <a:lnSpc>
+                <a:spcPct val="100000"/>
+              </a:lnSpc>
+              <a:spcBef>
+                <a:spcPct val="0"/>
+              </a:spcBef>
+              <a:spcAft>
+                <a:spcPct val="0"/>
+              </a:spcAft>
+              <a:buClrTx/>
+              <a:buSzTx/>
+              <a:buFontTx/>
+              <a:buNone/>
+              <a:tabLst/>
+            </a:pPr>
+            <a:endParaRPr kumimoji="0" lang="en-US" sz="1600" b="0" i="0" u="none" strike="noStrike" cap="none" normalizeH="0" baseline="0" smtClean="0">
+              <a:ln>
+                <a:noFill/>
+              </a:ln>
+              <a:solidFill>
+                <a:schemeClr val="tx1"/>
+              </a:solidFill>
+              <a:effectLst/>
+              <a:latin typeface="Arial" charset="0"/>
+            </a:endParaRPr>
+          </a:p>
+        </p:txBody>
+      </p:sp>
     </p:spTree>
     <p:extLst>
       <p:ext uri="{BB962C8B-B14F-4D97-AF65-F5344CB8AC3E}">
@@ -9129,7 +10896,7 @@
 </p:sld>
 </file>
 
-<file path=ppt/slides/slide15.xml><?xml version="1.0" encoding="utf-8"?>
+<file path=ppt/slides/slide17.xml><?xml version="1.0" encoding="utf-8"?>
 <p:sld xmlns:a="http://schemas.openxmlformats.org/drawingml/2006/main" xmlns:r="http://schemas.openxmlformats.org/officeDocument/2006/relationships" xmlns:p="http://schemas.openxmlformats.org/presentationml/2006/main">
   <p:cSld>
     <p:spTree>
@@ -9329,6 +11096,80 @@
               <a:solidFill>
                 <a:srgbClr val="FF0000"/>
               </a:solidFill>
+            </a:endParaRPr>
+          </a:p>
+        </p:txBody>
+      </p:sp>
+      <p:sp>
+        <p:nvSpPr>
+          <p:cNvPr id="6" name="Rectangular Callout 5"/>
+          <p:cNvSpPr/>
+          <p:nvPr/>
+        </p:nvSpPr>
+        <p:spPr bwMode="auto">
+          <a:xfrm>
+            <a:off x="7381875" y="3557279"/>
+            <a:ext cx="1292773" cy="1077783"/>
+          </a:xfrm>
+          <a:prstGeom prst="wedgeRectCallout">
+            <a:avLst>
+              <a:gd name="adj1" fmla="val 5387"/>
+              <a:gd name="adj2" fmla="val -120614"/>
+            </a:avLst>
+          </a:prstGeom>
+          <a:solidFill>
+            <a:srgbClr val="FFFF00"/>
+          </a:solidFill>
+          <a:ln w="12700" cap="flat" cmpd="sng" algn="ctr">
+            <a:solidFill>
+              <a:schemeClr val="tx1"/>
+            </a:solidFill>
+            <a:prstDash val="solid"/>
+            <a:round/>
+            <a:headEnd type="none" w="med" len="med"/>
+            <a:tailEnd type="none" w="med" len="med"/>
+          </a:ln>
+          <a:effectLst/>
+        </p:spPr>
+        <p:txBody>
+          <a:bodyPr vert="horz" wrap="square" lIns="91440" tIns="45720" rIns="91440" bIns="45720" numCol="1" rtlCol="0" anchor="t" anchorCtr="0" compatLnSpc="1">
+            <a:prstTxWarp prst="textNoShape">
+              <a:avLst/>
+            </a:prstTxWarp>
+          </a:bodyPr>
+          <a:lstStyle/>
+          <a:p>
+            <a:pPr marL="0" marR="0" indent="0" algn="ctr" defTabSz="914400" rtl="0" eaLnBrk="0" fontAlgn="base" latinLnBrk="0" hangingPunct="0">
+              <a:lnSpc>
+                <a:spcPct val="100000"/>
+              </a:lnSpc>
+              <a:spcBef>
+                <a:spcPct val="0"/>
+              </a:spcBef>
+              <a:spcAft>
+                <a:spcPct val="0"/>
+              </a:spcAft>
+              <a:buClrTx/>
+              <a:buSzTx/>
+              <a:buFontTx/>
+              <a:buNone/>
+              <a:tabLst/>
+            </a:pPr>
+            <a:r>
+              <a:rPr lang="en-US" sz="1600" dirty="0" smtClean="0">
+                <a:latin typeface="Arial" charset="0"/>
+              </a:rPr>
+              <a:t>Remember, there are 3 CC per timer</a:t>
+            </a:r>
+            <a:endParaRPr kumimoji="0" lang="en-US" sz="1600" b="0" i="0" u="none" strike="noStrike" cap="none" normalizeH="0" baseline="0" dirty="0" smtClean="0">
+              <a:ln>
+                <a:noFill/>
+              </a:ln>
+              <a:solidFill>
+                <a:schemeClr val="tx1"/>
+              </a:solidFill>
+              <a:effectLst/>
+              <a:latin typeface="Arial" charset="0"/>
             </a:endParaRPr>
           </a:p>
         </p:txBody>
@@ -9424,7 +11265,7 @@
 </p:sld>
 </file>
 
-<file path=ppt/slides/slide16.xml><?xml version="1.0" encoding="utf-8"?>
+<file path=ppt/slides/slide18.xml><?xml version="1.0" encoding="utf-8"?>
 <p:sld xmlns:a="http://schemas.openxmlformats.org/drawingml/2006/main" xmlns:r="http://schemas.openxmlformats.org/officeDocument/2006/relationships" xmlns:p="http://schemas.openxmlformats.org/presentationml/2006/main">
   <p:cSld>
     <p:spTree>
@@ -9535,6 +11376,132 @@
           </a:p>
         </p:txBody>
       </p:sp>
+      <p:sp>
+        <p:nvSpPr>
+          <p:cNvPr id="4" name="Rectangle 3"/>
+          <p:cNvSpPr/>
+          <p:nvPr/>
+        </p:nvSpPr>
+        <p:spPr bwMode="auto">
+          <a:xfrm>
+            <a:off x="1975995" y="3390710"/>
+            <a:ext cx="5701095" cy="512379"/>
+          </a:xfrm>
+          <a:prstGeom prst="rect">
+            <a:avLst/>
+          </a:prstGeom>
+          <a:noFill/>
+          <a:ln w="12700" cap="flat" cmpd="sng" algn="ctr">
+            <a:solidFill>
+              <a:srgbClr val="FF0000"/>
+            </a:solidFill>
+            <a:prstDash val="solid"/>
+            <a:round/>
+            <a:headEnd type="none" w="med" len="med"/>
+            <a:tailEnd type="none" w="med" len="med"/>
+          </a:ln>
+          <a:effectLst/>
+        </p:spPr>
+        <p:txBody>
+          <a:bodyPr vert="horz" wrap="square" lIns="91440" tIns="45720" rIns="91440" bIns="45720" numCol="1" rtlCol="0" anchor="t" anchorCtr="0" compatLnSpc="1">
+            <a:prstTxWarp prst="textNoShape">
+              <a:avLst/>
+            </a:prstTxWarp>
+          </a:bodyPr>
+          <a:lstStyle/>
+          <a:p>
+            <a:pPr marL="0" marR="0" indent="0" algn="ctr" defTabSz="914400" rtl="0" eaLnBrk="0" fontAlgn="base" latinLnBrk="0" hangingPunct="0">
+              <a:lnSpc>
+                <a:spcPct val="100000"/>
+              </a:lnSpc>
+              <a:spcBef>
+                <a:spcPct val="0"/>
+              </a:spcBef>
+              <a:spcAft>
+                <a:spcPct val="0"/>
+              </a:spcAft>
+              <a:buClrTx/>
+              <a:buSzTx/>
+              <a:buFontTx/>
+              <a:buNone/>
+              <a:tabLst/>
+            </a:pPr>
+            <a:endParaRPr kumimoji="0" lang="en-US" sz="1600" b="0" i="0" u="none" strike="noStrike" cap="none" normalizeH="0" baseline="0" smtClean="0">
+              <a:ln>
+                <a:noFill/>
+              </a:ln>
+              <a:solidFill>
+                <a:schemeClr val="tx1"/>
+              </a:solidFill>
+              <a:effectLst/>
+              <a:latin typeface="Arial" charset="0"/>
+            </a:endParaRPr>
+          </a:p>
+        </p:txBody>
+      </p:sp>
+      <p:sp>
+        <p:nvSpPr>
+          <p:cNvPr id="6" name="Rectangle 5"/>
+          <p:cNvSpPr/>
+          <p:nvPr/>
+        </p:nvSpPr>
+        <p:spPr bwMode="auto">
+          <a:xfrm>
+            <a:off x="1947314" y="5596759"/>
+            <a:ext cx="5701095" cy="530772"/>
+          </a:xfrm>
+          <a:prstGeom prst="rect">
+            <a:avLst/>
+          </a:prstGeom>
+          <a:noFill/>
+          <a:ln w="12700" cap="flat" cmpd="sng" algn="ctr">
+            <a:solidFill>
+              <a:srgbClr val="FF0000"/>
+            </a:solidFill>
+            <a:prstDash val="solid"/>
+            <a:round/>
+            <a:headEnd type="none" w="med" len="med"/>
+            <a:tailEnd type="none" w="med" len="med"/>
+          </a:ln>
+          <a:effectLst/>
+        </p:spPr>
+        <p:txBody>
+          <a:bodyPr vert="horz" wrap="square" lIns="91440" tIns="45720" rIns="91440" bIns="45720" numCol="1" rtlCol="0" anchor="t" anchorCtr="0" compatLnSpc="1">
+            <a:prstTxWarp prst="textNoShape">
+              <a:avLst/>
+            </a:prstTxWarp>
+          </a:bodyPr>
+          <a:lstStyle/>
+          <a:p>
+            <a:pPr marL="0" marR="0" indent="0" algn="ctr" defTabSz="914400" rtl="0" eaLnBrk="0" fontAlgn="base" latinLnBrk="0" hangingPunct="0">
+              <a:lnSpc>
+                <a:spcPct val="100000"/>
+              </a:lnSpc>
+              <a:spcBef>
+                <a:spcPct val="0"/>
+              </a:spcBef>
+              <a:spcAft>
+                <a:spcPct val="0"/>
+              </a:spcAft>
+              <a:buClrTx/>
+              <a:buSzTx/>
+              <a:buFontTx/>
+              <a:buNone/>
+              <a:tabLst/>
+            </a:pPr>
+            <a:endParaRPr kumimoji="0" lang="en-US" sz="1600" b="0" i="0" u="none" strike="noStrike" cap="none" normalizeH="0" baseline="0" smtClean="0">
+              <a:ln>
+                <a:noFill/>
+              </a:ln>
+              <a:solidFill>
+                <a:schemeClr val="tx1"/>
+              </a:solidFill>
+              <a:effectLst/>
+              <a:latin typeface="Arial" charset="0"/>
+            </a:endParaRPr>
+          </a:p>
+        </p:txBody>
+      </p:sp>
     </p:spTree>
     <p:extLst>
       <p:ext uri="{BB962C8B-B14F-4D97-AF65-F5344CB8AC3E}">
@@ -9555,7 +11522,7 @@
 </p:sld>
 </file>
 
-<file path=ppt/slides/slide17.xml><?xml version="1.0" encoding="utf-8"?>
+<file path=ppt/slides/slide19.xml><?xml version="1.0" encoding="utf-8"?>
 <p:sld xmlns:a="http://schemas.openxmlformats.org/drawingml/2006/main" xmlns:r="http://schemas.openxmlformats.org/officeDocument/2006/relationships" xmlns:p="http://schemas.openxmlformats.org/presentationml/2006/main">
   <p:cSld>
     <p:spTree>
@@ -9721,7 +11688,106 @@
 </p:sld>
 </file>
 
-<file path=ppt/slides/slide18.xml><?xml version="1.0" encoding="utf-8"?>
+<file path=ppt/slides/slide2.xml><?xml version="1.0" encoding="utf-8"?>
+<p:sld xmlns:a="http://schemas.openxmlformats.org/drawingml/2006/main" xmlns:r="http://schemas.openxmlformats.org/officeDocument/2006/relationships" xmlns:p="http://schemas.openxmlformats.org/presentationml/2006/main">
+  <p:cSld>
+    <p:spTree>
+      <p:nvGrpSpPr>
+        <p:cNvPr id="1" name=""/>
+        <p:cNvGrpSpPr/>
+        <p:nvPr/>
+      </p:nvGrpSpPr>
+      <p:grpSpPr>
+        <a:xfrm>
+          <a:off x="0" y="0"/>
+          <a:ext cx="0" cy="0"/>
+          <a:chOff x="0" y="0"/>
+          <a:chExt cx="0" cy="0"/>
+        </a:xfrm>
+      </p:grpSpPr>
+      <p:sp>
+        <p:nvSpPr>
+          <p:cNvPr id="2" name="Title 1"/>
+          <p:cNvSpPr>
+            <a:spLocks noGrp="1"/>
+          </p:cNvSpPr>
+          <p:nvPr>
+            <p:ph type="title"/>
+          </p:nvPr>
+        </p:nvSpPr>
+        <p:spPr/>
+        <p:txBody>
+          <a:bodyPr/>
+          <a:lstStyle/>
+          <a:p>
+            <a:r>
+              <a:rPr lang="en-US" dirty="0" smtClean="0"/>
+              <a:t>What is Capture/Compare?</a:t>
+            </a:r>
+            <a:endParaRPr lang="en-US" dirty="0"/>
+          </a:p>
+        </p:txBody>
+      </p:sp>
+      <p:sp>
+        <p:nvSpPr>
+          <p:cNvPr id="3" name="Content Placeholder 2"/>
+          <p:cNvSpPr>
+            <a:spLocks noGrp="1"/>
+          </p:cNvSpPr>
+          <p:nvPr>
+            <p:ph idx="1"/>
+          </p:nvPr>
+        </p:nvSpPr>
+        <p:spPr/>
+        <p:txBody>
+          <a:bodyPr/>
+          <a:lstStyle/>
+          <a:p>
+            <a:r>
+              <a:rPr lang="en-US" dirty="0" smtClean="0"/>
+              <a:t>Capture</a:t>
+            </a:r>
+          </a:p>
+          <a:p>
+            <a:pPr lvl="1"/>
+            <a:r>
+              <a:rPr lang="en-US" dirty="0" smtClean="0"/>
+              <a:t>When a pin changes value, the time is recorded and an interrupt occurs. The interrupt service routine can then operate on that data and reset the time for the next event</a:t>
+            </a:r>
+          </a:p>
+          <a:p>
+            <a:r>
+              <a:rPr lang="en-US" dirty="0" smtClean="0"/>
+              <a:t>Compare</a:t>
+            </a:r>
+          </a:p>
+          <a:p>
+            <a:pPr lvl="1"/>
+            <a:r>
+              <a:rPr lang="en-US" dirty="0" smtClean="0"/>
+              <a:t>Used to generate a signal. When a timer reaches a predefined value, an interrupt occurs and a pin’s state is changed</a:t>
+            </a:r>
+          </a:p>
+          <a:p>
+            <a:pPr lvl="1"/>
+            <a:endParaRPr lang="en-US" dirty="0"/>
+          </a:p>
+        </p:txBody>
+      </p:sp>
+    </p:spTree>
+    <p:extLst>
+      <p:ext uri="{BB962C8B-B14F-4D97-AF65-F5344CB8AC3E}">
+        <p14:creationId xmlns:p14="http://schemas.microsoft.com/office/powerpoint/2010/main" val="2630755382"/>
+      </p:ext>
+    </p:extLst>
+  </p:cSld>
+  <p:clrMapOvr>
+    <a:masterClrMapping/>
+  </p:clrMapOvr>
+</p:sld>
+</file>
+
+<file path=ppt/slides/slide20.xml><?xml version="1.0" encoding="utf-8"?>
 <p:sld xmlns:a="http://schemas.openxmlformats.org/drawingml/2006/main" xmlns:r="http://schemas.openxmlformats.org/officeDocument/2006/relationships" xmlns:p="http://schemas.openxmlformats.org/presentationml/2006/main">
   <p:cSld>
     <p:spTree>
@@ -10411,7 +12477,7 @@
 </p:sld>
 </file>
 
-<file path=ppt/slides/slide19.xml><?xml version="1.0" encoding="utf-8"?>
+<file path=ppt/slides/slide21.xml><?xml version="1.0" encoding="utf-8"?>
 <p:sld xmlns:a="http://schemas.openxmlformats.org/drawingml/2006/main" xmlns:r="http://schemas.openxmlformats.org/officeDocument/2006/relationships" xmlns:p="http://schemas.openxmlformats.org/presentationml/2006/main">
   <p:cSld>
     <p:spTree>
@@ -10440,8 +12506,8 @@
         </p:nvSpPr>
         <p:spPr>
           <a:xfrm>
-            <a:off x="685800" y="152400"/>
-            <a:ext cx="7772400" cy="457200"/>
+            <a:off x="2183525" y="268014"/>
+            <a:ext cx="6589986" cy="924911"/>
           </a:xfrm>
         </p:spPr>
         <p:txBody>
@@ -10450,7 +12516,7 @@
           <a:p>
             <a:r>
               <a:rPr lang="en-US" b="1" dirty="0" smtClean="0"/>
-              <a:t>Example</a:t>
+              <a:t>Example w/o Interrupts</a:t>
             </a:r>
             <a:endParaRPr lang="en-US" b="1" dirty="0"/>
           </a:p>
@@ -11523,1900 +13589,6 @@
     <p:extLst>
       <p:ext uri="{BB962C8B-B14F-4D97-AF65-F5344CB8AC3E}">
         <p14:creationId xmlns:p14="http://schemas.microsoft.com/office/powerpoint/2010/main" val="3734869281"/>
-      </p:ext>
-    </p:extLst>
-  </p:cSld>
-  <p:clrMapOvr>
-    <a:masterClrMapping/>
-  </p:clrMapOvr>
-  <p:timing>
-    <p:tnLst>
-      <p:par>
-        <p:cTn id="1" dur="indefinite" restart="never" nodeType="tmRoot"/>
-      </p:par>
-    </p:tnLst>
-  </p:timing>
-</p:sld>
-</file>
-
-<file path=ppt/slides/slide2.xml><?xml version="1.0" encoding="utf-8"?>
-<p:sld xmlns:a="http://schemas.openxmlformats.org/drawingml/2006/main" xmlns:r="http://schemas.openxmlformats.org/officeDocument/2006/relationships" xmlns:p="http://schemas.openxmlformats.org/presentationml/2006/main">
-  <p:cSld>
-    <p:spTree>
-      <p:nvGrpSpPr>
-        <p:cNvPr id="1" name=""/>
-        <p:cNvGrpSpPr/>
-        <p:nvPr/>
-      </p:nvGrpSpPr>
-      <p:grpSpPr>
-        <a:xfrm>
-          <a:off x="0" y="0"/>
-          <a:ext cx="0" cy="0"/>
-          <a:chOff x="0" y="0"/>
-          <a:chExt cx="0" cy="0"/>
-        </a:xfrm>
-      </p:grpSpPr>
-      <p:sp>
-        <p:nvSpPr>
-          <p:cNvPr id="2" name="Title 1"/>
-          <p:cNvSpPr>
-            <a:spLocks noGrp="1"/>
-          </p:cNvSpPr>
-          <p:nvPr>
-            <p:ph type="title"/>
-          </p:nvPr>
-        </p:nvSpPr>
-        <p:spPr/>
-        <p:txBody>
-          <a:bodyPr/>
-          <a:lstStyle/>
-          <a:p>
-            <a:r>
-              <a:rPr lang="en-US" dirty="0" smtClean="0"/>
-              <a:t>What is Capture/Compare?</a:t>
-            </a:r>
-            <a:endParaRPr lang="en-US" dirty="0"/>
-          </a:p>
-        </p:txBody>
-      </p:sp>
-      <p:sp>
-        <p:nvSpPr>
-          <p:cNvPr id="3" name="Content Placeholder 2"/>
-          <p:cNvSpPr>
-            <a:spLocks noGrp="1"/>
-          </p:cNvSpPr>
-          <p:nvPr>
-            <p:ph idx="1"/>
-          </p:nvPr>
-        </p:nvSpPr>
-        <p:spPr/>
-        <p:txBody>
-          <a:bodyPr/>
-          <a:lstStyle/>
-          <a:p>
-            <a:r>
-              <a:rPr lang="en-US" dirty="0" smtClean="0"/>
-              <a:t>Capture</a:t>
-            </a:r>
-          </a:p>
-          <a:p>
-            <a:pPr lvl="1"/>
-            <a:r>
-              <a:rPr lang="en-US" dirty="0" smtClean="0"/>
-              <a:t>When a pin changes value, the time is recorded and an interrupt occurs. The interrupt service routine can then operate on that data and reset the time for the next event</a:t>
-            </a:r>
-          </a:p>
-          <a:p>
-            <a:r>
-              <a:rPr lang="en-US" dirty="0" smtClean="0"/>
-              <a:t>Compare</a:t>
-            </a:r>
-          </a:p>
-          <a:p>
-            <a:pPr lvl="1"/>
-            <a:r>
-              <a:rPr lang="en-US" dirty="0" smtClean="0"/>
-              <a:t>Used to generate a signal. When a timer reaches a predefined value, an interrupt occurs and a pin’s state is changed</a:t>
-            </a:r>
-          </a:p>
-          <a:p>
-            <a:pPr lvl="1"/>
-            <a:endParaRPr lang="en-US" dirty="0"/>
-          </a:p>
-        </p:txBody>
-      </p:sp>
-    </p:spTree>
-    <p:extLst>
-      <p:ext uri="{BB962C8B-B14F-4D97-AF65-F5344CB8AC3E}">
-        <p14:creationId xmlns:p14="http://schemas.microsoft.com/office/powerpoint/2010/main" val="2630755382"/>
-      </p:ext>
-    </p:extLst>
-  </p:cSld>
-  <p:clrMapOvr>
-    <a:masterClrMapping/>
-  </p:clrMapOvr>
-</p:sld>
-</file>
-
-<file path=ppt/slides/slide20.xml><?xml version="1.0" encoding="utf-8"?>
-<p:sld xmlns:a="http://schemas.openxmlformats.org/drawingml/2006/main" xmlns:r="http://schemas.openxmlformats.org/officeDocument/2006/relationships" xmlns:p="http://schemas.openxmlformats.org/presentationml/2006/main">
-  <p:cSld>
-    <p:spTree>
-      <p:nvGrpSpPr>
-        <p:cNvPr id="1" name=""/>
-        <p:cNvGrpSpPr/>
-        <p:nvPr/>
-      </p:nvGrpSpPr>
-      <p:grpSpPr>
-        <a:xfrm>
-          <a:off x="0" y="0"/>
-          <a:ext cx="0" cy="0"/>
-          <a:chOff x="0" y="0"/>
-          <a:chExt cx="0" cy="0"/>
-        </a:xfrm>
-      </p:grpSpPr>
-      <p:sp>
-        <p:nvSpPr>
-          <p:cNvPr id="2" name="Title 1"/>
-          <p:cNvSpPr>
-            <a:spLocks noGrp="1"/>
-          </p:cNvSpPr>
-          <p:nvPr>
-            <p:ph type="title"/>
-          </p:nvPr>
-        </p:nvSpPr>
-        <p:spPr/>
-        <p:txBody>
-          <a:bodyPr/>
-          <a:lstStyle/>
-          <a:p>
-            <a:r>
-              <a:rPr lang="en-US" b="1" dirty="0" smtClean="0"/>
-              <a:t>Example with Interrupt</a:t>
-            </a:r>
-            <a:endParaRPr lang="en-US" b="1" dirty="0"/>
-          </a:p>
-        </p:txBody>
-      </p:sp>
-      <p:sp>
-        <p:nvSpPr>
-          <p:cNvPr id="3" name="Content Placeholder 2"/>
-          <p:cNvSpPr>
-            <a:spLocks noGrp="1"/>
-          </p:cNvSpPr>
-          <p:nvPr>
-            <p:ph idx="1"/>
-          </p:nvPr>
-        </p:nvSpPr>
-        <p:spPr>
-          <a:xfrm>
-            <a:off x="253089" y="1489840"/>
-            <a:ext cx="8557536" cy="4870855"/>
-          </a:xfrm>
-        </p:spPr>
-        <p:txBody>
-          <a:bodyPr>
-            <a:normAutofit fontScale="47500" lnSpcReduction="20000"/>
-          </a:bodyPr>
-          <a:lstStyle/>
-          <a:p>
-            <a:pPr marL="0" indent="0">
-              <a:buNone/>
-            </a:pPr>
-            <a:r>
-              <a:rPr lang="en-US" sz="1200" b="1" dirty="0">
-                <a:solidFill>
-                  <a:srgbClr val="7F0055"/>
-                </a:solidFill>
-                <a:latin typeface="Consolas"/>
-              </a:rPr>
-              <a:t>#include</a:t>
-            </a:r>
-            <a:r>
-              <a:rPr lang="en-US" sz="1200" b="1" dirty="0">
-                <a:solidFill>
-                  <a:srgbClr val="000000"/>
-                </a:solidFill>
-                <a:latin typeface="Consolas"/>
-              </a:rPr>
-              <a:t> </a:t>
-            </a:r>
-            <a:r>
-              <a:rPr lang="en-US" sz="1200" b="1" dirty="0">
-                <a:solidFill>
-                  <a:srgbClr val="2A00FF"/>
-                </a:solidFill>
-                <a:latin typeface="Consolas"/>
-              </a:rPr>
-              <a:t>&lt;msp430.h&gt;</a:t>
-            </a:r>
-          </a:p>
-          <a:p>
-            <a:pPr marL="0" indent="0">
-              <a:buNone/>
-            </a:pPr>
-            <a:endParaRPr lang="en-US" sz="1200" dirty="0">
-              <a:latin typeface="Consolas"/>
-            </a:endParaRPr>
-          </a:p>
-          <a:p>
-            <a:pPr marL="0" indent="0">
-              <a:buNone/>
-            </a:pPr>
-            <a:r>
-              <a:rPr lang="en-US" sz="1200" b="1" dirty="0">
-                <a:solidFill>
-                  <a:srgbClr val="7F0055"/>
-                </a:solidFill>
-                <a:latin typeface="Consolas"/>
-              </a:rPr>
-              <a:t>void</a:t>
-            </a:r>
-            <a:r>
-              <a:rPr lang="en-US" sz="1200" b="1" dirty="0">
-                <a:solidFill>
-                  <a:srgbClr val="000000"/>
-                </a:solidFill>
-                <a:latin typeface="Consolas"/>
-              </a:rPr>
-              <a:t> main(</a:t>
-            </a:r>
-            <a:r>
-              <a:rPr lang="en-US" sz="1200" b="1" dirty="0">
-                <a:solidFill>
-                  <a:srgbClr val="7F0055"/>
-                </a:solidFill>
-                <a:latin typeface="Consolas"/>
-              </a:rPr>
-              <a:t>void</a:t>
-            </a:r>
-            <a:r>
-              <a:rPr lang="en-US" sz="1200" b="1" dirty="0">
-                <a:solidFill>
-                  <a:srgbClr val="000000"/>
-                </a:solidFill>
-                <a:latin typeface="Consolas"/>
-              </a:rPr>
-              <a:t>)</a:t>
-            </a:r>
-          </a:p>
-          <a:p>
-            <a:pPr marL="0" indent="0">
-              <a:buNone/>
-            </a:pPr>
-            <a:r>
-              <a:rPr lang="en-US" sz="1200" dirty="0">
-                <a:solidFill>
-                  <a:srgbClr val="000000"/>
-                </a:solidFill>
-                <a:latin typeface="Consolas"/>
-              </a:rPr>
-              <a:t>{</a:t>
-            </a:r>
-          </a:p>
-          <a:p>
-            <a:pPr marL="0" indent="0">
-              <a:buNone/>
-            </a:pPr>
-            <a:r>
-              <a:rPr lang="en-US" sz="1200" dirty="0">
-                <a:solidFill>
-                  <a:srgbClr val="000000"/>
-                </a:solidFill>
-                <a:latin typeface="Consolas"/>
-              </a:rPr>
-              <a:t>    WDTCTL = WDTPW|WDTHOLD;</a:t>
-            </a:r>
-            <a:r>
-              <a:rPr lang="en-US" sz="1200" dirty="0">
-                <a:solidFill>
-                  <a:srgbClr val="3F7F5F"/>
-                </a:solidFill>
-                <a:latin typeface="Consolas"/>
-              </a:rPr>
-              <a:t>// stop the watchdog timer</a:t>
-            </a:r>
-          </a:p>
-          <a:p>
-            <a:pPr marL="0" indent="0">
-              <a:buNone/>
-            </a:pPr>
-            <a:endParaRPr lang="en-US" sz="1200" dirty="0">
-              <a:latin typeface="Consolas"/>
-            </a:endParaRPr>
-          </a:p>
-          <a:p>
-            <a:pPr marL="0" indent="0">
-              <a:buNone/>
-            </a:pPr>
-            <a:r>
-              <a:rPr lang="fr-FR" sz="1200" dirty="0">
-                <a:solidFill>
-                  <a:srgbClr val="000000"/>
-                </a:solidFill>
-                <a:latin typeface="Consolas"/>
-              </a:rPr>
-              <a:t>        P2DIR |= BIT1;                </a:t>
-            </a:r>
-            <a:r>
-              <a:rPr lang="fr-FR" sz="1200" dirty="0">
-                <a:solidFill>
-                  <a:srgbClr val="3F7F5F"/>
-                </a:solidFill>
-                <a:latin typeface="Consolas"/>
-              </a:rPr>
-              <a:t>// TA1CCR1 on P2.1</a:t>
-            </a:r>
-          </a:p>
-          <a:p>
-            <a:pPr marL="0" indent="0">
-              <a:buNone/>
-            </a:pPr>
-            <a:r>
-              <a:rPr lang="fr-FR" sz="1200" dirty="0">
-                <a:solidFill>
-                  <a:srgbClr val="000000"/>
-                </a:solidFill>
-                <a:latin typeface="Consolas"/>
-              </a:rPr>
-              <a:t>        P2SEL |= BIT1;                </a:t>
-            </a:r>
-            <a:r>
-              <a:rPr lang="fr-FR" sz="1200" dirty="0">
-                <a:solidFill>
-                  <a:srgbClr val="3F7F5F"/>
-                </a:solidFill>
-                <a:latin typeface="Consolas"/>
-              </a:rPr>
-              <a:t>// TA1CCR1 on P2.1</a:t>
-            </a:r>
-          </a:p>
-          <a:p>
-            <a:pPr marL="0" indent="0">
-              <a:buNone/>
-            </a:pPr>
-            <a:r>
-              <a:rPr lang="en-US" sz="1200" dirty="0">
-                <a:solidFill>
-                  <a:srgbClr val="000000"/>
-                </a:solidFill>
-                <a:latin typeface="Consolas"/>
-              </a:rPr>
-              <a:t>        P2OUT &amp;= ~BIT1;</a:t>
-            </a:r>
-          </a:p>
-          <a:p>
-            <a:pPr marL="0" indent="0">
-              <a:buNone/>
-            </a:pPr>
-            <a:endParaRPr lang="en-US" sz="1200" dirty="0">
-              <a:latin typeface="Consolas"/>
-            </a:endParaRPr>
-          </a:p>
-          <a:p>
-            <a:pPr marL="0" indent="0">
-              <a:buNone/>
-            </a:pPr>
-            <a:r>
-              <a:rPr lang="en-US" sz="1200" dirty="0">
-                <a:solidFill>
-                  <a:srgbClr val="000000"/>
-                </a:solidFill>
-                <a:latin typeface="Consolas"/>
-              </a:rPr>
-              <a:t>        TA1CTL |= TASSEL_2|MC_1|ID_0;   </a:t>
-            </a:r>
-            <a:r>
-              <a:rPr lang="en-US" sz="1200" dirty="0">
-                <a:solidFill>
-                  <a:srgbClr val="3F7F5F"/>
-                </a:solidFill>
-                <a:latin typeface="Consolas"/>
-              </a:rPr>
-              <a:t>// configure for SMCLK</a:t>
-            </a:r>
-          </a:p>
-          <a:p>
-            <a:pPr marL="0" indent="0">
-              <a:buNone/>
-            </a:pPr>
-            <a:r>
-              <a:rPr lang="en-US" sz="1200" dirty="0">
-                <a:solidFill>
-                  <a:srgbClr val="000000"/>
-                </a:solidFill>
-                <a:latin typeface="Consolas"/>
-              </a:rPr>
-              <a:t>        P1DIR |= BIT0;            </a:t>
-            </a:r>
-            <a:r>
-              <a:rPr lang="en-US" sz="1200" dirty="0">
-                <a:solidFill>
-                  <a:srgbClr val="3F7F5F"/>
-                </a:solidFill>
-                <a:latin typeface="Consolas"/>
-              </a:rPr>
-              <a:t>//use LED to indicate duty cycle has toggled</a:t>
-            </a:r>
-          </a:p>
-          <a:p>
-            <a:pPr marL="0" indent="0">
-              <a:buNone/>
-            </a:pPr>
-            <a:r>
-              <a:rPr lang="en-US" sz="1200" dirty="0">
-                <a:solidFill>
-                  <a:srgbClr val="000000"/>
-                </a:solidFill>
-                <a:latin typeface="Consolas"/>
-              </a:rPr>
-              <a:t>        P1REN |= BIT3;</a:t>
-            </a:r>
-          </a:p>
-          <a:p>
-            <a:pPr marL="0" indent="0">
-              <a:buNone/>
-            </a:pPr>
-            <a:r>
-              <a:rPr lang="en-US" sz="1200" dirty="0">
-                <a:solidFill>
-                  <a:srgbClr val="000000"/>
-                </a:solidFill>
-                <a:latin typeface="Consolas"/>
-              </a:rPr>
-              <a:t>        P1OUT |= BIT3;</a:t>
-            </a:r>
-          </a:p>
-          <a:p>
-            <a:pPr marL="0" indent="0">
-              <a:buNone/>
-            </a:pPr>
-            <a:endParaRPr lang="en-US" sz="1200" dirty="0">
-              <a:latin typeface="Consolas"/>
-            </a:endParaRPr>
-          </a:p>
-          <a:p>
-            <a:pPr marL="0" indent="0">
-              <a:buNone/>
-            </a:pPr>
-            <a:r>
-              <a:rPr lang="en-US" sz="1200" dirty="0">
-                <a:solidFill>
-                  <a:srgbClr val="000000"/>
-                </a:solidFill>
-                <a:latin typeface="Consolas"/>
-              </a:rPr>
-              <a:t>        TA1CCR0 = 1000;        </a:t>
-            </a:r>
-            <a:r>
-              <a:rPr lang="en-US" sz="1200" dirty="0" smtClean="0">
-                <a:solidFill>
-                  <a:srgbClr val="000000"/>
-                </a:solidFill>
-                <a:latin typeface="Consolas"/>
-              </a:rPr>
-              <a:t>        </a:t>
-            </a:r>
-            <a:r>
-              <a:rPr lang="en-US" sz="1200" dirty="0" smtClean="0">
-                <a:solidFill>
-                  <a:srgbClr val="3F7F5F"/>
-                </a:solidFill>
-                <a:latin typeface="Consolas"/>
-              </a:rPr>
-              <a:t>// </a:t>
-            </a:r>
-            <a:r>
-              <a:rPr lang="en-US" sz="1200" dirty="0">
-                <a:solidFill>
-                  <a:srgbClr val="3F7F5F"/>
-                </a:solidFill>
-                <a:latin typeface="Consolas"/>
-              </a:rPr>
-              <a:t>set signal period to 1000 clock cycles (~1 millisecond)</a:t>
-            </a:r>
-          </a:p>
-          <a:p>
-            <a:pPr marL="0" indent="0">
-              <a:buNone/>
-            </a:pPr>
-            <a:r>
-              <a:rPr lang="en-US" sz="1200" dirty="0">
-                <a:solidFill>
-                  <a:srgbClr val="000000"/>
-                </a:solidFill>
-                <a:latin typeface="Consolas"/>
-              </a:rPr>
-              <a:t>        TA1CCR1 = 250;               </a:t>
-            </a:r>
-            <a:r>
-              <a:rPr lang="en-US" sz="1200" dirty="0" smtClean="0">
-                <a:solidFill>
-                  <a:srgbClr val="000000"/>
-                </a:solidFill>
-                <a:latin typeface="Consolas"/>
-              </a:rPr>
-              <a:t>  </a:t>
-            </a:r>
-            <a:r>
-              <a:rPr lang="en-US" sz="1200" dirty="0" smtClean="0">
-                <a:solidFill>
-                  <a:srgbClr val="3F7F5F"/>
-                </a:solidFill>
-                <a:latin typeface="Consolas"/>
-              </a:rPr>
-              <a:t>// </a:t>
-            </a:r>
-            <a:r>
-              <a:rPr lang="en-US" sz="1200" dirty="0">
-                <a:solidFill>
-                  <a:srgbClr val="3F7F5F"/>
-                </a:solidFill>
-                <a:latin typeface="Consolas"/>
-              </a:rPr>
-              <a:t>set duty cycle to 250/1000 (25%)</a:t>
-            </a:r>
-          </a:p>
-          <a:p>
-            <a:pPr marL="0" indent="0">
-              <a:buNone/>
-            </a:pPr>
-            <a:r>
-              <a:rPr lang="fr-FR" sz="1200" dirty="0">
-                <a:solidFill>
-                  <a:srgbClr val="000000"/>
-                </a:solidFill>
-                <a:latin typeface="Consolas"/>
-              </a:rPr>
-              <a:t>        TA1CCTL0 |= CCIE;               </a:t>
-            </a:r>
-            <a:r>
-              <a:rPr lang="fr-FR" sz="1200" dirty="0">
-                <a:solidFill>
-                  <a:srgbClr val="3F7F5F"/>
-                </a:solidFill>
-                <a:latin typeface="Consolas"/>
-              </a:rPr>
-              <a:t>// </a:t>
-            </a:r>
-            <a:r>
-              <a:rPr lang="fr-FR" sz="1200" dirty="0" err="1">
-                <a:solidFill>
-                  <a:srgbClr val="3F7F5F"/>
-                </a:solidFill>
-                <a:latin typeface="Consolas"/>
-              </a:rPr>
-              <a:t>enable</a:t>
-            </a:r>
-            <a:r>
-              <a:rPr lang="fr-FR" sz="1200" dirty="0">
-                <a:solidFill>
-                  <a:srgbClr val="3F7F5F"/>
-                </a:solidFill>
-                <a:latin typeface="Consolas"/>
-              </a:rPr>
-              <a:t> CC </a:t>
-            </a:r>
-            <a:r>
-              <a:rPr lang="fr-FR" sz="1200" dirty="0" err="1">
-                <a:solidFill>
-                  <a:srgbClr val="3F7F5F"/>
-                </a:solidFill>
-                <a:latin typeface="Consolas"/>
-              </a:rPr>
-              <a:t>interrupts</a:t>
-            </a:r>
-            <a:endParaRPr lang="fr-FR" sz="1200" dirty="0">
-              <a:solidFill>
-                <a:srgbClr val="3F7F5F"/>
-              </a:solidFill>
-              <a:latin typeface="Consolas"/>
-            </a:endParaRPr>
-          </a:p>
-          <a:p>
-            <a:pPr marL="0" indent="0">
-              <a:buNone/>
-            </a:pPr>
-            <a:r>
-              <a:rPr lang="en-US" sz="1200" dirty="0">
-                <a:solidFill>
-                  <a:srgbClr val="000000"/>
-                </a:solidFill>
-                <a:latin typeface="Consolas"/>
-              </a:rPr>
-              <a:t>        TA1CCTL1 |= OUTMOD_7|CCIE</a:t>
-            </a:r>
-            <a:r>
-              <a:rPr lang="en-US" sz="1200" dirty="0" smtClean="0">
-                <a:solidFill>
-                  <a:srgbClr val="000000"/>
-                </a:solidFill>
-                <a:latin typeface="Consolas"/>
-              </a:rPr>
-              <a:t>;      </a:t>
-            </a:r>
-            <a:r>
-              <a:rPr lang="en-US" sz="1200" dirty="0" smtClean="0">
-                <a:solidFill>
-                  <a:srgbClr val="3F7F5F"/>
-                </a:solidFill>
-                <a:latin typeface="Consolas"/>
-              </a:rPr>
-              <a:t>// </a:t>
-            </a:r>
-            <a:r>
-              <a:rPr lang="en-US" sz="1200" dirty="0">
-                <a:solidFill>
-                  <a:srgbClr val="3F7F5F"/>
-                </a:solidFill>
-                <a:latin typeface="Consolas"/>
-              </a:rPr>
-              <a:t>set TACCTL1 to Set / Reset mode//enable CC interrupts</a:t>
-            </a:r>
-          </a:p>
-          <a:p>
-            <a:pPr marL="0" indent="0">
-              <a:buNone/>
-            </a:pPr>
-            <a:r>
-              <a:rPr lang="en-US" sz="1200" dirty="0">
-                <a:solidFill>
-                  <a:srgbClr val="000000"/>
-                </a:solidFill>
-                <a:latin typeface="Consolas"/>
-              </a:rPr>
-              <a:t>        TA1CCTL1 &amp;= ~CCIFG;             </a:t>
-            </a:r>
-            <a:r>
-              <a:rPr lang="en-US" sz="1200" dirty="0">
-                <a:solidFill>
-                  <a:srgbClr val="3F7F5F"/>
-                </a:solidFill>
-                <a:latin typeface="Consolas"/>
-              </a:rPr>
-              <a:t>//clear capture compare interrupt flag</a:t>
-            </a:r>
-          </a:p>
-          <a:p>
-            <a:pPr marL="0" indent="0">
-              <a:buNone/>
-            </a:pPr>
-            <a:r>
-              <a:rPr lang="en-US" sz="1200" dirty="0">
-                <a:solidFill>
-                  <a:srgbClr val="000000"/>
-                </a:solidFill>
-                <a:latin typeface="Consolas"/>
-              </a:rPr>
-              <a:t>        _</a:t>
-            </a:r>
-            <a:r>
-              <a:rPr lang="en-US" sz="1200" dirty="0" err="1">
-                <a:solidFill>
-                  <a:srgbClr val="000000"/>
-                </a:solidFill>
-                <a:latin typeface="Consolas"/>
-              </a:rPr>
-              <a:t>enable_interrupt</a:t>
-            </a:r>
-            <a:r>
-              <a:rPr lang="en-US" sz="1200" dirty="0">
-                <a:solidFill>
-                  <a:srgbClr val="000000"/>
-                </a:solidFill>
-                <a:latin typeface="Consolas"/>
-              </a:rPr>
-              <a:t>();</a:t>
-            </a:r>
-          </a:p>
-          <a:p>
-            <a:pPr marL="0" indent="0">
-              <a:buNone/>
-            </a:pPr>
-            <a:endParaRPr lang="en-US" sz="1200" dirty="0">
-              <a:latin typeface="Consolas"/>
-            </a:endParaRPr>
-          </a:p>
-          <a:p>
-            <a:pPr marL="0" indent="0">
-              <a:buNone/>
-            </a:pPr>
-            <a:r>
-              <a:rPr lang="en-US" sz="1200" dirty="0">
-                <a:solidFill>
-                  <a:srgbClr val="000000"/>
-                </a:solidFill>
-                <a:latin typeface="Consolas"/>
-              </a:rPr>
-              <a:t>        </a:t>
-            </a:r>
-            <a:r>
-              <a:rPr lang="en-US" sz="1200" b="1" dirty="0">
-                <a:solidFill>
-                  <a:srgbClr val="7F0055"/>
-                </a:solidFill>
-                <a:latin typeface="Consolas"/>
-              </a:rPr>
-              <a:t>while</a:t>
-            </a:r>
-            <a:r>
-              <a:rPr lang="en-US" sz="1200" b="1" dirty="0">
-                <a:solidFill>
-                  <a:srgbClr val="000000"/>
-                </a:solidFill>
-                <a:latin typeface="Consolas"/>
-              </a:rPr>
-              <a:t> (1) {</a:t>
-            </a:r>
-          </a:p>
-          <a:p>
-            <a:pPr marL="0" indent="0">
-              <a:buNone/>
-            </a:pPr>
-            <a:endParaRPr lang="en-US" sz="1200" dirty="0">
-              <a:latin typeface="Consolas"/>
-            </a:endParaRPr>
-          </a:p>
-          <a:p>
-            <a:pPr marL="0" indent="0">
-              <a:buNone/>
-            </a:pPr>
-            <a:r>
-              <a:rPr lang="en-US" sz="1200" dirty="0">
-                <a:solidFill>
-                  <a:srgbClr val="000000"/>
-                </a:solidFill>
-                <a:latin typeface="Consolas"/>
-              </a:rPr>
-              <a:t>            </a:t>
-            </a:r>
-            <a:r>
-              <a:rPr lang="en-US" sz="1200" b="1" dirty="0">
-                <a:solidFill>
-                  <a:srgbClr val="7F0055"/>
-                </a:solidFill>
-                <a:latin typeface="Consolas"/>
-              </a:rPr>
-              <a:t>while</a:t>
-            </a:r>
-            <a:r>
-              <a:rPr lang="en-US" sz="1200" b="1" dirty="0">
-                <a:solidFill>
-                  <a:srgbClr val="000000"/>
-                </a:solidFill>
-                <a:latin typeface="Consolas"/>
-              </a:rPr>
-              <a:t> (P1IN &amp; BIT3);     </a:t>
-            </a:r>
-            <a:r>
-              <a:rPr lang="en-US" sz="1200" b="1" dirty="0">
-                <a:solidFill>
-                  <a:srgbClr val="3F7F5F"/>
-                </a:solidFill>
-                <a:latin typeface="Consolas"/>
-              </a:rPr>
-              <a:t>//every time the button is pushed, toggle the duty cycle</a:t>
-            </a:r>
-          </a:p>
-          <a:p>
-            <a:pPr marL="0" indent="0">
-              <a:buNone/>
-            </a:pPr>
-            <a:r>
-              <a:rPr lang="en-US" sz="1200" dirty="0">
-                <a:solidFill>
-                  <a:srgbClr val="000000"/>
-                </a:solidFill>
-                <a:latin typeface="Consolas"/>
-              </a:rPr>
-              <a:t>            </a:t>
-            </a:r>
-            <a:r>
-              <a:rPr lang="en-US" sz="1200" b="1" dirty="0">
-                <a:solidFill>
-                  <a:srgbClr val="642880"/>
-                </a:solidFill>
-                <a:latin typeface="Consolas"/>
-              </a:rPr>
-              <a:t>__</a:t>
-            </a:r>
-            <a:r>
-              <a:rPr lang="en-US" sz="1200" b="1" dirty="0" err="1">
-                <a:solidFill>
-                  <a:srgbClr val="642880"/>
-                </a:solidFill>
-                <a:latin typeface="Consolas"/>
-              </a:rPr>
-              <a:t>delay_cycles</a:t>
-            </a:r>
-            <a:r>
-              <a:rPr lang="en-US" sz="1200" b="1" dirty="0">
-                <a:solidFill>
-                  <a:srgbClr val="000000"/>
-                </a:solidFill>
-                <a:latin typeface="Consolas"/>
-              </a:rPr>
-              <a:t>(1000000);</a:t>
-            </a:r>
-          </a:p>
-          <a:p>
-            <a:pPr marL="0" indent="0">
-              <a:buNone/>
-            </a:pPr>
-            <a:r>
-              <a:rPr lang="en-US" sz="1200" dirty="0">
-                <a:solidFill>
-                  <a:srgbClr val="000000"/>
-                </a:solidFill>
-                <a:latin typeface="Consolas"/>
-              </a:rPr>
-              <a:t>            TA1CCR1 = 1000;         </a:t>
-            </a:r>
-            <a:r>
-              <a:rPr lang="en-US" sz="1200" dirty="0">
-                <a:solidFill>
-                  <a:srgbClr val="3F7F5F"/>
-                </a:solidFill>
-                <a:latin typeface="Consolas"/>
-              </a:rPr>
-              <a:t>// set duty cycle to 1000/1000 (100%)</a:t>
-            </a:r>
-          </a:p>
-          <a:p>
-            <a:pPr marL="0" indent="0">
-              <a:buNone/>
-            </a:pPr>
-            <a:endParaRPr lang="en-US" sz="1200" dirty="0">
-              <a:latin typeface="Consolas"/>
-            </a:endParaRPr>
-          </a:p>
-          <a:p>
-            <a:pPr marL="0" indent="0">
-              <a:buNone/>
-            </a:pPr>
-            <a:r>
-              <a:rPr lang="en-US" sz="1200" dirty="0">
-                <a:solidFill>
-                  <a:srgbClr val="000000"/>
-                </a:solidFill>
-                <a:latin typeface="Consolas"/>
-              </a:rPr>
-              <a:t>            </a:t>
-            </a:r>
-            <a:r>
-              <a:rPr lang="en-US" sz="1200" b="1" dirty="0">
-                <a:solidFill>
-                  <a:srgbClr val="7F0055"/>
-                </a:solidFill>
-                <a:latin typeface="Consolas"/>
-              </a:rPr>
-              <a:t>while</a:t>
-            </a:r>
-            <a:r>
-              <a:rPr lang="en-US" sz="1200" b="1" dirty="0">
-                <a:solidFill>
-                  <a:srgbClr val="000000"/>
-                </a:solidFill>
-                <a:latin typeface="Consolas"/>
-              </a:rPr>
-              <a:t> (P1IN &amp; BIT3);</a:t>
-            </a:r>
-          </a:p>
-          <a:p>
-            <a:pPr marL="0" indent="0">
-              <a:buNone/>
-            </a:pPr>
-            <a:r>
-              <a:rPr lang="en-US" sz="1200" dirty="0">
-                <a:solidFill>
-                  <a:srgbClr val="000000"/>
-                </a:solidFill>
-                <a:latin typeface="Consolas"/>
-              </a:rPr>
-              <a:t>            </a:t>
-            </a:r>
-            <a:r>
-              <a:rPr lang="en-US" sz="1200" b="1" dirty="0">
-                <a:solidFill>
-                  <a:srgbClr val="642880"/>
-                </a:solidFill>
-                <a:latin typeface="Consolas"/>
-              </a:rPr>
-              <a:t>__</a:t>
-            </a:r>
-            <a:r>
-              <a:rPr lang="en-US" sz="1200" b="1" dirty="0" err="1">
-                <a:solidFill>
-                  <a:srgbClr val="642880"/>
-                </a:solidFill>
-                <a:latin typeface="Consolas"/>
-              </a:rPr>
-              <a:t>delay_cycles</a:t>
-            </a:r>
-            <a:r>
-              <a:rPr lang="en-US" sz="1200" b="1" dirty="0">
-                <a:solidFill>
-                  <a:srgbClr val="000000"/>
-                </a:solidFill>
-                <a:latin typeface="Consolas"/>
-              </a:rPr>
-              <a:t>(1000000);</a:t>
-            </a:r>
-          </a:p>
-          <a:p>
-            <a:pPr marL="0" indent="0">
-              <a:buNone/>
-            </a:pPr>
-            <a:r>
-              <a:rPr lang="en-US" sz="1200" dirty="0">
-                <a:solidFill>
-                  <a:srgbClr val="000000"/>
-                </a:solidFill>
-                <a:latin typeface="Consolas"/>
-              </a:rPr>
-              <a:t>            TA1CCR1 = 750;            </a:t>
-            </a:r>
-            <a:r>
-              <a:rPr lang="en-US" sz="1200" dirty="0">
-                <a:solidFill>
-                  <a:srgbClr val="3F7F5F"/>
-                </a:solidFill>
-                <a:latin typeface="Consolas"/>
-              </a:rPr>
-              <a:t>// set duty cycle to 750/1000 (75%)</a:t>
-            </a:r>
-          </a:p>
-          <a:p>
-            <a:pPr marL="0" indent="0">
-              <a:buNone/>
-            </a:pPr>
-            <a:endParaRPr lang="en-US" sz="1200" dirty="0">
-              <a:latin typeface="Consolas"/>
-            </a:endParaRPr>
-          </a:p>
-          <a:p>
-            <a:pPr marL="0" indent="0">
-              <a:buNone/>
-            </a:pPr>
-            <a:r>
-              <a:rPr lang="en-US" sz="1200" dirty="0">
-                <a:solidFill>
-                  <a:srgbClr val="000000"/>
-                </a:solidFill>
-                <a:latin typeface="Consolas"/>
-              </a:rPr>
-              <a:t>            </a:t>
-            </a:r>
-            <a:r>
-              <a:rPr lang="en-US" sz="1200" b="1" dirty="0">
-                <a:solidFill>
-                  <a:srgbClr val="7F0055"/>
-                </a:solidFill>
-                <a:latin typeface="Consolas"/>
-              </a:rPr>
-              <a:t>while</a:t>
-            </a:r>
-            <a:r>
-              <a:rPr lang="en-US" sz="1200" b="1" dirty="0">
-                <a:solidFill>
-                  <a:srgbClr val="000000"/>
-                </a:solidFill>
-                <a:latin typeface="Consolas"/>
-              </a:rPr>
-              <a:t> (P1IN &amp; BIT3);</a:t>
-            </a:r>
-          </a:p>
-          <a:p>
-            <a:pPr marL="0" indent="0">
-              <a:buNone/>
-            </a:pPr>
-            <a:r>
-              <a:rPr lang="en-US" sz="1200" dirty="0">
-                <a:solidFill>
-                  <a:srgbClr val="000000"/>
-                </a:solidFill>
-                <a:latin typeface="Consolas"/>
-              </a:rPr>
-              <a:t>            </a:t>
-            </a:r>
-            <a:r>
-              <a:rPr lang="en-US" sz="1200" b="1" dirty="0">
-                <a:solidFill>
-                  <a:srgbClr val="642880"/>
-                </a:solidFill>
-                <a:latin typeface="Consolas"/>
-              </a:rPr>
-              <a:t>__</a:t>
-            </a:r>
-            <a:r>
-              <a:rPr lang="en-US" sz="1200" b="1" dirty="0" err="1">
-                <a:solidFill>
-                  <a:srgbClr val="642880"/>
-                </a:solidFill>
-                <a:latin typeface="Consolas"/>
-              </a:rPr>
-              <a:t>delay_cycles</a:t>
-            </a:r>
-            <a:r>
-              <a:rPr lang="en-US" sz="1200" b="1" dirty="0">
-                <a:solidFill>
-                  <a:srgbClr val="000000"/>
-                </a:solidFill>
-                <a:latin typeface="Consolas"/>
-              </a:rPr>
-              <a:t>(1000000);</a:t>
-            </a:r>
-          </a:p>
-          <a:p>
-            <a:pPr marL="0" indent="0">
-              <a:buNone/>
-            </a:pPr>
-            <a:r>
-              <a:rPr lang="en-US" sz="1200" dirty="0">
-                <a:solidFill>
-                  <a:srgbClr val="000000"/>
-                </a:solidFill>
-                <a:latin typeface="Consolas"/>
-              </a:rPr>
-              <a:t>            TA1CCR1 = 500;           </a:t>
-            </a:r>
-            <a:r>
-              <a:rPr lang="en-US" sz="1200" dirty="0">
-                <a:solidFill>
-                  <a:srgbClr val="3F7F5F"/>
-                </a:solidFill>
-                <a:latin typeface="Consolas"/>
-              </a:rPr>
-              <a:t>// set duty cycle to 500/1000 (50%)</a:t>
-            </a:r>
-          </a:p>
-          <a:p>
-            <a:pPr marL="0" indent="0">
-              <a:buNone/>
-            </a:pPr>
-            <a:endParaRPr lang="en-US" sz="1200" dirty="0">
-              <a:latin typeface="Consolas"/>
-            </a:endParaRPr>
-          </a:p>
-          <a:p>
-            <a:pPr marL="0" indent="0">
-              <a:buNone/>
-            </a:pPr>
-            <a:r>
-              <a:rPr lang="en-US" sz="1200" dirty="0">
-                <a:solidFill>
-                  <a:srgbClr val="000000"/>
-                </a:solidFill>
-                <a:latin typeface="Consolas"/>
-              </a:rPr>
-              <a:t>            </a:t>
-            </a:r>
-            <a:r>
-              <a:rPr lang="en-US" sz="1200" b="1" dirty="0">
-                <a:solidFill>
-                  <a:srgbClr val="7F0055"/>
-                </a:solidFill>
-                <a:latin typeface="Consolas"/>
-              </a:rPr>
-              <a:t>while</a:t>
-            </a:r>
-            <a:r>
-              <a:rPr lang="en-US" sz="1200" b="1" dirty="0">
-                <a:solidFill>
-                  <a:srgbClr val="000000"/>
-                </a:solidFill>
-                <a:latin typeface="Consolas"/>
-              </a:rPr>
-              <a:t> (P1IN &amp; BIT3);</a:t>
-            </a:r>
-          </a:p>
-          <a:p>
-            <a:pPr marL="0" indent="0">
-              <a:buNone/>
-            </a:pPr>
-            <a:r>
-              <a:rPr lang="en-US" sz="1200" dirty="0">
-                <a:solidFill>
-                  <a:srgbClr val="000000"/>
-                </a:solidFill>
-                <a:latin typeface="Consolas"/>
-              </a:rPr>
-              <a:t>            </a:t>
-            </a:r>
-            <a:r>
-              <a:rPr lang="en-US" sz="1200" b="1" dirty="0">
-                <a:solidFill>
-                  <a:srgbClr val="642880"/>
-                </a:solidFill>
-                <a:latin typeface="Consolas"/>
-              </a:rPr>
-              <a:t>__</a:t>
-            </a:r>
-            <a:r>
-              <a:rPr lang="en-US" sz="1200" b="1" dirty="0" err="1">
-                <a:solidFill>
-                  <a:srgbClr val="642880"/>
-                </a:solidFill>
-                <a:latin typeface="Consolas"/>
-              </a:rPr>
-              <a:t>delay_cycles</a:t>
-            </a:r>
-            <a:r>
-              <a:rPr lang="en-US" sz="1200" b="1" dirty="0">
-                <a:solidFill>
-                  <a:srgbClr val="000000"/>
-                </a:solidFill>
-                <a:latin typeface="Consolas"/>
-              </a:rPr>
-              <a:t>(1000000);</a:t>
-            </a:r>
-          </a:p>
-          <a:p>
-            <a:pPr marL="0" indent="0">
-              <a:buNone/>
-            </a:pPr>
-            <a:r>
-              <a:rPr lang="en-US" sz="1200" dirty="0">
-                <a:solidFill>
-                  <a:srgbClr val="000000"/>
-                </a:solidFill>
-                <a:latin typeface="Consolas"/>
-              </a:rPr>
-              <a:t>            TA1CCR1 = 250;           </a:t>
-            </a:r>
-            <a:r>
-              <a:rPr lang="en-US" sz="1200" dirty="0">
-                <a:solidFill>
-                  <a:srgbClr val="3F7F5F"/>
-                </a:solidFill>
-                <a:latin typeface="Consolas"/>
-              </a:rPr>
-              <a:t>// set duty cycle to 250/1000 (25%)</a:t>
-            </a:r>
-          </a:p>
-          <a:p>
-            <a:pPr marL="0" indent="0">
-              <a:buNone/>
-            </a:pPr>
-            <a:endParaRPr lang="en-US" sz="1200" dirty="0">
-              <a:latin typeface="Consolas"/>
-            </a:endParaRPr>
-          </a:p>
-          <a:p>
-            <a:pPr marL="0" indent="0">
-              <a:buNone/>
-            </a:pPr>
-            <a:r>
-              <a:rPr lang="en-US" sz="1200" dirty="0">
-                <a:solidFill>
-                  <a:srgbClr val="000000"/>
-                </a:solidFill>
-                <a:latin typeface="Consolas"/>
-              </a:rPr>
-              <a:t>            </a:t>
-            </a:r>
-            <a:r>
-              <a:rPr lang="en-US" sz="1200" b="1" dirty="0">
-                <a:solidFill>
-                  <a:srgbClr val="7F0055"/>
-                </a:solidFill>
-                <a:latin typeface="Consolas"/>
-              </a:rPr>
-              <a:t>while</a:t>
-            </a:r>
-            <a:r>
-              <a:rPr lang="en-US" sz="1200" b="1" dirty="0">
-                <a:solidFill>
-                  <a:srgbClr val="000000"/>
-                </a:solidFill>
-                <a:latin typeface="Consolas"/>
-              </a:rPr>
-              <a:t> (P1IN &amp; BIT3);</a:t>
-            </a:r>
-          </a:p>
-          <a:p>
-            <a:pPr marL="0" indent="0">
-              <a:buNone/>
-            </a:pPr>
-            <a:r>
-              <a:rPr lang="en-US" sz="1200" dirty="0">
-                <a:solidFill>
-                  <a:srgbClr val="000000"/>
-                </a:solidFill>
-                <a:latin typeface="Consolas"/>
-              </a:rPr>
-              <a:t>            </a:t>
-            </a:r>
-            <a:r>
-              <a:rPr lang="en-US" sz="1200" b="1" dirty="0">
-                <a:solidFill>
-                  <a:srgbClr val="642880"/>
-                </a:solidFill>
-                <a:latin typeface="Consolas"/>
-              </a:rPr>
-              <a:t>__</a:t>
-            </a:r>
-            <a:r>
-              <a:rPr lang="en-US" sz="1200" b="1" dirty="0" err="1">
-                <a:solidFill>
-                  <a:srgbClr val="642880"/>
-                </a:solidFill>
-                <a:latin typeface="Consolas"/>
-              </a:rPr>
-              <a:t>delay_cycles</a:t>
-            </a:r>
-            <a:r>
-              <a:rPr lang="en-US" sz="1200" b="1" dirty="0">
-                <a:solidFill>
-                  <a:srgbClr val="000000"/>
-                </a:solidFill>
-                <a:latin typeface="Consolas"/>
-              </a:rPr>
-              <a:t>(1000000);</a:t>
-            </a:r>
-          </a:p>
-          <a:p>
-            <a:pPr marL="0" indent="0">
-              <a:buNone/>
-            </a:pPr>
-            <a:r>
-              <a:rPr lang="en-US" sz="1200" dirty="0">
-                <a:solidFill>
-                  <a:srgbClr val="000000"/>
-                </a:solidFill>
-                <a:latin typeface="Consolas"/>
-              </a:rPr>
-              <a:t>            TA1CCR1 = 100;            </a:t>
-            </a:r>
-            <a:r>
-              <a:rPr lang="en-US" sz="1200" dirty="0">
-                <a:solidFill>
-                  <a:srgbClr val="3F7F5F"/>
-                </a:solidFill>
-                <a:latin typeface="Consolas"/>
-              </a:rPr>
-              <a:t>// set duty cycle to 100/1000 (10%)</a:t>
-            </a:r>
-          </a:p>
-          <a:p>
-            <a:pPr marL="0" indent="0">
-              <a:buNone/>
-            </a:pPr>
-            <a:endParaRPr lang="en-US" sz="1200" dirty="0">
-              <a:latin typeface="Consolas"/>
-            </a:endParaRPr>
-          </a:p>
-          <a:p>
-            <a:pPr marL="0" indent="0">
-              <a:buNone/>
-            </a:pPr>
-            <a:r>
-              <a:rPr lang="en-US" sz="1200" dirty="0">
-                <a:solidFill>
-                  <a:srgbClr val="000000"/>
-                </a:solidFill>
-                <a:latin typeface="Consolas"/>
-              </a:rPr>
-              <a:t>            </a:t>
-            </a:r>
-            <a:r>
-              <a:rPr lang="en-US" sz="1200" b="1" dirty="0">
-                <a:solidFill>
-                  <a:srgbClr val="7F0055"/>
-                </a:solidFill>
-                <a:latin typeface="Consolas"/>
-              </a:rPr>
-              <a:t>while</a:t>
-            </a:r>
-            <a:r>
-              <a:rPr lang="en-US" sz="1200" b="1" dirty="0">
-                <a:solidFill>
-                  <a:srgbClr val="000000"/>
-                </a:solidFill>
-                <a:latin typeface="Consolas"/>
-              </a:rPr>
-              <a:t> (P1IN &amp; BIT3);</a:t>
-            </a:r>
-          </a:p>
-          <a:p>
-            <a:pPr marL="0" indent="0">
-              <a:buNone/>
-            </a:pPr>
-            <a:r>
-              <a:rPr lang="en-US" sz="1200" dirty="0">
-                <a:solidFill>
-                  <a:srgbClr val="000000"/>
-                </a:solidFill>
-                <a:latin typeface="Consolas"/>
-              </a:rPr>
-              <a:t>            </a:t>
-            </a:r>
-            <a:r>
-              <a:rPr lang="en-US" sz="1200" b="1" dirty="0">
-                <a:solidFill>
-                  <a:srgbClr val="642880"/>
-                </a:solidFill>
-                <a:latin typeface="Consolas"/>
-              </a:rPr>
-              <a:t>__</a:t>
-            </a:r>
-            <a:r>
-              <a:rPr lang="en-US" sz="1200" b="1" dirty="0" err="1">
-                <a:solidFill>
-                  <a:srgbClr val="642880"/>
-                </a:solidFill>
-                <a:latin typeface="Consolas"/>
-              </a:rPr>
-              <a:t>delay_cycles</a:t>
-            </a:r>
-            <a:r>
-              <a:rPr lang="en-US" sz="1200" b="1" dirty="0">
-                <a:solidFill>
-                  <a:srgbClr val="000000"/>
-                </a:solidFill>
-                <a:latin typeface="Consolas"/>
-              </a:rPr>
-              <a:t>(1000000);</a:t>
-            </a:r>
-          </a:p>
-          <a:p>
-            <a:pPr marL="0" indent="0">
-              <a:buNone/>
-            </a:pPr>
-            <a:r>
-              <a:rPr lang="en-US" sz="1200" dirty="0">
-                <a:solidFill>
-                  <a:srgbClr val="000000"/>
-                </a:solidFill>
-                <a:latin typeface="Consolas"/>
-              </a:rPr>
-              <a:t>            TA1CCR1 = 20;            </a:t>
-            </a:r>
-            <a:r>
-              <a:rPr lang="en-US" sz="1200" dirty="0">
-                <a:solidFill>
-                  <a:srgbClr val="3F7F5F"/>
-                </a:solidFill>
-                <a:latin typeface="Consolas"/>
-              </a:rPr>
-              <a:t>// set duty cycle to 20/1000 (2%)</a:t>
-            </a:r>
-          </a:p>
-          <a:p>
-            <a:pPr marL="0" indent="0">
-              <a:buNone/>
-            </a:pPr>
-            <a:endParaRPr lang="en-US" sz="1200" dirty="0">
-              <a:latin typeface="Consolas"/>
-            </a:endParaRPr>
-          </a:p>
-          <a:p>
-            <a:pPr marL="0" indent="0">
-              <a:buNone/>
-            </a:pPr>
-            <a:r>
-              <a:rPr lang="en-US" sz="1200" dirty="0">
-                <a:solidFill>
-                  <a:srgbClr val="000000"/>
-                </a:solidFill>
-                <a:latin typeface="Consolas"/>
-              </a:rPr>
-              <a:t>        }</a:t>
-            </a:r>
-          </a:p>
-          <a:p>
-            <a:pPr marL="0" indent="0">
-              <a:buNone/>
-            </a:pPr>
-            <a:r>
-              <a:rPr lang="en-US" sz="1200" dirty="0" smtClean="0">
-                <a:solidFill>
-                  <a:srgbClr val="000000"/>
-                </a:solidFill>
-                <a:latin typeface="Consolas"/>
-              </a:rPr>
-              <a:t>}</a:t>
-            </a:r>
-            <a:endParaRPr lang="en-US" sz="1200" dirty="0" smtClean="0">
-              <a:solidFill>
-                <a:schemeClr val="accent2"/>
-              </a:solidFill>
-            </a:endParaRPr>
-          </a:p>
-        </p:txBody>
-      </p:sp>
-    </p:spTree>
-    <p:extLst>
-      <p:ext uri="{BB962C8B-B14F-4D97-AF65-F5344CB8AC3E}">
-        <p14:creationId xmlns:p14="http://schemas.microsoft.com/office/powerpoint/2010/main" val="2019362551"/>
-      </p:ext>
-    </p:extLst>
-  </p:cSld>
-  <p:clrMapOvr>
-    <a:masterClrMapping/>
-  </p:clrMapOvr>
-  <p:timing>
-    <p:tnLst>
-      <p:par>
-        <p:cTn id="1" dur="indefinite" restart="never" nodeType="tmRoot"/>
-      </p:par>
-    </p:tnLst>
-  </p:timing>
-</p:sld>
-</file>
-
-<file path=ppt/slides/slide21.xml><?xml version="1.0" encoding="utf-8"?>
-<p:sld xmlns:a="http://schemas.openxmlformats.org/drawingml/2006/main" xmlns:r="http://schemas.openxmlformats.org/officeDocument/2006/relationships" xmlns:p="http://schemas.openxmlformats.org/presentationml/2006/main">
-  <p:cSld>
-    <p:spTree>
-      <p:nvGrpSpPr>
-        <p:cNvPr id="1" name=""/>
-        <p:cNvGrpSpPr/>
-        <p:nvPr/>
-      </p:nvGrpSpPr>
-      <p:grpSpPr>
-        <a:xfrm>
-          <a:off x="0" y="0"/>
-          <a:ext cx="0" cy="0"/>
-          <a:chOff x="0" y="0"/>
-          <a:chExt cx="0" cy="0"/>
-        </a:xfrm>
-      </p:grpSpPr>
-      <p:sp>
-        <p:nvSpPr>
-          <p:cNvPr id="2" name="Title 1"/>
-          <p:cNvSpPr>
-            <a:spLocks noGrp="1"/>
-          </p:cNvSpPr>
-          <p:nvPr>
-            <p:ph type="title"/>
-          </p:nvPr>
-        </p:nvSpPr>
-        <p:spPr/>
-        <p:txBody>
-          <a:bodyPr/>
-          <a:lstStyle/>
-          <a:p>
-            <a:r>
-              <a:rPr lang="en-US" b="1" dirty="0" smtClean="0"/>
-              <a:t>Example with Interrupt</a:t>
-            </a:r>
-            <a:endParaRPr lang="en-US" b="1" dirty="0"/>
-          </a:p>
-        </p:txBody>
-      </p:sp>
-      <p:sp>
-        <p:nvSpPr>
-          <p:cNvPr id="7" name="TextBox 6"/>
-          <p:cNvSpPr txBox="1"/>
-          <p:nvPr/>
-        </p:nvSpPr>
-        <p:spPr>
-          <a:xfrm>
-            <a:off x="439553" y="1681241"/>
-            <a:ext cx="7214606" cy="4070345"/>
-          </a:xfrm>
-          <a:prstGeom prst="rect">
-            <a:avLst/>
-          </a:prstGeom>
-          <a:noFill/>
-        </p:spPr>
-        <p:txBody>
-          <a:bodyPr wrap="square" rtlCol="0">
-            <a:spAutoFit/>
-          </a:bodyPr>
-          <a:lstStyle/>
-          <a:p>
-            <a:pPr marL="0" indent="0">
-              <a:buNone/>
-            </a:pPr>
-            <a:r>
-              <a:rPr lang="en-US" sz="1100" b="1" dirty="0">
-                <a:solidFill>
-                  <a:srgbClr val="7F0055"/>
-                </a:solidFill>
-                <a:latin typeface="Consolas"/>
-              </a:rPr>
-              <a:t>#pragma</a:t>
-            </a:r>
-            <a:r>
-              <a:rPr lang="en-US" sz="1100" b="1" dirty="0">
-                <a:solidFill>
-                  <a:srgbClr val="000000"/>
-                </a:solidFill>
-                <a:latin typeface="Consolas"/>
-              </a:rPr>
-              <a:t> vector = TIMER1_A0_VECTOR            </a:t>
-            </a:r>
-            <a:r>
-              <a:rPr lang="en-US" sz="1100" b="1" dirty="0">
-                <a:solidFill>
-                  <a:srgbClr val="3F7F5F"/>
-                </a:solidFill>
-                <a:latin typeface="Consolas"/>
-              </a:rPr>
-              <a:t>// This is from the MSP430G2553.h file</a:t>
-            </a:r>
-          </a:p>
-          <a:p>
-            <a:pPr marL="0" indent="0">
-              <a:buNone/>
-            </a:pPr>
-            <a:r>
-              <a:rPr lang="en-US" sz="1100" b="1" dirty="0">
-                <a:solidFill>
-                  <a:srgbClr val="7F0055"/>
-                </a:solidFill>
-                <a:latin typeface="Consolas"/>
-              </a:rPr>
-              <a:t>__interrupt</a:t>
-            </a:r>
-            <a:r>
-              <a:rPr lang="en-US" sz="1100" b="1" dirty="0">
-                <a:solidFill>
-                  <a:srgbClr val="000000"/>
-                </a:solidFill>
-                <a:latin typeface="Consolas"/>
-              </a:rPr>
-              <a:t> </a:t>
-            </a:r>
-            <a:r>
-              <a:rPr lang="en-US" sz="1100" b="1" dirty="0">
-                <a:solidFill>
-                  <a:srgbClr val="7F0055"/>
-                </a:solidFill>
-                <a:latin typeface="Consolas"/>
-              </a:rPr>
-              <a:t>void</a:t>
-            </a:r>
-            <a:r>
-              <a:rPr lang="en-US" sz="1100" b="1" dirty="0">
-                <a:solidFill>
-                  <a:srgbClr val="000000"/>
-                </a:solidFill>
-                <a:latin typeface="Consolas"/>
-              </a:rPr>
-              <a:t> </a:t>
-            </a:r>
-            <a:r>
-              <a:rPr lang="en-US" sz="1100" b="1" dirty="0" err="1">
-                <a:solidFill>
-                  <a:srgbClr val="000000"/>
-                </a:solidFill>
-                <a:latin typeface="Consolas"/>
-              </a:rPr>
-              <a:t>captureCompareInt</a:t>
-            </a:r>
-            <a:r>
-              <a:rPr lang="en-US" sz="1100" b="1" dirty="0">
-                <a:solidFill>
-                  <a:srgbClr val="000000"/>
-                </a:solidFill>
-                <a:latin typeface="Consolas"/>
-              </a:rPr>
-              <a:t> (</a:t>
-            </a:r>
-            <a:r>
-              <a:rPr lang="en-US" sz="1100" b="1" dirty="0">
-                <a:solidFill>
-                  <a:srgbClr val="7F0055"/>
-                </a:solidFill>
-                <a:latin typeface="Consolas"/>
-              </a:rPr>
-              <a:t>void</a:t>
-            </a:r>
-            <a:r>
-              <a:rPr lang="en-US" sz="1100" b="1" dirty="0">
-                <a:solidFill>
-                  <a:srgbClr val="000000"/>
-                </a:solidFill>
-                <a:latin typeface="Consolas"/>
-              </a:rPr>
-              <a:t>) {</a:t>
-            </a:r>
-          </a:p>
-          <a:p>
-            <a:pPr marL="0" indent="0">
-              <a:buNone/>
-            </a:pPr>
-            <a:r>
-              <a:rPr lang="en-US" sz="1100" dirty="0">
-                <a:solidFill>
-                  <a:srgbClr val="000000"/>
-                </a:solidFill>
-                <a:latin typeface="Consolas"/>
-              </a:rPr>
-              <a:t>    P1OUT |= BIT0;                        </a:t>
-            </a:r>
-            <a:r>
-              <a:rPr lang="en-US" sz="1100" dirty="0">
-                <a:solidFill>
-                  <a:srgbClr val="3F7F5F"/>
-                </a:solidFill>
-                <a:latin typeface="Consolas"/>
-              </a:rPr>
-              <a:t>//Turn on LED</a:t>
-            </a:r>
-          </a:p>
-          <a:p>
-            <a:pPr marL="0" indent="0">
-              <a:buNone/>
-            </a:pPr>
-            <a:r>
-              <a:rPr lang="en-US" sz="1100" dirty="0">
-                <a:solidFill>
-                  <a:srgbClr val="000000"/>
-                </a:solidFill>
-                <a:latin typeface="Consolas"/>
-              </a:rPr>
-              <a:t>    </a:t>
-            </a:r>
-            <a:r>
-              <a:rPr lang="en-US" sz="1100" dirty="0">
-                <a:solidFill>
-                  <a:srgbClr val="3F7F5F"/>
-                </a:solidFill>
-                <a:latin typeface="Consolas"/>
-              </a:rPr>
-              <a:t>// Disable Timer A Interrupt</a:t>
-            </a:r>
-          </a:p>
-          <a:p>
-            <a:pPr marL="0" indent="0">
-              <a:buNone/>
-            </a:pPr>
-            <a:r>
-              <a:rPr lang="en-US" sz="1100" dirty="0">
-                <a:solidFill>
-                  <a:srgbClr val="000000"/>
-                </a:solidFill>
-                <a:latin typeface="Consolas"/>
-              </a:rPr>
-              <a:t>    TA1CCTL1 &amp;= ~CCIFG;                </a:t>
-            </a:r>
-            <a:r>
-              <a:rPr lang="en-US" sz="1100" dirty="0">
-                <a:solidFill>
-                  <a:srgbClr val="3F7F5F"/>
-                </a:solidFill>
-                <a:latin typeface="Consolas"/>
-              </a:rPr>
-              <a:t>//clear capture compare interrupt flag</a:t>
-            </a:r>
-          </a:p>
-          <a:p>
-            <a:pPr marL="0" indent="0">
-              <a:buNone/>
-            </a:pPr>
-            <a:r>
-              <a:rPr lang="en-US" sz="1100" dirty="0">
-                <a:solidFill>
-                  <a:srgbClr val="3F7F5F"/>
-                </a:solidFill>
-                <a:latin typeface="Consolas"/>
-              </a:rPr>
-              <a:t>//    TACTL &amp;= ~TAIFG;</a:t>
-            </a:r>
-          </a:p>
-          <a:p>
-            <a:pPr marL="0" indent="0">
-              <a:buNone/>
-            </a:pPr>
-            <a:r>
-              <a:rPr lang="en-US" sz="1100" dirty="0">
-                <a:solidFill>
-                  <a:srgbClr val="000000"/>
-                </a:solidFill>
-                <a:latin typeface="Consolas"/>
-              </a:rPr>
-              <a:t>}</a:t>
-            </a:r>
-          </a:p>
-          <a:p>
-            <a:pPr marL="0" indent="0">
-              <a:buNone/>
-            </a:pPr>
-            <a:endParaRPr lang="en-US" sz="1100" dirty="0">
-              <a:latin typeface="Consolas"/>
-            </a:endParaRPr>
-          </a:p>
-          <a:p>
-            <a:pPr marL="0" indent="0">
-              <a:buNone/>
-            </a:pPr>
-            <a:r>
-              <a:rPr lang="en-US" sz="1100" b="1" dirty="0">
-                <a:solidFill>
-                  <a:srgbClr val="7F0055"/>
-                </a:solidFill>
-                <a:latin typeface="Consolas"/>
-              </a:rPr>
-              <a:t>#pragma</a:t>
-            </a:r>
-            <a:r>
-              <a:rPr lang="en-US" sz="1100" b="1" dirty="0">
-                <a:solidFill>
-                  <a:srgbClr val="000000"/>
-                </a:solidFill>
-                <a:latin typeface="Consolas"/>
-              </a:rPr>
-              <a:t> vector = TIMER1_A1_VECTOR            </a:t>
-            </a:r>
-            <a:r>
-              <a:rPr lang="en-US" sz="1100" b="1" dirty="0">
-                <a:solidFill>
-                  <a:srgbClr val="3F7F5F"/>
-                </a:solidFill>
-                <a:latin typeface="Consolas"/>
-              </a:rPr>
-              <a:t>// This is from the MSP430G2553.h file</a:t>
-            </a:r>
-          </a:p>
-          <a:p>
-            <a:pPr marL="0" indent="0">
-              <a:buNone/>
-            </a:pPr>
-            <a:r>
-              <a:rPr lang="en-US" sz="1100" b="1" dirty="0">
-                <a:solidFill>
-                  <a:srgbClr val="7F0055"/>
-                </a:solidFill>
-                <a:latin typeface="Consolas"/>
-              </a:rPr>
-              <a:t>__interrupt</a:t>
-            </a:r>
-            <a:r>
-              <a:rPr lang="en-US" sz="1100" b="1" dirty="0">
-                <a:solidFill>
-                  <a:srgbClr val="000000"/>
-                </a:solidFill>
-                <a:latin typeface="Consolas"/>
-              </a:rPr>
-              <a:t> </a:t>
-            </a:r>
-            <a:r>
-              <a:rPr lang="en-US" sz="1100" b="1" dirty="0">
-                <a:solidFill>
-                  <a:srgbClr val="7F0055"/>
-                </a:solidFill>
-                <a:latin typeface="Consolas"/>
-              </a:rPr>
-              <a:t>void</a:t>
-            </a:r>
-            <a:r>
-              <a:rPr lang="en-US" sz="1100" b="1" dirty="0">
-                <a:solidFill>
-                  <a:srgbClr val="000000"/>
-                </a:solidFill>
-                <a:latin typeface="Consolas"/>
-              </a:rPr>
-              <a:t> captureCompareInt2 (</a:t>
-            </a:r>
-            <a:r>
-              <a:rPr lang="en-US" sz="1100" b="1" dirty="0">
-                <a:solidFill>
-                  <a:srgbClr val="7F0055"/>
-                </a:solidFill>
-                <a:latin typeface="Consolas"/>
-              </a:rPr>
-              <a:t>void</a:t>
-            </a:r>
-            <a:r>
-              <a:rPr lang="en-US" sz="1100" b="1" dirty="0">
-                <a:solidFill>
-                  <a:srgbClr val="000000"/>
-                </a:solidFill>
-                <a:latin typeface="Consolas"/>
-              </a:rPr>
-              <a:t>) {</a:t>
-            </a:r>
-          </a:p>
-          <a:p>
-            <a:pPr marL="0" indent="0">
-              <a:buNone/>
-            </a:pPr>
-            <a:r>
-              <a:rPr lang="en-US" sz="1100" dirty="0">
-                <a:solidFill>
-                  <a:srgbClr val="000000"/>
-                </a:solidFill>
-                <a:latin typeface="Consolas"/>
-              </a:rPr>
-              <a:t>    P1OUT &amp;= ~BIT0;                        </a:t>
-            </a:r>
-            <a:r>
-              <a:rPr lang="en-US" sz="1100" dirty="0">
-                <a:solidFill>
-                  <a:srgbClr val="3F7F5F"/>
-                </a:solidFill>
-                <a:latin typeface="Consolas"/>
-              </a:rPr>
-              <a:t>//Turn off LED</a:t>
-            </a:r>
-          </a:p>
-          <a:p>
-            <a:pPr marL="0" indent="0">
-              <a:buNone/>
-            </a:pPr>
-            <a:r>
-              <a:rPr lang="en-US" sz="1100" dirty="0">
-                <a:solidFill>
-                  <a:srgbClr val="000000"/>
-                </a:solidFill>
-                <a:latin typeface="Consolas"/>
-              </a:rPr>
-              <a:t>    </a:t>
-            </a:r>
-            <a:r>
-              <a:rPr lang="en-US" sz="1100" dirty="0">
-                <a:solidFill>
-                  <a:srgbClr val="3F7F5F"/>
-                </a:solidFill>
-                <a:latin typeface="Consolas"/>
-              </a:rPr>
-              <a:t>// Disable Timer A Interrupt</a:t>
-            </a:r>
-          </a:p>
-          <a:p>
-            <a:pPr marL="0" indent="0">
-              <a:buNone/>
-            </a:pPr>
-            <a:r>
-              <a:rPr lang="en-US" sz="1100" dirty="0">
-                <a:solidFill>
-                  <a:srgbClr val="000000"/>
-                </a:solidFill>
-                <a:latin typeface="Consolas"/>
-              </a:rPr>
-              <a:t>    TA1CCTL1 &amp;= ~CCIFG;                </a:t>
-            </a:r>
-            <a:r>
-              <a:rPr lang="en-US" sz="1100" dirty="0">
-                <a:solidFill>
-                  <a:srgbClr val="3F7F5F"/>
-                </a:solidFill>
-                <a:latin typeface="Consolas"/>
-              </a:rPr>
-              <a:t>//clear capture compare interrupt flag</a:t>
-            </a:r>
-          </a:p>
-          <a:p>
-            <a:pPr marL="0" indent="0">
-              <a:buNone/>
-            </a:pPr>
-            <a:r>
-              <a:rPr lang="en-US" sz="1100" dirty="0">
-                <a:solidFill>
-                  <a:srgbClr val="3F7F5F"/>
-                </a:solidFill>
-                <a:latin typeface="Consolas"/>
-              </a:rPr>
-              <a:t>//    TACTL &amp;= ~TAIFG;</a:t>
-            </a:r>
-          </a:p>
-          <a:p>
-            <a:pPr marL="0" indent="0">
-              <a:buNone/>
-            </a:pPr>
-            <a:r>
-              <a:rPr lang="en-US" sz="1100" dirty="0">
-                <a:solidFill>
-                  <a:srgbClr val="000000"/>
-                </a:solidFill>
-                <a:latin typeface="Consolas"/>
-              </a:rPr>
-              <a:t>}</a:t>
-            </a:r>
-          </a:p>
-          <a:p>
-            <a:endParaRPr lang="en-US" sz="1100" dirty="0"/>
-          </a:p>
-        </p:txBody>
-      </p:sp>
-    </p:spTree>
-    <p:extLst>
-      <p:ext uri="{BB962C8B-B14F-4D97-AF65-F5344CB8AC3E}">
-        <p14:creationId xmlns:p14="http://schemas.microsoft.com/office/powerpoint/2010/main" val="1800504559"/>
       </p:ext>
     </p:extLst>
   </p:cSld>
@@ -13452,6 +13624,1502 @@
       </p:grpSpPr>
       <p:sp>
         <p:nvSpPr>
+          <p:cNvPr id="2" name="Title 1"/>
+          <p:cNvSpPr>
+            <a:spLocks noGrp="1"/>
+          </p:cNvSpPr>
+          <p:nvPr>
+            <p:ph type="title"/>
+          </p:nvPr>
+        </p:nvSpPr>
+        <p:spPr/>
+        <p:txBody>
+          <a:bodyPr/>
+          <a:lstStyle/>
+          <a:p>
+            <a:r>
+              <a:rPr lang="en-US" b="1" dirty="0" smtClean="0"/>
+              <a:t>Example with Interrupt</a:t>
+            </a:r>
+            <a:endParaRPr lang="en-US" b="1" dirty="0"/>
+          </a:p>
+        </p:txBody>
+      </p:sp>
+      <p:sp>
+        <p:nvSpPr>
+          <p:cNvPr id="3" name="Content Placeholder 2"/>
+          <p:cNvSpPr>
+            <a:spLocks noGrp="1"/>
+          </p:cNvSpPr>
+          <p:nvPr>
+            <p:ph idx="1"/>
+          </p:nvPr>
+        </p:nvSpPr>
+        <p:spPr>
+          <a:xfrm>
+            <a:off x="253089" y="1489841"/>
+            <a:ext cx="8557536" cy="4824250"/>
+          </a:xfrm>
+        </p:spPr>
+        <p:txBody>
+          <a:bodyPr>
+            <a:normAutofit fontScale="85000" lnSpcReduction="20000"/>
+          </a:bodyPr>
+          <a:lstStyle/>
+          <a:p>
+            <a:pPr marL="0" indent="0">
+              <a:buNone/>
+            </a:pPr>
+            <a:r>
+              <a:rPr lang="en-US" sz="1200" b="1" dirty="0" smtClean="0">
+                <a:solidFill>
+                  <a:srgbClr val="7F0055"/>
+                </a:solidFill>
+                <a:latin typeface="Consolas"/>
+              </a:rPr>
+              <a:t>void</a:t>
+            </a:r>
+            <a:r>
+              <a:rPr lang="en-US" sz="1200" b="1" dirty="0" smtClean="0">
+                <a:solidFill>
+                  <a:srgbClr val="000000"/>
+                </a:solidFill>
+                <a:latin typeface="Consolas"/>
+              </a:rPr>
+              <a:t> </a:t>
+            </a:r>
+            <a:r>
+              <a:rPr lang="en-US" sz="1200" b="1" dirty="0">
+                <a:solidFill>
+                  <a:srgbClr val="000000"/>
+                </a:solidFill>
+                <a:latin typeface="Consolas"/>
+              </a:rPr>
+              <a:t>main(</a:t>
+            </a:r>
+            <a:r>
+              <a:rPr lang="en-US" sz="1200" b="1" dirty="0">
+                <a:solidFill>
+                  <a:srgbClr val="7F0055"/>
+                </a:solidFill>
+                <a:latin typeface="Consolas"/>
+              </a:rPr>
+              <a:t>void</a:t>
+            </a:r>
+            <a:r>
+              <a:rPr lang="en-US" sz="1200" b="1" dirty="0" smtClean="0">
+                <a:solidFill>
+                  <a:srgbClr val="000000"/>
+                </a:solidFill>
+                <a:latin typeface="Consolas"/>
+              </a:rPr>
+              <a:t>)</a:t>
+            </a:r>
+            <a:r>
+              <a:rPr lang="en-US" sz="1200" dirty="0" smtClean="0">
+                <a:solidFill>
+                  <a:srgbClr val="000000"/>
+                </a:solidFill>
+                <a:latin typeface="Consolas"/>
+              </a:rPr>
+              <a:t>{</a:t>
+            </a:r>
+            <a:endParaRPr lang="en-US" sz="1200" dirty="0">
+              <a:solidFill>
+                <a:srgbClr val="000000"/>
+              </a:solidFill>
+              <a:latin typeface="Consolas"/>
+            </a:endParaRPr>
+          </a:p>
+          <a:p>
+            <a:pPr marL="0" indent="0">
+              <a:buNone/>
+            </a:pPr>
+            <a:r>
+              <a:rPr lang="en-US" sz="1200" dirty="0">
+                <a:solidFill>
+                  <a:srgbClr val="000000"/>
+                </a:solidFill>
+                <a:latin typeface="Consolas"/>
+              </a:rPr>
+              <a:t>    </a:t>
+            </a:r>
+            <a:r>
+              <a:rPr lang="en-US" sz="1200" dirty="0" smtClean="0">
+                <a:solidFill>
+                  <a:srgbClr val="000000"/>
+                </a:solidFill>
+                <a:latin typeface="Consolas"/>
+              </a:rPr>
+              <a:t>    WDTCTL </a:t>
+            </a:r>
+            <a:r>
+              <a:rPr lang="en-US" sz="1200" dirty="0">
+                <a:solidFill>
+                  <a:srgbClr val="000000"/>
+                </a:solidFill>
+                <a:latin typeface="Consolas"/>
+              </a:rPr>
+              <a:t>= WDTPW|WDTHOLD;</a:t>
+            </a:r>
+            <a:r>
+              <a:rPr lang="en-US" sz="1200" dirty="0">
+                <a:solidFill>
+                  <a:srgbClr val="3F7F5F"/>
+                </a:solidFill>
+                <a:latin typeface="Consolas"/>
+              </a:rPr>
+              <a:t>// stop the watchdog timer</a:t>
+            </a:r>
+          </a:p>
+          <a:p>
+            <a:pPr marL="0" indent="0">
+              <a:buNone/>
+            </a:pPr>
+            <a:endParaRPr lang="en-US" sz="1200" dirty="0">
+              <a:latin typeface="Consolas"/>
+            </a:endParaRPr>
+          </a:p>
+          <a:p>
+            <a:pPr marL="0" indent="0">
+              <a:buNone/>
+            </a:pPr>
+            <a:r>
+              <a:rPr lang="fr-FR" sz="1200" dirty="0">
+                <a:solidFill>
+                  <a:srgbClr val="000000"/>
+                </a:solidFill>
+                <a:latin typeface="Consolas"/>
+              </a:rPr>
+              <a:t>        P2DIR |= BIT1;                </a:t>
+            </a:r>
+            <a:r>
+              <a:rPr lang="fr-FR" sz="1200" dirty="0">
+                <a:solidFill>
+                  <a:srgbClr val="3F7F5F"/>
+                </a:solidFill>
+                <a:latin typeface="Consolas"/>
+              </a:rPr>
+              <a:t>// TA1CCR1 on P2.1</a:t>
+            </a:r>
+          </a:p>
+          <a:p>
+            <a:pPr marL="0" indent="0">
+              <a:buNone/>
+            </a:pPr>
+            <a:r>
+              <a:rPr lang="fr-FR" sz="1200" dirty="0">
+                <a:solidFill>
+                  <a:srgbClr val="000000"/>
+                </a:solidFill>
+                <a:latin typeface="Consolas"/>
+              </a:rPr>
+              <a:t>        P2SEL |= BIT1;                </a:t>
+            </a:r>
+            <a:r>
+              <a:rPr lang="fr-FR" sz="1200" dirty="0">
+                <a:solidFill>
+                  <a:srgbClr val="3F7F5F"/>
+                </a:solidFill>
+                <a:latin typeface="Consolas"/>
+              </a:rPr>
+              <a:t>// TA1CCR1 on P2.1</a:t>
+            </a:r>
+          </a:p>
+          <a:p>
+            <a:pPr marL="0" indent="0">
+              <a:buNone/>
+            </a:pPr>
+            <a:r>
+              <a:rPr lang="en-US" sz="1200" dirty="0">
+                <a:solidFill>
+                  <a:srgbClr val="000000"/>
+                </a:solidFill>
+                <a:latin typeface="Consolas"/>
+              </a:rPr>
+              <a:t>        P2OUT &amp;= ~BIT1;</a:t>
+            </a:r>
+          </a:p>
+          <a:p>
+            <a:pPr marL="0" indent="0">
+              <a:buNone/>
+            </a:pPr>
+            <a:endParaRPr lang="en-US" sz="1200" dirty="0">
+              <a:latin typeface="Consolas"/>
+            </a:endParaRPr>
+          </a:p>
+          <a:p>
+            <a:pPr marL="0" indent="0">
+              <a:buNone/>
+            </a:pPr>
+            <a:r>
+              <a:rPr lang="en-US" sz="1200" dirty="0">
+                <a:solidFill>
+                  <a:srgbClr val="000000"/>
+                </a:solidFill>
+                <a:latin typeface="Consolas"/>
+              </a:rPr>
+              <a:t>        TA1CTL |= TASSEL_2|MC_1|ID_0;   </a:t>
+            </a:r>
+            <a:r>
+              <a:rPr lang="en-US" sz="1200" dirty="0">
+                <a:solidFill>
+                  <a:srgbClr val="3F7F5F"/>
+                </a:solidFill>
+                <a:latin typeface="Consolas"/>
+              </a:rPr>
+              <a:t>// configure for SMCLK</a:t>
+            </a:r>
+          </a:p>
+          <a:p>
+            <a:pPr marL="0" indent="0">
+              <a:buNone/>
+            </a:pPr>
+            <a:r>
+              <a:rPr lang="en-US" sz="1200" dirty="0">
+                <a:solidFill>
+                  <a:srgbClr val="000000"/>
+                </a:solidFill>
+                <a:latin typeface="Consolas"/>
+              </a:rPr>
+              <a:t>        P1DIR |= BIT0;            </a:t>
+            </a:r>
+            <a:r>
+              <a:rPr lang="en-US" sz="1200" dirty="0" smtClean="0">
+                <a:solidFill>
+                  <a:srgbClr val="000000"/>
+                </a:solidFill>
+                <a:latin typeface="Consolas"/>
+              </a:rPr>
+              <a:t>      </a:t>
+            </a:r>
+            <a:r>
+              <a:rPr lang="en-US" sz="1200" dirty="0" smtClean="0">
+                <a:solidFill>
+                  <a:srgbClr val="3F7F5F"/>
+                </a:solidFill>
+                <a:latin typeface="Consolas"/>
+              </a:rPr>
+              <a:t>// use </a:t>
+            </a:r>
+            <a:r>
+              <a:rPr lang="en-US" sz="1200" dirty="0">
+                <a:solidFill>
+                  <a:srgbClr val="3F7F5F"/>
+                </a:solidFill>
+                <a:latin typeface="Consolas"/>
+              </a:rPr>
+              <a:t>LED to indicate duty cycle has toggled</a:t>
+            </a:r>
+          </a:p>
+          <a:p>
+            <a:pPr marL="0" indent="0">
+              <a:buNone/>
+            </a:pPr>
+            <a:r>
+              <a:rPr lang="en-US" sz="1200" dirty="0">
+                <a:solidFill>
+                  <a:srgbClr val="000000"/>
+                </a:solidFill>
+                <a:latin typeface="Consolas"/>
+              </a:rPr>
+              <a:t>        P1REN |= BIT3</a:t>
+            </a:r>
+            <a:r>
+              <a:rPr lang="en-US" sz="1200" dirty="0" smtClean="0">
+                <a:solidFill>
+                  <a:srgbClr val="000000"/>
+                </a:solidFill>
+                <a:latin typeface="Consolas"/>
+              </a:rPr>
+              <a:t>;                  </a:t>
+            </a:r>
+            <a:r>
+              <a:rPr lang="en-US" sz="1200" dirty="0">
+                <a:solidFill>
+                  <a:srgbClr val="3F7F5F"/>
+                </a:solidFill>
+                <a:latin typeface="Consolas"/>
+              </a:rPr>
+              <a:t>// setup button</a:t>
+            </a:r>
+            <a:endParaRPr lang="en-US" sz="1200" dirty="0">
+              <a:solidFill>
+                <a:srgbClr val="3F7F5F"/>
+              </a:solidFill>
+              <a:latin typeface="Consolas"/>
+            </a:endParaRPr>
+          </a:p>
+          <a:p>
+            <a:pPr marL="0" indent="0">
+              <a:buNone/>
+            </a:pPr>
+            <a:r>
+              <a:rPr lang="en-US" sz="1200" dirty="0">
+                <a:solidFill>
+                  <a:srgbClr val="000000"/>
+                </a:solidFill>
+                <a:latin typeface="Consolas"/>
+              </a:rPr>
+              <a:t>        P1OUT |= BIT3;</a:t>
+            </a:r>
+          </a:p>
+          <a:p>
+            <a:pPr marL="0" indent="0">
+              <a:buNone/>
+            </a:pPr>
+            <a:endParaRPr lang="en-US" sz="1200" dirty="0">
+              <a:latin typeface="Consolas"/>
+            </a:endParaRPr>
+          </a:p>
+          <a:p>
+            <a:pPr marL="0" indent="0">
+              <a:buNone/>
+            </a:pPr>
+            <a:r>
+              <a:rPr lang="en-US" sz="1200" dirty="0">
+                <a:solidFill>
+                  <a:srgbClr val="000000"/>
+                </a:solidFill>
+                <a:latin typeface="Consolas"/>
+              </a:rPr>
+              <a:t>        TA1CCR0 = 1000;        </a:t>
+            </a:r>
+            <a:r>
+              <a:rPr lang="en-US" sz="1200" dirty="0" smtClean="0">
+                <a:solidFill>
+                  <a:srgbClr val="000000"/>
+                </a:solidFill>
+                <a:latin typeface="Consolas"/>
+              </a:rPr>
+              <a:t>        </a:t>
+            </a:r>
+            <a:r>
+              <a:rPr lang="en-US" sz="1200" dirty="0" smtClean="0">
+                <a:solidFill>
+                  <a:srgbClr val="3F7F5F"/>
+                </a:solidFill>
+                <a:latin typeface="Consolas"/>
+              </a:rPr>
+              <a:t>// </a:t>
+            </a:r>
+            <a:r>
+              <a:rPr lang="en-US" sz="1200" dirty="0">
+                <a:solidFill>
+                  <a:srgbClr val="3F7F5F"/>
+                </a:solidFill>
+                <a:latin typeface="Consolas"/>
+              </a:rPr>
+              <a:t>set signal period to 1000 clock cycles (~1 </a:t>
+            </a:r>
+            <a:r>
+              <a:rPr lang="en-US" sz="1200" dirty="0" err="1" smtClean="0">
+                <a:solidFill>
+                  <a:srgbClr val="3F7F5F"/>
+                </a:solidFill>
+                <a:latin typeface="Consolas"/>
+              </a:rPr>
+              <a:t>msec</a:t>
+            </a:r>
+            <a:r>
+              <a:rPr lang="en-US" sz="1200" dirty="0" smtClean="0">
+                <a:solidFill>
+                  <a:srgbClr val="3F7F5F"/>
+                </a:solidFill>
+                <a:latin typeface="Consolas"/>
+              </a:rPr>
+              <a:t> for 1MHz)</a:t>
+            </a:r>
+            <a:endParaRPr lang="en-US" sz="1200" dirty="0">
+              <a:solidFill>
+                <a:srgbClr val="3F7F5F"/>
+              </a:solidFill>
+              <a:latin typeface="Consolas"/>
+            </a:endParaRPr>
+          </a:p>
+          <a:p>
+            <a:pPr marL="0" indent="0">
+              <a:buNone/>
+            </a:pPr>
+            <a:r>
+              <a:rPr lang="en-US" sz="1200" dirty="0">
+                <a:solidFill>
+                  <a:srgbClr val="000000"/>
+                </a:solidFill>
+                <a:latin typeface="Consolas"/>
+              </a:rPr>
+              <a:t>        TA1CCR1 = 250;               </a:t>
+            </a:r>
+            <a:r>
+              <a:rPr lang="en-US" sz="1200" dirty="0" smtClean="0">
+                <a:solidFill>
+                  <a:srgbClr val="000000"/>
+                </a:solidFill>
+                <a:latin typeface="Consolas"/>
+              </a:rPr>
+              <a:t>  </a:t>
+            </a:r>
+            <a:r>
+              <a:rPr lang="en-US" sz="1200" dirty="0" smtClean="0">
+                <a:solidFill>
+                  <a:srgbClr val="3F7F5F"/>
+                </a:solidFill>
+                <a:latin typeface="Consolas"/>
+              </a:rPr>
+              <a:t>// </a:t>
+            </a:r>
+            <a:r>
+              <a:rPr lang="en-US" sz="1200" dirty="0">
+                <a:solidFill>
+                  <a:srgbClr val="3F7F5F"/>
+                </a:solidFill>
+                <a:latin typeface="Consolas"/>
+              </a:rPr>
+              <a:t>set duty cycle to 250/1000 (25%)</a:t>
+            </a:r>
+          </a:p>
+          <a:p>
+            <a:pPr marL="0" indent="0">
+              <a:buNone/>
+            </a:pPr>
+            <a:r>
+              <a:rPr lang="fr-FR" sz="1200" dirty="0">
+                <a:solidFill>
+                  <a:srgbClr val="000000"/>
+                </a:solidFill>
+                <a:latin typeface="Consolas"/>
+              </a:rPr>
+              <a:t>        TA1CCTL0 |= CCIE;               </a:t>
+            </a:r>
+            <a:r>
+              <a:rPr lang="fr-FR" sz="1200" dirty="0">
+                <a:solidFill>
+                  <a:srgbClr val="3F7F5F"/>
+                </a:solidFill>
+                <a:latin typeface="Consolas"/>
+              </a:rPr>
+              <a:t>// </a:t>
+            </a:r>
+            <a:r>
+              <a:rPr lang="fr-FR" sz="1200" dirty="0" err="1">
+                <a:solidFill>
+                  <a:srgbClr val="3F7F5F"/>
+                </a:solidFill>
+                <a:latin typeface="Consolas"/>
+              </a:rPr>
+              <a:t>enable</a:t>
+            </a:r>
+            <a:r>
+              <a:rPr lang="fr-FR" sz="1200" dirty="0">
+                <a:solidFill>
+                  <a:srgbClr val="3F7F5F"/>
+                </a:solidFill>
+                <a:latin typeface="Consolas"/>
+              </a:rPr>
+              <a:t> CC </a:t>
+            </a:r>
+            <a:r>
+              <a:rPr lang="fr-FR" sz="1200" dirty="0" err="1">
+                <a:solidFill>
+                  <a:srgbClr val="3F7F5F"/>
+                </a:solidFill>
+                <a:latin typeface="Consolas"/>
+              </a:rPr>
+              <a:t>interrupts</a:t>
+            </a:r>
+            <a:endParaRPr lang="fr-FR" sz="1200" dirty="0">
+              <a:solidFill>
+                <a:srgbClr val="3F7F5F"/>
+              </a:solidFill>
+              <a:latin typeface="Consolas"/>
+            </a:endParaRPr>
+          </a:p>
+          <a:p>
+            <a:pPr marL="0" indent="0">
+              <a:buNone/>
+            </a:pPr>
+            <a:r>
+              <a:rPr lang="en-US" sz="1200" dirty="0">
+                <a:solidFill>
+                  <a:srgbClr val="000000"/>
+                </a:solidFill>
+                <a:latin typeface="Consolas"/>
+              </a:rPr>
+              <a:t>        TA1CCTL1 |= OUTMOD_7|CCIE</a:t>
+            </a:r>
+            <a:r>
+              <a:rPr lang="en-US" sz="1200" dirty="0" smtClean="0">
+                <a:solidFill>
+                  <a:srgbClr val="000000"/>
+                </a:solidFill>
+                <a:latin typeface="Consolas"/>
+              </a:rPr>
+              <a:t>;      </a:t>
+            </a:r>
+            <a:r>
+              <a:rPr lang="en-US" sz="1200" dirty="0" smtClean="0">
+                <a:solidFill>
+                  <a:srgbClr val="3F7F5F"/>
+                </a:solidFill>
+                <a:latin typeface="Consolas"/>
+              </a:rPr>
+              <a:t>// </a:t>
+            </a:r>
+            <a:r>
+              <a:rPr lang="en-US" sz="1200" dirty="0">
+                <a:solidFill>
+                  <a:srgbClr val="3F7F5F"/>
+                </a:solidFill>
+                <a:latin typeface="Consolas"/>
+              </a:rPr>
+              <a:t>set TACCTL1 to Set / Reset mode//enable CC interrupts</a:t>
+            </a:r>
+          </a:p>
+          <a:p>
+            <a:pPr marL="0" indent="0">
+              <a:buNone/>
+            </a:pPr>
+            <a:r>
+              <a:rPr lang="en-US" sz="1200" dirty="0">
+                <a:solidFill>
+                  <a:srgbClr val="000000"/>
+                </a:solidFill>
+                <a:latin typeface="Consolas"/>
+              </a:rPr>
+              <a:t>        TA1CCTL1 &amp;= ~CCIFG;             </a:t>
+            </a:r>
+            <a:r>
+              <a:rPr lang="en-US" sz="1200" dirty="0">
+                <a:solidFill>
+                  <a:srgbClr val="3F7F5F"/>
+                </a:solidFill>
+                <a:latin typeface="Consolas"/>
+              </a:rPr>
+              <a:t>//clear capture compare interrupt flag</a:t>
+            </a:r>
+          </a:p>
+          <a:p>
+            <a:pPr marL="0" indent="0">
+              <a:buNone/>
+            </a:pPr>
+            <a:r>
+              <a:rPr lang="en-US" sz="1200" dirty="0">
+                <a:solidFill>
+                  <a:srgbClr val="000000"/>
+                </a:solidFill>
+                <a:latin typeface="Consolas"/>
+              </a:rPr>
+              <a:t>        _</a:t>
+            </a:r>
+            <a:r>
+              <a:rPr lang="en-US" sz="1200" dirty="0" err="1">
+                <a:solidFill>
+                  <a:srgbClr val="000000"/>
+                </a:solidFill>
+                <a:latin typeface="Consolas"/>
+              </a:rPr>
+              <a:t>enable_interrupt</a:t>
+            </a:r>
+            <a:r>
+              <a:rPr lang="en-US" sz="1200" dirty="0" smtClean="0">
+                <a:solidFill>
+                  <a:srgbClr val="000000"/>
+                </a:solidFill>
+                <a:latin typeface="Consolas"/>
+              </a:rPr>
+              <a:t>();</a:t>
+            </a:r>
+          </a:p>
+          <a:p>
+            <a:pPr marL="0" indent="0">
+              <a:buNone/>
+            </a:pPr>
+            <a:endParaRPr lang="en-US" sz="1200" dirty="0">
+              <a:solidFill>
+                <a:srgbClr val="000000"/>
+              </a:solidFill>
+              <a:latin typeface="Consolas"/>
+            </a:endParaRPr>
+          </a:p>
+          <a:p>
+            <a:pPr marL="0" indent="0">
+              <a:buNone/>
+            </a:pPr>
+            <a:r>
+              <a:rPr lang="en-US" sz="1200" dirty="0" smtClean="0">
+                <a:solidFill>
+                  <a:srgbClr val="000000"/>
+                </a:solidFill>
+                <a:latin typeface="Consolas"/>
+              </a:rPr>
+              <a:t>        </a:t>
+            </a:r>
+            <a:r>
+              <a:rPr lang="en-US" sz="1200" dirty="0" smtClean="0">
+                <a:solidFill>
+                  <a:srgbClr val="000000"/>
+                </a:solidFill>
+                <a:latin typeface="Consolas"/>
+              </a:rPr>
+              <a:t>uint8_t index = 0;</a:t>
+            </a:r>
+          </a:p>
+          <a:p>
+            <a:pPr marL="0" indent="0">
+              <a:buNone/>
+            </a:pPr>
+            <a:r>
+              <a:rPr lang="en-US" sz="1200" dirty="0">
+                <a:solidFill>
+                  <a:srgbClr val="000000"/>
+                </a:solidFill>
+                <a:latin typeface="Consolas"/>
+              </a:rPr>
+              <a:t> </a:t>
+            </a:r>
+            <a:r>
+              <a:rPr lang="en-US" sz="1200" dirty="0" smtClean="0">
+                <a:solidFill>
+                  <a:srgbClr val="000000"/>
+                </a:solidFill>
+                <a:latin typeface="Consolas"/>
+              </a:rPr>
+              <a:t>       uint16_t </a:t>
+            </a:r>
+            <a:r>
+              <a:rPr lang="en-US" sz="1200" dirty="0" err="1" smtClean="0">
+                <a:solidFill>
+                  <a:srgbClr val="000000"/>
+                </a:solidFill>
+                <a:latin typeface="Consolas"/>
+              </a:rPr>
+              <a:t>duty_cycles</a:t>
+            </a:r>
+            <a:r>
+              <a:rPr lang="en-US" sz="1200" dirty="0" smtClean="0">
+                <a:solidFill>
+                  <a:srgbClr val="000000"/>
+                </a:solidFill>
+                <a:latin typeface="Consolas"/>
+              </a:rPr>
+              <a:t>[] = {1000, 750, 500, 250};  </a:t>
+            </a:r>
+            <a:r>
+              <a:rPr lang="en-US" sz="1200" dirty="0">
+                <a:solidFill>
+                  <a:srgbClr val="3F7F5F"/>
+                </a:solidFill>
+                <a:latin typeface="Consolas"/>
+              </a:rPr>
+              <a:t>// 1000/1000 (100%), 75%, 50%, 25%</a:t>
+            </a:r>
+            <a:endParaRPr lang="en-US" sz="1200" dirty="0">
+              <a:solidFill>
+                <a:srgbClr val="3F7F5F"/>
+              </a:solidFill>
+              <a:latin typeface="Consolas"/>
+            </a:endParaRPr>
+          </a:p>
+          <a:p>
+            <a:pPr marL="0" indent="0">
+              <a:buNone/>
+            </a:pPr>
+            <a:endParaRPr lang="en-US" sz="1200" dirty="0">
+              <a:latin typeface="Consolas"/>
+            </a:endParaRPr>
+          </a:p>
+          <a:p>
+            <a:pPr marL="0" indent="0">
+              <a:buNone/>
+            </a:pPr>
+            <a:r>
+              <a:rPr lang="en-US" sz="1200" dirty="0">
+                <a:solidFill>
+                  <a:srgbClr val="000000"/>
+                </a:solidFill>
+                <a:latin typeface="Consolas"/>
+              </a:rPr>
+              <a:t>        </a:t>
+            </a:r>
+            <a:r>
+              <a:rPr lang="en-US" sz="1200" b="1" dirty="0">
+                <a:solidFill>
+                  <a:srgbClr val="7F0055"/>
+                </a:solidFill>
+                <a:latin typeface="Consolas"/>
+              </a:rPr>
+              <a:t>while</a:t>
+            </a:r>
+            <a:r>
+              <a:rPr lang="en-US" sz="1200" b="1" dirty="0">
+                <a:solidFill>
+                  <a:srgbClr val="000000"/>
+                </a:solidFill>
+                <a:latin typeface="Consolas"/>
+              </a:rPr>
+              <a:t> (1) </a:t>
+            </a:r>
+            <a:r>
+              <a:rPr lang="en-US" sz="1200" b="1" dirty="0" smtClean="0">
+                <a:solidFill>
+                  <a:srgbClr val="000000"/>
+                </a:solidFill>
+                <a:latin typeface="Consolas"/>
+              </a:rPr>
+              <a:t>{</a:t>
+            </a:r>
+            <a:endParaRPr lang="en-US" sz="1200" dirty="0">
+              <a:latin typeface="Consolas"/>
+            </a:endParaRPr>
+          </a:p>
+          <a:p>
+            <a:pPr marL="0" indent="0">
+              <a:buNone/>
+            </a:pPr>
+            <a:r>
+              <a:rPr lang="en-US" sz="1200" dirty="0">
+                <a:solidFill>
+                  <a:srgbClr val="000000"/>
+                </a:solidFill>
+                <a:latin typeface="Consolas"/>
+              </a:rPr>
+              <a:t>            </a:t>
+            </a:r>
+            <a:r>
+              <a:rPr lang="en-US" sz="1200" b="1" dirty="0">
+                <a:solidFill>
+                  <a:srgbClr val="7F0055"/>
+                </a:solidFill>
+                <a:latin typeface="Consolas"/>
+              </a:rPr>
+              <a:t>while</a:t>
+            </a:r>
+            <a:r>
+              <a:rPr lang="en-US" sz="1200" b="1" dirty="0">
+                <a:solidFill>
+                  <a:srgbClr val="000000"/>
+                </a:solidFill>
+                <a:latin typeface="Consolas"/>
+              </a:rPr>
+              <a:t> (P1IN &amp; BIT3);     </a:t>
+            </a:r>
+            <a:r>
+              <a:rPr lang="en-US" sz="1200" b="1" dirty="0" smtClean="0">
+                <a:solidFill>
+                  <a:srgbClr val="3F7F5F"/>
+                </a:solidFill>
+                <a:latin typeface="Consolas"/>
+              </a:rPr>
+              <a:t>// Polling: every </a:t>
+            </a:r>
+            <a:r>
+              <a:rPr lang="en-US" sz="1200" b="1" dirty="0">
+                <a:solidFill>
+                  <a:srgbClr val="3F7F5F"/>
+                </a:solidFill>
+                <a:latin typeface="Consolas"/>
+              </a:rPr>
+              <a:t>time the button is pushed, toggle the duty cycle</a:t>
+            </a:r>
+          </a:p>
+          <a:p>
+            <a:pPr marL="0" indent="0">
+              <a:buNone/>
+            </a:pPr>
+            <a:r>
+              <a:rPr lang="en-US" sz="1200" dirty="0">
+                <a:solidFill>
+                  <a:srgbClr val="000000"/>
+                </a:solidFill>
+                <a:latin typeface="Consolas"/>
+              </a:rPr>
+              <a:t>            </a:t>
+            </a:r>
+            <a:r>
+              <a:rPr lang="en-US" sz="1200" b="1" dirty="0">
+                <a:solidFill>
+                  <a:srgbClr val="642880"/>
+                </a:solidFill>
+                <a:latin typeface="Consolas"/>
+              </a:rPr>
+              <a:t>__</a:t>
+            </a:r>
+            <a:r>
+              <a:rPr lang="en-US" sz="1200" b="1" dirty="0" err="1">
+                <a:solidFill>
+                  <a:srgbClr val="642880"/>
+                </a:solidFill>
+                <a:latin typeface="Consolas"/>
+              </a:rPr>
+              <a:t>delay_cycles</a:t>
+            </a:r>
+            <a:r>
+              <a:rPr lang="en-US" sz="1200" b="1" dirty="0">
+                <a:solidFill>
+                  <a:srgbClr val="000000"/>
+                </a:solidFill>
+                <a:latin typeface="Consolas"/>
+              </a:rPr>
+              <a:t>(1000000);</a:t>
+            </a:r>
+          </a:p>
+          <a:p>
+            <a:pPr marL="0" indent="0">
+              <a:buNone/>
+            </a:pPr>
+            <a:r>
+              <a:rPr lang="en-US" sz="1200" dirty="0">
+                <a:solidFill>
+                  <a:srgbClr val="000000"/>
+                </a:solidFill>
+                <a:latin typeface="Consolas"/>
+              </a:rPr>
+              <a:t>            TA1CCR1 = </a:t>
+            </a:r>
+            <a:r>
+              <a:rPr lang="en-US" sz="1200" dirty="0" err="1" smtClean="0">
+                <a:solidFill>
+                  <a:srgbClr val="000000"/>
+                </a:solidFill>
+                <a:latin typeface="Consolas"/>
+              </a:rPr>
+              <a:t>duty_cycles</a:t>
+            </a:r>
+            <a:r>
+              <a:rPr lang="en-US" sz="1200" dirty="0" smtClean="0">
+                <a:solidFill>
+                  <a:srgbClr val="000000"/>
+                </a:solidFill>
+                <a:latin typeface="Consolas"/>
+              </a:rPr>
+              <a:t>[index++]; </a:t>
+            </a:r>
+            <a:r>
+              <a:rPr lang="en-US" sz="1200" dirty="0" smtClean="0">
+                <a:solidFill>
+                  <a:srgbClr val="3F7F5F"/>
+                </a:solidFill>
+                <a:latin typeface="Consolas"/>
+              </a:rPr>
+              <a:t>// </a:t>
+            </a:r>
+            <a:r>
+              <a:rPr lang="en-US" sz="1200" dirty="0">
+                <a:solidFill>
+                  <a:srgbClr val="3F7F5F"/>
+                </a:solidFill>
+                <a:latin typeface="Consolas"/>
+              </a:rPr>
+              <a:t>set duty </a:t>
+            </a:r>
+            <a:r>
+              <a:rPr lang="en-US" sz="1200" dirty="0" smtClean="0">
+                <a:solidFill>
+                  <a:srgbClr val="3F7F5F"/>
+                </a:solidFill>
+                <a:latin typeface="Consolas"/>
+              </a:rPr>
+              <a:t>cycle</a:t>
+            </a:r>
+          </a:p>
+          <a:p>
+            <a:pPr marL="0" indent="0">
+              <a:buNone/>
+            </a:pPr>
+            <a:r>
+              <a:rPr lang="en-US" sz="1200" dirty="0">
+                <a:latin typeface="Consolas"/>
+              </a:rPr>
+              <a:t> </a:t>
+            </a:r>
+            <a:r>
+              <a:rPr lang="en-US" sz="1200" dirty="0" smtClean="0">
+                <a:latin typeface="Consolas"/>
+              </a:rPr>
+              <a:t>           index %= 4;  </a:t>
+            </a:r>
+            <a:r>
+              <a:rPr lang="en-US" sz="1200" dirty="0">
+                <a:solidFill>
+                  <a:srgbClr val="3F7F5F"/>
+                </a:solidFill>
+                <a:latin typeface="Consolas"/>
+              </a:rPr>
+              <a:t>// wrap index number to 0-3 </a:t>
+            </a:r>
+          </a:p>
+          <a:p>
+            <a:pPr marL="0" indent="0">
+              <a:buNone/>
+            </a:pPr>
+            <a:r>
+              <a:rPr lang="en-US" sz="1200" dirty="0" smtClean="0">
+                <a:solidFill>
+                  <a:srgbClr val="000000"/>
+                </a:solidFill>
+                <a:latin typeface="Consolas"/>
+              </a:rPr>
+              <a:t>        </a:t>
+            </a:r>
+            <a:r>
+              <a:rPr lang="en-US" sz="1200" dirty="0">
+                <a:solidFill>
+                  <a:srgbClr val="000000"/>
+                </a:solidFill>
+                <a:latin typeface="Consolas"/>
+              </a:rPr>
+              <a:t>}</a:t>
+            </a:r>
+          </a:p>
+          <a:p>
+            <a:pPr marL="0" indent="0">
+              <a:buNone/>
+            </a:pPr>
+            <a:r>
+              <a:rPr lang="en-US" sz="1200" dirty="0" smtClean="0">
+                <a:solidFill>
+                  <a:srgbClr val="000000"/>
+                </a:solidFill>
+                <a:latin typeface="Consolas"/>
+              </a:rPr>
+              <a:t>}</a:t>
+            </a:r>
+            <a:endParaRPr lang="en-US" sz="1200" dirty="0" smtClean="0">
+              <a:solidFill>
+                <a:schemeClr val="accent2"/>
+              </a:solidFill>
+            </a:endParaRPr>
+          </a:p>
+        </p:txBody>
+      </p:sp>
+    </p:spTree>
+    <p:extLst>
+      <p:ext uri="{BB962C8B-B14F-4D97-AF65-F5344CB8AC3E}">
+        <p14:creationId xmlns:p14="http://schemas.microsoft.com/office/powerpoint/2010/main" val="2019362551"/>
+      </p:ext>
+    </p:extLst>
+  </p:cSld>
+  <p:clrMapOvr>
+    <a:masterClrMapping/>
+  </p:clrMapOvr>
+  <p:timing>
+    <p:tnLst>
+      <p:par>
+        <p:cTn id="1" dur="indefinite" restart="never" nodeType="tmRoot"/>
+      </p:par>
+    </p:tnLst>
+  </p:timing>
+</p:sld>
+</file>
+
+<file path=ppt/slides/slide23.xml><?xml version="1.0" encoding="utf-8"?>
+<p:sld xmlns:a="http://schemas.openxmlformats.org/drawingml/2006/main" xmlns:r="http://schemas.openxmlformats.org/officeDocument/2006/relationships" xmlns:p="http://schemas.openxmlformats.org/presentationml/2006/main">
+  <p:cSld>
+    <p:spTree>
+      <p:nvGrpSpPr>
+        <p:cNvPr id="1" name=""/>
+        <p:cNvGrpSpPr/>
+        <p:nvPr/>
+      </p:nvGrpSpPr>
+      <p:grpSpPr>
+        <a:xfrm>
+          <a:off x="0" y="0"/>
+          <a:ext cx="0" cy="0"/>
+          <a:chOff x="0" y="0"/>
+          <a:chExt cx="0" cy="0"/>
+        </a:xfrm>
+      </p:grpSpPr>
+      <p:sp>
+        <p:nvSpPr>
+          <p:cNvPr id="2" name="Title 1"/>
+          <p:cNvSpPr>
+            <a:spLocks noGrp="1"/>
+          </p:cNvSpPr>
+          <p:nvPr>
+            <p:ph type="title"/>
+          </p:nvPr>
+        </p:nvSpPr>
+        <p:spPr/>
+        <p:txBody>
+          <a:bodyPr/>
+          <a:lstStyle/>
+          <a:p>
+            <a:r>
+              <a:rPr lang="en-US" b="1" dirty="0" smtClean="0"/>
+              <a:t>Example with Interrupt</a:t>
+            </a:r>
+            <a:endParaRPr lang="en-US" b="1" dirty="0"/>
+          </a:p>
+        </p:txBody>
+      </p:sp>
+      <p:sp>
+        <p:nvSpPr>
+          <p:cNvPr id="7" name="TextBox 6"/>
+          <p:cNvSpPr txBox="1"/>
+          <p:nvPr/>
+        </p:nvSpPr>
+        <p:spPr>
+          <a:xfrm>
+            <a:off x="439553" y="1681241"/>
+            <a:ext cx="7214606" cy="3054682"/>
+          </a:xfrm>
+          <a:prstGeom prst="rect">
+            <a:avLst/>
+          </a:prstGeom>
+          <a:noFill/>
+        </p:spPr>
+        <p:txBody>
+          <a:bodyPr wrap="square" rtlCol="0">
+            <a:spAutoFit/>
+          </a:bodyPr>
+          <a:lstStyle/>
+          <a:p>
+            <a:pPr marL="0" indent="0">
+              <a:buNone/>
+            </a:pPr>
+            <a:r>
+              <a:rPr lang="en-US" sz="1100" b="1" dirty="0">
+                <a:solidFill>
+                  <a:srgbClr val="7F0055"/>
+                </a:solidFill>
+                <a:latin typeface="Consolas"/>
+              </a:rPr>
+              <a:t>#pragma</a:t>
+            </a:r>
+            <a:r>
+              <a:rPr lang="en-US" sz="1100" b="1" dirty="0">
+                <a:solidFill>
+                  <a:srgbClr val="000000"/>
+                </a:solidFill>
+                <a:latin typeface="Consolas"/>
+              </a:rPr>
+              <a:t> vector = </a:t>
+            </a:r>
+            <a:r>
+              <a:rPr lang="en-US" sz="1100" b="1" dirty="0" smtClean="0">
+                <a:solidFill>
+                  <a:srgbClr val="000000"/>
+                </a:solidFill>
+                <a:latin typeface="Consolas"/>
+              </a:rPr>
+              <a:t>TIMER1_A0_VECTOR</a:t>
+            </a:r>
+            <a:endParaRPr lang="en-US" sz="1100" b="1" dirty="0">
+              <a:solidFill>
+                <a:srgbClr val="3F7F5F"/>
+              </a:solidFill>
+              <a:latin typeface="Consolas"/>
+            </a:endParaRPr>
+          </a:p>
+          <a:p>
+            <a:pPr marL="0" indent="0">
+              <a:buNone/>
+            </a:pPr>
+            <a:r>
+              <a:rPr lang="en-US" sz="1100" b="1" dirty="0">
+                <a:solidFill>
+                  <a:srgbClr val="7F0055"/>
+                </a:solidFill>
+                <a:latin typeface="Consolas"/>
+              </a:rPr>
+              <a:t>__interrupt</a:t>
+            </a:r>
+            <a:r>
+              <a:rPr lang="en-US" sz="1100" b="1" dirty="0">
+                <a:solidFill>
+                  <a:srgbClr val="000000"/>
+                </a:solidFill>
+                <a:latin typeface="Consolas"/>
+              </a:rPr>
+              <a:t> </a:t>
+            </a:r>
+            <a:r>
+              <a:rPr lang="en-US" sz="1100" b="1" dirty="0">
+                <a:solidFill>
+                  <a:srgbClr val="7F0055"/>
+                </a:solidFill>
+                <a:latin typeface="Consolas"/>
+              </a:rPr>
+              <a:t>void</a:t>
+            </a:r>
+            <a:r>
+              <a:rPr lang="en-US" sz="1100" b="1" dirty="0">
+                <a:solidFill>
+                  <a:srgbClr val="000000"/>
+                </a:solidFill>
+                <a:latin typeface="Consolas"/>
+              </a:rPr>
+              <a:t> </a:t>
+            </a:r>
+            <a:r>
+              <a:rPr lang="en-US" sz="1100" b="1" dirty="0" err="1">
+                <a:solidFill>
+                  <a:srgbClr val="000000"/>
+                </a:solidFill>
+                <a:latin typeface="Consolas"/>
+              </a:rPr>
+              <a:t>captureCompareInt</a:t>
+            </a:r>
+            <a:r>
+              <a:rPr lang="en-US" sz="1100" b="1" dirty="0">
+                <a:solidFill>
+                  <a:srgbClr val="000000"/>
+                </a:solidFill>
+                <a:latin typeface="Consolas"/>
+              </a:rPr>
+              <a:t> (</a:t>
+            </a:r>
+            <a:r>
+              <a:rPr lang="en-US" sz="1100" b="1" dirty="0">
+                <a:solidFill>
+                  <a:srgbClr val="7F0055"/>
+                </a:solidFill>
+                <a:latin typeface="Consolas"/>
+              </a:rPr>
+              <a:t>void</a:t>
+            </a:r>
+            <a:r>
+              <a:rPr lang="en-US" sz="1100" b="1" dirty="0">
+                <a:solidFill>
+                  <a:srgbClr val="000000"/>
+                </a:solidFill>
+                <a:latin typeface="Consolas"/>
+              </a:rPr>
+              <a:t>) {</a:t>
+            </a:r>
+          </a:p>
+          <a:p>
+            <a:pPr marL="0" indent="0">
+              <a:buNone/>
+            </a:pPr>
+            <a:r>
+              <a:rPr lang="en-US" sz="1100" dirty="0">
+                <a:solidFill>
+                  <a:srgbClr val="000000"/>
+                </a:solidFill>
+                <a:latin typeface="Consolas"/>
+              </a:rPr>
+              <a:t>    P1OUT |= BIT0;                        </a:t>
+            </a:r>
+            <a:r>
+              <a:rPr lang="en-US" sz="1100" dirty="0">
+                <a:solidFill>
+                  <a:srgbClr val="3F7F5F"/>
+                </a:solidFill>
+                <a:latin typeface="Consolas"/>
+              </a:rPr>
+              <a:t>//Turn on </a:t>
+            </a:r>
+            <a:r>
+              <a:rPr lang="en-US" sz="1100" dirty="0" smtClean="0">
+                <a:solidFill>
+                  <a:srgbClr val="3F7F5F"/>
+                </a:solidFill>
+                <a:latin typeface="Consolas"/>
+              </a:rPr>
+              <a:t>LED</a:t>
+            </a:r>
+          </a:p>
+          <a:p>
+            <a:pPr marL="0" indent="0">
+              <a:buNone/>
+            </a:pPr>
+            <a:r>
+              <a:rPr lang="en-US" sz="1100" dirty="0" smtClean="0">
+                <a:solidFill>
+                  <a:srgbClr val="000000"/>
+                </a:solidFill>
+                <a:latin typeface="Consolas"/>
+              </a:rPr>
+              <a:t>    </a:t>
+            </a:r>
+            <a:r>
+              <a:rPr lang="en-US" sz="1100" dirty="0">
+                <a:solidFill>
+                  <a:srgbClr val="000000"/>
+                </a:solidFill>
+                <a:latin typeface="Consolas"/>
+              </a:rPr>
+              <a:t>TA1CCTL1 &amp;= ~CCIFG;                </a:t>
+            </a:r>
+            <a:r>
+              <a:rPr lang="en-US" sz="1100" dirty="0">
+                <a:solidFill>
+                  <a:srgbClr val="3F7F5F"/>
+                </a:solidFill>
+                <a:latin typeface="Consolas"/>
+              </a:rPr>
+              <a:t>//clear capture compare interrupt </a:t>
+            </a:r>
+            <a:r>
+              <a:rPr lang="en-US" sz="1100" dirty="0" smtClean="0">
+                <a:solidFill>
+                  <a:srgbClr val="3F7F5F"/>
+                </a:solidFill>
+                <a:latin typeface="Consolas"/>
+              </a:rPr>
+              <a:t>flag</a:t>
+            </a:r>
+            <a:endParaRPr lang="en-US" sz="1100" dirty="0">
+              <a:solidFill>
+                <a:srgbClr val="3F7F5F"/>
+              </a:solidFill>
+              <a:latin typeface="Consolas"/>
+            </a:endParaRPr>
+          </a:p>
+          <a:p>
+            <a:pPr marL="0" indent="0">
+              <a:buNone/>
+            </a:pPr>
+            <a:r>
+              <a:rPr lang="en-US" sz="1100" dirty="0">
+                <a:solidFill>
+                  <a:srgbClr val="000000"/>
+                </a:solidFill>
+                <a:latin typeface="Consolas"/>
+              </a:rPr>
+              <a:t>}</a:t>
+            </a:r>
+          </a:p>
+          <a:p>
+            <a:pPr marL="0" indent="0">
+              <a:buNone/>
+            </a:pPr>
+            <a:endParaRPr lang="en-US" sz="1100" dirty="0">
+              <a:latin typeface="Consolas"/>
+            </a:endParaRPr>
+          </a:p>
+          <a:p>
+            <a:pPr marL="0" indent="0">
+              <a:buNone/>
+            </a:pPr>
+            <a:r>
+              <a:rPr lang="en-US" sz="1100" b="1" dirty="0">
+                <a:solidFill>
+                  <a:srgbClr val="7F0055"/>
+                </a:solidFill>
+                <a:latin typeface="Consolas"/>
+              </a:rPr>
+              <a:t>#pragma</a:t>
+            </a:r>
+            <a:r>
+              <a:rPr lang="en-US" sz="1100" b="1" dirty="0">
+                <a:solidFill>
+                  <a:srgbClr val="000000"/>
+                </a:solidFill>
+                <a:latin typeface="Consolas"/>
+              </a:rPr>
+              <a:t> vector = TIMER1_A1_VECTOR            </a:t>
+            </a:r>
+            <a:endParaRPr lang="en-US" sz="1100" b="1" dirty="0" smtClean="0">
+              <a:solidFill>
+                <a:srgbClr val="000000"/>
+              </a:solidFill>
+              <a:latin typeface="Consolas"/>
+            </a:endParaRPr>
+          </a:p>
+          <a:p>
+            <a:pPr marL="0" indent="0">
+              <a:buNone/>
+            </a:pPr>
+            <a:r>
+              <a:rPr lang="en-US" sz="1100" b="1" dirty="0" smtClean="0">
+                <a:solidFill>
+                  <a:srgbClr val="7F0055"/>
+                </a:solidFill>
+                <a:latin typeface="Consolas"/>
+              </a:rPr>
+              <a:t>__</a:t>
+            </a:r>
+            <a:r>
+              <a:rPr lang="en-US" sz="1100" b="1" dirty="0">
+                <a:solidFill>
+                  <a:srgbClr val="7F0055"/>
+                </a:solidFill>
+                <a:latin typeface="Consolas"/>
+              </a:rPr>
+              <a:t>interrupt</a:t>
+            </a:r>
+            <a:r>
+              <a:rPr lang="en-US" sz="1100" b="1" dirty="0">
+                <a:solidFill>
+                  <a:srgbClr val="000000"/>
+                </a:solidFill>
+                <a:latin typeface="Consolas"/>
+              </a:rPr>
+              <a:t> </a:t>
+            </a:r>
+            <a:r>
+              <a:rPr lang="en-US" sz="1100" b="1" dirty="0">
+                <a:solidFill>
+                  <a:srgbClr val="7F0055"/>
+                </a:solidFill>
+                <a:latin typeface="Consolas"/>
+              </a:rPr>
+              <a:t>void</a:t>
+            </a:r>
+            <a:r>
+              <a:rPr lang="en-US" sz="1100" b="1" dirty="0">
+                <a:solidFill>
+                  <a:srgbClr val="000000"/>
+                </a:solidFill>
+                <a:latin typeface="Consolas"/>
+              </a:rPr>
+              <a:t> captureCompareInt2 (</a:t>
+            </a:r>
+            <a:r>
+              <a:rPr lang="en-US" sz="1100" b="1" dirty="0">
+                <a:solidFill>
+                  <a:srgbClr val="7F0055"/>
+                </a:solidFill>
+                <a:latin typeface="Consolas"/>
+              </a:rPr>
+              <a:t>void</a:t>
+            </a:r>
+            <a:r>
+              <a:rPr lang="en-US" sz="1100" b="1" dirty="0">
+                <a:solidFill>
+                  <a:srgbClr val="000000"/>
+                </a:solidFill>
+                <a:latin typeface="Consolas"/>
+              </a:rPr>
+              <a:t>) {</a:t>
+            </a:r>
+          </a:p>
+          <a:p>
+            <a:pPr marL="0" indent="0">
+              <a:buNone/>
+            </a:pPr>
+            <a:r>
+              <a:rPr lang="en-US" sz="1100" dirty="0">
+                <a:solidFill>
+                  <a:srgbClr val="000000"/>
+                </a:solidFill>
+                <a:latin typeface="Consolas"/>
+              </a:rPr>
+              <a:t>    P1OUT &amp;= ~BIT0;                        </a:t>
+            </a:r>
+            <a:r>
+              <a:rPr lang="en-US" sz="1100" dirty="0">
+                <a:solidFill>
+                  <a:srgbClr val="3F7F5F"/>
+                </a:solidFill>
+                <a:latin typeface="Consolas"/>
+              </a:rPr>
+              <a:t>//Turn off </a:t>
+            </a:r>
+            <a:r>
+              <a:rPr lang="en-US" sz="1100" dirty="0" smtClean="0">
+                <a:solidFill>
+                  <a:srgbClr val="3F7F5F"/>
+                </a:solidFill>
+                <a:latin typeface="Consolas"/>
+              </a:rPr>
+              <a:t>LED</a:t>
+            </a:r>
+            <a:endParaRPr lang="en-US" sz="1100" dirty="0">
+              <a:solidFill>
+                <a:srgbClr val="3F7F5F"/>
+              </a:solidFill>
+              <a:latin typeface="Consolas"/>
+            </a:endParaRPr>
+          </a:p>
+          <a:p>
+            <a:pPr marL="0" indent="0">
+              <a:buNone/>
+            </a:pPr>
+            <a:r>
+              <a:rPr lang="en-US" sz="1100" dirty="0">
+                <a:solidFill>
+                  <a:srgbClr val="000000"/>
+                </a:solidFill>
+                <a:latin typeface="Consolas"/>
+              </a:rPr>
+              <a:t>    TA1CCTL1 &amp;= ~CCIFG;                </a:t>
+            </a:r>
+            <a:r>
+              <a:rPr lang="en-US" sz="1100" dirty="0">
+                <a:solidFill>
+                  <a:srgbClr val="3F7F5F"/>
+                </a:solidFill>
+                <a:latin typeface="Consolas"/>
+              </a:rPr>
+              <a:t>//clear capture compare interrupt </a:t>
+            </a:r>
+            <a:r>
+              <a:rPr lang="en-US" sz="1100" dirty="0" smtClean="0">
+                <a:solidFill>
+                  <a:srgbClr val="3F7F5F"/>
+                </a:solidFill>
+                <a:latin typeface="Consolas"/>
+              </a:rPr>
+              <a:t>flag</a:t>
+            </a:r>
+            <a:endParaRPr lang="en-US" sz="1100" dirty="0">
+              <a:solidFill>
+                <a:srgbClr val="3F7F5F"/>
+              </a:solidFill>
+              <a:latin typeface="Consolas"/>
+            </a:endParaRPr>
+          </a:p>
+          <a:p>
+            <a:pPr marL="0" indent="0">
+              <a:buNone/>
+            </a:pPr>
+            <a:r>
+              <a:rPr lang="en-US" sz="1100" dirty="0">
+                <a:solidFill>
+                  <a:srgbClr val="000000"/>
+                </a:solidFill>
+                <a:latin typeface="Consolas"/>
+              </a:rPr>
+              <a:t>}</a:t>
+            </a:r>
+          </a:p>
+          <a:p>
+            <a:endParaRPr lang="en-US" sz="1100" dirty="0"/>
+          </a:p>
+        </p:txBody>
+      </p:sp>
+    </p:spTree>
+    <p:extLst>
+      <p:ext uri="{BB962C8B-B14F-4D97-AF65-F5344CB8AC3E}">
+        <p14:creationId xmlns:p14="http://schemas.microsoft.com/office/powerpoint/2010/main" val="1800504559"/>
+      </p:ext>
+    </p:extLst>
+  </p:cSld>
+  <p:clrMapOvr>
+    <a:masterClrMapping/>
+  </p:clrMapOvr>
+  <p:timing>
+    <p:tnLst>
+      <p:par>
+        <p:cTn id="1" dur="indefinite" restart="never" nodeType="tmRoot"/>
+      </p:par>
+    </p:tnLst>
+  </p:timing>
+</p:sld>
+</file>
+
+<file path=ppt/slides/slide24.xml><?xml version="1.0" encoding="utf-8"?>
+<p:sld xmlns:a="http://schemas.openxmlformats.org/drawingml/2006/main" xmlns:r="http://schemas.openxmlformats.org/officeDocument/2006/relationships" xmlns:p="http://schemas.openxmlformats.org/presentationml/2006/main">
+  <p:cSld>
+    <p:spTree>
+      <p:nvGrpSpPr>
+        <p:cNvPr id="1" name=""/>
+        <p:cNvGrpSpPr/>
+        <p:nvPr/>
+      </p:nvGrpSpPr>
+      <p:grpSpPr>
+        <a:xfrm>
+          <a:off x="0" y="0"/>
+          <a:ext cx="0" cy="0"/>
+          <a:chOff x="0" y="0"/>
+          <a:chExt cx="0" cy="0"/>
+        </a:xfrm>
+      </p:grpSpPr>
+      <p:sp>
+        <p:nvSpPr>
           <p:cNvPr id="5" name="Subtitle 4"/>
           <p:cNvSpPr>
             <a:spLocks noGrp="1"/>
@@ -13513,7 +15181,7 @@
 </p:sld>
 </file>
 
-<file path=ppt/slides/slide23.xml><?xml version="1.0" encoding="utf-8"?>
+<file path=ppt/slides/slide25.xml><?xml version="1.0" encoding="utf-8"?>
 <p:sld xmlns:a="http://schemas.openxmlformats.org/drawingml/2006/main" xmlns:r="http://schemas.openxmlformats.org/officeDocument/2006/relationships" xmlns:p="http://schemas.openxmlformats.org/presentationml/2006/main" show="0">
   <p:cSld>
     <p:spTree>
@@ -13807,6 +15475,643 @@
           <a:p>
             <a:r>
               <a:rPr lang="en-US" dirty="0" smtClean="0"/>
+              <a:t>Pulse Width Modulation (PWM)</a:t>
+            </a:r>
+            <a:endParaRPr lang="en-US" dirty="0"/>
+          </a:p>
+        </p:txBody>
+      </p:sp>
+      <p:sp>
+        <p:nvSpPr>
+          <p:cNvPr id="3" name="Content Placeholder 2"/>
+          <p:cNvSpPr>
+            <a:spLocks noGrp="1"/>
+          </p:cNvSpPr>
+          <p:nvPr>
+            <p:ph idx="1"/>
+          </p:nvPr>
+        </p:nvSpPr>
+        <p:spPr/>
+        <p:txBody>
+          <a:bodyPr/>
+          <a:lstStyle/>
+          <a:p>
+            <a:r>
+              <a:rPr lang="en-US" dirty="0" smtClean="0"/>
+              <a:t>Commonly used for digital-to-analog</a:t>
+            </a:r>
+          </a:p>
+          <a:p>
+            <a:pPr lvl="1"/>
+            <a:r>
+              <a:rPr lang="en-US" dirty="0" smtClean="0"/>
+              <a:t>Not very high performance, but cheap/easy</a:t>
+            </a:r>
+          </a:p>
+          <a:p>
+            <a:pPr lvl="1"/>
+            <a:r>
+              <a:rPr lang="en-US" dirty="0" smtClean="0"/>
+              <a:t>Used for a lot of things like LED, buzzers, motors, </a:t>
+            </a:r>
+            <a:r>
+              <a:rPr lang="en-US" dirty="0" err="1" smtClean="0"/>
+              <a:t>etc</a:t>
+            </a:r>
+            <a:endParaRPr lang="en-US" dirty="0"/>
+          </a:p>
+        </p:txBody>
+      </p:sp>
+      <p:grpSp>
+        <p:nvGrpSpPr>
+          <p:cNvPr id="13" name="Group 12"/>
+          <p:cNvGrpSpPr/>
+          <p:nvPr/>
+        </p:nvGrpSpPr>
+        <p:grpSpPr>
+          <a:xfrm>
+            <a:off x="2410045" y="2577668"/>
+            <a:ext cx="6460735" cy="3856902"/>
+            <a:chOff x="1408932" y="2372710"/>
+            <a:chExt cx="6460735" cy="3856902"/>
+          </a:xfrm>
+        </p:grpSpPr>
+        <p:pic>
+          <p:nvPicPr>
+            <p:cNvPr id="1026" name="Picture 2" descr="Image result for pwm gif"/>
+            <p:cNvPicPr>
+              <a:picLocks noChangeAspect="1" noChangeArrowheads="1"/>
+            </p:cNvPicPr>
+            <p:nvPr/>
+          </p:nvPicPr>
+          <p:blipFill>
+            <a:blip r:embed="rId2">
+              <a:extLst>
+                <a:ext uri="{28A0092B-C50C-407E-A947-70E740481C1C}">
+                  <a14:useLocalDpi xmlns:a14="http://schemas.microsoft.com/office/drawing/2010/main" val="0"/>
+                </a:ext>
+              </a:extLst>
+            </a:blip>
+            <a:srcRect/>
+            <a:stretch>
+              <a:fillRect/>
+            </a:stretch>
+          </p:blipFill>
+          <p:spPr bwMode="auto">
+            <a:xfrm>
+              <a:off x="1408932" y="2603182"/>
+              <a:ext cx="6460735" cy="3277356"/>
+            </a:xfrm>
+            <a:prstGeom prst="rect">
+              <a:avLst/>
+            </a:prstGeom>
+            <a:noFill/>
+            <a:extLst>
+              <a:ext uri="{909E8E84-426E-40DD-AFC4-6F175D3DCCD1}">
+                <a14:hiddenFill xmlns:a14="http://schemas.microsoft.com/office/drawing/2010/main">
+                  <a:solidFill>
+                    <a:srgbClr val="FFFFFF"/>
+                  </a:solidFill>
+                </a14:hiddenFill>
+              </a:ext>
+            </a:extLst>
+          </p:spPr>
+        </p:pic>
+        <p:cxnSp>
+          <p:nvCxnSpPr>
+            <p:cNvPr id="5" name="Straight Connector 4"/>
+            <p:cNvCxnSpPr/>
+            <p:nvPr/>
+          </p:nvCxnSpPr>
+          <p:spPr bwMode="auto">
+            <a:xfrm>
+              <a:off x="1623848" y="2372710"/>
+              <a:ext cx="0" cy="3744311"/>
+            </a:xfrm>
+            <a:prstGeom prst="line">
+              <a:avLst/>
+            </a:prstGeom>
+            <a:solidFill>
+              <a:srgbClr val="0C2D83"/>
+            </a:solidFill>
+            <a:ln w="12700" cap="flat" cmpd="sng" algn="ctr">
+              <a:solidFill>
+                <a:srgbClr val="FF0000"/>
+              </a:solidFill>
+              <a:prstDash val="solid"/>
+              <a:round/>
+              <a:headEnd type="none" w="med" len="med"/>
+              <a:tailEnd type="none" w="med" len="med"/>
+            </a:ln>
+            <a:effectLst/>
+          </p:spPr>
+        </p:cxnSp>
+        <p:cxnSp>
+          <p:nvCxnSpPr>
+            <p:cNvPr id="7" name="Straight Connector 6"/>
+            <p:cNvCxnSpPr/>
+            <p:nvPr/>
+          </p:nvCxnSpPr>
+          <p:spPr bwMode="auto">
+            <a:xfrm>
+              <a:off x="3384330" y="2372710"/>
+              <a:ext cx="0" cy="3744311"/>
+            </a:xfrm>
+            <a:prstGeom prst="line">
+              <a:avLst/>
+            </a:prstGeom>
+            <a:solidFill>
+              <a:srgbClr val="0C2D83"/>
+            </a:solidFill>
+            <a:ln w="12700" cap="flat" cmpd="sng" algn="ctr">
+              <a:solidFill>
+                <a:srgbClr val="FF0000"/>
+              </a:solidFill>
+              <a:prstDash val="solid"/>
+              <a:round/>
+              <a:headEnd type="none" w="med" len="med"/>
+              <a:tailEnd type="none" w="med" len="med"/>
+            </a:ln>
+            <a:effectLst/>
+          </p:spPr>
+        </p:cxnSp>
+        <p:sp>
+          <p:nvSpPr>
+            <p:cNvPr id="6" name="TextBox 5"/>
+            <p:cNvSpPr txBox="1"/>
+            <p:nvPr/>
+          </p:nvSpPr>
+          <p:spPr>
+            <a:xfrm>
+              <a:off x="2019021" y="5767947"/>
+              <a:ext cx="970137" cy="461665"/>
+            </a:xfrm>
+            <a:prstGeom prst="rect">
+              <a:avLst/>
+            </a:prstGeom>
+            <a:noFill/>
+          </p:spPr>
+          <p:txBody>
+            <a:bodyPr wrap="none" rtlCol="0">
+              <a:spAutoFit/>
+            </a:bodyPr>
+            <a:lstStyle/>
+            <a:p>
+              <a:r>
+                <a:rPr lang="en-US" dirty="0" smtClean="0">
+                  <a:solidFill>
+                    <a:srgbClr val="FF0000"/>
+                  </a:solidFill>
+                </a:rPr>
+                <a:t>period</a:t>
+              </a:r>
+              <a:endParaRPr lang="en-US" dirty="0">
+                <a:solidFill>
+                  <a:srgbClr val="FF0000"/>
+                </a:solidFill>
+              </a:endParaRPr>
+            </a:p>
+          </p:txBody>
+        </p:sp>
+        <p:cxnSp>
+          <p:nvCxnSpPr>
+            <p:cNvPr id="9" name="Straight Arrow Connector 8"/>
+            <p:cNvCxnSpPr>
+              <a:stCxn id="6" idx="3"/>
+            </p:cNvCxnSpPr>
+            <p:nvPr/>
+          </p:nvCxnSpPr>
+          <p:spPr bwMode="auto">
+            <a:xfrm flipV="1">
+              <a:off x="2989158" y="5998779"/>
+              <a:ext cx="392290" cy="1"/>
+            </a:xfrm>
+            <a:prstGeom prst="straightConnector1">
+              <a:avLst/>
+            </a:prstGeom>
+            <a:solidFill>
+              <a:srgbClr val="0C2D83"/>
+            </a:solidFill>
+            <a:ln w="12700" cap="flat" cmpd="sng" algn="ctr">
+              <a:solidFill>
+                <a:srgbClr val="FF0000"/>
+              </a:solidFill>
+              <a:prstDash val="solid"/>
+              <a:round/>
+              <a:headEnd type="none" w="med" len="med"/>
+              <a:tailEnd type="triangle"/>
+            </a:ln>
+            <a:effectLst/>
+          </p:spPr>
+        </p:cxnSp>
+        <p:cxnSp>
+          <p:nvCxnSpPr>
+            <p:cNvPr id="11" name="Straight Arrow Connector 10"/>
+            <p:cNvCxnSpPr>
+              <a:stCxn id="6" idx="1"/>
+            </p:cNvCxnSpPr>
+            <p:nvPr/>
+          </p:nvCxnSpPr>
+          <p:spPr bwMode="auto">
+            <a:xfrm flipH="1" flipV="1">
+              <a:off x="1623848" y="5998779"/>
+              <a:ext cx="395173" cy="1"/>
+            </a:xfrm>
+            <a:prstGeom prst="straightConnector1">
+              <a:avLst/>
+            </a:prstGeom>
+            <a:solidFill>
+              <a:srgbClr val="0C2D83"/>
+            </a:solidFill>
+            <a:ln w="12700" cap="flat" cmpd="sng" algn="ctr">
+              <a:solidFill>
+                <a:srgbClr val="FF0000"/>
+              </a:solidFill>
+              <a:prstDash val="solid"/>
+              <a:round/>
+              <a:headEnd type="none" w="med" len="med"/>
+              <a:tailEnd type="triangle"/>
+            </a:ln>
+            <a:effectLst/>
+          </p:spPr>
+        </p:cxnSp>
+      </p:grpSp>
+      <p:sp>
+        <p:nvSpPr>
+          <p:cNvPr id="12" name="Rectangular Callout 11"/>
+          <p:cNvSpPr/>
+          <p:nvPr/>
+        </p:nvSpPr>
+        <p:spPr bwMode="auto">
+          <a:xfrm>
+            <a:off x="151627" y="3499945"/>
+            <a:ext cx="2150960" cy="1347952"/>
+          </a:xfrm>
+          <a:prstGeom prst="wedgeRectCallout">
+            <a:avLst>
+              <a:gd name="adj1" fmla="val 63457"/>
+              <a:gd name="adj2" fmla="val 19225"/>
+            </a:avLst>
+          </a:prstGeom>
+          <a:solidFill>
+            <a:srgbClr val="FFFF00"/>
+          </a:solidFill>
+          <a:ln w="12700" cap="flat" cmpd="sng" algn="ctr">
+            <a:solidFill>
+              <a:schemeClr val="tx1"/>
+            </a:solidFill>
+            <a:prstDash val="solid"/>
+            <a:round/>
+            <a:headEnd type="none" w="med" len="med"/>
+            <a:tailEnd type="none" w="med" len="med"/>
+          </a:ln>
+          <a:effectLst/>
+        </p:spPr>
+        <p:txBody>
+          <a:bodyPr vert="horz" wrap="square" lIns="91440" tIns="45720" rIns="91440" bIns="45720" numCol="1" rtlCol="0" anchor="t" anchorCtr="0" compatLnSpc="1">
+            <a:prstTxWarp prst="textNoShape">
+              <a:avLst/>
+            </a:prstTxWarp>
+          </a:bodyPr>
+          <a:lstStyle/>
+          <a:p>
+            <a:pPr marL="0" marR="0" indent="0" algn="ctr" defTabSz="914400" rtl="0" eaLnBrk="0" fontAlgn="base" latinLnBrk="0" hangingPunct="0">
+              <a:lnSpc>
+                <a:spcPct val="100000"/>
+              </a:lnSpc>
+              <a:spcBef>
+                <a:spcPct val="0"/>
+              </a:spcBef>
+              <a:spcAft>
+                <a:spcPct val="0"/>
+              </a:spcAft>
+              <a:buClrTx/>
+              <a:buSzTx/>
+              <a:buFontTx/>
+              <a:buNone/>
+              <a:tabLst/>
+            </a:pPr>
+            <a:r>
+              <a:rPr kumimoji="0" lang="en-US" sz="1600" b="0" i="0" u="none" strike="noStrike" cap="none" normalizeH="0" baseline="0" dirty="0" smtClean="0">
+                <a:ln>
+                  <a:noFill/>
+                </a:ln>
+                <a:solidFill>
+                  <a:schemeClr val="tx1"/>
+                </a:solidFill>
+                <a:effectLst/>
+                <a:latin typeface="Arial" charset="0"/>
+              </a:rPr>
+              <a:t>Duty cycle is a</a:t>
+            </a:r>
+            <a:r>
+              <a:rPr kumimoji="0" lang="en-US" sz="1600" b="0" i="0" u="none" strike="noStrike" cap="none" normalizeH="0" dirty="0" smtClean="0">
+                <a:ln>
+                  <a:noFill/>
+                </a:ln>
+                <a:solidFill>
+                  <a:schemeClr val="tx1"/>
+                </a:solidFill>
+                <a:effectLst/>
+                <a:latin typeface="Arial" charset="0"/>
+              </a:rPr>
+              <a:t> reference to what percentage of time the signal is high during a period</a:t>
+            </a:r>
+            <a:endParaRPr kumimoji="0" lang="en-US" sz="1600" b="0" i="0" u="none" strike="noStrike" cap="none" normalizeH="0" baseline="0" dirty="0" smtClean="0">
+              <a:ln>
+                <a:noFill/>
+              </a:ln>
+              <a:solidFill>
+                <a:schemeClr val="tx1"/>
+              </a:solidFill>
+              <a:effectLst/>
+              <a:latin typeface="Arial" charset="0"/>
+            </a:endParaRPr>
+          </a:p>
+        </p:txBody>
+      </p:sp>
+    </p:spTree>
+    <p:extLst>
+      <p:ext uri="{BB962C8B-B14F-4D97-AF65-F5344CB8AC3E}">
+        <p14:creationId xmlns:p14="http://schemas.microsoft.com/office/powerpoint/2010/main" val="139494546"/>
+      </p:ext>
+    </p:extLst>
+  </p:cSld>
+  <p:clrMapOvr>
+    <a:masterClrMapping/>
+  </p:clrMapOvr>
+</p:sld>
+</file>
+
+<file path=ppt/slides/slide4.xml><?xml version="1.0" encoding="utf-8"?>
+<p:sld xmlns:a="http://schemas.openxmlformats.org/drawingml/2006/main" xmlns:r="http://schemas.openxmlformats.org/officeDocument/2006/relationships" xmlns:p="http://schemas.openxmlformats.org/presentationml/2006/main">
+  <p:cSld>
+    <p:spTree>
+      <p:nvGrpSpPr>
+        <p:cNvPr id="1" name=""/>
+        <p:cNvGrpSpPr/>
+        <p:nvPr/>
+      </p:nvGrpSpPr>
+      <p:grpSpPr>
+        <a:xfrm>
+          <a:off x="0" y="0"/>
+          <a:ext cx="0" cy="0"/>
+          <a:chOff x="0" y="0"/>
+          <a:chExt cx="0" cy="0"/>
+        </a:xfrm>
+      </p:grpSpPr>
+      <p:sp>
+        <p:nvSpPr>
+          <p:cNvPr id="2" name="Title 1"/>
+          <p:cNvSpPr>
+            <a:spLocks noGrp="1"/>
+          </p:cNvSpPr>
+          <p:nvPr>
+            <p:ph type="title"/>
+          </p:nvPr>
+        </p:nvSpPr>
+        <p:spPr/>
+        <p:txBody>
+          <a:bodyPr/>
+          <a:lstStyle/>
+          <a:p>
+            <a:r>
+              <a:rPr lang="en-US" dirty="0" smtClean="0"/>
+              <a:t>Toy Servo Control</a:t>
+            </a:r>
+            <a:endParaRPr lang="en-US" dirty="0"/>
+          </a:p>
+        </p:txBody>
+      </p:sp>
+      <p:sp>
+        <p:nvSpPr>
+          <p:cNvPr id="3" name="Content Placeholder 2"/>
+          <p:cNvSpPr>
+            <a:spLocks noGrp="1"/>
+          </p:cNvSpPr>
+          <p:nvPr>
+            <p:ph idx="1"/>
+          </p:nvPr>
+        </p:nvSpPr>
+        <p:spPr/>
+        <p:txBody>
+          <a:bodyPr/>
+          <a:lstStyle/>
+          <a:p>
+            <a:r>
+              <a:rPr lang="en-US" dirty="0" smtClean="0"/>
+              <a:t>PWM is commonly used in the RC toy world</a:t>
+            </a:r>
+          </a:p>
+          <a:p>
+            <a:pPr lvl="1"/>
+            <a:r>
+              <a:rPr lang="en-US" dirty="0" smtClean="0"/>
+              <a:t>We will do this in lab 4</a:t>
+            </a:r>
+            <a:endParaRPr lang="en-US" dirty="0"/>
+          </a:p>
+        </p:txBody>
+      </p:sp>
+      <p:pic>
+        <p:nvPicPr>
+          <p:cNvPr id="5" name="Picture 4"/>
+          <p:cNvPicPr>
+            <a:picLocks noChangeAspect="1"/>
+          </p:cNvPicPr>
+          <p:nvPr/>
+        </p:nvPicPr>
+        <p:blipFill>
+          <a:blip r:embed="rId2">
+            <a:extLst>
+              <a:ext uri="{28A0092B-C50C-407E-A947-70E740481C1C}">
+                <a14:useLocalDpi xmlns:a14="http://schemas.microsoft.com/office/drawing/2010/main" val="0"/>
+              </a:ext>
+            </a:extLst>
+          </a:blip>
+          <a:stretch>
+            <a:fillRect/>
+          </a:stretch>
+        </p:blipFill>
+        <p:spPr>
+          <a:xfrm>
+            <a:off x="5267325" y="2443820"/>
+            <a:ext cx="3181350" cy="2381250"/>
+          </a:xfrm>
+          <a:prstGeom prst="rect">
+            <a:avLst/>
+          </a:prstGeom>
+        </p:spPr>
+      </p:pic>
+      <p:pic>
+        <p:nvPicPr>
+          <p:cNvPr id="6" name="Picture 5"/>
+          <p:cNvPicPr>
+            <a:picLocks noChangeAspect="1"/>
+          </p:cNvPicPr>
+          <p:nvPr/>
+        </p:nvPicPr>
+        <p:blipFill>
+          <a:blip r:embed="rId3"/>
+          <a:stretch>
+            <a:fillRect/>
+          </a:stretch>
+        </p:blipFill>
+        <p:spPr>
+          <a:xfrm>
+            <a:off x="365760" y="2410220"/>
+            <a:ext cx="4272427" cy="2414850"/>
+          </a:xfrm>
+          <a:prstGeom prst="rect">
+            <a:avLst/>
+          </a:prstGeom>
+        </p:spPr>
+      </p:pic>
+      <p:sp>
+        <p:nvSpPr>
+          <p:cNvPr id="7" name="Rectangle 6"/>
+          <p:cNvSpPr/>
+          <p:nvPr/>
+        </p:nvSpPr>
+        <p:spPr bwMode="auto">
+          <a:xfrm>
+            <a:off x="1245475" y="5171500"/>
+            <a:ext cx="6463862" cy="882869"/>
+          </a:xfrm>
+          <a:prstGeom prst="rect">
+            <a:avLst/>
+          </a:prstGeom>
+          <a:solidFill>
+            <a:srgbClr val="0C2D83"/>
+          </a:solidFill>
+          <a:ln w="12700" cap="flat" cmpd="sng" algn="ctr">
+            <a:solidFill>
+              <a:schemeClr val="tx1"/>
+            </a:solidFill>
+            <a:prstDash val="solid"/>
+            <a:round/>
+            <a:headEnd type="none" w="med" len="med"/>
+            <a:tailEnd type="none" w="med" len="med"/>
+          </a:ln>
+          <a:effectLst/>
+        </p:spPr>
+        <p:txBody>
+          <a:bodyPr vert="horz" wrap="square" lIns="91440" tIns="45720" rIns="91440" bIns="45720" numCol="1" rtlCol="0" anchor="ctr" anchorCtr="0" compatLnSpc="1">
+            <a:prstTxWarp prst="textNoShape">
+              <a:avLst/>
+            </a:prstTxWarp>
+          </a:bodyPr>
+          <a:lstStyle/>
+          <a:p>
+            <a:pPr marL="0" marR="0" indent="0" algn="ctr" defTabSz="914400" rtl="0" eaLnBrk="0" fontAlgn="base" latinLnBrk="0" hangingPunct="0">
+              <a:lnSpc>
+                <a:spcPct val="100000"/>
+              </a:lnSpc>
+              <a:spcBef>
+                <a:spcPct val="0"/>
+              </a:spcBef>
+              <a:spcAft>
+                <a:spcPct val="0"/>
+              </a:spcAft>
+              <a:buClrTx/>
+              <a:buSzTx/>
+              <a:buFontTx/>
+              <a:buNone/>
+              <a:tabLst/>
+            </a:pPr>
+            <a:r>
+              <a:rPr kumimoji="0" lang="en-US" sz="1600" b="0" i="0" u="none" strike="noStrike" cap="none" normalizeH="0" baseline="0" dirty="0" smtClean="0">
+                <a:ln>
+                  <a:noFill/>
+                </a:ln>
+                <a:solidFill>
+                  <a:schemeClr val="bg1"/>
+                </a:solidFill>
+                <a:effectLst/>
+                <a:latin typeface="Arial" charset="0"/>
+              </a:rPr>
+              <a:t>Most high performance servos</a:t>
+            </a:r>
+            <a:r>
+              <a:rPr kumimoji="0" lang="en-US" sz="1600" b="0" i="0" u="none" strike="noStrike" cap="none" normalizeH="0" dirty="0" smtClean="0">
+                <a:ln>
+                  <a:noFill/>
+                </a:ln>
+                <a:solidFill>
+                  <a:schemeClr val="bg1"/>
+                </a:solidFill>
+                <a:effectLst/>
+                <a:latin typeface="Arial" charset="0"/>
+              </a:rPr>
+              <a:t> use a serial/packet interface. We will talk more about this then we talk about serial communications</a:t>
+            </a:r>
+            <a:endParaRPr kumimoji="0" lang="en-US" sz="1600" b="0" i="0" u="none" strike="noStrike" cap="none" normalizeH="0" baseline="0" dirty="0" smtClean="0">
+              <a:ln>
+                <a:noFill/>
+              </a:ln>
+              <a:solidFill>
+                <a:schemeClr val="bg1"/>
+              </a:solidFill>
+              <a:effectLst/>
+              <a:latin typeface="Arial" charset="0"/>
+            </a:endParaRPr>
+          </a:p>
+        </p:txBody>
+      </p:sp>
+    </p:spTree>
+    <p:extLst>
+      <p:ext uri="{BB962C8B-B14F-4D97-AF65-F5344CB8AC3E}">
+        <p14:creationId xmlns:p14="http://schemas.microsoft.com/office/powerpoint/2010/main" val="1113251291"/>
+      </p:ext>
+    </p:extLst>
+  </p:cSld>
+  <p:clrMapOvr>
+    <a:masterClrMapping/>
+  </p:clrMapOvr>
+  <p:timing>
+    <p:tnLst>
+      <p:par>
+        <p:cTn id="1" dur="indefinite" restart="never" nodeType="tmRoot"/>
+      </p:par>
+    </p:tnLst>
+  </p:timing>
+</p:sld>
+</file>
+
+<file path=ppt/slides/slide5.xml><?xml version="1.0" encoding="utf-8"?>
+<p:sld xmlns:a="http://schemas.openxmlformats.org/drawingml/2006/main" xmlns:r="http://schemas.openxmlformats.org/officeDocument/2006/relationships" xmlns:p="http://schemas.openxmlformats.org/presentationml/2006/main">
+  <p:cSld>
+    <p:spTree>
+      <p:nvGrpSpPr>
+        <p:cNvPr id="1" name=""/>
+        <p:cNvGrpSpPr/>
+        <p:nvPr/>
+      </p:nvGrpSpPr>
+      <p:grpSpPr>
+        <a:xfrm>
+          <a:off x="0" y="0"/>
+          <a:ext cx="0" cy="0"/>
+          <a:chOff x="0" y="0"/>
+          <a:chExt cx="0" cy="0"/>
+        </a:xfrm>
+      </p:grpSpPr>
+      <p:sp>
+        <p:nvSpPr>
+          <p:cNvPr id="2" name="Title 1"/>
+          <p:cNvSpPr>
+            <a:spLocks noGrp="1"/>
+          </p:cNvSpPr>
+          <p:nvPr>
+            <p:ph type="title"/>
+          </p:nvPr>
+        </p:nvSpPr>
+        <p:spPr/>
+        <p:txBody>
+          <a:bodyPr/>
+          <a:lstStyle/>
+          <a:p>
+            <a:r>
+              <a:rPr lang="en-US" dirty="0" smtClean="0"/>
               <a:t>PWM Setup Tasks</a:t>
             </a:r>
             <a:endParaRPr lang="en-US" dirty="0"/>
@@ -13910,7 +16215,7 @@
 </p:sld>
 </file>
 
-<file path=ppt/slides/slide4.xml><?xml version="1.0" encoding="utf-8"?>
+<file path=ppt/slides/slide6.xml><?xml version="1.0" encoding="utf-8"?>
 <p:sld xmlns:a="http://schemas.openxmlformats.org/drawingml/2006/main" xmlns:r="http://schemas.openxmlformats.org/officeDocument/2006/relationships" xmlns:p="http://schemas.openxmlformats.org/presentationml/2006/main">
   <p:cSld>
     <p:spTree>
@@ -14913,7 +17218,7 @@
 </p:sld>
 </file>
 
-<file path=ppt/slides/slide5.xml><?xml version="1.0" encoding="utf-8"?>
+<file path=ppt/slides/slide7.xml><?xml version="1.0" encoding="utf-8"?>
 <p:sld xmlns:a="http://schemas.openxmlformats.org/drawingml/2006/main" xmlns:r="http://schemas.openxmlformats.org/officeDocument/2006/relationships" xmlns:p="http://schemas.openxmlformats.org/presentationml/2006/main">
   <p:cSld>
     <p:spTree>
@@ -15181,7 +17486,7 @@
 </p:sld>
 </file>
 
-<file path=ppt/slides/slide6.xml><?xml version="1.0" encoding="utf-8"?>
+<file path=ppt/slides/slide8.xml><?xml version="1.0" encoding="utf-8"?>
 <p:sld xmlns:a="http://schemas.openxmlformats.org/drawingml/2006/main" xmlns:r="http://schemas.openxmlformats.org/officeDocument/2006/relationships" xmlns:p="http://schemas.openxmlformats.org/presentationml/2006/main">
   <p:cSld>
     <p:spTree>
@@ -15476,7 +17781,7 @@
 </p:sld>
 </file>
 
-<file path=ppt/slides/slide7.xml><?xml version="1.0" encoding="utf-8"?>
+<file path=ppt/slides/slide9.xml><?xml version="1.0" encoding="utf-8"?>
 <p:sld xmlns:a="http://schemas.openxmlformats.org/drawingml/2006/main" xmlns:r="http://schemas.openxmlformats.org/officeDocument/2006/relationships" xmlns:p="http://schemas.openxmlformats.org/presentationml/2006/main">
   <p:cSld>
     <p:spTree>
@@ -15772,1263 +18077,6 @@
         <p:cTn id="1" dur="indefinite" restart="never" nodeType="tmRoot"/>
       </p:par>
     </p:tnLst>
-  </p:timing>
-</p:sld>
-</file>
-
-<file path=ppt/slides/slide8.xml><?xml version="1.0" encoding="utf-8"?>
-<p:sld xmlns:a="http://schemas.openxmlformats.org/drawingml/2006/main" xmlns:r="http://schemas.openxmlformats.org/officeDocument/2006/relationships" xmlns:p="http://schemas.openxmlformats.org/presentationml/2006/main">
-  <p:cSld>
-    <p:spTree>
-      <p:nvGrpSpPr>
-        <p:cNvPr id="1" name=""/>
-        <p:cNvGrpSpPr/>
-        <p:nvPr/>
-      </p:nvGrpSpPr>
-      <p:grpSpPr>
-        <a:xfrm>
-          <a:off x="0" y="0"/>
-          <a:ext cx="0" cy="0"/>
-          <a:chOff x="0" y="0"/>
-          <a:chExt cx="0" cy="0"/>
-        </a:xfrm>
-      </p:grpSpPr>
-      <p:sp>
-        <p:nvSpPr>
-          <p:cNvPr id="2" name="Title 1"/>
-          <p:cNvSpPr>
-            <a:spLocks noGrp="1"/>
-          </p:cNvSpPr>
-          <p:nvPr>
-            <p:ph type="title"/>
-          </p:nvPr>
-        </p:nvSpPr>
-        <p:spPr/>
-        <p:txBody>
-          <a:bodyPr/>
-          <a:lstStyle/>
-          <a:p>
-            <a:r>
-              <a:rPr lang="en-US" dirty="0" smtClean="0"/>
-              <a:t>Backup Slides</a:t>
-            </a:r>
-            <a:endParaRPr lang="en-US" dirty="0"/>
-          </a:p>
-        </p:txBody>
-      </p:sp>
-      <p:pic>
-        <p:nvPicPr>
-          <p:cNvPr id="1026" name="Picture 2" descr="TACCTL Register Description"/>
-          <p:cNvPicPr>
-            <a:picLocks noChangeAspect="1" noChangeArrowheads="1"/>
-          </p:cNvPicPr>
-          <p:nvPr/>
-        </p:nvPicPr>
-        <p:blipFill>
-          <a:blip r:embed="rId2">
-            <a:extLst>
-              <a:ext uri="{28A0092B-C50C-407E-A947-70E740481C1C}">
-                <a14:useLocalDpi xmlns:a14="http://schemas.microsoft.com/office/drawing/2010/main" val="0"/>
-              </a:ext>
-            </a:extLst>
-          </a:blip>
-          <a:srcRect/>
-          <a:stretch>
-            <a:fillRect/>
-          </a:stretch>
-        </p:blipFill>
-        <p:spPr bwMode="auto">
-          <a:xfrm>
-            <a:off x="1682550" y="14783"/>
-            <a:ext cx="5778901" cy="6843217"/>
-          </a:xfrm>
-          <a:prstGeom prst="rect">
-            <a:avLst/>
-          </a:prstGeom>
-          <a:noFill/>
-          <a:extLst>
-            <a:ext uri="{909E8E84-426E-40DD-AFC4-6F175D3DCCD1}">
-              <a14:hiddenFill xmlns:a14="http://schemas.microsoft.com/office/drawing/2010/main">
-                <a:solidFill>
-                  <a:srgbClr val="FFFFFF"/>
-                </a:solidFill>
-              </a14:hiddenFill>
-            </a:ext>
-          </a:extLst>
-        </p:spPr>
-      </p:pic>
-      <p:sp>
-        <p:nvSpPr>
-          <p:cNvPr id="5" name="TextBox 4"/>
-          <p:cNvSpPr txBox="1"/>
-          <p:nvPr/>
-        </p:nvSpPr>
-        <p:spPr>
-          <a:xfrm>
-            <a:off x="6194022" y="4345618"/>
-            <a:ext cx="2733674" cy="369332"/>
-          </a:xfrm>
-          <a:prstGeom prst="rect">
-            <a:avLst/>
-          </a:prstGeom>
-          <a:solidFill>
-            <a:schemeClr val="bg1"/>
-          </a:solidFill>
-        </p:spPr>
-        <p:txBody>
-          <a:bodyPr wrap="square" rtlCol="0">
-            <a:spAutoFit/>
-          </a:bodyPr>
-          <a:lstStyle/>
-          <a:p>
-            <a:r>
-              <a:rPr lang="en-US" sz="1800" dirty="0" smtClean="0"/>
-              <a:t>Family User Guide pp 372</a:t>
-            </a:r>
-          </a:p>
-        </p:txBody>
-      </p:sp>
-      <p:sp>
-        <p:nvSpPr>
-          <p:cNvPr id="6" name="Rectangle 5"/>
-          <p:cNvSpPr/>
-          <p:nvPr/>
-        </p:nvSpPr>
-        <p:spPr bwMode="auto">
-          <a:xfrm>
-            <a:off x="1464769" y="1201005"/>
-            <a:ext cx="6096091" cy="723329"/>
-          </a:xfrm>
-          <a:prstGeom prst="rect">
-            <a:avLst/>
-          </a:prstGeom>
-          <a:noFill/>
-          <a:ln w="25400" cap="flat" cmpd="sng" algn="ctr">
-            <a:solidFill>
-              <a:srgbClr val="FF0000"/>
-            </a:solidFill>
-            <a:prstDash val="solid"/>
-            <a:round/>
-            <a:headEnd type="none" w="med" len="med"/>
-            <a:tailEnd type="none" w="med" len="med"/>
-          </a:ln>
-          <a:effectLst/>
-        </p:spPr>
-        <p:txBody>
-          <a:bodyPr vert="horz" wrap="square" lIns="91440" tIns="45720" rIns="91440" bIns="45720" numCol="1" rtlCol="0" anchor="t" anchorCtr="0" compatLnSpc="1">
-            <a:prstTxWarp prst="textNoShape">
-              <a:avLst/>
-            </a:prstTxWarp>
-            <a:spAutoFit/>
-          </a:bodyPr>
-          <a:lstStyle/>
-          <a:p>
-            <a:pPr marL="0" marR="0" indent="0" algn="l" defTabSz="914400" rtl="0" eaLnBrk="1" fontAlgn="base" latinLnBrk="0" hangingPunct="1">
-              <a:lnSpc>
-                <a:spcPct val="100000"/>
-              </a:lnSpc>
-              <a:spcBef>
-                <a:spcPct val="50000"/>
-              </a:spcBef>
-              <a:spcAft>
-                <a:spcPct val="0"/>
-              </a:spcAft>
-              <a:buClrTx/>
-              <a:buSzTx/>
-              <a:buFontTx/>
-              <a:buNone/>
-              <a:tabLst/>
-            </a:pPr>
-            <a:endParaRPr kumimoji="0" lang="en-US" sz="2400" b="0" i="0" u="none" strike="noStrike" cap="none" normalizeH="0" baseline="0" smtClean="0">
-              <a:ln>
-                <a:noFill/>
-              </a:ln>
-              <a:solidFill>
-                <a:schemeClr val="tx1"/>
-              </a:solidFill>
-              <a:effectLst/>
-              <a:latin typeface="Times New Roman" pitchFamily="18" charset="0"/>
-              <a:sym typeface="Wingdings" pitchFamily="2" charset="2"/>
-            </a:endParaRPr>
-          </a:p>
-        </p:txBody>
-      </p:sp>
-      <p:sp>
-        <p:nvSpPr>
-          <p:cNvPr id="7" name="Rectangle 6"/>
-          <p:cNvSpPr/>
-          <p:nvPr/>
-        </p:nvSpPr>
-        <p:spPr bwMode="auto">
-          <a:xfrm>
-            <a:off x="1464770" y="1926606"/>
-            <a:ext cx="6096090" cy="768827"/>
-          </a:xfrm>
-          <a:prstGeom prst="rect">
-            <a:avLst/>
-          </a:prstGeom>
-          <a:noFill/>
-          <a:ln w="25400" cap="flat" cmpd="sng" algn="ctr">
-            <a:solidFill>
-              <a:srgbClr val="FF0000"/>
-            </a:solidFill>
-            <a:prstDash val="solid"/>
-            <a:round/>
-            <a:headEnd type="none" w="med" len="med"/>
-            <a:tailEnd type="none" w="med" len="med"/>
-          </a:ln>
-          <a:effectLst/>
-        </p:spPr>
-        <p:txBody>
-          <a:bodyPr vert="horz" wrap="square" lIns="91440" tIns="45720" rIns="91440" bIns="45720" numCol="1" rtlCol="0" anchor="t" anchorCtr="0" compatLnSpc="1">
-            <a:prstTxWarp prst="textNoShape">
-              <a:avLst/>
-            </a:prstTxWarp>
-            <a:spAutoFit/>
-          </a:bodyPr>
-          <a:lstStyle/>
-          <a:p>
-            <a:pPr marL="0" marR="0" indent="0" algn="l" defTabSz="914400" rtl="0" eaLnBrk="1" fontAlgn="base" latinLnBrk="0" hangingPunct="1">
-              <a:lnSpc>
-                <a:spcPct val="100000"/>
-              </a:lnSpc>
-              <a:spcBef>
-                <a:spcPct val="50000"/>
-              </a:spcBef>
-              <a:spcAft>
-                <a:spcPct val="0"/>
-              </a:spcAft>
-              <a:buClrTx/>
-              <a:buSzTx/>
-              <a:buFontTx/>
-              <a:buNone/>
-              <a:tabLst/>
-            </a:pPr>
-            <a:endParaRPr kumimoji="0" lang="en-US" sz="2400" b="0" i="0" u="none" strike="noStrike" cap="none" normalizeH="0" baseline="0" dirty="0" smtClean="0">
-              <a:ln>
-                <a:noFill/>
-              </a:ln>
-              <a:solidFill>
-                <a:schemeClr val="tx1"/>
-              </a:solidFill>
-              <a:effectLst/>
-              <a:latin typeface="Times New Roman" pitchFamily="18" charset="0"/>
-              <a:sym typeface="Wingdings" pitchFamily="2" charset="2"/>
-            </a:endParaRPr>
-          </a:p>
-        </p:txBody>
-      </p:sp>
-      <p:sp>
-        <p:nvSpPr>
-          <p:cNvPr id="8" name="Rectangle 7"/>
-          <p:cNvSpPr/>
-          <p:nvPr/>
-        </p:nvSpPr>
-        <p:spPr bwMode="auto">
-          <a:xfrm>
-            <a:off x="1464770" y="2695433"/>
-            <a:ext cx="6096090" cy="384413"/>
-          </a:xfrm>
-          <a:prstGeom prst="rect">
-            <a:avLst/>
-          </a:prstGeom>
-          <a:noFill/>
-          <a:ln w="25400" cap="flat" cmpd="sng" algn="ctr">
-            <a:solidFill>
-              <a:srgbClr val="FF0000"/>
-            </a:solidFill>
-            <a:prstDash val="solid"/>
-            <a:round/>
-            <a:headEnd type="none" w="med" len="med"/>
-            <a:tailEnd type="none" w="med" len="med"/>
-          </a:ln>
-          <a:effectLst/>
-        </p:spPr>
-        <p:txBody>
-          <a:bodyPr vert="horz" wrap="square" lIns="91440" tIns="45720" rIns="91440" bIns="45720" numCol="1" rtlCol="0" anchor="t" anchorCtr="0" compatLnSpc="1">
-            <a:prstTxWarp prst="textNoShape">
-              <a:avLst/>
-            </a:prstTxWarp>
-            <a:spAutoFit/>
-          </a:bodyPr>
-          <a:lstStyle/>
-          <a:p>
-            <a:pPr marL="0" marR="0" indent="0" algn="l" defTabSz="914400" rtl="0" eaLnBrk="1" fontAlgn="base" latinLnBrk="0" hangingPunct="1">
-              <a:lnSpc>
-                <a:spcPct val="100000"/>
-              </a:lnSpc>
-              <a:spcBef>
-                <a:spcPct val="50000"/>
-              </a:spcBef>
-              <a:spcAft>
-                <a:spcPct val="0"/>
-              </a:spcAft>
-              <a:buClrTx/>
-              <a:buSzTx/>
-              <a:buFontTx/>
-              <a:buNone/>
-              <a:tabLst/>
-            </a:pPr>
-            <a:endParaRPr kumimoji="0" lang="en-US" sz="2400" b="0" i="0" u="none" strike="noStrike" cap="none" normalizeH="0" baseline="0" dirty="0" smtClean="0">
-              <a:ln>
-                <a:noFill/>
-              </a:ln>
-              <a:solidFill>
-                <a:schemeClr val="tx1"/>
-              </a:solidFill>
-              <a:effectLst/>
-              <a:latin typeface="Times New Roman" pitchFamily="18" charset="0"/>
-              <a:sym typeface="Wingdings" pitchFamily="2" charset="2"/>
-            </a:endParaRPr>
-          </a:p>
-        </p:txBody>
-      </p:sp>
-      <p:sp>
-        <p:nvSpPr>
-          <p:cNvPr id="9" name="Rectangle 8"/>
-          <p:cNvSpPr/>
-          <p:nvPr/>
-        </p:nvSpPr>
-        <p:spPr bwMode="auto">
-          <a:xfrm>
-            <a:off x="1464768" y="6365134"/>
-            <a:ext cx="6096091" cy="489086"/>
-          </a:xfrm>
-          <a:prstGeom prst="rect">
-            <a:avLst/>
-          </a:prstGeom>
-          <a:noFill/>
-          <a:ln w="25400" cap="flat" cmpd="sng" algn="ctr">
-            <a:solidFill>
-              <a:srgbClr val="FF0000"/>
-            </a:solidFill>
-            <a:prstDash val="solid"/>
-            <a:round/>
-            <a:headEnd type="none" w="med" len="med"/>
-            <a:tailEnd type="none" w="med" len="med"/>
-          </a:ln>
-          <a:effectLst/>
-        </p:spPr>
-        <p:txBody>
-          <a:bodyPr vert="horz" wrap="square" lIns="91440" tIns="45720" rIns="91440" bIns="45720" numCol="1" rtlCol="0" anchor="t" anchorCtr="0" compatLnSpc="1">
-            <a:prstTxWarp prst="textNoShape">
-              <a:avLst/>
-            </a:prstTxWarp>
-            <a:spAutoFit/>
-          </a:bodyPr>
-          <a:lstStyle/>
-          <a:p>
-            <a:pPr marL="0" marR="0" indent="0" algn="l" defTabSz="914400" rtl="0" eaLnBrk="1" fontAlgn="base" latinLnBrk="0" hangingPunct="1">
-              <a:lnSpc>
-                <a:spcPct val="100000"/>
-              </a:lnSpc>
-              <a:spcBef>
-                <a:spcPct val="50000"/>
-              </a:spcBef>
-              <a:spcAft>
-                <a:spcPct val="0"/>
-              </a:spcAft>
-              <a:buClrTx/>
-              <a:buSzTx/>
-              <a:buFontTx/>
-              <a:buNone/>
-              <a:tabLst/>
-            </a:pPr>
-            <a:endParaRPr kumimoji="0" lang="en-US" sz="2400" b="0" i="0" u="none" strike="noStrike" cap="none" normalizeH="0" baseline="0" dirty="0" smtClean="0">
-              <a:ln>
-                <a:noFill/>
-              </a:ln>
-              <a:solidFill>
-                <a:schemeClr val="tx1"/>
-              </a:solidFill>
-              <a:effectLst/>
-              <a:latin typeface="Times New Roman" pitchFamily="18" charset="0"/>
-              <a:sym typeface="Wingdings" pitchFamily="2" charset="2"/>
-            </a:endParaRPr>
-          </a:p>
-        </p:txBody>
-      </p:sp>
-    </p:spTree>
-    <p:extLst>
-      <p:ext uri="{BB962C8B-B14F-4D97-AF65-F5344CB8AC3E}">
-        <p14:creationId xmlns:p14="http://schemas.microsoft.com/office/powerpoint/2010/main" val="689928426"/>
-      </p:ext>
-    </p:extLst>
-  </p:cSld>
-  <p:clrMapOvr>
-    <a:masterClrMapping/>
-  </p:clrMapOvr>
-  <p:timing>
-    <p:tnLst>
-      <p:par>
-        <p:cTn id="1" dur="indefinite" restart="never" nodeType="tmRoot">
-          <p:childTnLst>
-            <p:seq concurrent="1" nextAc="seek">
-              <p:cTn id="2" dur="indefinite" nodeType="mainSeq">
-                <p:childTnLst>
-                  <p:par>
-                    <p:cTn id="3" fill="hold">
-                      <p:stCondLst>
-                        <p:cond delay="indefinite"/>
-                      </p:stCondLst>
-                      <p:childTnLst>
-                        <p:par>
-                          <p:cTn id="4" fill="hold">
-                            <p:stCondLst>
-                              <p:cond delay="0"/>
-                            </p:stCondLst>
-                            <p:childTnLst>
-                              <p:par>
-                                <p:cTn id="5" presetID="1" presetClass="entr" presetSubtype="0" fill="hold" grpId="0" nodeType="clickEffect">
-                                  <p:stCondLst>
-                                    <p:cond delay="0"/>
-                                  </p:stCondLst>
-                                  <p:childTnLst>
-                                    <p:set>
-                                      <p:cBhvr>
-                                        <p:cTn id="6" dur="1" fill="hold">
-                                          <p:stCondLst>
-                                            <p:cond delay="0"/>
-                                          </p:stCondLst>
-                                        </p:cTn>
-                                        <p:tgtEl>
-                                          <p:spTgt spid="7"/>
-                                        </p:tgtEl>
-                                        <p:attrNameLst>
-                                          <p:attrName>style.visibility</p:attrName>
-                                        </p:attrNameLst>
-                                      </p:cBhvr>
-                                      <p:to>
-                                        <p:strVal val="visible"/>
-                                      </p:to>
-                                    </p:set>
-                                  </p:childTnLst>
-                                </p:cTn>
-                              </p:par>
-                            </p:childTnLst>
-                          </p:cTn>
-                        </p:par>
-                      </p:childTnLst>
-                    </p:cTn>
-                  </p:par>
-                  <p:par>
-                    <p:cTn id="7" fill="hold">
-                      <p:stCondLst>
-                        <p:cond delay="indefinite"/>
-                      </p:stCondLst>
-                      <p:childTnLst>
-                        <p:par>
-                          <p:cTn id="8" fill="hold">
-                            <p:stCondLst>
-                              <p:cond delay="0"/>
-                            </p:stCondLst>
-                            <p:childTnLst>
-                              <p:par>
-                                <p:cTn id="9" presetID="1" presetClass="entr" presetSubtype="0" fill="hold" grpId="0" nodeType="clickEffect">
-                                  <p:stCondLst>
-                                    <p:cond delay="0"/>
-                                  </p:stCondLst>
-                                  <p:childTnLst>
-                                    <p:set>
-                                      <p:cBhvr>
-                                        <p:cTn id="10" dur="1" fill="hold">
-                                          <p:stCondLst>
-                                            <p:cond delay="0"/>
-                                          </p:stCondLst>
-                                        </p:cTn>
-                                        <p:tgtEl>
-                                          <p:spTgt spid="6"/>
-                                        </p:tgtEl>
-                                        <p:attrNameLst>
-                                          <p:attrName>style.visibility</p:attrName>
-                                        </p:attrNameLst>
-                                      </p:cBhvr>
-                                      <p:to>
-                                        <p:strVal val="visible"/>
-                                      </p:to>
-                                    </p:set>
-                                  </p:childTnLst>
-                                </p:cTn>
-                              </p:par>
-                            </p:childTnLst>
-                          </p:cTn>
-                        </p:par>
-                      </p:childTnLst>
-                    </p:cTn>
-                  </p:par>
-                  <p:par>
-                    <p:cTn id="11" fill="hold">
-                      <p:stCondLst>
-                        <p:cond delay="indefinite"/>
-                      </p:stCondLst>
-                      <p:childTnLst>
-                        <p:par>
-                          <p:cTn id="12" fill="hold">
-                            <p:stCondLst>
-                              <p:cond delay="0"/>
-                            </p:stCondLst>
-                            <p:childTnLst>
-                              <p:par>
-                                <p:cTn id="13" presetID="1" presetClass="entr" presetSubtype="0" fill="hold" grpId="0" nodeType="clickEffect">
-                                  <p:stCondLst>
-                                    <p:cond delay="0"/>
-                                  </p:stCondLst>
-                                  <p:childTnLst>
-                                    <p:set>
-                                      <p:cBhvr>
-                                        <p:cTn id="14" dur="1" fill="hold">
-                                          <p:stCondLst>
-                                            <p:cond delay="0"/>
-                                          </p:stCondLst>
-                                        </p:cTn>
-                                        <p:tgtEl>
-                                          <p:spTgt spid="8"/>
-                                        </p:tgtEl>
-                                        <p:attrNameLst>
-                                          <p:attrName>style.visibility</p:attrName>
-                                        </p:attrNameLst>
-                                      </p:cBhvr>
-                                      <p:to>
-                                        <p:strVal val="visible"/>
-                                      </p:to>
-                                    </p:set>
-                                  </p:childTnLst>
-                                </p:cTn>
-                              </p:par>
-                            </p:childTnLst>
-                          </p:cTn>
-                        </p:par>
-                      </p:childTnLst>
-                    </p:cTn>
-                  </p:par>
-                  <p:par>
-                    <p:cTn id="15" fill="hold">
-                      <p:stCondLst>
-                        <p:cond delay="indefinite"/>
-                      </p:stCondLst>
-                      <p:childTnLst>
-                        <p:par>
-                          <p:cTn id="16" fill="hold">
-                            <p:stCondLst>
-                              <p:cond delay="0"/>
-                            </p:stCondLst>
-                            <p:childTnLst>
-                              <p:par>
-                                <p:cTn id="17" presetID="1" presetClass="entr" presetSubtype="0" fill="hold" grpId="0" nodeType="clickEffect">
-                                  <p:stCondLst>
-                                    <p:cond delay="0"/>
-                                  </p:stCondLst>
-                                  <p:childTnLst>
-                                    <p:set>
-                                      <p:cBhvr>
-                                        <p:cTn id="18" dur="1" fill="hold">
-                                          <p:stCondLst>
-                                            <p:cond delay="0"/>
-                                          </p:stCondLst>
-                                        </p:cTn>
-                                        <p:tgtEl>
-                                          <p:spTgt spid="9"/>
-                                        </p:tgtEl>
-                                        <p:attrNameLst>
-                                          <p:attrName>style.visibility</p:attrName>
-                                        </p:attrNameLst>
-                                      </p:cBhvr>
-                                      <p:to>
-                                        <p:strVal val="visible"/>
-                                      </p:to>
-                                    </p:set>
-                                  </p:childTnLst>
-                                </p:cTn>
-                              </p:par>
-                            </p:childTnLst>
-                          </p:cTn>
-                        </p:par>
-                      </p:childTnLst>
-                    </p:cTn>
-                  </p:par>
-                </p:childTnLst>
-              </p:cTn>
-              <p:prevCondLst>
-                <p:cond evt="onPrev" delay="0">
-                  <p:tgtEl>
-                    <p:sldTgt/>
-                  </p:tgtEl>
-                </p:cond>
-              </p:prevCondLst>
-              <p:nextCondLst>
-                <p:cond evt="onNext" delay="0">
-                  <p:tgtEl>
-                    <p:sldTgt/>
-                  </p:tgtEl>
-                </p:cond>
-              </p:nextCondLst>
-            </p:seq>
-          </p:childTnLst>
-        </p:cTn>
-      </p:par>
-    </p:tnLst>
-    <p:bldLst>
-      <p:bldP spid="6" grpId="0" animBg="1"/>
-      <p:bldP spid="7" grpId="0" animBg="1"/>
-      <p:bldP spid="8" grpId="0" animBg="1"/>
-      <p:bldP spid="9" grpId="0" animBg="1"/>
-    </p:bldLst>
-  </p:timing>
-</p:sld>
-</file>
-
-<file path=ppt/slides/slide9.xml><?xml version="1.0" encoding="utf-8"?>
-<p:sld xmlns:a="http://schemas.openxmlformats.org/drawingml/2006/main" xmlns:r="http://schemas.openxmlformats.org/officeDocument/2006/relationships" xmlns:p="http://schemas.openxmlformats.org/presentationml/2006/main">
-  <p:cSld>
-    <p:spTree>
-      <p:nvGrpSpPr>
-        <p:cNvPr id="1" name=""/>
-        <p:cNvGrpSpPr/>
-        <p:nvPr/>
-      </p:nvGrpSpPr>
-      <p:grpSpPr>
-        <a:xfrm>
-          <a:off x="0" y="0"/>
-          <a:ext cx="0" cy="0"/>
-          <a:chOff x="0" y="0"/>
-          <a:chExt cx="0" cy="0"/>
-        </a:xfrm>
-      </p:grpSpPr>
-      <p:sp>
-        <p:nvSpPr>
-          <p:cNvPr id="2" name="Title 1"/>
-          <p:cNvSpPr>
-            <a:spLocks noGrp="1"/>
-          </p:cNvSpPr>
-          <p:nvPr>
-            <p:ph type="title"/>
-          </p:nvPr>
-        </p:nvSpPr>
-        <p:spPr/>
-        <p:txBody>
-          <a:bodyPr/>
-          <a:lstStyle/>
-          <a:p>
-            <a:r>
-              <a:rPr lang="en-US" b="1" dirty="0" smtClean="0"/>
-              <a:t>Timer Block Diagram</a:t>
-            </a:r>
-            <a:endParaRPr lang="en-US" b="1" dirty="0"/>
-          </a:p>
-        </p:txBody>
-      </p:sp>
-      <p:pic>
-        <p:nvPicPr>
-          <p:cNvPr id="1026" name="Picture 2"/>
-          <p:cNvPicPr>
-            <a:picLocks noChangeAspect="1" noChangeArrowheads="1"/>
-          </p:cNvPicPr>
-          <p:nvPr/>
-        </p:nvPicPr>
-        <p:blipFill>
-          <a:blip r:embed="rId2">
-            <a:extLst>
-              <a:ext uri="{28A0092B-C50C-407E-A947-70E740481C1C}">
-                <a14:useLocalDpi xmlns:a14="http://schemas.microsoft.com/office/drawing/2010/main" val="0"/>
-              </a:ext>
-            </a:extLst>
-          </a:blip>
-          <a:srcRect/>
-          <a:stretch>
-            <a:fillRect/>
-          </a:stretch>
-        </p:blipFill>
-        <p:spPr bwMode="auto">
-          <a:xfrm>
-            <a:off x="1495426" y="639325"/>
-            <a:ext cx="6134068" cy="6218675"/>
-          </a:xfrm>
-          <a:prstGeom prst="rect">
-            <a:avLst/>
-          </a:prstGeom>
-          <a:noFill/>
-          <a:ln>
-            <a:noFill/>
-          </a:ln>
-          <a:extLst>
-            <a:ext uri="{909E8E84-426E-40DD-AFC4-6F175D3DCCD1}">
-              <a14:hiddenFill xmlns:a14="http://schemas.microsoft.com/office/drawing/2010/main">
-                <a:solidFill>
-                  <a:schemeClr val="accent1"/>
-                </a:solidFill>
-              </a14:hiddenFill>
-            </a:ext>
-            <a:ext uri="{91240B29-F687-4F45-9708-019B960494DF}">
-              <a14:hiddenLine xmlns:a14="http://schemas.microsoft.com/office/drawing/2010/main" w="9525">
-                <a:solidFill>
-                  <a:schemeClr val="tx1"/>
-                </a:solidFill>
-                <a:miter lim="800000"/>
-                <a:headEnd/>
-                <a:tailEnd/>
-              </a14:hiddenLine>
-            </a:ext>
-          </a:extLst>
-        </p:spPr>
-      </p:pic>
-      <p:sp>
-        <p:nvSpPr>
-          <p:cNvPr id="3" name="Oval 2"/>
-          <p:cNvSpPr/>
-          <p:nvPr/>
-        </p:nvSpPr>
-        <p:spPr bwMode="auto">
-          <a:xfrm>
-            <a:off x="1178829" y="2456597"/>
-            <a:ext cx="1782735" cy="1651379"/>
-          </a:xfrm>
-          <a:prstGeom prst="ellipse">
-            <a:avLst/>
-          </a:prstGeom>
-          <a:noFill/>
-          <a:ln w="25400" cap="flat" cmpd="sng" algn="ctr">
-            <a:solidFill>
-              <a:srgbClr val="FF0000"/>
-            </a:solidFill>
-            <a:prstDash val="solid"/>
-            <a:round/>
-            <a:headEnd type="none" w="med" len="med"/>
-            <a:tailEnd type="none" w="med" len="med"/>
-          </a:ln>
-          <a:effectLst/>
-        </p:spPr>
-        <p:txBody>
-          <a:bodyPr vert="horz" wrap="square" lIns="91440" tIns="45720" rIns="91440" bIns="45720" numCol="1" rtlCol="0" anchor="ctr" anchorCtr="0" compatLnSpc="1">
-            <a:prstTxWarp prst="textNoShape">
-              <a:avLst/>
-            </a:prstTxWarp>
-            <a:noAutofit/>
-          </a:bodyPr>
-          <a:lstStyle/>
-          <a:p>
-            <a:pPr algn="ctr"/>
-            <a:r>
-              <a:rPr lang="en-US" sz="2800" b="1" dirty="0" err="1" smtClean="0">
-                <a:solidFill>
-                  <a:srgbClr val="FF0000"/>
-                </a:solidFill>
-              </a:rPr>
-              <a:t>CCISx</a:t>
-            </a:r>
-            <a:endParaRPr lang="en-US" sz="2800" b="1" dirty="0" smtClean="0">
-              <a:solidFill>
-                <a:srgbClr val="FF0000"/>
-              </a:solidFill>
-            </a:endParaRPr>
-          </a:p>
-          <a:p>
-            <a:pPr algn="r"/>
-            <a:endParaRPr lang="en-US" sz="2800" b="1" dirty="0" smtClean="0">
-              <a:solidFill>
-                <a:srgbClr val="FF0000"/>
-              </a:solidFill>
-            </a:endParaRPr>
-          </a:p>
-          <a:p>
-            <a:pPr algn="r"/>
-            <a:endParaRPr lang="en-US" sz="2800" b="1" dirty="0" smtClean="0">
-              <a:solidFill>
-                <a:srgbClr val="FF0000"/>
-              </a:solidFill>
-            </a:endParaRPr>
-          </a:p>
-          <a:p>
-            <a:pPr algn="r"/>
-            <a:endParaRPr lang="en-US" sz="2800" b="1" dirty="0">
-              <a:solidFill>
-                <a:srgbClr val="FF0000"/>
-              </a:solidFill>
-            </a:endParaRPr>
-          </a:p>
-        </p:txBody>
-      </p:sp>
-      <p:sp>
-        <p:nvSpPr>
-          <p:cNvPr id="25" name="TextBox 24"/>
-          <p:cNvSpPr txBox="1"/>
-          <p:nvPr/>
-        </p:nvSpPr>
-        <p:spPr>
-          <a:xfrm>
-            <a:off x="6410326" y="6488668"/>
-            <a:ext cx="2733674" cy="369332"/>
-          </a:xfrm>
-          <a:prstGeom prst="rect">
-            <a:avLst/>
-          </a:prstGeom>
-          <a:solidFill>
-            <a:schemeClr val="bg1"/>
-          </a:solidFill>
-        </p:spPr>
-        <p:txBody>
-          <a:bodyPr wrap="square" rtlCol="0">
-            <a:spAutoFit/>
-          </a:bodyPr>
-          <a:lstStyle/>
-          <a:p>
-            <a:r>
-              <a:rPr lang="en-US" sz="1800" dirty="0" smtClean="0"/>
-              <a:t>Family User Guide pp 357</a:t>
-            </a:r>
-          </a:p>
-        </p:txBody>
-      </p:sp>
-      <p:sp>
-        <p:nvSpPr>
-          <p:cNvPr id="17" name="Oval 16"/>
-          <p:cNvSpPr/>
-          <p:nvPr/>
-        </p:nvSpPr>
-        <p:spPr bwMode="auto">
-          <a:xfrm>
-            <a:off x="3692686" y="2988858"/>
-            <a:ext cx="1302396" cy="1023582"/>
-          </a:xfrm>
-          <a:prstGeom prst="ellipse">
-            <a:avLst/>
-          </a:prstGeom>
-          <a:noFill/>
-          <a:ln w="25400" cap="flat" cmpd="sng" algn="ctr">
-            <a:solidFill>
-              <a:srgbClr val="FF0000"/>
-            </a:solidFill>
-            <a:prstDash val="solid"/>
-            <a:round/>
-            <a:headEnd type="none" w="med" len="med"/>
-            <a:tailEnd type="none" w="med" len="med"/>
-          </a:ln>
-          <a:effectLst/>
-        </p:spPr>
-        <p:txBody>
-          <a:bodyPr vert="horz" wrap="square" lIns="91440" tIns="45720" rIns="91440" bIns="45720" numCol="1" rtlCol="0" anchor="ctr" anchorCtr="0" compatLnSpc="1">
-            <a:prstTxWarp prst="textNoShape">
-              <a:avLst/>
-            </a:prstTxWarp>
-            <a:noAutofit/>
-          </a:bodyPr>
-          <a:lstStyle/>
-          <a:p>
-            <a:pPr algn="ctr"/>
-            <a:endParaRPr lang="en-US" sz="2800" b="1" dirty="0" smtClean="0">
-              <a:solidFill>
-                <a:srgbClr val="FF0000"/>
-              </a:solidFill>
-            </a:endParaRPr>
-          </a:p>
-          <a:p>
-            <a:pPr algn="ctr"/>
-            <a:endParaRPr lang="en-US" sz="2800" b="1" dirty="0">
-              <a:solidFill>
-                <a:srgbClr val="FF0000"/>
-              </a:solidFill>
-            </a:endParaRPr>
-          </a:p>
-          <a:p>
-            <a:pPr algn="ctr"/>
-            <a:endParaRPr lang="en-US" sz="2800" b="1" dirty="0" smtClean="0">
-              <a:solidFill>
-                <a:srgbClr val="FF0000"/>
-              </a:solidFill>
-            </a:endParaRPr>
-          </a:p>
-          <a:p>
-            <a:pPr algn="ctr"/>
-            <a:r>
-              <a:rPr lang="en-US" sz="2800" b="1" dirty="0" smtClean="0">
-                <a:solidFill>
-                  <a:srgbClr val="FF0000"/>
-                </a:solidFill>
-              </a:rPr>
-              <a:t>SCS</a:t>
-            </a:r>
-          </a:p>
-          <a:p>
-            <a:pPr algn="r"/>
-            <a:endParaRPr lang="en-US" sz="2800" b="1" dirty="0">
-              <a:solidFill>
-                <a:srgbClr val="FF0000"/>
-              </a:solidFill>
-            </a:endParaRPr>
-          </a:p>
-        </p:txBody>
-      </p:sp>
-      <p:sp>
-        <p:nvSpPr>
-          <p:cNvPr id="7" name="Oval 6"/>
-          <p:cNvSpPr/>
-          <p:nvPr/>
-        </p:nvSpPr>
-        <p:spPr bwMode="auto">
-          <a:xfrm>
-            <a:off x="2725576" y="2841007"/>
-            <a:ext cx="1439266" cy="1023582"/>
-          </a:xfrm>
-          <a:prstGeom prst="ellipse">
-            <a:avLst/>
-          </a:prstGeom>
-          <a:noFill/>
-          <a:ln w="25400" cap="flat" cmpd="sng" algn="ctr">
-            <a:solidFill>
-              <a:srgbClr val="FF0000"/>
-            </a:solidFill>
-            <a:prstDash val="solid"/>
-            <a:round/>
-            <a:headEnd type="none" w="med" len="med"/>
-            <a:tailEnd type="none" w="med" len="med"/>
-          </a:ln>
-          <a:effectLst/>
-        </p:spPr>
-        <p:txBody>
-          <a:bodyPr vert="horz" wrap="square" lIns="91440" tIns="45720" rIns="91440" bIns="45720" numCol="1" rtlCol="0" anchor="ctr" anchorCtr="0" compatLnSpc="1">
-            <a:prstTxWarp prst="textNoShape">
-              <a:avLst/>
-            </a:prstTxWarp>
-            <a:noAutofit/>
-          </a:bodyPr>
-          <a:lstStyle/>
-          <a:p>
-            <a:pPr algn="ctr"/>
-            <a:r>
-              <a:rPr lang="en-US" sz="2800" b="1" dirty="0" err="1" smtClean="0">
-                <a:solidFill>
-                  <a:srgbClr val="FF0000"/>
-                </a:solidFill>
-              </a:rPr>
-              <a:t>CMx</a:t>
-            </a:r>
-            <a:endParaRPr lang="en-US" sz="2800" b="1" dirty="0" smtClean="0">
-              <a:solidFill>
-                <a:srgbClr val="FF0000"/>
-              </a:solidFill>
-            </a:endParaRPr>
-          </a:p>
-          <a:p>
-            <a:pPr algn="r"/>
-            <a:endParaRPr lang="en-US" sz="2800" b="1" dirty="0" smtClean="0">
-              <a:solidFill>
-                <a:srgbClr val="FF0000"/>
-              </a:solidFill>
-            </a:endParaRPr>
-          </a:p>
-          <a:p>
-            <a:pPr algn="r"/>
-            <a:endParaRPr lang="en-US" sz="2800" b="1" dirty="0">
-              <a:solidFill>
-                <a:srgbClr val="FF0000"/>
-              </a:solidFill>
-            </a:endParaRPr>
-          </a:p>
-        </p:txBody>
-      </p:sp>
-      <p:sp>
-        <p:nvSpPr>
-          <p:cNvPr id="8" name="Oval 7"/>
-          <p:cNvSpPr/>
-          <p:nvPr/>
-        </p:nvSpPr>
-        <p:spPr bwMode="auto">
-          <a:xfrm>
-            <a:off x="5577954" y="4260372"/>
-            <a:ext cx="2040163" cy="1023582"/>
-          </a:xfrm>
-          <a:prstGeom prst="ellipse">
-            <a:avLst/>
-          </a:prstGeom>
-          <a:noFill/>
-          <a:ln w="25400" cap="flat" cmpd="sng" algn="ctr">
-            <a:solidFill>
-              <a:srgbClr val="FF0000"/>
-            </a:solidFill>
-            <a:prstDash val="solid"/>
-            <a:round/>
-            <a:headEnd type="none" w="med" len="med"/>
-            <a:tailEnd type="none" w="med" len="med"/>
-          </a:ln>
-          <a:effectLst/>
-        </p:spPr>
-        <p:txBody>
-          <a:bodyPr vert="horz" wrap="square" lIns="91440" tIns="45720" rIns="91440" bIns="45720" numCol="1" rtlCol="0" anchor="ctr" anchorCtr="0" compatLnSpc="1">
-            <a:prstTxWarp prst="textNoShape">
-              <a:avLst/>
-            </a:prstTxWarp>
-            <a:noAutofit/>
-          </a:bodyPr>
-          <a:lstStyle/>
-          <a:p>
-            <a:pPr algn="ctr"/>
-            <a:endParaRPr lang="en-US" sz="2800" b="1" dirty="0" smtClean="0">
-              <a:solidFill>
-                <a:srgbClr val="FF0000"/>
-              </a:solidFill>
-            </a:endParaRPr>
-          </a:p>
-          <a:p>
-            <a:pPr algn="ctr"/>
-            <a:endParaRPr lang="en-US" sz="2800" b="1" dirty="0">
-              <a:solidFill>
-                <a:srgbClr val="FF0000"/>
-              </a:solidFill>
-            </a:endParaRPr>
-          </a:p>
-          <a:p>
-            <a:pPr algn="ctr"/>
-            <a:endParaRPr lang="en-US" sz="2800" b="1" dirty="0" smtClean="0">
-              <a:solidFill>
-                <a:srgbClr val="FF0000"/>
-              </a:solidFill>
-            </a:endParaRPr>
-          </a:p>
-          <a:p>
-            <a:pPr algn="ctr"/>
-            <a:r>
-              <a:rPr lang="en-US" sz="2800" b="1" dirty="0" smtClean="0">
-                <a:solidFill>
-                  <a:srgbClr val="FF0000"/>
-                </a:solidFill>
-              </a:rPr>
-              <a:t>CCIFG</a:t>
-            </a:r>
-          </a:p>
-          <a:p>
-            <a:pPr algn="r"/>
-            <a:endParaRPr lang="en-US" sz="2800" b="1" dirty="0">
-              <a:solidFill>
-                <a:srgbClr val="FF0000"/>
-              </a:solidFill>
-            </a:endParaRPr>
-          </a:p>
-        </p:txBody>
-      </p:sp>
-    </p:spTree>
-    <p:extLst>
-      <p:ext uri="{BB962C8B-B14F-4D97-AF65-F5344CB8AC3E}">
-        <p14:creationId xmlns:p14="http://schemas.microsoft.com/office/powerpoint/2010/main" val="2628712986"/>
-      </p:ext>
-    </p:extLst>
-  </p:cSld>
-  <p:clrMapOvr>
-    <a:masterClrMapping/>
-  </p:clrMapOvr>
-  <p:timing>
-    <p:tnLst>
-      <p:par>
-        <p:cTn id="1" dur="indefinite" restart="never" nodeType="tmRoot">
-          <p:childTnLst>
-            <p:seq concurrent="1" nextAc="seek">
-              <p:cTn id="2" dur="indefinite" nodeType="mainSeq">
-                <p:childTnLst>
-                  <p:par>
-                    <p:cTn id="3" fill="hold">
-                      <p:stCondLst>
-                        <p:cond delay="indefinite"/>
-                      </p:stCondLst>
-                      <p:childTnLst>
-                        <p:par>
-                          <p:cTn id="4" fill="hold">
-                            <p:stCondLst>
-                              <p:cond delay="0"/>
-                            </p:stCondLst>
-                            <p:childTnLst>
-                              <p:par>
-                                <p:cTn id="5" presetID="1" presetClass="entr" presetSubtype="0" fill="hold" grpId="0" nodeType="clickEffect">
-                                  <p:stCondLst>
-                                    <p:cond delay="0"/>
-                                  </p:stCondLst>
-                                  <p:childTnLst>
-                                    <p:set>
-                                      <p:cBhvr>
-                                        <p:cTn id="6" dur="1" fill="hold">
-                                          <p:stCondLst>
-                                            <p:cond delay="0"/>
-                                          </p:stCondLst>
-                                        </p:cTn>
-                                        <p:tgtEl>
-                                          <p:spTgt spid="3"/>
-                                        </p:tgtEl>
-                                        <p:attrNameLst>
-                                          <p:attrName>style.visibility</p:attrName>
-                                        </p:attrNameLst>
-                                      </p:cBhvr>
-                                      <p:to>
-                                        <p:strVal val="visible"/>
-                                      </p:to>
-                                    </p:set>
-                                  </p:childTnLst>
-                                </p:cTn>
-                              </p:par>
-                            </p:childTnLst>
-                          </p:cTn>
-                        </p:par>
-                      </p:childTnLst>
-                    </p:cTn>
-                  </p:par>
-                  <p:par>
-                    <p:cTn id="7" fill="hold">
-                      <p:stCondLst>
-                        <p:cond delay="indefinite"/>
-                      </p:stCondLst>
-                      <p:childTnLst>
-                        <p:par>
-                          <p:cTn id="8" fill="hold">
-                            <p:stCondLst>
-                              <p:cond delay="0"/>
-                            </p:stCondLst>
-                            <p:childTnLst>
-                              <p:par>
-                                <p:cTn id="9" presetID="1" presetClass="entr" presetSubtype="0" fill="hold" grpId="0" nodeType="clickEffect">
-                                  <p:stCondLst>
-                                    <p:cond delay="0"/>
-                                  </p:stCondLst>
-                                  <p:childTnLst>
-                                    <p:set>
-                                      <p:cBhvr>
-                                        <p:cTn id="10" dur="1" fill="hold">
-                                          <p:stCondLst>
-                                            <p:cond delay="0"/>
-                                          </p:stCondLst>
-                                        </p:cTn>
-                                        <p:tgtEl>
-                                          <p:spTgt spid="17"/>
-                                        </p:tgtEl>
-                                        <p:attrNameLst>
-                                          <p:attrName>style.visibility</p:attrName>
-                                        </p:attrNameLst>
-                                      </p:cBhvr>
-                                      <p:to>
-                                        <p:strVal val="visible"/>
-                                      </p:to>
-                                    </p:set>
-                                  </p:childTnLst>
-                                </p:cTn>
-                              </p:par>
-                            </p:childTnLst>
-                          </p:cTn>
-                        </p:par>
-                      </p:childTnLst>
-                    </p:cTn>
-                  </p:par>
-                  <p:par>
-                    <p:cTn id="11" fill="hold">
-                      <p:stCondLst>
-                        <p:cond delay="indefinite"/>
-                      </p:stCondLst>
-                      <p:childTnLst>
-                        <p:par>
-                          <p:cTn id="12" fill="hold">
-                            <p:stCondLst>
-                              <p:cond delay="0"/>
-                            </p:stCondLst>
-                            <p:childTnLst>
-                              <p:par>
-                                <p:cTn id="13" presetID="1" presetClass="entr" presetSubtype="0" fill="hold" grpId="0" nodeType="clickEffect">
-                                  <p:stCondLst>
-                                    <p:cond delay="0"/>
-                                  </p:stCondLst>
-                                  <p:childTnLst>
-                                    <p:set>
-                                      <p:cBhvr>
-                                        <p:cTn id="14" dur="1" fill="hold">
-                                          <p:stCondLst>
-                                            <p:cond delay="0"/>
-                                          </p:stCondLst>
-                                        </p:cTn>
-                                        <p:tgtEl>
-                                          <p:spTgt spid="7"/>
-                                        </p:tgtEl>
-                                        <p:attrNameLst>
-                                          <p:attrName>style.visibility</p:attrName>
-                                        </p:attrNameLst>
-                                      </p:cBhvr>
-                                      <p:to>
-                                        <p:strVal val="visible"/>
-                                      </p:to>
-                                    </p:set>
-                                  </p:childTnLst>
-                                </p:cTn>
-                              </p:par>
-                            </p:childTnLst>
-                          </p:cTn>
-                        </p:par>
-                      </p:childTnLst>
-                    </p:cTn>
-                  </p:par>
-                  <p:par>
-                    <p:cTn id="15" fill="hold">
-                      <p:stCondLst>
-                        <p:cond delay="indefinite"/>
-                      </p:stCondLst>
-                      <p:childTnLst>
-                        <p:par>
-                          <p:cTn id="16" fill="hold">
-                            <p:stCondLst>
-                              <p:cond delay="0"/>
-                            </p:stCondLst>
-                            <p:childTnLst>
-                              <p:par>
-                                <p:cTn id="17" presetID="1" presetClass="entr" presetSubtype="0" fill="hold" grpId="0" nodeType="clickEffect">
-                                  <p:stCondLst>
-                                    <p:cond delay="0"/>
-                                  </p:stCondLst>
-                                  <p:childTnLst>
-                                    <p:set>
-                                      <p:cBhvr>
-                                        <p:cTn id="18" dur="1" fill="hold">
-                                          <p:stCondLst>
-                                            <p:cond delay="0"/>
-                                          </p:stCondLst>
-                                        </p:cTn>
-                                        <p:tgtEl>
-                                          <p:spTgt spid="8"/>
-                                        </p:tgtEl>
-                                        <p:attrNameLst>
-                                          <p:attrName>style.visibility</p:attrName>
-                                        </p:attrNameLst>
-                                      </p:cBhvr>
-                                      <p:to>
-                                        <p:strVal val="visible"/>
-                                      </p:to>
-                                    </p:set>
-                                  </p:childTnLst>
-                                </p:cTn>
-                              </p:par>
-                            </p:childTnLst>
-                          </p:cTn>
-                        </p:par>
-                      </p:childTnLst>
-                    </p:cTn>
-                  </p:par>
-                </p:childTnLst>
-              </p:cTn>
-              <p:prevCondLst>
-                <p:cond evt="onPrev" delay="0">
-                  <p:tgtEl>
-                    <p:sldTgt/>
-                  </p:tgtEl>
-                </p:cond>
-              </p:prevCondLst>
-              <p:nextCondLst>
-                <p:cond evt="onNext" delay="0">
-                  <p:tgtEl>
-                    <p:sldTgt/>
-                  </p:tgtEl>
-                </p:cond>
-              </p:nextCondLst>
-            </p:seq>
-          </p:childTnLst>
-        </p:cTn>
-      </p:par>
-    </p:tnLst>
-    <p:bldLst>
-      <p:bldP spid="3" grpId="0" animBg="1"/>
-      <p:bldP spid="17" grpId="0" animBg="1"/>
-      <p:bldP spid="7" grpId="0" animBg="1"/>
-      <p:bldP spid="8" grpId="0" animBg="1"/>
-    </p:bldLst>
   </p:timing>
 </p:sld>
 </file>
